--- a/oral_projet/revue_2/diaporama_revue_2_willy.pptx
+++ b/oral_projet/revue_2/diaporama_revue_2_willy.pptx
@@ -5,13 +5,14 @@
     <p:sldMasterId id="2147483648" r:id="rId1"/>
   </p:sldMasterIdLst>
   <p:notesMasterIdLst>
-    <p:notesMasterId r:id="rId6"/>
+    <p:notesMasterId r:id="rId7"/>
   </p:notesMasterIdLst>
   <p:sldIdLst>
     <p:sldId id="256" r:id="rId2"/>
     <p:sldId id="259" r:id="rId3"/>
-    <p:sldId id="258" r:id="rId4"/>
-    <p:sldId id="260" r:id="rId5"/>
+    <p:sldId id="261" r:id="rId4"/>
+    <p:sldId id="258" r:id="rId5"/>
+    <p:sldId id="260" r:id="rId6"/>
   </p:sldIdLst>
   <p:sldSz cx="12192000" cy="6858000"/>
   <p:notesSz cx="6858000" cy="9144000"/>
@@ -204,7 +205,7 @@
           <a:p>
             <a:fld id="{7BEC4371-174F-4615-858D-8B61BA547698}" type="datetimeFigureOut">
               <a:rPr lang="fr-FR" smtClean="0"/>
-              <a:t>29/01/2018</a:t>
+              <a:t>19/02/2018</a:t>
             </a:fld>
             <a:endParaRPr lang="fr-FR"/>
           </a:p>
@@ -618,7 +619,7 @@
           <a:p>
             <a:fld id="{125942D7-A464-4365-815E-3C7EAFC3F152}" type="datetimeFigureOut">
               <a:rPr lang="fr-FR" smtClean="0"/>
-              <a:t>29/01/2018</a:t>
+              <a:t>19/02/2018</a:t>
             </a:fld>
             <a:endParaRPr lang="fr-FR"/>
           </a:p>
@@ -828,7 +829,7 @@
           <a:p>
             <a:fld id="{125942D7-A464-4365-815E-3C7EAFC3F152}" type="datetimeFigureOut">
               <a:rPr lang="fr-FR" smtClean="0"/>
-              <a:t>29/01/2018</a:t>
+              <a:t>19/02/2018</a:t>
             </a:fld>
             <a:endParaRPr lang="fr-FR"/>
           </a:p>
@@ -1048,7 +1049,7 @@
           <a:p>
             <a:fld id="{125942D7-A464-4365-815E-3C7EAFC3F152}" type="datetimeFigureOut">
               <a:rPr lang="fr-FR" smtClean="0"/>
-              <a:t>29/01/2018</a:t>
+              <a:t>19/02/2018</a:t>
             </a:fld>
             <a:endParaRPr lang="fr-FR"/>
           </a:p>
@@ -1258,7 +1259,7 @@
           <a:p>
             <a:fld id="{125942D7-A464-4365-815E-3C7EAFC3F152}" type="datetimeFigureOut">
               <a:rPr lang="fr-FR" smtClean="0"/>
-              <a:t>29/01/2018</a:t>
+              <a:t>19/02/2018</a:t>
             </a:fld>
             <a:endParaRPr lang="fr-FR"/>
           </a:p>
@@ -1545,7 +1546,7 @@
           <a:p>
             <a:fld id="{125942D7-A464-4365-815E-3C7EAFC3F152}" type="datetimeFigureOut">
               <a:rPr lang="fr-FR" smtClean="0"/>
-              <a:t>29/01/2018</a:t>
+              <a:t>19/02/2018</a:t>
             </a:fld>
             <a:endParaRPr lang="fr-FR"/>
           </a:p>
@@ -1822,7 +1823,7 @@
           <a:p>
             <a:fld id="{125942D7-A464-4365-815E-3C7EAFC3F152}" type="datetimeFigureOut">
               <a:rPr lang="fr-FR" smtClean="0"/>
-              <a:t>29/01/2018</a:t>
+              <a:t>19/02/2018</a:t>
             </a:fld>
             <a:endParaRPr lang="fr-FR"/>
           </a:p>
@@ -2246,7 +2247,7 @@
           <a:p>
             <a:fld id="{125942D7-A464-4365-815E-3C7EAFC3F152}" type="datetimeFigureOut">
               <a:rPr lang="fr-FR" smtClean="0"/>
-              <a:t>29/01/2018</a:t>
+              <a:t>19/02/2018</a:t>
             </a:fld>
             <a:endParaRPr lang="fr-FR"/>
           </a:p>
@@ -2399,7 +2400,7 @@
           <a:p>
             <a:fld id="{125942D7-A464-4365-815E-3C7EAFC3F152}" type="datetimeFigureOut">
               <a:rPr lang="fr-FR" smtClean="0"/>
-              <a:t>29/01/2018</a:t>
+              <a:t>19/02/2018</a:t>
             </a:fld>
             <a:endParaRPr lang="fr-FR"/>
           </a:p>
@@ -2524,7 +2525,7 @@
           <a:p>
             <a:fld id="{125942D7-A464-4365-815E-3C7EAFC3F152}" type="datetimeFigureOut">
               <a:rPr lang="fr-FR" smtClean="0"/>
-              <a:t>29/01/2018</a:t>
+              <a:t>19/02/2018</a:t>
             </a:fld>
             <a:endParaRPr lang="fr-FR"/>
           </a:p>
@@ -2847,7 +2848,7 @@
           <a:p>
             <a:fld id="{125942D7-A464-4365-815E-3C7EAFC3F152}" type="datetimeFigureOut">
               <a:rPr lang="fr-FR" smtClean="0"/>
-              <a:t>29/01/2018</a:t>
+              <a:t>19/02/2018</a:t>
             </a:fld>
             <a:endParaRPr lang="fr-FR"/>
           </a:p>
@@ -3147,7 +3148,7 @@
           <a:p>
             <a:fld id="{125942D7-A464-4365-815E-3C7EAFC3F152}" type="datetimeFigureOut">
               <a:rPr lang="fr-FR" smtClean="0"/>
-              <a:t>29/01/2018</a:t>
+              <a:t>19/02/2018</a:t>
             </a:fld>
             <a:endParaRPr lang="fr-FR"/>
           </a:p>
@@ -3400,7 +3401,7 @@
           <a:p>
             <a:fld id="{125942D7-A464-4365-815E-3C7EAFC3F152}" type="datetimeFigureOut">
               <a:rPr lang="fr-FR" smtClean="0"/>
-              <a:t>29/01/2018</a:t>
+              <a:t>19/02/2018</a:t>
             </a:fld>
             <a:endParaRPr lang="fr-FR"/>
           </a:p>
@@ -3885,7 +3886,7 @@
         </p:nvSpPr>
         <p:spPr>
           <a:xfrm>
-            <a:off x="3669181" y="1157890"/>
+            <a:off x="3669181" y="938268"/>
             <a:ext cx="4853637" cy="769441"/>
           </a:xfrm>
           <a:prstGeom prst="rect">
@@ -5310,7 +5311,7 @@
         </p:nvSpPr>
         <p:spPr>
           <a:xfrm>
-            <a:off x="2894202" y="1367406"/>
+            <a:off x="3175406" y="945358"/>
             <a:ext cx="5632597" cy="769441"/>
           </a:xfrm>
           <a:prstGeom prst="rect">
@@ -6271,12 +6272,352 @@
           </a:fontRef>
         </p:style>
       </p:cxnSp>
+      <p:pic>
+        <p:nvPicPr>
+          <p:cNvPr id="57" name="Image 56">
+            <a:extLst>
+              <a:ext uri="{FF2B5EF4-FFF2-40B4-BE49-F238E27FC236}">
+                <a16:creationId xmlns:a16="http://schemas.microsoft.com/office/drawing/2014/main" id="{12B16FB2-5844-4B92-AE69-9BAC858C22BB}"/>
+              </a:ext>
+            </a:extLst>
+          </p:cNvPr>
+          <p:cNvPicPr>
+            <a:picLocks noChangeAspect="1"/>
+          </p:cNvPicPr>
+          <p:nvPr/>
+        </p:nvPicPr>
+        <p:blipFill>
+          <a:blip r:embed="rId3">
+            <a:extLst>
+              <a:ext uri="{28A0092B-C50C-407E-A947-70E740481C1C}">
+                <a14:useLocalDpi xmlns:a14="http://schemas.microsoft.com/office/drawing/2010/main" val="0"/>
+              </a:ext>
+            </a:extLst>
+          </a:blip>
+          <a:stretch>
+            <a:fillRect/>
+          </a:stretch>
+        </p:blipFill>
+        <p:spPr>
+          <a:xfrm>
+            <a:off x="9681085" y="238153"/>
+            <a:ext cx="1802101" cy="569807"/>
+          </a:xfrm>
+          <a:prstGeom prst="rect">
+            <a:avLst/>
+          </a:prstGeom>
+        </p:spPr>
+      </p:pic>
+      <p:cxnSp>
+        <p:nvCxnSpPr>
+          <p:cNvPr id="58" name="Connecteur droit 57">
+            <a:extLst>
+              <a:ext uri="{FF2B5EF4-FFF2-40B4-BE49-F238E27FC236}">
+                <a16:creationId xmlns:a16="http://schemas.microsoft.com/office/drawing/2014/main" id="{01599350-F8B0-4FDC-B003-981189A8D654}"/>
+              </a:ext>
+            </a:extLst>
+          </p:cNvPr>
+          <p:cNvCxnSpPr>
+            <a:cxnSpLocks/>
+          </p:cNvCxnSpPr>
+          <p:nvPr/>
+        </p:nvCxnSpPr>
+        <p:spPr>
+          <a:xfrm>
+            <a:off x="2573222" y="454803"/>
+            <a:ext cx="6829482" cy="10398"/>
+          </a:xfrm>
+          <a:prstGeom prst="line">
+            <a:avLst/>
+          </a:prstGeom>
+        </p:spPr>
+        <p:style>
+          <a:lnRef idx="3">
+            <a:schemeClr val="dk1"/>
+          </a:lnRef>
+          <a:fillRef idx="0">
+            <a:schemeClr val="dk1"/>
+          </a:fillRef>
+          <a:effectRef idx="2">
+            <a:schemeClr val="dk1"/>
+          </a:effectRef>
+          <a:fontRef idx="minor">
+            <a:schemeClr val="tx1"/>
+          </a:fontRef>
+        </p:style>
+      </p:cxnSp>
+      <p:cxnSp>
+        <p:nvCxnSpPr>
+          <p:cNvPr id="59" name="Connecteur droit 58">
+            <a:extLst>
+              <a:ext uri="{FF2B5EF4-FFF2-40B4-BE49-F238E27FC236}">
+                <a16:creationId xmlns:a16="http://schemas.microsoft.com/office/drawing/2014/main" id="{BC6E6150-6054-4785-84EC-0C46D82034C2}"/>
+              </a:ext>
+            </a:extLst>
+          </p:cNvPr>
+          <p:cNvCxnSpPr>
+            <a:cxnSpLocks/>
+          </p:cNvCxnSpPr>
+          <p:nvPr/>
+        </p:nvCxnSpPr>
+        <p:spPr>
+          <a:xfrm>
+            <a:off x="738231" y="454803"/>
+            <a:ext cx="344203" cy="484764"/>
+          </a:xfrm>
+          <a:prstGeom prst="line">
+            <a:avLst/>
+          </a:prstGeom>
+        </p:spPr>
+        <p:style>
+          <a:lnRef idx="3">
+            <a:schemeClr val="dk1"/>
+          </a:lnRef>
+          <a:fillRef idx="0">
+            <a:schemeClr val="dk1"/>
+          </a:fillRef>
+          <a:effectRef idx="2">
+            <a:schemeClr val="dk1"/>
+          </a:effectRef>
+          <a:fontRef idx="minor">
+            <a:schemeClr val="tx1"/>
+          </a:fontRef>
+        </p:style>
+      </p:cxnSp>
+      <p:cxnSp>
+        <p:nvCxnSpPr>
+          <p:cNvPr id="60" name="Connecteur droit 59">
+            <a:extLst>
+              <a:ext uri="{FF2B5EF4-FFF2-40B4-BE49-F238E27FC236}">
+                <a16:creationId xmlns:a16="http://schemas.microsoft.com/office/drawing/2014/main" id="{CBC9961A-8EC2-4287-A398-BCA4138D409D}"/>
+              </a:ext>
+            </a:extLst>
+          </p:cNvPr>
+          <p:cNvCxnSpPr>
+            <a:cxnSpLocks/>
+          </p:cNvCxnSpPr>
+          <p:nvPr/>
+        </p:nvCxnSpPr>
+        <p:spPr>
+          <a:xfrm>
+            <a:off x="1082434" y="938268"/>
+            <a:ext cx="1146585" cy="0"/>
+          </a:xfrm>
+          <a:prstGeom prst="line">
+            <a:avLst/>
+          </a:prstGeom>
+        </p:spPr>
+        <p:style>
+          <a:lnRef idx="3">
+            <a:schemeClr val="dk1"/>
+          </a:lnRef>
+          <a:fillRef idx="0">
+            <a:schemeClr val="dk1"/>
+          </a:fillRef>
+          <a:effectRef idx="2">
+            <a:schemeClr val="dk1"/>
+          </a:effectRef>
+          <a:fontRef idx="minor">
+            <a:schemeClr val="tx1"/>
+          </a:fontRef>
+        </p:style>
+      </p:cxnSp>
+      <p:cxnSp>
+        <p:nvCxnSpPr>
+          <p:cNvPr id="61" name="Connecteur droit 60">
+            <a:extLst>
+              <a:ext uri="{FF2B5EF4-FFF2-40B4-BE49-F238E27FC236}">
+                <a16:creationId xmlns:a16="http://schemas.microsoft.com/office/drawing/2014/main" id="{152B7C45-2543-4665-BC07-4DB71CA9F337}"/>
+              </a:ext>
+            </a:extLst>
+          </p:cNvPr>
+          <p:cNvCxnSpPr>
+            <a:cxnSpLocks/>
+          </p:cNvCxnSpPr>
+          <p:nvPr/>
+        </p:nvCxnSpPr>
+        <p:spPr>
+          <a:xfrm>
+            <a:off x="9402704" y="465201"/>
+            <a:ext cx="344203" cy="495163"/>
+          </a:xfrm>
+          <a:prstGeom prst="line">
+            <a:avLst/>
+          </a:prstGeom>
+        </p:spPr>
+        <p:style>
+          <a:lnRef idx="3">
+            <a:schemeClr val="dk1"/>
+          </a:lnRef>
+          <a:fillRef idx="0">
+            <a:schemeClr val="dk1"/>
+          </a:fillRef>
+          <a:effectRef idx="2">
+            <a:schemeClr val="dk1"/>
+          </a:effectRef>
+          <a:fontRef idx="minor">
+            <a:schemeClr val="tx1"/>
+          </a:fontRef>
+        </p:style>
+      </p:cxnSp>
+      <p:cxnSp>
+        <p:nvCxnSpPr>
+          <p:cNvPr id="62" name="Connecteur droit 61">
+            <a:extLst>
+              <a:ext uri="{FF2B5EF4-FFF2-40B4-BE49-F238E27FC236}">
+                <a16:creationId xmlns:a16="http://schemas.microsoft.com/office/drawing/2014/main" id="{00A84DC3-A112-46A3-B71C-04D85339323D}"/>
+              </a:ext>
+            </a:extLst>
+          </p:cNvPr>
+          <p:cNvCxnSpPr>
+            <a:cxnSpLocks/>
+          </p:cNvCxnSpPr>
+          <p:nvPr/>
+        </p:nvCxnSpPr>
+        <p:spPr>
+          <a:xfrm flipH="1">
+            <a:off x="11370469" y="448308"/>
+            <a:ext cx="364332" cy="501657"/>
+          </a:xfrm>
+          <a:prstGeom prst="line">
+            <a:avLst/>
+          </a:prstGeom>
+        </p:spPr>
+        <p:style>
+          <a:lnRef idx="3">
+            <a:schemeClr val="dk1"/>
+          </a:lnRef>
+          <a:fillRef idx="0">
+            <a:schemeClr val="dk1"/>
+          </a:fillRef>
+          <a:effectRef idx="2">
+            <a:schemeClr val="dk1"/>
+          </a:effectRef>
+          <a:fontRef idx="minor">
+            <a:schemeClr val="tx1"/>
+          </a:fontRef>
+        </p:style>
+      </p:cxnSp>
+      <p:cxnSp>
+        <p:nvCxnSpPr>
+          <p:cNvPr id="63" name="Connecteur droit 62">
+            <a:extLst>
+              <a:ext uri="{FF2B5EF4-FFF2-40B4-BE49-F238E27FC236}">
+                <a16:creationId xmlns:a16="http://schemas.microsoft.com/office/drawing/2014/main" id="{C50788C6-8F68-44EC-AB54-94C1D2FE554D}"/>
+              </a:ext>
+            </a:extLst>
+          </p:cNvPr>
+          <p:cNvCxnSpPr>
+            <a:cxnSpLocks/>
+          </p:cNvCxnSpPr>
+          <p:nvPr/>
+        </p:nvCxnSpPr>
+        <p:spPr>
+          <a:xfrm>
+            <a:off x="9743203" y="949965"/>
+            <a:ext cx="1627266" cy="0"/>
+          </a:xfrm>
+          <a:prstGeom prst="line">
+            <a:avLst/>
+          </a:prstGeom>
+        </p:spPr>
+        <p:style>
+          <a:lnRef idx="3">
+            <a:schemeClr val="dk1"/>
+          </a:lnRef>
+          <a:fillRef idx="0">
+            <a:schemeClr val="dk1"/>
+          </a:fillRef>
+          <a:effectRef idx="2">
+            <a:schemeClr val="dk1"/>
+          </a:effectRef>
+          <a:fontRef idx="minor">
+            <a:schemeClr val="tx1"/>
+          </a:fontRef>
+        </p:style>
+      </p:cxnSp>
+      <p:cxnSp>
+        <p:nvCxnSpPr>
+          <p:cNvPr id="64" name="Connecteur droit 63">
+            <a:extLst>
+              <a:ext uri="{FF2B5EF4-FFF2-40B4-BE49-F238E27FC236}">
+                <a16:creationId xmlns:a16="http://schemas.microsoft.com/office/drawing/2014/main" id="{BC4D4E5F-5636-45CB-873C-EC085AB307A3}"/>
+              </a:ext>
+            </a:extLst>
+          </p:cNvPr>
+          <p:cNvCxnSpPr>
+            <a:cxnSpLocks/>
+          </p:cNvCxnSpPr>
+          <p:nvPr/>
+        </p:nvCxnSpPr>
+        <p:spPr>
+          <a:xfrm>
+            <a:off x="11715750" y="454801"/>
+            <a:ext cx="476249" cy="10400"/>
+          </a:xfrm>
+          <a:prstGeom prst="line">
+            <a:avLst/>
+          </a:prstGeom>
+        </p:spPr>
+        <p:style>
+          <a:lnRef idx="3">
+            <a:schemeClr val="dk1"/>
+          </a:lnRef>
+          <a:fillRef idx="0">
+            <a:schemeClr val="dk1"/>
+          </a:fillRef>
+          <a:effectRef idx="2">
+            <a:schemeClr val="dk1"/>
+          </a:effectRef>
+          <a:fontRef idx="minor">
+            <a:schemeClr val="tx1"/>
+          </a:fontRef>
+        </p:style>
+      </p:cxnSp>
+      <p:cxnSp>
+        <p:nvCxnSpPr>
+          <p:cNvPr id="65" name="Connecteur droit 64">
+            <a:extLst>
+              <a:ext uri="{FF2B5EF4-FFF2-40B4-BE49-F238E27FC236}">
+                <a16:creationId xmlns:a16="http://schemas.microsoft.com/office/drawing/2014/main" id="{E6F6B4C5-0E3B-46C9-859D-EE774175D36F}"/>
+              </a:ext>
+            </a:extLst>
+          </p:cNvPr>
+          <p:cNvCxnSpPr>
+            <a:cxnSpLocks/>
+          </p:cNvCxnSpPr>
+          <p:nvPr/>
+        </p:nvCxnSpPr>
+        <p:spPr>
+          <a:xfrm flipH="1">
+            <a:off x="2216372" y="446356"/>
+            <a:ext cx="364332" cy="501657"/>
+          </a:xfrm>
+          <a:prstGeom prst="line">
+            <a:avLst/>
+          </a:prstGeom>
+        </p:spPr>
+        <p:style>
+          <a:lnRef idx="3">
+            <a:schemeClr val="dk1"/>
+          </a:lnRef>
+          <a:fillRef idx="0">
+            <a:schemeClr val="dk1"/>
+          </a:fillRef>
+          <a:effectRef idx="2">
+            <a:schemeClr val="dk1"/>
+          </a:effectRef>
+          <a:fontRef idx="minor">
+            <a:schemeClr val="tx1"/>
+          </a:fontRef>
+        </p:style>
+      </p:cxnSp>
       <p:sp>
         <p:nvSpPr>
-          <p:cNvPr id="2" name="ZoneTexte 1">
-            <a:extLst>
-              <a:ext uri="{FF2B5EF4-FFF2-40B4-BE49-F238E27FC236}">
-                <a16:creationId xmlns:a16="http://schemas.microsoft.com/office/drawing/2014/main" id="{674DD8AD-F715-49A9-B7B1-4A7DF94CD2F7}"/>
+          <p:cNvPr id="66" name="ZoneTexte 65">
+            <a:extLst>
+              <a:ext uri="{FF2B5EF4-FFF2-40B4-BE49-F238E27FC236}">
+                <a16:creationId xmlns:a16="http://schemas.microsoft.com/office/drawing/2014/main" id="{833EBC5D-B999-4108-84B0-672550933C1B}"/>
               </a:ext>
             </a:extLst>
           </p:cNvPr>
@@ -6285,7 +6626,7 @@
         </p:nvSpPr>
         <p:spPr>
           <a:xfrm>
-            <a:off x="3422708" y="1384184"/>
+            <a:off x="3175405" y="938268"/>
             <a:ext cx="5632597" cy="769441"/>
           </a:xfrm>
           <a:prstGeom prst="rect">
@@ -6299,73 +6640,22 @@
           </a:bodyPr>
           <a:lstStyle/>
           <a:p>
+            <a:pPr algn="ctr"/>
             <a:r>
               <a:rPr lang="fr-FR" sz="4400" dirty="0">
                 <a:latin typeface="Berlin Sans FB" panose="020E0602020502020306" pitchFamily="34" charset="0"/>
               </a:rPr>
-              <a:t>Rôle des étudiants</a:t>
-            </a:r>
-          </a:p>
-        </p:txBody>
-      </p:sp>
-      <p:sp>
-        <p:nvSpPr>
-          <p:cNvPr id="3" name="ZoneTexte 2">
-            <a:extLst>
-              <a:ext uri="{FF2B5EF4-FFF2-40B4-BE49-F238E27FC236}">
-                <a16:creationId xmlns:a16="http://schemas.microsoft.com/office/drawing/2014/main" id="{DCCD1615-1755-47F7-AF0B-75E932931245}"/>
-              </a:ext>
-            </a:extLst>
-          </p:cNvPr>
-          <p:cNvSpPr txBox="1"/>
-          <p:nvPr/>
-        </p:nvSpPr>
-        <p:spPr>
-          <a:xfrm>
-            <a:off x="1156800" y="3143689"/>
-            <a:ext cx="2695434" cy="1754326"/>
-          </a:xfrm>
-          <a:prstGeom prst="rect">
-            <a:avLst/>
-          </a:prstGeom>
-          <a:noFill/>
-        </p:spPr>
-        <p:txBody>
-          <a:bodyPr wrap="square" rtlCol="0">
-            <a:spAutoFit/>
-          </a:bodyPr>
-          <a:lstStyle/>
-          <a:p>
-            <a:r>
-              <a:rPr lang="fr-FR" dirty="0"/>
-              <a:t>Etudiant 1 : Steven</a:t>
-            </a:r>
-          </a:p>
-          <a:p>
-            <a:endParaRPr lang="fr-FR" dirty="0"/>
-          </a:p>
-          <a:p>
-            <a:r>
-              <a:rPr lang="fr-FR" dirty="0">
-                <a:latin typeface="+mj-lt"/>
-              </a:rPr>
-              <a:t>Partie rapsberry acquisition</a:t>
-            </a:r>
-          </a:p>
-          <a:p>
-            <a:endParaRPr lang="fr-FR" dirty="0"/>
-          </a:p>
-          <a:p>
-            <a:endParaRPr lang="fr-FR" dirty="0"/>
+              <a:t>Synoptique du projet</a:t>
+            </a:r>
           </a:p>
         </p:txBody>
       </p:sp>
       <p:pic>
         <p:nvPicPr>
-          <p:cNvPr id="5" name="Graphique 4" descr="Homme">
-            <a:extLst>
-              <a:ext uri="{FF2B5EF4-FFF2-40B4-BE49-F238E27FC236}">
-                <a16:creationId xmlns:a16="http://schemas.microsoft.com/office/drawing/2014/main" id="{5D686FEC-E0C7-47CC-8656-80B2ECA6AD95}"/>
+          <p:cNvPr id="4" name="Image 3" descr="Une image contenant texte, carte&#10;&#10;Description générée avec un niveau de confiance très élevé">
+            <a:extLst>
+              <a:ext uri="{FF2B5EF4-FFF2-40B4-BE49-F238E27FC236}">
+                <a16:creationId xmlns:a16="http://schemas.microsoft.com/office/drawing/2014/main" id="{74F7C2D2-CAD8-4D46-B998-EC137FF6D89F}"/>
               </a:ext>
             </a:extLst>
           </p:cNvPr>
@@ -6379,9 +6669,6 @@
             <a:extLst>
               <a:ext uri="{28A0092B-C50C-407E-A947-70E740481C1C}">
                 <a14:useLocalDpi xmlns:a14="http://schemas.microsoft.com/office/drawing/2010/main" val="0"/>
-              </a:ext>
-              <a:ext uri="{96DAC541-7B7A-43D3-8B79-37D633B846F1}">
-                <asvg:svgBlip xmlns:asvg="http://schemas.microsoft.com/office/drawing/2016/SVG/main" r:embed="rId5"/>
               </a:ext>
             </a:extLst>
           </a:blip>
@@ -6391,413 +6678,8 @@
         </p:blipFill>
         <p:spPr>
           <a:xfrm>
-            <a:off x="281031" y="2962470"/>
-            <a:ext cx="914400" cy="914400"/>
-          </a:xfrm>
-          <a:prstGeom prst="rect">
-            <a:avLst/>
-          </a:prstGeom>
-        </p:spPr>
-      </p:pic>
-      <p:pic>
-        <p:nvPicPr>
-          <p:cNvPr id="7" name="Graphique 6" descr="Homme">
-            <a:extLst>
-              <a:ext uri="{FF2B5EF4-FFF2-40B4-BE49-F238E27FC236}">
-                <a16:creationId xmlns:a16="http://schemas.microsoft.com/office/drawing/2014/main" id="{3F1DAEDE-C978-4A30-ADE4-E1C09F165B74}"/>
-              </a:ext>
-            </a:extLst>
-          </p:cNvPr>
-          <p:cNvPicPr>
-            <a:picLocks noChangeAspect="1"/>
-          </p:cNvPicPr>
-          <p:nvPr/>
-        </p:nvPicPr>
-        <p:blipFill>
-          <a:blip r:embed="rId4">
-            <a:extLst>
-              <a:ext uri="{28A0092B-C50C-407E-A947-70E740481C1C}">
-                <a14:useLocalDpi xmlns:a14="http://schemas.microsoft.com/office/drawing/2010/main" val="0"/>
-              </a:ext>
-              <a:ext uri="{96DAC541-7B7A-43D3-8B79-37D633B846F1}">
-                <asvg:svgBlip xmlns:asvg="http://schemas.microsoft.com/office/drawing/2016/SVG/main" r:embed="rId5"/>
-              </a:ext>
-            </a:extLst>
-          </a:blip>
-          <a:stretch>
-            <a:fillRect/>
-          </a:stretch>
-        </p:blipFill>
-        <p:spPr>
-          <a:xfrm>
-            <a:off x="7822163" y="2962470"/>
-            <a:ext cx="914400" cy="914400"/>
-          </a:xfrm>
-          <a:prstGeom prst="rect">
-            <a:avLst/>
-          </a:prstGeom>
-        </p:spPr>
-      </p:pic>
-      <p:pic>
-        <p:nvPicPr>
-          <p:cNvPr id="11" name="Graphique 10" descr="Homme">
-            <a:extLst>
-              <a:ext uri="{FF2B5EF4-FFF2-40B4-BE49-F238E27FC236}">
-                <a16:creationId xmlns:a16="http://schemas.microsoft.com/office/drawing/2014/main" id="{3D1F2BD8-2A52-4A51-B903-B49EC1DF010D}"/>
-              </a:ext>
-            </a:extLst>
-          </p:cNvPr>
-          <p:cNvPicPr>
-            <a:picLocks noChangeAspect="1"/>
-          </p:cNvPicPr>
-          <p:nvPr/>
-        </p:nvPicPr>
-        <p:blipFill>
-          <a:blip r:embed="rId4">
-            <a:extLst>
-              <a:ext uri="{28A0092B-C50C-407E-A947-70E740481C1C}">
-                <a14:useLocalDpi xmlns:a14="http://schemas.microsoft.com/office/drawing/2010/main" val="0"/>
-              </a:ext>
-              <a:ext uri="{96DAC541-7B7A-43D3-8B79-37D633B846F1}">
-                <asvg:svgBlip xmlns:asvg="http://schemas.microsoft.com/office/drawing/2016/SVG/main" r:embed="rId5"/>
-              </a:ext>
-            </a:extLst>
-          </a:blip>
-          <a:stretch>
-            <a:fillRect/>
-          </a:stretch>
-        </p:blipFill>
-        <p:spPr>
-          <a:xfrm>
-            <a:off x="281031" y="5229808"/>
-            <a:ext cx="914400" cy="914400"/>
-          </a:xfrm>
-          <a:prstGeom prst="rect">
-            <a:avLst/>
-          </a:prstGeom>
-        </p:spPr>
-      </p:pic>
-      <p:pic>
-        <p:nvPicPr>
-          <p:cNvPr id="13" name="Graphique 12" descr="Homme">
-            <a:extLst>
-              <a:ext uri="{FF2B5EF4-FFF2-40B4-BE49-F238E27FC236}">
-                <a16:creationId xmlns:a16="http://schemas.microsoft.com/office/drawing/2014/main" id="{496E86E9-0365-4241-B0E0-3139B1B41DA9}"/>
-              </a:ext>
-            </a:extLst>
-          </p:cNvPr>
-          <p:cNvPicPr>
-            <a:picLocks noChangeAspect="1"/>
-          </p:cNvPicPr>
-          <p:nvPr/>
-        </p:nvPicPr>
-        <p:blipFill>
-          <a:blip r:embed="rId4">
-            <a:extLst>
-              <a:ext uri="{28A0092B-C50C-407E-A947-70E740481C1C}">
-                <a14:useLocalDpi xmlns:a14="http://schemas.microsoft.com/office/drawing/2010/main" val="0"/>
-              </a:ext>
-              <a:ext uri="{96DAC541-7B7A-43D3-8B79-37D633B846F1}">
-                <asvg:svgBlip xmlns:asvg="http://schemas.microsoft.com/office/drawing/2016/SVG/main" r:embed="rId5"/>
-              </a:ext>
-            </a:extLst>
-          </a:blip>
-          <a:stretch>
-            <a:fillRect/>
-          </a:stretch>
-        </p:blipFill>
-        <p:spPr>
-          <a:xfrm>
-            <a:off x="7999445" y="5229808"/>
-            <a:ext cx="914400" cy="914400"/>
-          </a:xfrm>
-          <a:prstGeom prst="rect">
-            <a:avLst/>
-          </a:prstGeom>
-        </p:spPr>
-      </p:pic>
-      <p:sp>
-        <p:nvSpPr>
-          <p:cNvPr id="14" name="ZoneTexte 13">
-            <a:extLst>
-              <a:ext uri="{FF2B5EF4-FFF2-40B4-BE49-F238E27FC236}">
-                <a16:creationId xmlns:a16="http://schemas.microsoft.com/office/drawing/2014/main" id="{863FAC4E-CD11-44F8-9555-8D34A7409E4A}"/>
-              </a:ext>
-            </a:extLst>
-          </p:cNvPr>
-          <p:cNvSpPr txBox="1"/>
-          <p:nvPr/>
-        </p:nvSpPr>
-        <p:spPr>
-          <a:xfrm>
-            <a:off x="1151783" y="5363842"/>
-            <a:ext cx="2434177" cy="1200329"/>
-          </a:xfrm>
-          <a:prstGeom prst="rect">
-            <a:avLst/>
-          </a:prstGeom>
-          <a:noFill/>
-        </p:spPr>
-        <p:txBody>
-          <a:bodyPr wrap="square" rtlCol="0">
-            <a:spAutoFit/>
-          </a:bodyPr>
-          <a:lstStyle/>
-          <a:p>
-            <a:r>
-              <a:rPr lang="fr-FR" dirty="0"/>
-              <a:t>Etudiant 2 : Willy </a:t>
-            </a:r>
-          </a:p>
-          <a:p>
-            <a:endParaRPr lang="fr-FR" dirty="0"/>
-          </a:p>
-          <a:p>
-            <a:r>
-              <a:rPr lang="fr-FR" dirty="0">
-                <a:latin typeface="+mj-lt"/>
-              </a:rPr>
-              <a:t>Partie Web avec Netbeans</a:t>
-            </a:r>
-          </a:p>
-        </p:txBody>
-      </p:sp>
-      <p:sp>
-        <p:nvSpPr>
-          <p:cNvPr id="15" name="ZoneTexte 14">
-            <a:extLst>
-              <a:ext uri="{FF2B5EF4-FFF2-40B4-BE49-F238E27FC236}">
-                <a16:creationId xmlns:a16="http://schemas.microsoft.com/office/drawing/2014/main" id="{7FF94F4B-10E1-4E4D-AD68-D90A8EAAB109}"/>
-              </a:ext>
-            </a:extLst>
-          </p:cNvPr>
-          <p:cNvSpPr txBox="1"/>
-          <p:nvPr/>
-        </p:nvSpPr>
-        <p:spPr>
-          <a:xfrm>
-            <a:off x="8736563" y="3107094"/>
-            <a:ext cx="2404188" cy="1754326"/>
-          </a:xfrm>
-          <a:prstGeom prst="rect">
-            <a:avLst/>
-          </a:prstGeom>
-          <a:noFill/>
-        </p:spPr>
-        <p:txBody>
-          <a:bodyPr wrap="square" rtlCol="0">
-            <a:spAutoFit/>
-          </a:bodyPr>
-          <a:lstStyle/>
-          <a:p>
-            <a:r>
-              <a:rPr lang="fr-FR" dirty="0"/>
-              <a:t>Etudiant 3 : Samuel</a:t>
-            </a:r>
-          </a:p>
-          <a:p>
-            <a:endParaRPr lang="fr-FR" dirty="0"/>
-          </a:p>
-          <a:p>
-            <a:r>
-              <a:rPr lang="fr-FR" dirty="0">
-                <a:latin typeface="+mj-lt"/>
-              </a:rPr>
-              <a:t>Partie BDD avec le serveur Wamp</a:t>
-            </a:r>
-          </a:p>
-          <a:p>
-            <a:endParaRPr lang="fr-FR" dirty="0"/>
-          </a:p>
-          <a:p>
-            <a:endParaRPr lang="fr-FR" dirty="0"/>
-          </a:p>
-        </p:txBody>
-      </p:sp>
-      <p:sp>
-        <p:nvSpPr>
-          <p:cNvPr id="17" name="ZoneTexte 16">
-            <a:extLst>
-              <a:ext uri="{FF2B5EF4-FFF2-40B4-BE49-F238E27FC236}">
-                <a16:creationId xmlns:a16="http://schemas.microsoft.com/office/drawing/2014/main" id="{6832ED2D-AB77-4E11-94A7-1ABB51FE6ACA}"/>
-              </a:ext>
-            </a:extLst>
-          </p:cNvPr>
-          <p:cNvSpPr txBox="1"/>
-          <p:nvPr/>
-        </p:nvSpPr>
-        <p:spPr>
-          <a:xfrm>
-            <a:off x="8736563" y="5339257"/>
-            <a:ext cx="2633906" cy="1200329"/>
-          </a:xfrm>
-          <a:prstGeom prst="rect">
-            <a:avLst/>
-          </a:prstGeom>
-          <a:noFill/>
-        </p:spPr>
-        <p:txBody>
-          <a:bodyPr wrap="square" rtlCol="0">
-            <a:spAutoFit/>
-          </a:bodyPr>
-          <a:lstStyle/>
-          <a:p>
-            <a:r>
-              <a:rPr lang="fr-FR" dirty="0"/>
-              <a:t>Etudiant 4 : Dylan</a:t>
-            </a:r>
-          </a:p>
-          <a:p>
-            <a:endParaRPr lang="fr-FR" dirty="0"/>
-          </a:p>
-          <a:p>
-            <a:r>
-              <a:rPr lang="fr-FR" dirty="0">
-                <a:latin typeface="+mj-lt"/>
-              </a:rPr>
-              <a:t>Partie Application androïd avec androïd studio</a:t>
-            </a:r>
-          </a:p>
-        </p:txBody>
-      </p:sp>
-      <p:pic>
-        <p:nvPicPr>
-          <p:cNvPr id="27" name="Image 26" descr="Une image contenant moniteur, intérieur, assis, équipement électronique&#10;&#10;Description générée avec un niveau de confiance élevé">
-            <a:extLst>
-              <a:ext uri="{FF2B5EF4-FFF2-40B4-BE49-F238E27FC236}">
-                <a16:creationId xmlns:a16="http://schemas.microsoft.com/office/drawing/2014/main" id="{B6EC8198-D126-44D7-8F4B-D3D9110D7FC4}"/>
-              </a:ext>
-            </a:extLst>
-          </p:cNvPr>
-          <p:cNvPicPr>
-            <a:picLocks noChangeAspect="1"/>
-          </p:cNvPicPr>
-          <p:nvPr/>
-        </p:nvPicPr>
-        <p:blipFill>
-          <a:blip r:embed="rId6">
-            <a:extLst>
-              <a:ext uri="{28A0092B-C50C-407E-A947-70E740481C1C}">
-                <a14:useLocalDpi xmlns:a14="http://schemas.microsoft.com/office/drawing/2010/main" val="0"/>
-              </a:ext>
-            </a:extLst>
-          </a:blip>
-          <a:stretch>
-            <a:fillRect/>
-          </a:stretch>
-        </p:blipFill>
-        <p:spPr>
-          <a:xfrm>
-            <a:off x="3156101" y="5441548"/>
-            <a:ext cx="885508" cy="885508"/>
-          </a:xfrm>
-          <a:prstGeom prst="rect">
-            <a:avLst/>
-          </a:prstGeom>
-        </p:spPr>
-      </p:pic>
-      <p:pic>
-        <p:nvPicPr>
-          <p:cNvPr id="29" name="Image 28">
-            <a:extLst>
-              <a:ext uri="{FF2B5EF4-FFF2-40B4-BE49-F238E27FC236}">
-                <a16:creationId xmlns:a16="http://schemas.microsoft.com/office/drawing/2014/main" id="{A30184B6-9240-4D20-B2A0-857E1B72DC81}"/>
-              </a:ext>
-            </a:extLst>
-          </p:cNvPr>
-          <p:cNvPicPr>
-            <a:picLocks noChangeAspect="1"/>
-          </p:cNvPicPr>
-          <p:nvPr/>
-        </p:nvPicPr>
-        <p:blipFill>
-          <a:blip r:embed="rId7">
-            <a:extLst>
-              <a:ext uri="{28A0092B-C50C-407E-A947-70E740481C1C}">
-                <a14:useLocalDpi xmlns:a14="http://schemas.microsoft.com/office/drawing/2010/main" val="0"/>
-              </a:ext>
-            </a:extLst>
-          </a:blip>
-          <a:stretch>
-            <a:fillRect/>
-          </a:stretch>
-        </p:blipFill>
-        <p:spPr>
-          <a:xfrm>
-            <a:off x="7355100" y="5491966"/>
-            <a:ext cx="715646" cy="715646"/>
-          </a:xfrm>
-          <a:prstGeom prst="rect">
-            <a:avLst/>
-          </a:prstGeom>
-        </p:spPr>
-      </p:pic>
-      <p:pic>
-        <p:nvPicPr>
-          <p:cNvPr id="31" name="Image 30">
-            <a:extLst>
-              <a:ext uri="{FF2B5EF4-FFF2-40B4-BE49-F238E27FC236}">
-                <a16:creationId xmlns:a16="http://schemas.microsoft.com/office/drawing/2014/main" id="{61AE4316-C586-49EC-B2DB-6F52702C83C5}"/>
-              </a:ext>
-            </a:extLst>
-          </p:cNvPr>
-          <p:cNvPicPr>
-            <a:picLocks noChangeAspect="1"/>
-          </p:cNvPicPr>
-          <p:nvPr/>
-        </p:nvPicPr>
-        <p:blipFill>
-          <a:blip r:embed="rId8">
-            <a:extLst>
-              <a:ext uri="{28A0092B-C50C-407E-A947-70E740481C1C}">
-                <a14:useLocalDpi xmlns:a14="http://schemas.microsoft.com/office/drawing/2010/main" val="0"/>
-              </a:ext>
-            </a:extLst>
-          </a:blip>
-          <a:stretch>
-            <a:fillRect/>
-          </a:stretch>
-        </p:blipFill>
-        <p:spPr>
-          <a:xfrm>
-            <a:off x="3311659" y="3254307"/>
-            <a:ext cx="729950" cy="729950"/>
-          </a:xfrm>
-          <a:prstGeom prst="rect">
-            <a:avLst/>
-          </a:prstGeom>
-        </p:spPr>
-      </p:pic>
-      <p:pic>
-        <p:nvPicPr>
-          <p:cNvPr id="33" name="Image 32">
-            <a:extLst>
-              <a:ext uri="{FF2B5EF4-FFF2-40B4-BE49-F238E27FC236}">
-                <a16:creationId xmlns:a16="http://schemas.microsoft.com/office/drawing/2014/main" id="{73EEA239-206F-481C-B216-8B7BC114274A}"/>
-              </a:ext>
-            </a:extLst>
-          </p:cNvPr>
-          <p:cNvPicPr>
-            <a:picLocks noChangeAspect="1"/>
-          </p:cNvPicPr>
-          <p:nvPr/>
-        </p:nvPicPr>
-        <p:blipFill>
-          <a:blip r:embed="rId9">
-            <a:extLst>
-              <a:ext uri="{28A0092B-C50C-407E-A947-70E740481C1C}">
-                <a14:useLocalDpi xmlns:a14="http://schemas.microsoft.com/office/drawing/2010/main" val="0"/>
-              </a:ext>
-            </a:extLst>
-          </a:blip>
-          <a:stretch>
-            <a:fillRect/>
-          </a:stretch>
-        </p:blipFill>
-        <p:spPr>
-          <a:xfrm>
-            <a:off x="7106517" y="3143689"/>
-            <a:ext cx="715646" cy="715646"/>
+            <a:off x="2293878" y="1854996"/>
+            <a:ext cx="7604243" cy="4936547"/>
           </a:xfrm>
           <a:prstGeom prst="rect">
             <a:avLst/>
@@ -6807,7 +6689,7 @@
     </p:spTree>
     <p:extLst>
       <p:ext uri="{BB962C8B-B14F-4D97-AF65-F5344CB8AC3E}">
-        <p14:creationId xmlns:p14="http://schemas.microsoft.com/office/powerpoint/2010/main" val="1323509659"/>
+        <p14:creationId xmlns:p14="http://schemas.microsoft.com/office/powerpoint/2010/main" val="4114613921"/>
       </p:ext>
     </p:extLst>
   </p:cSld>
@@ -7262,6 +7144,995 @@
       </p:cxnSp>
       <p:sp>
         <p:nvSpPr>
+          <p:cNvPr id="2" name="ZoneTexte 1">
+            <a:extLst>
+              <a:ext uri="{FF2B5EF4-FFF2-40B4-BE49-F238E27FC236}">
+                <a16:creationId xmlns:a16="http://schemas.microsoft.com/office/drawing/2014/main" id="{674DD8AD-F715-49A9-B7B1-4A7DF94CD2F7}"/>
+              </a:ext>
+            </a:extLst>
+          </p:cNvPr>
+          <p:cNvSpPr txBox="1"/>
+          <p:nvPr/>
+        </p:nvSpPr>
+        <p:spPr>
+          <a:xfrm>
+            <a:off x="3175406" y="962653"/>
+            <a:ext cx="5632597" cy="769441"/>
+          </a:xfrm>
+          <a:prstGeom prst="rect">
+            <a:avLst/>
+          </a:prstGeom>
+          <a:noFill/>
+        </p:spPr>
+        <p:txBody>
+          <a:bodyPr wrap="square" rtlCol="0">
+            <a:spAutoFit/>
+          </a:bodyPr>
+          <a:lstStyle/>
+          <a:p>
+            <a:r>
+              <a:rPr lang="fr-FR" sz="4400" dirty="0">
+                <a:latin typeface="Berlin Sans FB" panose="020E0602020502020306" pitchFamily="34" charset="0"/>
+              </a:rPr>
+              <a:t>Rôle des étudiants</a:t>
+            </a:r>
+          </a:p>
+        </p:txBody>
+      </p:sp>
+      <p:sp>
+        <p:nvSpPr>
+          <p:cNvPr id="3" name="ZoneTexte 2">
+            <a:extLst>
+              <a:ext uri="{FF2B5EF4-FFF2-40B4-BE49-F238E27FC236}">
+                <a16:creationId xmlns:a16="http://schemas.microsoft.com/office/drawing/2014/main" id="{DCCD1615-1755-47F7-AF0B-75E932931245}"/>
+              </a:ext>
+            </a:extLst>
+          </p:cNvPr>
+          <p:cNvSpPr txBox="1"/>
+          <p:nvPr/>
+        </p:nvSpPr>
+        <p:spPr>
+          <a:xfrm>
+            <a:off x="1535363" y="2631960"/>
+            <a:ext cx="2695434" cy="1754326"/>
+          </a:xfrm>
+          <a:prstGeom prst="rect">
+            <a:avLst/>
+          </a:prstGeom>
+          <a:noFill/>
+        </p:spPr>
+        <p:txBody>
+          <a:bodyPr wrap="square" rtlCol="0">
+            <a:spAutoFit/>
+          </a:bodyPr>
+          <a:lstStyle/>
+          <a:p>
+            <a:r>
+              <a:rPr lang="fr-FR" dirty="0"/>
+              <a:t>Etudiant 1 : Steven</a:t>
+            </a:r>
+          </a:p>
+          <a:p>
+            <a:endParaRPr lang="fr-FR" dirty="0"/>
+          </a:p>
+          <a:p>
+            <a:r>
+              <a:rPr lang="fr-FR" dirty="0">
+                <a:latin typeface="+mj-lt"/>
+              </a:rPr>
+              <a:t>Partie rapsberry acquisition</a:t>
+            </a:r>
+          </a:p>
+          <a:p>
+            <a:endParaRPr lang="fr-FR" dirty="0"/>
+          </a:p>
+          <a:p>
+            <a:endParaRPr lang="fr-FR" dirty="0"/>
+          </a:p>
+        </p:txBody>
+      </p:sp>
+      <p:pic>
+        <p:nvPicPr>
+          <p:cNvPr id="5" name="Graphique 4" descr="Homme">
+            <a:extLst>
+              <a:ext uri="{FF2B5EF4-FFF2-40B4-BE49-F238E27FC236}">
+                <a16:creationId xmlns:a16="http://schemas.microsoft.com/office/drawing/2014/main" id="{5D686FEC-E0C7-47CC-8656-80B2ECA6AD95}"/>
+              </a:ext>
+            </a:extLst>
+          </p:cNvPr>
+          <p:cNvPicPr>
+            <a:picLocks noChangeAspect="1"/>
+          </p:cNvPicPr>
+          <p:nvPr/>
+        </p:nvPicPr>
+        <p:blipFill>
+          <a:blip r:embed="rId4">
+            <a:extLst>
+              <a:ext uri="{28A0092B-C50C-407E-A947-70E740481C1C}">
+                <a14:useLocalDpi xmlns:a14="http://schemas.microsoft.com/office/drawing/2010/main" val="0"/>
+              </a:ext>
+              <a:ext uri="{96DAC541-7B7A-43D3-8B79-37D633B846F1}">
+                <asvg:svgBlip xmlns:asvg="http://schemas.microsoft.com/office/drawing/2016/SVG/main" r:embed="rId5"/>
+              </a:ext>
+            </a:extLst>
+          </a:blip>
+          <a:stretch>
+            <a:fillRect/>
+          </a:stretch>
+        </p:blipFill>
+        <p:spPr>
+          <a:xfrm>
+            <a:off x="659594" y="2450741"/>
+            <a:ext cx="914400" cy="914400"/>
+          </a:xfrm>
+          <a:prstGeom prst="rect">
+            <a:avLst/>
+          </a:prstGeom>
+        </p:spPr>
+      </p:pic>
+      <p:pic>
+        <p:nvPicPr>
+          <p:cNvPr id="7" name="Graphique 6" descr="Homme">
+            <a:extLst>
+              <a:ext uri="{FF2B5EF4-FFF2-40B4-BE49-F238E27FC236}">
+                <a16:creationId xmlns:a16="http://schemas.microsoft.com/office/drawing/2014/main" id="{3F1DAEDE-C978-4A30-ADE4-E1C09F165B74}"/>
+              </a:ext>
+            </a:extLst>
+          </p:cNvPr>
+          <p:cNvPicPr>
+            <a:picLocks noChangeAspect="1"/>
+          </p:cNvPicPr>
+          <p:nvPr/>
+        </p:nvPicPr>
+        <p:blipFill>
+          <a:blip r:embed="rId4">
+            <a:extLst>
+              <a:ext uri="{28A0092B-C50C-407E-A947-70E740481C1C}">
+                <a14:useLocalDpi xmlns:a14="http://schemas.microsoft.com/office/drawing/2010/main" val="0"/>
+              </a:ext>
+              <a:ext uri="{96DAC541-7B7A-43D3-8B79-37D633B846F1}">
+                <asvg:svgBlip xmlns:asvg="http://schemas.microsoft.com/office/drawing/2016/SVG/main" r:embed="rId5"/>
+              </a:ext>
+            </a:extLst>
+          </a:blip>
+          <a:stretch>
+            <a:fillRect/>
+          </a:stretch>
+        </p:blipFill>
+        <p:spPr>
+          <a:xfrm>
+            <a:off x="7771829" y="2450741"/>
+            <a:ext cx="914400" cy="914400"/>
+          </a:xfrm>
+          <a:prstGeom prst="rect">
+            <a:avLst/>
+          </a:prstGeom>
+        </p:spPr>
+      </p:pic>
+      <p:pic>
+        <p:nvPicPr>
+          <p:cNvPr id="11" name="Graphique 10" descr="Homme">
+            <a:extLst>
+              <a:ext uri="{FF2B5EF4-FFF2-40B4-BE49-F238E27FC236}">
+                <a16:creationId xmlns:a16="http://schemas.microsoft.com/office/drawing/2014/main" id="{3D1F2BD8-2A52-4A51-B903-B49EC1DF010D}"/>
+              </a:ext>
+            </a:extLst>
+          </p:cNvPr>
+          <p:cNvPicPr>
+            <a:picLocks noChangeAspect="1"/>
+          </p:cNvPicPr>
+          <p:nvPr/>
+        </p:nvPicPr>
+        <p:blipFill>
+          <a:blip r:embed="rId4">
+            <a:extLst>
+              <a:ext uri="{28A0092B-C50C-407E-A947-70E740481C1C}">
+                <a14:useLocalDpi xmlns:a14="http://schemas.microsoft.com/office/drawing/2010/main" val="0"/>
+              </a:ext>
+              <a:ext uri="{96DAC541-7B7A-43D3-8B79-37D633B846F1}">
+                <asvg:svgBlip xmlns:asvg="http://schemas.microsoft.com/office/drawing/2016/SVG/main" r:embed="rId5"/>
+              </a:ext>
+            </a:extLst>
+          </a:blip>
+          <a:stretch>
+            <a:fillRect/>
+          </a:stretch>
+        </p:blipFill>
+        <p:spPr>
+          <a:xfrm>
+            <a:off x="659594" y="4718079"/>
+            <a:ext cx="914400" cy="914400"/>
+          </a:xfrm>
+          <a:prstGeom prst="rect">
+            <a:avLst/>
+          </a:prstGeom>
+        </p:spPr>
+      </p:pic>
+      <p:pic>
+        <p:nvPicPr>
+          <p:cNvPr id="13" name="Graphique 12" descr="Homme">
+            <a:extLst>
+              <a:ext uri="{FF2B5EF4-FFF2-40B4-BE49-F238E27FC236}">
+                <a16:creationId xmlns:a16="http://schemas.microsoft.com/office/drawing/2014/main" id="{496E86E9-0365-4241-B0E0-3139B1B41DA9}"/>
+              </a:ext>
+            </a:extLst>
+          </p:cNvPr>
+          <p:cNvPicPr>
+            <a:picLocks noChangeAspect="1"/>
+          </p:cNvPicPr>
+          <p:nvPr/>
+        </p:nvPicPr>
+        <p:blipFill>
+          <a:blip r:embed="rId4">
+            <a:extLst>
+              <a:ext uri="{28A0092B-C50C-407E-A947-70E740481C1C}">
+                <a14:useLocalDpi xmlns:a14="http://schemas.microsoft.com/office/drawing/2010/main" val="0"/>
+              </a:ext>
+              <a:ext uri="{96DAC541-7B7A-43D3-8B79-37D633B846F1}">
+                <asvg:svgBlip xmlns:asvg="http://schemas.microsoft.com/office/drawing/2016/SVG/main" r:embed="rId5"/>
+              </a:ext>
+            </a:extLst>
+          </a:blip>
+          <a:stretch>
+            <a:fillRect/>
+          </a:stretch>
+        </p:blipFill>
+        <p:spPr>
+          <a:xfrm>
+            <a:off x="7949111" y="4718079"/>
+            <a:ext cx="914400" cy="914400"/>
+          </a:xfrm>
+          <a:prstGeom prst="rect">
+            <a:avLst/>
+          </a:prstGeom>
+        </p:spPr>
+      </p:pic>
+      <p:sp>
+        <p:nvSpPr>
+          <p:cNvPr id="14" name="ZoneTexte 13">
+            <a:extLst>
+              <a:ext uri="{FF2B5EF4-FFF2-40B4-BE49-F238E27FC236}">
+                <a16:creationId xmlns:a16="http://schemas.microsoft.com/office/drawing/2014/main" id="{863FAC4E-CD11-44F8-9555-8D34A7409E4A}"/>
+              </a:ext>
+            </a:extLst>
+          </p:cNvPr>
+          <p:cNvSpPr txBox="1"/>
+          <p:nvPr/>
+        </p:nvSpPr>
+        <p:spPr>
+          <a:xfrm>
+            <a:off x="1530346" y="4852113"/>
+            <a:ext cx="2434177" cy="1200329"/>
+          </a:xfrm>
+          <a:prstGeom prst="rect">
+            <a:avLst/>
+          </a:prstGeom>
+          <a:noFill/>
+        </p:spPr>
+        <p:txBody>
+          <a:bodyPr wrap="square" rtlCol="0">
+            <a:spAutoFit/>
+          </a:bodyPr>
+          <a:lstStyle/>
+          <a:p>
+            <a:r>
+              <a:rPr lang="fr-FR" dirty="0"/>
+              <a:t>Etudiant 2 : Willy </a:t>
+            </a:r>
+          </a:p>
+          <a:p>
+            <a:endParaRPr lang="fr-FR" dirty="0"/>
+          </a:p>
+          <a:p>
+            <a:r>
+              <a:rPr lang="fr-FR" dirty="0">
+                <a:latin typeface="+mj-lt"/>
+              </a:rPr>
+              <a:t>Partie Web avec Netbeans</a:t>
+            </a:r>
+          </a:p>
+        </p:txBody>
+      </p:sp>
+      <p:sp>
+        <p:nvSpPr>
+          <p:cNvPr id="15" name="ZoneTexte 14">
+            <a:extLst>
+              <a:ext uri="{FF2B5EF4-FFF2-40B4-BE49-F238E27FC236}">
+                <a16:creationId xmlns:a16="http://schemas.microsoft.com/office/drawing/2014/main" id="{7FF94F4B-10E1-4E4D-AD68-D90A8EAAB109}"/>
+              </a:ext>
+            </a:extLst>
+          </p:cNvPr>
+          <p:cNvSpPr txBox="1"/>
+          <p:nvPr/>
+        </p:nvSpPr>
+        <p:spPr>
+          <a:xfrm>
+            <a:off x="8686229" y="2595365"/>
+            <a:ext cx="2404188" cy="1754326"/>
+          </a:xfrm>
+          <a:prstGeom prst="rect">
+            <a:avLst/>
+          </a:prstGeom>
+          <a:noFill/>
+        </p:spPr>
+        <p:txBody>
+          <a:bodyPr wrap="square" rtlCol="0">
+            <a:spAutoFit/>
+          </a:bodyPr>
+          <a:lstStyle/>
+          <a:p>
+            <a:r>
+              <a:rPr lang="fr-FR" dirty="0"/>
+              <a:t>Etudiant 3 : Samuel</a:t>
+            </a:r>
+          </a:p>
+          <a:p>
+            <a:endParaRPr lang="fr-FR" dirty="0"/>
+          </a:p>
+          <a:p>
+            <a:r>
+              <a:rPr lang="fr-FR" dirty="0">
+                <a:latin typeface="+mj-lt"/>
+              </a:rPr>
+              <a:t>Partie BDD avec le serveur Wamp</a:t>
+            </a:r>
+          </a:p>
+          <a:p>
+            <a:endParaRPr lang="fr-FR" dirty="0"/>
+          </a:p>
+          <a:p>
+            <a:endParaRPr lang="fr-FR" dirty="0"/>
+          </a:p>
+        </p:txBody>
+      </p:sp>
+      <p:sp>
+        <p:nvSpPr>
+          <p:cNvPr id="17" name="ZoneTexte 16">
+            <a:extLst>
+              <a:ext uri="{FF2B5EF4-FFF2-40B4-BE49-F238E27FC236}">
+                <a16:creationId xmlns:a16="http://schemas.microsoft.com/office/drawing/2014/main" id="{6832ED2D-AB77-4E11-94A7-1ABB51FE6ACA}"/>
+              </a:ext>
+            </a:extLst>
+          </p:cNvPr>
+          <p:cNvSpPr txBox="1"/>
+          <p:nvPr/>
+        </p:nvSpPr>
+        <p:spPr>
+          <a:xfrm>
+            <a:off x="8686229" y="4827528"/>
+            <a:ext cx="2633906" cy="1200329"/>
+          </a:xfrm>
+          <a:prstGeom prst="rect">
+            <a:avLst/>
+          </a:prstGeom>
+          <a:noFill/>
+        </p:spPr>
+        <p:txBody>
+          <a:bodyPr wrap="square" rtlCol="0">
+            <a:spAutoFit/>
+          </a:bodyPr>
+          <a:lstStyle/>
+          <a:p>
+            <a:r>
+              <a:rPr lang="fr-FR" dirty="0"/>
+              <a:t>Etudiant 4 : Dylan</a:t>
+            </a:r>
+          </a:p>
+          <a:p>
+            <a:endParaRPr lang="fr-FR" dirty="0"/>
+          </a:p>
+          <a:p>
+            <a:r>
+              <a:rPr lang="fr-FR" dirty="0">
+                <a:latin typeface="+mj-lt"/>
+              </a:rPr>
+              <a:t>Partie Application androïd avec androïd studio</a:t>
+            </a:r>
+          </a:p>
+        </p:txBody>
+      </p:sp>
+      <p:pic>
+        <p:nvPicPr>
+          <p:cNvPr id="27" name="Image 26" descr="Une image contenant moniteur, intérieur, assis, équipement électronique&#10;&#10;Description générée avec un niveau de confiance élevé">
+            <a:extLst>
+              <a:ext uri="{FF2B5EF4-FFF2-40B4-BE49-F238E27FC236}">
+                <a16:creationId xmlns:a16="http://schemas.microsoft.com/office/drawing/2014/main" id="{B6EC8198-D126-44D7-8F4B-D3D9110D7FC4}"/>
+              </a:ext>
+            </a:extLst>
+          </p:cNvPr>
+          <p:cNvPicPr>
+            <a:picLocks noChangeAspect="1"/>
+          </p:cNvPicPr>
+          <p:nvPr/>
+        </p:nvPicPr>
+        <p:blipFill>
+          <a:blip r:embed="rId6">
+            <a:extLst>
+              <a:ext uri="{28A0092B-C50C-407E-A947-70E740481C1C}">
+                <a14:useLocalDpi xmlns:a14="http://schemas.microsoft.com/office/drawing/2010/main" val="0"/>
+              </a:ext>
+            </a:extLst>
+          </a:blip>
+          <a:stretch>
+            <a:fillRect/>
+          </a:stretch>
+        </p:blipFill>
+        <p:spPr>
+          <a:xfrm>
+            <a:off x="3534664" y="4929819"/>
+            <a:ext cx="885508" cy="885508"/>
+          </a:xfrm>
+          <a:prstGeom prst="rect">
+            <a:avLst/>
+          </a:prstGeom>
+        </p:spPr>
+      </p:pic>
+      <p:pic>
+        <p:nvPicPr>
+          <p:cNvPr id="29" name="Image 28">
+            <a:extLst>
+              <a:ext uri="{FF2B5EF4-FFF2-40B4-BE49-F238E27FC236}">
+                <a16:creationId xmlns:a16="http://schemas.microsoft.com/office/drawing/2014/main" id="{A30184B6-9240-4D20-B2A0-857E1B72DC81}"/>
+              </a:ext>
+            </a:extLst>
+          </p:cNvPr>
+          <p:cNvPicPr>
+            <a:picLocks noChangeAspect="1"/>
+          </p:cNvPicPr>
+          <p:nvPr/>
+        </p:nvPicPr>
+        <p:blipFill>
+          <a:blip r:embed="rId7">
+            <a:extLst>
+              <a:ext uri="{28A0092B-C50C-407E-A947-70E740481C1C}">
+                <a14:useLocalDpi xmlns:a14="http://schemas.microsoft.com/office/drawing/2010/main" val="0"/>
+              </a:ext>
+            </a:extLst>
+          </a:blip>
+          <a:stretch>
+            <a:fillRect/>
+          </a:stretch>
+        </p:blipFill>
+        <p:spPr>
+          <a:xfrm>
+            <a:off x="7304766" y="4980237"/>
+            <a:ext cx="715646" cy="715646"/>
+          </a:xfrm>
+          <a:prstGeom prst="rect">
+            <a:avLst/>
+          </a:prstGeom>
+        </p:spPr>
+      </p:pic>
+      <p:pic>
+        <p:nvPicPr>
+          <p:cNvPr id="31" name="Image 30">
+            <a:extLst>
+              <a:ext uri="{FF2B5EF4-FFF2-40B4-BE49-F238E27FC236}">
+                <a16:creationId xmlns:a16="http://schemas.microsoft.com/office/drawing/2014/main" id="{61AE4316-C586-49EC-B2DB-6F52702C83C5}"/>
+              </a:ext>
+            </a:extLst>
+          </p:cNvPr>
+          <p:cNvPicPr>
+            <a:picLocks noChangeAspect="1"/>
+          </p:cNvPicPr>
+          <p:nvPr/>
+        </p:nvPicPr>
+        <p:blipFill>
+          <a:blip r:embed="rId8">
+            <a:extLst>
+              <a:ext uri="{28A0092B-C50C-407E-A947-70E740481C1C}">
+                <a14:useLocalDpi xmlns:a14="http://schemas.microsoft.com/office/drawing/2010/main" val="0"/>
+              </a:ext>
+            </a:extLst>
+          </a:blip>
+          <a:stretch>
+            <a:fillRect/>
+          </a:stretch>
+        </p:blipFill>
+        <p:spPr>
+          <a:xfrm>
+            <a:off x="3690222" y="2742578"/>
+            <a:ext cx="729950" cy="729950"/>
+          </a:xfrm>
+          <a:prstGeom prst="rect">
+            <a:avLst/>
+          </a:prstGeom>
+        </p:spPr>
+      </p:pic>
+      <p:pic>
+        <p:nvPicPr>
+          <p:cNvPr id="33" name="Image 32">
+            <a:extLst>
+              <a:ext uri="{FF2B5EF4-FFF2-40B4-BE49-F238E27FC236}">
+                <a16:creationId xmlns:a16="http://schemas.microsoft.com/office/drawing/2014/main" id="{73EEA239-206F-481C-B216-8B7BC114274A}"/>
+              </a:ext>
+            </a:extLst>
+          </p:cNvPr>
+          <p:cNvPicPr>
+            <a:picLocks noChangeAspect="1"/>
+          </p:cNvPicPr>
+          <p:nvPr/>
+        </p:nvPicPr>
+        <p:blipFill>
+          <a:blip r:embed="rId9">
+            <a:extLst>
+              <a:ext uri="{28A0092B-C50C-407E-A947-70E740481C1C}">
+                <a14:useLocalDpi xmlns:a14="http://schemas.microsoft.com/office/drawing/2010/main" val="0"/>
+              </a:ext>
+            </a:extLst>
+          </a:blip>
+          <a:stretch>
+            <a:fillRect/>
+          </a:stretch>
+        </p:blipFill>
+        <p:spPr>
+          <a:xfrm>
+            <a:off x="7056183" y="2631960"/>
+            <a:ext cx="715646" cy="715646"/>
+          </a:xfrm>
+          <a:prstGeom prst="rect">
+            <a:avLst/>
+          </a:prstGeom>
+        </p:spPr>
+      </p:pic>
+    </p:spTree>
+    <p:extLst>
+      <p:ext uri="{BB962C8B-B14F-4D97-AF65-F5344CB8AC3E}">
+        <p14:creationId xmlns:p14="http://schemas.microsoft.com/office/powerpoint/2010/main" val="1323509659"/>
+      </p:ext>
+    </p:extLst>
+  </p:cSld>
+  <p:clrMapOvr>
+    <a:masterClrMapping/>
+  </p:clrMapOvr>
+  <mc:AlternateContent xmlns:mc="http://schemas.openxmlformats.org/markup-compatibility/2006" xmlns:p14="http://schemas.microsoft.com/office/powerpoint/2010/main">
+    <mc:Choice Requires="p14">
+      <p:transition spd="slow">
+        <p14:reveal/>
+      </p:transition>
+    </mc:Choice>
+    <mc:Fallback xmlns="">
+      <p:transition spd="slow">
+        <p:fade/>
+      </p:transition>
+    </mc:Fallback>
+  </mc:AlternateContent>
+</p:sld>
+</file>
+
+<file path=ppt/slides/slide5.xml><?xml version="1.0" encoding="utf-8"?>
+<p:sld xmlns:a="http://schemas.openxmlformats.org/drawingml/2006/main" xmlns:r="http://schemas.openxmlformats.org/officeDocument/2006/relationships" xmlns:p="http://schemas.openxmlformats.org/presentationml/2006/main">
+  <p:cSld>
+    <p:spTree>
+      <p:nvGrpSpPr>
+        <p:cNvPr id="1" name=""/>
+        <p:cNvGrpSpPr/>
+        <p:nvPr/>
+      </p:nvGrpSpPr>
+      <p:grpSpPr>
+        <a:xfrm>
+          <a:off x="0" y="0"/>
+          <a:ext cx="0" cy="0"/>
+          <a:chOff x="0" y="0"/>
+          <a:chExt cx="0" cy="0"/>
+        </a:xfrm>
+      </p:grpSpPr>
+      <p:pic>
+        <p:nvPicPr>
+          <p:cNvPr id="8" name="Image 7">
+            <a:extLst>
+              <a:ext uri="{FF2B5EF4-FFF2-40B4-BE49-F238E27FC236}">
+                <a16:creationId xmlns:a16="http://schemas.microsoft.com/office/drawing/2014/main" id="{2BB825C5-31DA-4A56-85EA-536DBF510A31}"/>
+              </a:ext>
+            </a:extLst>
+          </p:cNvPr>
+          <p:cNvPicPr>
+            <a:picLocks noChangeAspect="1"/>
+          </p:cNvPicPr>
+          <p:nvPr/>
+        </p:nvPicPr>
+        <p:blipFill>
+          <a:blip r:embed="rId2">
+            <a:extLst>
+              <a:ext uri="{28A0092B-C50C-407E-A947-70E740481C1C}">
+                <a14:useLocalDpi xmlns:a14="http://schemas.microsoft.com/office/drawing/2010/main" val="0"/>
+              </a:ext>
+            </a:extLst>
+          </a:blip>
+          <a:stretch>
+            <a:fillRect/>
+          </a:stretch>
+        </p:blipFill>
+        <p:spPr>
+          <a:xfrm>
+            <a:off x="1068751" y="66457"/>
+            <a:ext cx="1259497" cy="776690"/>
+          </a:xfrm>
+          <a:prstGeom prst="rect">
+            <a:avLst/>
+          </a:prstGeom>
+        </p:spPr>
+      </p:pic>
+      <p:pic>
+        <p:nvPicPr>
+          <p:cNvPr id="10" name="Image 9">
+            <a:extLst>
+              <a:ext uri="{FF2B5EF4-FFF2-40B4-BE49-F238E27FC236}">
+                <a16:creationId xmlns:a16="http://schemas.microsoft.com/office/drawing/2014/main" id="{8EE7436F-49F2-41E0-93E4-D247B4705294}"/>
+              </a:ext>
+            </a:extLst>
+          </p:cNvPr>
+          <p:cNvPicPr>
+            <a:picLocks noChangeAspect="1"/>
+          </p:cNvPicPr>
+          <p:nvPr/>
+        </p:nvPicPr>
+        <p:blipFill>
+          <a:blip r:embed="rId3">
+            <a:extLst>
+              <a:ext uri="{28A0092B-C50C-407E-A947-70E740481C1C}">
+                <a14:useLocalDpi xmlns:a14="http://schemas.microsoft.com/office/drawing/2010/main" val="0"/>
+              </a:ext>
+            </a:extLst>
+          </a:blip>
+          <a:stretch>
+            <a:fillRect/>
+          </a:stretch>
+        </p:blipFill>
+        <p:spPr>
+          <a:xfrm>
+            <a:off x="9681085" y="238153"/>
+            <a:ext cx="1802101" cy="569807"/>
+          </a:xfrm>
+          <a:prstGeom prst="rect">
+            <a:avLst/>
+          </a:prstGeom>
+        </p:spPr>
+      </p:pic>
+      <p:cxnSp>
+        <p:nvCxnSpPr>
+          <p:cNvPr id="16" name="Connecteur droit 15">
+            <a:extLst>
+              <a:ext uri="{FF2B5EF4-FFF2-40B4-BE49-F238E27FC236}">
+                <a16:creationId xmlns:a16="http://schemas.microsoft.com/office/drawing/2014/main" id="{7319284A-BD6F-4A96-8E2B-E0A4B52E53C6}"/>
+              </a:ext>
+            </a:extLst>
+          </p:cNvPr>
+          <p:cNvCxnSpPr>
+            <a:cxnSpLocks/>
+          </p:cNvCxnSpPr>
+          <p:nvPr/>
+        </p:nvCxnSpPr>
+        <p:spPr>
+          <a:xfrm flipV="1">
+            <a:off x="0" y="454803"/>
+            <a:ext cx="738231" cy="1798"/>
+          </a:xfrm>
+          <a:prstGeom prst="line">
+            <a:avLst/>
+          </a:prstGeom>
+        </p:spPr>
+        <p:style>
+          <a:lnRef idx="3">
+            <a:schemeClr val="dk1"/>
+          </a:lnRef>
+          <a:fillRef idx="0">
+            <a:schemeClr val="dk1"/>
+          </a:fillRef>
+          <a:effectRef idx="2">
+            <a:schemeClr val="dk1"/>
+          </a:effectRef>
+          <a:fontRef idx="minor">
+            <a:schemeClr val="tx1"/>
+          </a:fontRef>
+        </p:style>
+      </p:cxnSp>
+      <p:cxnSp>
+        <p:nvCxnSpPr>
+          <p:cNvPr id="20" name="Connecteur droit 19">
+            <a:extLst>
+              <a:ext uri="{FF2B5EF4-FFF2-40B4-BE49-F238E27FC236}">
+                <a16:creationId xmlns:a16="http://schemas.microsoft.com/office/drawing/2014/main" id="{08874CF7-F149-4C81-B61E-74E18342BA8A}"/>
+              </a:ext>
+            </a:extLst>
+          </p:cNvPr>
+          <p:cNvCxnSpPr>
+            <a:cxnSpLocks/>
+          </p:cNvCxnSpPr>
+          <p:nvPr/>
+        </p:nvCxnSpPr>
+        <p:spPr>
+          <a:xfrm>
+            <a:off x="2573222" y="454803"/>
+            <a:ext cx="6829482" cy="10398"/>
+          </a:xfrm>
+          <a:prstGeom prst="line">
+            <a:avLst/>
+          </a:prstGeom>
+        </p:spPr>
+        <p:style>
+          <a:lnRef idx="3">
+            <a:schemeClr val="dk1"/>
+          </a:lnRef>
+          <a:fillRef idx="0">
+            <a:schemeClr val="dk1"/>
+          </a:fillRef>
+          <a:effectRef idx="2">
+            <a:schemeClr val="dk1"/>
+          </a:effectRef>
+          <a:fontRef idx="minor">
+            <a:schemeClr val="tx1"/>
+          </a:fontRef>
+        </p:style>
+      </p:cxnSp>
+      <p:cxnSp>
+        <p:nvCxnSpPr>
+          <p:cNvPr id="26" name="Connecteur droit 25">
+            <a:extLst>
+              <a:ext uri="{FF2B5EF4-FFF2-40B4-BE49-F238E27FC236}">
+                <a16:creationId xmlns:a16="http://schemas.microsoft.com/office/drawing/2014/main" id="{BB3B35CC-057B-48C1-880F-3306A6559175}"/>
+              </a:ext>
+            </a:extLst>
+          </p:cNvPr>
+          <p:cNvCxnSpPr>
+            <a:cxnSpLocks/>
+          </p:cNvCxnSpPr>
+          <p:nvPr/>
+        </p:nvCxnSpPr>
+        <p:spPr>
+          <a:xfrm>
+            <a:off x="738231" y="454803"/>
+            <a:ext cx="344203" cy="484764"/>
+          </a:xfrm>
+          <a:prstGeom prst="line">
+            <a:avLst/>
+          </a:prstGeom>
+        </p:spPr>
+        <p:style>
+          <a:lnRef idx="3">
+            <a:schemeClr val="dk1"/>
+          </a:lnRef>
+          <a:fillRef idx="0">
+            <a:schemeClr val="dk1"/>
+          </a:fillRef>
+          <a:effectRef idx="2">
+            <a:schemeClr val="dk1"/>
+          </a:effectRef>
+          <a:fontRef idx="minor">
+            <a:schemeClr val="tx1"/>
+          </a:fontRef>
+        </p:style>
+      </p:cxnSp>
+      <p:cxnSp>
+        <p:nvCxnSpPr>
+          <p:cNvPr id="32" name="Connecteur droit 31">
+            <a:extLst>
+              <a:ext uri="{FF2B5EF4-FFF2-40B4-BE49-F238E27FC236}">
+                <a16:creationId xmlns:a16="http://schemas.microsoft.com/office/drawing/2014/main" id="{4AD96496-1EB6-4E48-9BB2-5C255495C686}"/>
+              </a:ext>
+            </a:extLst>
+          </p:cNvPr>
+          <p:cNvCxnSpPr>
+            <a:cxnSpLocks/>
+          </p:cNvCxnSpPr>
+          <p:nvPr/>
+        </p:nvCxnSpPr>
+        <p:spPr>
+          <a:xfrm>
+            <a:off x="1082434" y="938268"/>
+            <a:ext cx="1146585" cy="0"/>
+          </a:xfrm>
+          <a:prstGeom prst="line">
+            <a:avLst/>
+          </a:prstGeom>
+        </p:spPr>
+        <p:style>
+          <a:lnRef idx="3">
+            <a:schemeClr val="dk1"/>
+          </a:lnRef>
+          <a:fillRef idx="0">
+            <a:schemeClr val="dk1"/>
+          </a:fillRef>
+          <a:effectRef idx="2">
+            <a:schemeClr val="dk1"/>
+          </a:effectRef>
+          <a:fontRef idx="minor">
+            <a:schemeClr val="tx1"/>
+          </a:fontRef>
+        </p:style>
+      </p:cxnSp>
+      <p:cxnSp>
+        <p:nvCxnSpPr>
+          <p:cNvPr id="51" name="Connecteur droit 50">
+            <a:extLst>
+              <a:ext uri="{FF2B5EF4-FFF2-40B4-BE49-F238E27FC236}">
+                <a16:creationId xmlns:a16="http://schemas.microsoft.com/office/drawing/2014/main" id="{C035BFA6-ECBF-4775-BA81-19D2CA41AA8D}"/>
+              </a:ext>
+            </a:extLst>
+          </p:cNvPr>
+          <p:cNvCxnSpPr>
+            <a:cxnSpLocks/>
+          </p:cNvCxnSpPr>
+          <p:nvPr/>
+        </p:nvCxnSpPr>
+        <p:spPr>
+          <a:xfrm>
+            <a:off x="9402704" y="465201"/>
+            <a:ext cx="344203" cy="495163"/>
+          </a:xfrm>
+          <a:prstGeom prst="line">
+            <a:avLst/>
+          </a:prstGeom>
+        </p:spPr>
+        <p:style>
+          <a:lnRef idx="3">
+            <a:schemeClr val="dk1"/>
+          </a:lnRef>
+          <a:fillRef idx="0">
+            <a:schemeClr val="dk1"/>
+          </a:fillRef>
+          <a:effectRef idx="2">
+            <a:schemeClr val="dk1"/>
+          </a:effectRef>
+          <a:fontRef idx="minor">
+            <a:schemeClr val="tx1"/>
+          </a:fontRef>
+        </p:style>
+      </p:cxnSp>
+      <p:cxnSp>
+        <p:nvCxnSpPr>
+          <p:cNvPr id="52" name="Connecteur droit 51">
+            <a:extLst>
+              <a:ext uri="{FF2B5EF4-FFF2-40B4-BE49-F238E27FC236}">
+                <a16:creationId xmlns:a16="http://schemas.microsoft.com/office/drawing/2014/main" id="{FA310BC7-694B-4984-99A2-61A1F4F6EBF9}"/>
+              </a:ext>
+            </a:extLst>
+          </p:cNvPr>
+          <p:cNvCxnSpPr>
+            <a:cxnSpLocks/>
+          </p:cNvCxnSpPr>
+          <p:nvPr/>
+        </p:nvCxnSpPr>
+        <p:spPr>
+          <a:xfrm flipH="1">
+            <a:off x="11370469" y="448308"/>
+            <a:ext cx="364332" cy="501657"/>
+          </a:xfrm>
+          <a:prstGeom prst="line">
+            <a:avLst/>
+          </a:prstGeom>
+        </p:spPr>
+        <p:style>
+          <a:lnRef idx="3">
+            <a:schemeClr val="dk1"/>
+          </a:lnRef>
+          <a:fillRef idx="0">
+            <a:schemeClr val="dk1"/>
+          </a:fillRef>
+          <a:effectRef idx="2">
+            <a:schemeClr val="dk1"/>
+          </a:effectRef>
+          <a:fontRef idx="minor">
+            <a:schemeClr val="tx1"/>
+          </a:fontRef>
+        </p:style>
+      </p:cxnSp>
+      <p:cxnSp>
+        <p:nvCxnSpPr>
+          <p:cNvPr id="53" name="Connecteur droit 52">
+            <a:extLst>
+              <a:ext uri="{FF2B5EF4-FFF2-40B4-BE49-F238E27FC236}">
+                <a16:creationId xmlns:a16="http://schemas.microsoft.com/office/drawing/2014/main" id="{BE0649BD-EE59-4DDA-960F-95B2572F9F13}"/>
+              </a:ext>
+            </a:extLst>
+          </p:cNvPr>
+          <p:cNvCxnSpPr>
+            <a:cxnSpLocks/>
+          </p:cNvCxnSpPr>
+          <p:nvPr/>
+        </p:nvCxnSpPr>
+        <p:spPr>
+          <a:xfrm>
+            <a:off x="9743203" y="949965"/>
+            <a:ext cx="1627266" cy="0"/>
+          </a:xfrm>
+          <a:prstGeom prst="line">
+            <a:avLst/>
+          </a:prstGeom>
+        </p:spPr>
+        <p:style>
+          <a:lnRef idx="3">
+            <a:schemeClr val="dk1"/>
+          </a:lnRef>
+          <a:fillRef idx="0">
+            <a:schemeClr val="dk1"/>
+          </a:fillRef>
+          <a:effectRef idx="2">
+            <a:schemeClr val="dk1"/>
+          </a:effectRef>
+          <a:fontRef idx="minor">
+            <a:schemeClr val="tx1"/>
+          </a:fontRef>
+        </p:style>
+      </p:cxnSp>
+      <p:cxnSp>
+        <p:nvCxnSpPr>
+          <p:cNvPr id="55" name="Connecteur droit 54">
+            <a:extLst>
+              <a:ext uri="{FF2B5EF4-FFF2-40B4-BE49-F238E27FC236}">
+                <a16:creationId xmlns:a16="http://schemas.microsoft.com/office/drawing/2014/main" id="{52AA9200-DAFA-4EEF-AC13-4C7CE82A59EC}"/>
+              </a:ext>
+            </a:extLst>
+          </p:cNvPr>
+          <p:cNvCxnSpPr>
+            <a:cxnSpLocks/>
+          </p:cNvCxnSpPr>
+          <p:nvPr/>
+        </p:nvCxnSpPr>
+        <p:spPr>
+          <a:xfrm>
+            <a:off x="11715750" y="454801"/>
+            <a:ext cx="476249" cy="10400"/>
+          </a:xfrm>
+          <a:prstGeom prst="line">
+            <a:avLst/>
+          </a:prstGeom>
+        </p:spPr>
+        <p:style>
+          <a:lnRef idx="3">
+            <a:schemeClr val="dk1"/>
+          </a:lnRef>
+          <a:fillRef idx="0">
+            <a:schemeClr val="dk1"/>
+          </a:fillRef>
+          <a:effectRef idx="2">
+            <a:schemeClr val="dk1"/>
+          </a:effectRef>
+          <a:fontRef idx="minor">
+            <a:schemeClr val="tx1"/>
+          </a:fontRef>
+        </p:style>
+      </p:cxnSp>
+      <p:cxnSp>
+        <p:nvCxnSpPr>
+          <p:cNvPr id="23" name="Connecteur droit 22">
+            <a:extLst>
+              <a:ext uri="{FF2B5EF4-FFF2-40B4-BE49-F238E27FC236}">
+                <a16:creationId xmlns:a16="http://schemas.microsoft.com/office/drawing/2014/main" id="{BCB092C8-0080-4E56-957E-0046D4C83988}"/>
+              </a:ext>
+            </a:extLst>
+          </p:cNvPr>
+          <p:cNvCxnSpPr>
+            <a:cxnSpLocks/>
+          </p:cNvCxnSpPr>
+          <p:nvPr/>
+        </p:nvCxnSpPr>
+        <p:spPr>
+          <a:xfrm flipH="1">
+            <a:off x="2216372" y="446356"/>
+            <a:ext cx="364332" cy="501657"/>
+          </a:xfrm>
+          <a:prstGeom prst="line">
+            <a:avLst/>
+          </a:prstGeom>
+        </p:spPr>
+        <p:style>
+          <a:lnRef idx="3">
+            <a:schemeClr val="dk1"/>
+          </a:lnRef>
+          <a:fillRef idx="0">
+            <a:schemeClr val="dk1"/>
+          </a:fillRef>
+          <a:effectRef idx="2">
+            <a:schemeClr val="dk1"/>
+          </a:effectRef>
+          <a:fontRef idx="minor">
+            <a:schemeClr val="tx1"/>
+          </a:fontRef>
+        </p:style>
+      </p:cxnSp>
+      <p:sp>
+        <p:nvSpPr>
           <p:cNvPr id="9" name="ZoneTexte 8">
             <a:extLst>
               <a:ext uri="{FF2B5EF4-FFF2-40B4-BE49-F238E27FC236}">
@@ -7274,8 +8145,8 @@
         </p:nvSpPr>
         <p:spPr>
           <a:xfrm>
-            <a:off x="3852234" y="1187412"/>
-            <a:ext cx="7253761" cy="769441"/>
+            <a:off x="3740103" y="937706"/>
+            <a:ext cx="4503201" cy="769441"/>
           </a:xfrm>
           <a:prstGeom prst="rect">
             <a:avLst/>

--- a/oral_projet/revue_2/diaporama_revue_2_willy.pptx
+++ b/oral_projet/revue_2/diaporama_revue_2_willy.pptx
@@ -5,7 +5,7 @@
     <p:sldMasterId id="2147483648" r:id="rId1"/>
   </p:sldMasterIdLst>
   <p:notesMasterIdLst>
-    <p:notesMasterId r:id="rId7"/>
+    <p:notesMasterId r:id="rId15"/>
   </p:notesMasterIdLst>
   <p:sldIdLst>
     <p:sldId id="256" r:id="rId2"/>
@@ -13,6 +13,14 @@
     <p:sldId id="261" r:id="rId4"/>
     <p:sldId id="258" r:id="rId5"/>
     <p:sldId id="260" r:id="rId6"/>
+    <p:sldId id="262" r:id="rId7"/>
+    <p:sldId id="263" r:id="rId8"/>
+    <p:sldId id="265" r:id="rId9"/>
+    <p:sldId id="264" r:id="rId10"/>
+    <p:sldId id="267" r:id="rId11"/>
+    <p:sldId id="266" r:id="rId12"/>
+    <p:sldId id="268" r:id="rId13"/>
+    <p:sldId id="269" r:id="rId14"/>
   </p:sldIdLst>
   <p:sldSz cx="12192000" cy="6858000"/>
   <p:notesSz cx="6858000" cy="9144000"/>
@@ -205,7 +213,7 @@
           <a:p>
             <a:fld id="{7BEC4371-174F-4615-858D-8B61BA547698}" type="datetimeFigureOut">
               <a:rPr lang="fr-FR" smtClean="0"/>
-              <a:t>19/02/2018</a:t>
+              <a:t>22/02/2018</a:t>
             </a:fld>
             <a:endParaRPr lang="fr-FR"/>
           </a:p>
@@ -619,7 +627,7 @@
           <a:p>
             <a:fld id="{125942D7-A464-4365-815E-3C7EAFC3F152}" type="datetimeFigureOut">
               <a:rPr lang="fr-FR" smtClean="0"/>
-              <a:t>19/02/2018</a:t>
+              <a:t>22/02/2018</a:t>
             </a:fld>
             <a:endParaRPr lang="fr-FR"/>
           </a:p>
@@ -829,7 +837,7 @@
           <a:p>
             <a:fld id="{125942D7-A464-4365-815E-3C7EAFC3F152}" type="datetimeFigureOut">
               <a:rPr lang="fr-FR" smtClean="0"/>
-              <a:t>19/02/2018</a:t>
+              <a:t>22/02/2018</a:t>
             </a:fld>
             <a:endParaRPr lang="fr-FR"/>
           </a:p>
@@ -1049,7 +1057,7 @@
           <a:p>
             <a:fld id="{125942D7-A464-4365-815E-3C7EAFC3F152}" type="datetimeFigureOut">
               <a:rPr lang="fr-FR" smtClean="0"/>
-              <a:t>19/02/2018</a:t>
+              <a:t>22/02/2018</a:t>
             </a:fld>
             <a:endParaRPr lang="fr-FR"/>
           </a:p>
@@ -1259,7 +1267,7 @@
           <a:p>
             <a:fld id="{125942D7-A464-4365-815E-3C7EAFC3F152}" type="datetimeFigureOut">
               <a:rPr lang="fr-FR" smtClean="0"/>
-              <a:t>19/02/2018</a:t>
+              <a:t>22/02/2018</a:t>
             </a:fld>
             <a:endParaRPr lang="fr-FR"/>
           </a:p>
@@ -1546,7 +1554,7 @@
           <a:p>
             <a:fld id="{125942D7-A464-4365-815E-3C7EAFC3F152}" type="datetimeFigureOut">
               <a:rPr lang="fr-FR" smtClean="0"/>
-              <a:t>19/02/2018</a:t>
+              <a:t>22/02/2018</a:t>
             </a:fld>
             <a:endParaRPr lang="fr-FR"/>
           </a:p>
@@ -1823,7 +1831,7 @@
           <a:p>
             <a:fld id="{125942D7-A464-4365-815E-3C7EAFC3F152}" type="datetimeFigureOut">
               <a:rPr lang="fr-FR" smtClean="0"/>
-              <a:t>19/02/2018</a:t>
+              <a:t>22/02/2018</a:t>
             </a:fld>
             <a:endParaRPr lang="fr-FR"/>
           </a:p>
@@ -2247,7 +2255,7 @@
           <a:p>
             <a:fld id="{125942D7-A464-4365-815E-3C7EAFC3F152}" type="datetimeFigureOut">
               <a:rPr lang="fr-FR" smtClean="0"/>
-              <a:t>19/02/2018</a:t>
+              <a:t>22/02/2018</a:t>
             </a:fld>
             <a:endParaRPr lang="fr-FR"/>
           </a:p>
@@ -2400,7 +2408,7 @@
           <a:p>
             <a:fld id="{125942D7-A464-4365-815E-3C7EAFC3F152}" type="datetimeFigureOut">
               <a:rPr lang="fr-FR" smtClean="0"/>
-              <a:t>19/02/2018</a:t>
+              <a:t>22/02/2018</a:t>
             </a:fld>
             <a:endParaRPr lang="fr-FR"/>
           </a:p>
@@ -2525,7 +2533,7 @@
           <a:p>
             <a:fld id="{125942D7-A464-4365-815E-3C7EAFC3F152}" type="datetimeFigureOut">
               <a:rPr lang="fr-FR" smtClean="0"/>
-              <a:t>19/02/2018</a:t>
+              <a:t>22/02/2018</a:t>
             </a:fld>
             <a:endParaRPr lang="fr-FR"/>
           </a:p>
@@ -2848,7 +2856,7 @@
           <a:p>
             <a:fld id="{125942D7-A464-4365-815E-3C7EAFC3F152}" type="datetimeFigureOut">
               <a:rPr lang="fr-FR" smtClean="0"/>
-              <a:t>19/02/2018</a:t>
+              <a:t>22/02/2018</a:t>
             </a:fld>
             <a:endParaRPr lang="fr-FR"/>
           </a:p>
@@ -3148,7 +3156,7 @@
           <a:p>
             <a:fld id="{125942D7-A464-4365-815E-3C7EAFC3F152}" type="datetimeFigureOut">
               <a:rPr lang="fr-FR" smtClean="0"/>
-              <a:t>19/02/2018</a:t>
+              <a:t>22/02/2018</a:t>
             </a:fld>
             <a:endParaRPr lang="fr-FR"/>
           </a:p>
@@ -3401,7 +3409,7 @@
           <a:p>
             <a:fld id="{125942D7-A464-4365-815E-3C7EAFC3F152}" type="datetimeFigureOut">
               <a:rPr lang="fr-FR" smtClean="0"/>
-              <a:t>19/02/2018</a:t>
+              <a:t>22/02/2018</a:t>
             </a:fld>
             <a:endParaRPr lang="fr-FR"/>
           </a:p>
@@ -4526,6 +4534,2018 @@
 </p:sld>
 </file>
 
+<file path=ppt/slides/slide10.xml><?xml version="1.0" encoding="utf-8"?>
+<p:sld xmlns:a="http://schemas.openxmlformats.org/drawingml/2006/main" xmlns:r="http://schemas.openxmlformats.org/officeDocument/2006/relationships" xmlns:p="http://schemas.openxmlformats.org/presentationml/2006/main">
+  <p:cSld>
+    <p:spTree>
+      <p:nvGrpSpPr>
+        <p:cNvPr id="1" name=""/>
+        <p:cNvGrpSpPr/>
+        <p:nvPr/>
+      </p:nvGrpSpPr>
+      <p:grpSpPr>
+        <a:xfrm>
+          <a:off x="0" y="0"/>
+          <a:ext cx="0" cy="0"/>
+          <a:chOff x="0" y="0"/>
+          <a:chExt cx="0" cy="0"/>
+        </a:xfrm>
+      </p:grpSpPr>
+      <p:pic>
+        <p:nvPicPr>
+          <p:cNvPr id="8" name="Image 7">
+            <a:extLst>
+              <a:ext uri="{FF2B5EF4-FFF2-40B4-BE49-F238E27FC236}">
+                <a16:creationId xmlns:a16="http://schemas.microsoft.com/office/drawing/2014/main" id="{2BB825C5-31DA-4A56-85EA-536DBF510A31}"/>
+              </a:ext>
+            </a:extLst>
+          </p:cNvPr>
+          <p:cNvPicPr>
+            <a:picLocks noChangeAspect="1"/>
+          </p:cNvPicPr>
+          <p:nvPr/>
+        </p:nvPicPr>
+        <p:blipFill>
+          <a:blip r:embed="rId2">
+            <a:extLst>
+              <a:ext uri="{28A0092B-C50C-407E-A947-70E740481C1C}">
+                <a14:useLocalDpi xmlns:a14="http://schemas.microsoft.com/office/drawing/2010/main" val="0"/>
+              </a:ext>
+            </a:extLst>
+          </a:blip>
+          <a:stretch>
+            <a:fillRect/>
+          </a:stretch>
+        </p:blipFill>
+        <p:spPr>
+          <a:xfrm>
+            <a:off x="1068751" y="66457"/>
+            <a:ext cx="1259497" cy="776690"/>
+          </a:xfrm>
+          <a:prstGeom prst="rect">
+            <a:avLst/>
+          </a:prstGeom>
+        </p:spPr>
+      </p:pic>
+      <p:pic>
+        <p:nvPicPr>
+          <p:cNvPr id="10" name="Image 9">
+            <a:extLst>
+              <a:ext uri="{FF2B5EF4-FFF2-40B4-BE49-F238E27FC236}">
+                <a16:creationId xmlns:a16="http://schemas.microsoft.com/office/drawing/2014/main" id="{8EE7436F-49F2-41E0-93E4-D247B4705294}"/>
+              </a:ext>
+            </a:extLst>
+          </p:cNvPr>
+          <p:cNvPicPr>
+            <a:picLocks noChangeAspect="1"/>
+          </p:cNvPicPr>
+          <p:nvPr/>
+        </p:nvPicPr>
+        <p:blipFill>
+          <a:blip r:embed="rId3">
+            <a:extLst>
+              <a:ext uri="{28A0092B-C50C-407E-A947-70E740481C1C}">
+                <a14:useLocalDpi xmlns:a14="http://schemas.microsoft.com/office/drawing/2010/main" val="0"/>
+              </a:ext>
+            </a:extLst>
+          </a:blip>
+          <a:stretch>
+            <a:fillRect/>
+          </a:stretch>
+        </p:blipFill>
+        <p:spPr>
+          <a:xfrm>
+            <a:off x="9681085" y="238153"/>
+            <a:ext cx="1802101" cy="569807"/>
+          </a:xfrm>
+          <a:prstGeom prst="rect">
+            <a:avLst/>
+          </a:prstGeom>
+        </p:spPr>
+      </p:pic>
+      <p:cxnSp>
+        <p:nvCxnSpPr>
+          <p:cNvPr id="16" name="Connecteur droit 15">
+            <a:extLst>
+              <a:ext uri="{FF2B5EF4-FFF2-40B4-BE49-F238E27FC236}">
+                <a16:creationId xmlns:a16="http://schemas.microsoft.com/office/drawing/2014/main" id="{7319284A-BD6F-4A96-8E2B-E0A4B52E53C6}"/>
+              </a:ext>
+            </a:extLst>
+          </p:cNvPr>
+          <p:cNvCxnSpPr>
+            <a:cxnSpLocks/>
+          </p:cNvCxnSpPr>
+          <p:nvPr/>
+        </p:nvCxnSpPr>
+        <p:spPr>
+          <a:xfrm flipV="1">
+            <a:off x="0" y="454803"/>
+            <a:ext cx="738231" cy="1798"/>
+          </a:xfrm>
+          <a:prstGeom prst="line">
+            <a:avLst/>
+          </a:prstGeom>
+        </p:spPr>
+        <p:style>
+          <a:lnRef idx="3">
+            <a:schemeClr val="dk1"/>
+          </a:lnRef>
+          <a:fillRef idx="0">
+            <a:schemeClr val="dk1"/>
+          </a:fillRef>
+          <a:effectRef idx="2">
+            <a:schemeClr val="dk1"/>
+          </a:effectRef>
+          <a:fontRef idx="minor">
+            <a:schemeClr val="tx1"/>
+          </a:fontRef>
+        </p:style>
+      </p:cxnSp>
+      <p:cxnSp>
+        <p:nvCxnSpPr>
+          <p:cNvPr id="20" name="Connecteur droit 19">
+            <a:extLst>
+              <a:ext uri="{FF2B5EF4-FFF2-40B4-BE49-F238E27FC236}">
+                <a16:creationId xmlns:a16="http://schemas.microsoft.com/office/drawing/2014/main" id="{08874CF7-F149-4C81-B61E-74E18342BA8A}"/>
+              </a:ext>
+            </a:extLst>
+          </p:cNvPr>
+          <p:cNvCxnSpPr>
+            <a:cxnSpLocks/>
+          </p:cNvCxnSpPr>
+          <p:nvPr/>
+        </p:nvCxnSpPr>
+        <p:spPr>
+          <a:xfrm>
+            <a:off x="2573222" y="454803"/>
+            <a:ext cx="6829482" cy="10398"/>
+          </a:xfrm>
+          <a:prstGeom prst="line">
+            <a:avLst/>
+          </a:prstGeom>
+        </p:spPr>
+        <p:style>
+          <a:lnRef idx="3">
+            <a:schemeClr val="dk1"/>
+          </a:lnRef>
+          <a:fillRef idx="0">
+            <a:schemeClr val="dk1"/>
+          </a:fillRef>
+          <a:effectRef idx="2">
+            <a:schemeClr val="dk1"/>
+          </a:effectRef>
+          <a:fontRef idx="minor">
+            <a:schemeClr val="tx1"/>
+          </a:fontRef>
+        </p:style>
+      </p:cxnSp>
+      <p:cxnSp>
+        <p:nvCxnSpPr>
+          <p:cNvPr id="26" name="Connecteur droit 25">
+            <a:extLst>
+              <a:ext uri="{FF2B5EF4-FFF2-40B4-BE49-F238E27FC236}">
+                <a16:creationId xmlns:a16="http://schemas.microsoft.com/office/drawing/2014/main" id="{BB3B35CC-057B-48C1-880F-3306A6559175}"/>
+              </a:ext>
+            </a:extLst>
+          </p:cNvPr>
+          <p:cNvCxnSpPr>
+            <a:cxnSpLocks/>
+          </p:cNvCxnSpPr>
+          <p:nvPr/>
+        </p:nvCxnSpPr>
+        <p:spPr>
+          <a:xfrm>
+            <a:off x="738231" y="454803"/>
+            <a:ext cx="344203" cy="484764"/>
+          </a:xfrm>
+          <a:prstGeom prst="line">
+            <a:avLst/>
+          </a:prstGeom>
+        </p:spPr>
+        <p:style>
+          <a:lnRef idx="3">
+            <a:schemeClr val="dk1"/>
+          </a:lnRef>
+          <a:fillRef idx="0">
+            <a:schemeClr val="dk1"/>
+          </a:fillRef>
+          <a:effectRef idx="2">
+            <a:schemeClr val="dk1"/>
+          </a:effectRef>
+          <a:fontRef idx="minor">
+            <a:schemeClr val="tx1"/>
+          </a:fontRef>
+        </p:style>
+      </p:cxnSp>
+      <p:cxnSp>
+        <p:nvCxnSpPr>
+          <p:cNvPr id="32" name="Connecteur droit 31">
+            <a:extLst>
+              <a:ext uri="{FF2B5EF4-FFF2-40B4-BE49-F238E27FC236}">
+                <a16:creationId xmlns:a16="http://schemas.microsoft.com/office/drawing/2014/main" id="{4AD96496-1EB6-4E48-9BB2-5C255495C686}"/>
+              </a:ext>
+            </a:extLst>
+          </p:cNvPr>
+          <p:cNvCxnSpPr>
+            <a:cxnSpLocks/>
+          </p:cNvCxnSpPr>
+          <p:nvPr/>
+        </p:nvCxnSpPr>
+        <p:spPr>
+          <a:xfrm>
+            <a:off x="1082434" y="938268"/>
+            <a:ext cx="1146585" cy="0"/>
+          </a:xfrm>
+          <a:prstGeom prst="line">
+            <a:avLst/>
+          </a:prstGeom>
+        </p:spPr>
+        <p:style>
+          <a:lnRef idx="3">
+            <a:schemeClr val="dk1"/>
+          </a:lnRef>
+          <a:fillRef idx="0">
+            <a:schemeClr val="dk1"/>
+          </a:fillRef>
+          <a:effectRef idx="2">
+            <a:schemeClr val="dk1"/>
+          </a:effectRef>
+          <a:fontRef idx="minor">
+            <a:schemeClr val="tx1"/>
+          </a:fontRef>
+        </p:style>
+      </p:cxnSp>
+      <p:cxnSp>
+        <p:nvCxnSpPr>
+          <p:cNvPr id="51" name="Connecteur droit 50">
+            <a:extLst>
+              <a:ext uri="{FF2B5EF4-FFF2-40B4-BE49-F238E27FC236}">
+                <a16:creationId xmlns:a16="http://schemas.microsoft.com/office/drawing/2014/main" id="{C035BFA6-ECBF-4775-BA81-19D2CA41AA8D}"/>
+              </a:ext>
+            </a:extLst>
+          </p:cNvPr>
+          <p:cNvCxnSpPr>
+            <a:cxnSpLocks/>
+          </p:cNvCxnSpPr>
+          <p:nvPr/>
+        </p:nvCxnSpPr>
+        <p:spPr>
+          <a:xfrm>
+            <a:off x="9402704" y="465201"/>
+            <a:ext cx="344203" cy="495163"/>
+          </a:xfrm>
+          <a:prstGeom prst="line">
+            <a:avLst/>
+          </a:prstGeom>
+        </p:spPr>
+        <p:style>
+          <a:lnRef idx="3">
+            <a:schemeClr val="dk1"/>
+          </a:lnRef>
+          <a:fillRef idx="0">
+            <a:schemeClr val="dk1"/>
+          </a:fillRef>
+          <a:effectRef idx="2">
+            <a:schemeClr val="dk1"/>
+          </a:effectRef>
+          <a:fontRef idx="minor">
+            <a:schemeClr val="tx1"/>
+          </a:fontRef>
+        </p:style>
+      </p:cxnSp>
+      <p:cxnSp>
+        <p:nvCxnSpPr>
+          <p:cNvPr id="52" name="Connecteur droit 51">
+            <a:extLst>
+              <a:ext uri="{FF2B5EF4-FFF2-40B4-BE49-F238E27FC236}">
+                <a16:creationId xmlns:a16="http://schemas.microsoft.com/office/drawing/2014/main" id="{FA310BC7-694B-4984-99A2-61A1F4F6EBF9}"/>
+              </a:ext>
+            </a:extLst>
+          </p:cNvPr>
+          <p:cNvCxnSpPr>
+            <a:cxnSpLocks/>
+          </p:cNvCxnSpPr>
+          <p:nvPr/>
+        </p:nvCxnSpPr>
+        <p:spPr>
+          <a:xfrm flipH="1">
+            <a:off x="11370469" y="448308"/>
+            <a:ext cx="364332" cy="501657"/>
+          </a:xfrm>
+          <a:prstGeom prst="line">
+            <a:avLst/>
+          </a:prstGeom>
+        </p:spPr>
+        <p:style>
+          <a:lnRef idx="3">
+            <a:schemeClr val="dk1"/>
+          </a:lnRef>
+          <a:fillRef idx="0">
+            <a:schemeClr val="dk1"/>
+          </a:fillRef>
+          <a:effectRef idx="2">
+            <a:schemeClr val="dk1"/>
+          </a:effectRef>
+          <a:fontRef idx="minor">
+            <a:schemeClr val="tx1"/>
+          </a:fontRef>
+        </p:style>
+      </p:cxnSp>
+      <p:cxnSp>
+        <p:nvCxnSpPr>
+          <p:cNvPr id="53" name="Connecteur droit 52">
+            <a:extLst>
+              <a:ext uri="{FF2B5EF4-FFF2-40B4-BE49-F238E27FC236}">
+                <a16:creationId xmlns:a16="http://schemas.microsoft.com/office/drawing/2014/main" id="{BE0649BD-EE59-4DDA-960F-95B2572F9F13}"/>
+              </a:ext>
+            </a:extLst>
+          </p:cNvPr>
+          <p:cNvCxnSpPr>
+            <a:cxnSpLocks/>
+          </p:cNvCxnSpPr>
+          <p:nvPr/>
+        </p:nvCxnSpPr>
+        <p:spPr>
+          <a:xfrm>
+            <a:off x="9743203" y="949965"/>
+            <a:ext cx="1627266" cy="0"/>
+          </a:xfrm>
+          <a:prstGeom prst="line">
+            <a:avLst/>
+          </a:prstGeom>
+        </p:spPr>
+        <p:style>
+          <a:lnRef idx="3">
+            <a:schemeClr val="dk1"/>
+          </a:lnRef>
+          <a:fillRef idx="0">
+            <a:schemeClr val="dk1"/>
+          </a:fillRef>
+          <a:effectRef idx="2">
+            <a:schemeClr val="dk1"/>
+          </a:effectRef>
+          <a:fontRef idx="minor">
+            <a:schemeClr val="tx1"/>
+          </a:fontRef>
+        </p:style>
+      </p:cxnSp>
+      <p:cxnSp>
+        <p:nvCxnSpPr>
+          <p:cNvPr id="55" name="Connecteur droit 54">
+            <a:extLst>
+              <a:ext uri="{FF2B5EF4-FFF2-40B4-BE49-F238E27FC236}">
+                <a16:creationId xmlns:a16="http://schemas.microsoft.com/office/drawing/2014/main" id="{52AA9200-DAFA-4EEF-AC13-4C7CE82A59EC}"/>
+              </a:ext>
+            </a:extLst>
+          </p:cNvPr>
+          <p:cNvCxnSpPr>
+            <a:cxnSpLocks/>
+          </p:cNvCxnSpPr>
+          <p:nvPr/>
+        </p:nvCxnSpPr>
+        <p:spPr>
+          <a:xfrm>
+            <a:off x="11715750" y="454801"/>
+            <a:ext cx="476249" cy="10400"/>
+          </a:xfrm>
+          <a:prstGeom prst="line">
+            <a:avLst/>
+          </a:prstGeom>
+        </p:spPr>
+        <p:style>
+          <a:lnRef idx="3">
+            <a:schemeClr val="dk1"/>
+          </a:lnRef>
+          <a:fillRef idx="0">
+            <a:schemeClr val="dk1"/>
+          </a:fillRef>
+          <a:effectRef idx="2">
+            <a:schemeClr val="dk1"/>
+          </a:effectRef>
+          <a:fontRef idx="minor">
+            <a:schemeClr val="tx1"/>
+          </a:fontRef>
+        </p:style>
+      </p:cxnSp>
+      <p:cxnSp>
+        <p:nvCxnSpPr>
+          <p:cNvPr id="23" name="Connecteur droit 22">
+            <a:extLst>
+              <a:ext uri="{FF2B5EF4-FFF2-40B4-BE49-F238E27FC236}">
+                <a16:creationId xmlns:a16="http://schemas.microsoft.com/office/drawing/2014/main" id="{BCB092C8-0080-4E56-957E-0046D4C83988}"/>
+              </a:ext>
+            </a:extLst>
+          </p:cNvPr>
+          <p:cNvCxnSpPr>
+            <a:cxnSpLocks/>
+          </p:cNvCxnSpPr>
+          <p:nvPr/>
+        </p:nvCxnSpPr>
+        <p:spPr>
+          <a:xfrm flipH="1">
+            <a:off x="2216372" y="446356"/>
+            <a:ext cx="364332" cy="501657"/>
+          </a:xfrm>
+          <a:prstGeom prst="line">
+            <a:avLst/>
+          </a:prstGeom>
+        </p:spPr>
+        <p:style>
+          <a:lnRef idx="3">
+            <a:schemeClr val="dk1"/>
+          </a:lnRef>
+          <a:fillRef idx="0">
+            <a:schemeClr val="dk1"/>
+          </a:fillRef>
+          <a:effectRef idx="2">
+            <a:schemeClr val="dk1"/>
+          </a:effectRef>
+          <a:fontRef idx="minor">
+            <a:schemeClr val="tx1"/>
+          </a:fontRef>
+        </p:style>
+      </p:cxnSp>
+      <p:sp>
+        <p:nvSpPr>
+          <p:cNvPr id="9" name="ZoneTexte 8">
+            <a:extLst>
+              <a:ext uri="{FF2B5EF4-FFF2-40B4-BE49-F238E27FC236}">
+                <a16:creationId xmlns:a16="http://schemas.microsoft.com/office/drawing/2014/main" id="{82010251-0AD2-4DAA-8E6B-7CA6A2301A9E}"/>
+              </a:ext>
+            </a:extLst>
+          </p:cNvPr>
+          <p:cNvSpPr txBox="1"/>
+          <p:nvPr/>
+        </p:nvSpPr>
+        <p:spPr>
+          <a:xfrm>
+            <a:off x="3256037" y="843147"/>
+            <a:ext cx="5675385" cy="1446550"/>
+          </a:xfrm>
+          <a:prstGeom prst="rect">
+            <a:avLst/>
+          </a:prstGeom>
+          <a:noFill/>
+        </p:spPr>
+        <p:txBody>
+          <a:bodyPr wrap="square" rtlCol="0">
+            <a:spAutoFit/>
+          </a:bodyPr>
+          <a:lstStyle/>
+          <a:p>
+            <a:pPr algn="ctr"/>
+            <a:r>
+              <a:rPr lang="fr-FR" sz="4400" dirty="0">
+                <a:latin typeface="Berlin Sans FB" panose="020E0602020502020306" pitchFamily="34" charset="0"/>
+              </a:rPr>
+              <a:t>Schéma structurel de la base de données</a:t>
+            </a:r>
+          </a:p>
+        </p:txBody>
+      </p:sp>
+      <p:pic>
+        <p:nvPicPr>
+          <p:cNvPr id="15" name="Image 14">
+            <a:extLst>
+              <a:ext uri="{FF2B5EF4-FFF2-40B4-BE49-F238E27FC236}">
+                <a16:creationId xmlns:a16="http://schemas.microsoft.com/office/drawing/2014/main" id="{1018D798-836D-4828-9B0F-869D22428CDE}"/>
+              </a:ext>
+            </a:extLst>
+          </p:cNvPr>
+          <p:cNvPicPr>
+            <a:picLocks noChangeAspect="1"/>
+          </p:cNvPicPr>
+          <p:nvPr/>
+        </p:nvPicPr>
+        <p:blipFill>
+          <a:blip r:embed="rId4">
+            <a:extLst>
+              <a:ext uri="{28A0092B-C50C-407E-A947-70E740481C1C}">
+                <a14:useLocalDpi xmlns:a14="http://schemas.microsoft.com/office/drawing/2010/main" val="0"/>
+              </a:ext>
+            </a:extLst>
+          </a:blip>
+          <a:stretch>
+            <a:fillRect/>
+          </a:stretch>
+        </p:blipFill>
+        <p:spPr>
+          <a:xfrm>
+            <a:off x="1821230" y="2747392"/>
+            <a:ext cx="8544998" cy="4110608"/>
+          </a:xfrm>
+          <a:prstGeom prst="rect">
+            <a:avLst/>
+          </a:prstGeom>
+        </p:spPr>
+      </p:pic>
+    </p:spTree>
+    <p:extLst>
+      <p:ext uri="{BB962C8B-B14F-4D97-AF65-F5344CB8AC3E}">
+        <p14:creationId xmlns:p14="http://schemas.microsoft.com/office/powerpoint/2010/main" val="3676251933"/>
+      </p:ext>
+    </p:extLst>
+  </p:cSld>
+  <p:clrMapOvr>
+    <a:masterClrMapping/>
+  </p:clrMapOvr>
+  <mc:AlternateContent xmlns:mc="http://schemas.openxmlformats.org/markup-compatibility/2006" xmlns:p14="http://schemas.microsoft.com/office/powerpoint/2010/main">
+    <mc:Choice Requires="p14">
+      <p:transition spd="slow">
+        <p14:reveal/>
+      </p:transition>
+    </mc:Choice>
+    <mc:Fallback xmlns="">
+      <p:transition spd="slow">
+        <p:fade/>
+      </p:transition>
+    </mc:Fallback>
+  </mc:AlternateContent>
+</p:sld>
+</file>
+
+<file path=ppt/slides/slide11.xml><?xml version="1.0" encoding="utf-8"?>
+<p:sld xmlns:a="http://schemas.openxmlformats.org/drawingml/2006/main" xmlns:r="http://schemas.openxmlformats.org/officeDocument/2006/relationships" xmlns:p="http://schemas.openxmlformats.org/presentationml/2006/main">
+  <p:cSld>
+    <p:spTree>
+      <p:nvGrpSpPr>
+        <p:cNvPr id="1" name=""/>
+        <p:cNvGrpSpPr/>
+        <p:nvPr/>
+      </p:nvGrpSpPr>
+      <p:grpSpPr>
+        <a:xfrm>
+          <a:off x="0" y="0"/>
+          <a:ext cx="0" cy="0"/>
+          <a:chOff x="0" y="0"/>
+          <a:chExt cx="0" cy="0"/>
+        </a:xfrm>
+      </p:grpSpPr>
+      <p:pic>
+        <p:nvPicPr>
+          <p:cNvPr id="8" name="Image 7">
+            <a:extLst>
+              <a:ext uri="{FF2B5EF4-FFF2-40B4-BE49-F238E27FC236}">
+                <a16:creationId xmlns:a16="http://schemas.microsoft.com/office/drawing/2014/main" id="{2BB825C5-31DA-4A56-85EA-536DBF510A31}"/>
+              </a:ext>
+            </a:extLst>
+          </p:cNvPr>
+          <p:cNvPicPr>
+            <a:picLocks noChangeAspect="1"/>
+          </p:cNvPicPr>
+          <p:nvPr/>
+        </p:nvPicPr>
+        <p:blipFill>
+          <a:blip r:embed="rId2">
+            <a:extLst>
+              <a:ext uri="{28A0092B-C50C-407E-A947-70E740481C1C}">
+                <a14:useLocalDpi xmlns:a14="http://schemas.microsoft.com/office/drawing/2010/main" val="0"/>
+              </a:ext>
+            </a:extLst>
+          </a:blip>
+          <a:stretch>
+            <a:fillRect/>
+          </a:stretch>
+        </p:blipFill>
+        <p:spPr>
+          <a:xfrm>
+            <a:off x="1068751" y="66457"/>
+            <a:ext cx="1259497" cy="776690"/>
+          </a:xfrm>
+          <a:prstGeom prst="rect">
+            <a:avLst/>
+          </a:prstGeom>
+        </p:spPr>
+      </p:pic>
+      <p:pic>
+        <p:nvPicPr>
+          <p:cNvPr id="10" name="Image 9">
+            <a:extLst>
+              <a:ext uri="{FF2B5EF4-FFF2-40B4-BE49-F238E27FC236}">
+                <a16:creationId xmlns:a16="http://schemas.microsoft.com/office/drawing/2014/main" id="{8EE7436F-49F2-41E0-93E4-D247B4705294}"/>
+              </a:ext>
+            </a:extLst>
+          </p:cNvPr>
+          <p:cNvPicPr>
+            <a:picLocks noChangeAspect="1"/>
+          </p:cNvPicPr>
+          <p:nvPr/>
+        </p:nvPicPr>
+        <p:blipFill>
+          <a:blip r:embed="rId3">
+            <a:extLst>
+              <a:ext uri="{28A0092B-C50C-407E-A947-70E740481C1C}">
+                <a14:useLocalDpi xmlns:a14="http://schemas.microsoft.com/office/drawing/2010/main" val="0"/>
+              </a:ext>
+            </a:extLst>
+          </a:blip>
+          <a:stretch>
+            <a:fillRect/>
+          </a:stretch>
+        </p:blipFill>
+        <p:spPr>
+          <a:xfrm>
+            <a:off x="9681085" y="238153"/>
+            <a:ext cx="1802101" cy="569807"/>
+          </a:xfrm>
+          <a:prstGeom prst="rect">
+            <a:avLst/>
+          </a:prstGeom>
+        </p:spPr>
+      </p:pic>
+      <p:cxnSp>
+        <p:nvCxnSpPr>
+          <p:cNvPr id="16" name="Connecteur droit 15">
+            <a:extLst>
+              <a:ext uri="{FF2B5EF4-FFF2-40B4-BE49-F238E27FC236}">
+                <a16:creationId xmlns:a16="http://schemas.microsoft.com/office/drawing/2014/main" id="{7319284A-BD6F-4A96-8E2B-E0A4B52E53C6}"/>
+              </a:ext>
+            </a:extLst>
+          </p:cNvPr>
+          <p:cNvCxnSpPr>
+            <a:cxnSpLocks/>
+          </p:cNvCxnSpPr>
+          <p:nvPr/>
+        </p:nvCxnSpPr>
+        <p:spPr>
+          <a:xfrm flipV="1">
+            <a:off x="0" y="454803"/>
+            <a:ext cx="738231" cy="1798"/>
+          </a:xfrm>
+          <a:prstGeom prst="line">
+            <a:avLst/>
+          </a:prstGeom>
+        </p:spPr>
+        <p:style>
+          <a:lnRef idx="3">
+            <a:schemeClr val="dk1"/>
+          </a:lnRef>
+          <a:fillRef idx="0">
+            <a:schemeClr val="dk1"/>
+          </a:fillRef>
+          <a:effectRef idx="2">
+            <a:schemeClr val="dk1"/>
+          </a:effectRef>
+          <a:fontRef idx="minor">
+            <a:schemeClr val="tx1"/>
+          </a:fontRef>
+        </p:style>
+      </p:cxnSp>
+      <p:cxnSp>
+        <p:nvCxnSpPr>
+          <p:cNvPr id="20" name="Connecteur droit 19">
+            <a:extLst>
+              <a:ext uri="{FF2B5EF4-FFF2-40B4-BE49-F238E27FC236}">
+                <a16:creationId xmlns:a16="http://schemas.microsoft.com/office/drawing/2014/main" id="{08874CF7-F149-4C81-B61E-74E18342BA8A}"/>
+              </a:ext>
+            </a:extLst>
+          </p:cNvPr>
+          <p:cNvCxnSpPr>
+            <a:cxnSpLocks/>
+          </p:cNvCxnSpPr>
+          <p:nvPr/>
+        </p:nvCxnSpPr>
+        <p:spPr>
+          <a:xfrm>
+            <a:off x="2573222" y="454803"/>
+            <a:ext cx="6829482" cy="10398"/>
+          </a:xfrm>
+          <a:prstGeom prst="line">
+            <a:avLst/>
+          </a:prstGeom>
+        </p:spPr>
+        <p:style>
+          <a:lnRef idx="3">
+            <a:schemeClr val="dk1"/>
+          </a:lnRef>
+          <a:fillRef idx="0">
+            <a:schemeClr val="dk1"/>
+          </a:fillRef>
+          <a:effectRef idx="2">
+            <a:schemeClr val="dk1"/>
+          </a:effectRef>
+          <a:fontRef idx="minor">
+            <a:schemeClr val="tx1"/>
+          </a:fontRef>
+        </p:style>
+      </p:cxnSp>
+      <p:cxnSp>
+        <p:nvCxnSpPr>
+          <p:cNvPr id="26" name="Connecteur droit 25">
+            <a:extLst>
+              <a:ext uri="{FF2B5EF4-FFF2-40B4-BE49-F238E27FC236}">
+                <a16:creationId xmlns:a16="http://schemas.microsoft.com/office/drawing/2014/main" id="{BB3B35CC-057B-48C1-880F-3306A6559175}"/>
+              </a:ext>
+            </a:extLst>
+          </p:cNvPr>
+          <p:cNvCxnSpPr>
+            <a:cxnSpLocks/>
+          </p:cNvCxnSpPr>
+          <p:nvPr/>
+        </p:nvCxnSpPr>
+        <p:spPr>
+          <a:xfrm>
+            <a:off x="738231" y="454803"/>
+            <a:ext cx="344203" cy="484764"/>
+          </a:xfrm>
+          <a:prstGeom prst="line">
+            <a:avLst/>
+          </a:prstGeom>
+        </p:spPr>
+        <p:style>
+          <a:lnRef idx="3">
+            <a:schemeClr val="dk1"/>
+          </a:lnRef>
+          <a:fillRef idx="0">
+            <a:schemeClr val="dk1"/>
+          </a:fillRef>
+          <a:effectRef idx="2">
+            <a:schemeClr val="dk1"/>
+          </a:effectRef>
+          <a:fontRef idx="minor">
+            <a:schemeClr val="tx1"/>
+          </a:fontRef>
+        </p:style>
+      </p:cxnSp>
+      <p:cxnSp>
+        <p:nvCxnSpPr>
+          <p:cNvPr id="32" name="Connecteur droit 31">
+            <a:extLst>
+              <a:ext uri="{FF2B5EF4-FFF2-40B4-BE49-F238E27FC236}">
+                <a16:creationId xmlns:a16="http://schemas.microsoft.com/office/drawing/2014/main" id="{4AD96496-1EB6-4E48-9BB2-5C255495C686}"/>
+              </a:ext>
+            </a:extLst>
+          </p:cNvPr>
+          <p:cNvCxnSpPr>
+            <a:cxnSpLocks/>
+          </p:cNvCxnSpPr>
+          <p:nvPr/>
+        </p:nvCxnSpPr>
+        <p:spPr>
+          <a:xfrm>
+            <a:off x="1082434" y="938268"/>
+            <a:ext cx="1146585" cy="0"/>
+          </a:xfrm>
+          <a:prstGeom prst="line">
+            <a:avLst/>
+          </a:prstGeom>
+        </p:spPr>
+        <p:style>
+          <a:lnRef idx="3">
+            <a:schemeClr val="dk1"/>
+          </a:lnRef>
+          <a:fillRef idx="0">
+            <a:schemeClr val="dk1"/>
+          </a:fillRef>
+          <a:effectRef idx="2">
+            <a:schemeClr val="dk1"/>
+          </a:effectRef>
+          <a:fontRef idx="minor">
+            <a:schemeClr val="tx1"/>
+          </a:fontRef>
+        </p:style>
+      </p:cxnSp>
+      <p:cxnSp>
+        <p:nvCxnSpPr>
+          <p:cNvPr id="51" name="Connecteur droit 50">
+            <a:extLst>
+              <a:ext uri="{FF2B5EF4-FFF2-40B4-BE49-F238E27FC236}">
+                <a16:creationId xmlns:a16="http://schemas.microsoft.com/office/drawing/2014/main" id="{C035BFA6-ECBF-4775-BA81-19D2CA41AA8D}"/>
+              </a:ext>
+            </a:extLst>
+          </p:cNvPr>
+          <p:cNvCxnSpPr>
+            <a:cxnSpLocks/>
+          </p:cNvCxnSpPr>
+          <p:nvPr/>
+        </p:nvCxnSpPr>
+        <p:spPr>
+          <a:xfrm>
+            <a:off x="9402704" y="465201"/>
+            <a:ext cx="344203" cy="495163"/>
+          </a:xfrm>
+          <a:prstGeom prst="line">
+            <a:avLst/>
+          </a:prstGeom>
+        </p:spPr>
+        <p:style>
+          <a:lnRef idx="3">
+            <a:schemeClr val="dk1"/>
+          </a:lnRef>
+          <a:fillRef idx="0">
+            <a:schemeClr val="dk1"/>
+          </a:fillRef>
+          <a:effectRef idx="2">
+            <a:schemeClr val="dk1"/>
+          </a:effectRef>
+          <a:fontRef idx="minor">
+            <a:schemeClr val="tx1"/>
+          </a:fontRef>
+        </p:style>
+      </p:cxnSp>
+      <p:cxnSp>
+        <p:nvCxnSpPr>
+          <p:cNvPr id="52" name="Connecteur droit 51">
+            <a:extLst>
+              <a:ext uri="{FF2B5EF4-FFF2-40B4-BE49-F238E27FC236}">
+                <a16:creationId xmlns:a16="http://schemas.microsoft.com/office/drawing/2014/main" id="{FA310BC7-694B-4984-99A2-61A1F4F6EBF9}"/>
+              </a:ext>
+            </a:extLst>
+          </p:cNvPr>
+          <p:cNvCxnSpPr>
+            <a:cxnSpLocks/>
+          </p:cNvCxnSpPr>
+          <p:nvPr/>
+        </p:nvCxnSpPr>
+        <p:spPr>
+          <a:xfrm flipH="1">
+            <a:off x="11370469" y="448308"/>
+            <a:ext cx="364332" cy="501657"/>
+          </a:xfrm>
+          <a:prstGeom prst="line">
+            <a:avLst/>
+          </a:prstGeom>
+        </p:spPr>
+        <p:style>
+          <a:lnRef idx="3">
+            <a:schemeClr val="dk1"/>
+          </a:lnRef>
+          <a:fillRef idx="0">
+            <a:schemeClr val="dk1"/>
+          </a:fillRef>
+          <a:effectRef idx="2">
+            <a:schemeClr val="dk1"/>
+          </a:effectRef>
+          <a:fontRef idx="minor">
+            <a:schemeClr val="tx1"/>
+          </a:fontRef>
+        </p:style>
+      </p:cxnSp>
+      <p:cxnSp>
+        <p:nvCxnSpPr>
+          <p:cNvPr id="53" name="Connecteur droit 52">
+            <a:extLst>
+              <a:ext uri="{FF2B5EF4-FFF2-40B4-BE49-F238E27FC236}">
+                <a16:creationId xmlns:a16="http://schemas.microsoft.com/office/drawing/2014/main" id="{BE0649BD-EE59-4DDA-960F-95B2572F9F13}"/>
+              </a:ext>
+            </a:extLst>
+          </p:cNvPr>
+          <p:cNvCxnSpPr>
+            <a:cxnSpLocks/>
+          </p:cNvCxnSpPr>
+          <p:nvPr/>
+        </p:nvCxnSpPr>
+        <p:spPr>
+          <a:xfrm>
+            <a:off x="9743203" y="949965"/>
+            <a:ext cx="1627266" cy="0"/>
+          </a:xfrm>
+          <a:prstGeom prst="line">
+            <a:avLst/>
+          </a:prstGeom>
+        </p:spPr>
+        <p:style>
+          <a:lnRef idx="3">
+            <a:schemeClr val="dk1"/>
+          </a:lnRef>
+          <a:fillRef idx="0">
+            <a:schemeClr val="dk1"/>
+          </a:fillRef>
+          <a:effectRef idx="2">
+            <a:schemeClr val="dk1"/>
+          </a:effectRef>
+          <a:fontRef idx="minor">
+            <a:schemeClr val="tx1"/>
+          </a:fontRef>
+        </p:style>
+      </p:cxnSp>
+      <p:cxnSp>
+        <p:nvCxnSpPr>
+          <p:cNvPr id="55" name="Connecteur droit 54">
+            <a:extLst>
+              <a:ext uri="{FF2B5EF4-FFF2-40B4-BE49-F238E27FC236}">
+                <a16:creationId xmlns:a16="http://schemas.microsoft.com/office/drawing/2014/main" id="{52AA9200-DAFA-4EEF-AC13-4C7CE82A59EC}"/>
+              </a:ext>
+            </a:extLst>
+          </p:cNvPr>
+          <p:cNvCxnSpPr>
+            <a:cxnSpLocks/>
+          </p:cNvCxnSpPr>
+          <p:nvPr/>
+        </p:nvCxnSpPr>
+        <p:spPr>
+          <a:xfrm>
+            <a:off x="11715750" y="454801"/>
+            <a:ext cx="476249" cy="10400"/>
+          </a:xfrm>
+          <a:prstGeom prst="line">
+            <a:avLst/>
+          </a:prstGeom>
+        </p:spPr>
+        <p:style>
+          <a:lnRef idx="3">
+            <a:schemeClr val="dk1"/>
+          </a:lnRef>
+          <a:fillRef idx="0">
+            <a:schemeClr val="dk1"/>
+          </a:fillRef>
+          <a:effectRef idx="2">
+            <a:schemeClr val="dk1"/>
+          </a:effectRef>
+          <a:fontRef idx="minor">
+            <a:schemeClr val="tx1"/>
+          </a:fontRef>
+        </p:style>
+      </p:cxnSp>
+      <p:cxnSp>
+        <p:nvCxnSpPr>
+          <p:cNvPr id="23" name="Connecteur droit 22">
+            <a:extLst>
+              <a:ext uri="{FF2B5EF4-FFF2-40B4-BE49-F238E27FC236}">
+                <a16:creationId xmlns:a16="http://schemas.microsoft.com/office/drawing/2014/main" id="{BCB092C8-0080-4E56-957E-0046D4C83988}"/>
+              </a:ext>
+            </a:extLst>
+          </p:cNvPr>
+          <p:cNvCxnSpPr>
+            <a:cxnSpLocks/>
+          </p:cNvCxnSpPr>
+          <p:nvPr/>
+        </p:nvCxnSpPr>
+        <p:spPr>
+          <a:xfrm flipH="1">
+            <a:off x="2216372" y="446356"/>
+            <a:ext cx="364332" cy="501657"/>
+          </a:xfrm>
+          <a:prstGeom prst="line">
+            <a:avLst/>
+          </a:prstGeom>
+        </p:spPr>
+        <p:style>
+          <a:lnRef idx="3">
+            <a:schemeClr val="dk1"/>
+          </a:lnRef>
+          <a:fillRef idx="0">
+            <a:schemeClr val="dk1"/>
+          </a:fillRef>
+          <a:effectRef idx="2">
+            <a:schemeClr val="dk1"/>
+          </a:effectRef>
+          <a:fontRef idx="minor">
+            <a:schemeClr val="tx1"/>
+          </a:fontRef>
+        </p:style>
+      </p:cxnSp>
+      <p:sp>
+        <p:nvSpPr>
+          <p:cNvPr id="9" name="ZoneTexte 8">
+            <a:extLst>
+              <a:ext uri="{FF2B5EF4-FFF2-40B4-BE49-F238E27FC236}">
+                <a16:creationId xmlns:a16="http://schemas.microsoft.com/office/drawing/2014/main" id="{82010251-0AD2-4DAA-8E6B-7CA6A2301A9E}"/>
+              </a:ext>
+            </a:extLst>
+          </p:cNvPr>
+          <p:cNvSpPr txBox="1"/>
+          <p:nvPr/>
+        </p:nvSpPr>
+        <p:spPr>
+          <a:xfrm>
+            <a:off x="3610620" y="938268"/>
+            <a:ext cx="4970760" cy="769441"/>
+          </a:xfrm>
+          <a:prstGeom prst="rect">
+            <a:avLst/>
+          </a:prstGeom>
+          <a:noFill/>
+        </p:spPr>
+        <p:txBody>
+          <a:bodyPr wrap="square" rtlCol="0">
+            <a:spAutoFit/>
+          </a:bodyPr>
+          <a:lstStyle/>
+          <a:p>
+            <a:pPr algn="ctr"/>
+            <a:r>
+              <a:rPr lang="fr-FR" sz="4400" dirty="0">
+                <a:latin typeface="Berlin Sans FB" panose="020E0602020502020306" pitchFamily="34" charset="0"/>
+              </a:rPr>
+              <a:t>Analyse du matériel</a:t>
+            </a:r>
+          </a:p>
+        </p:txBody>
+      </p:sp>
+    </p:spTree>
+    <p:extLst>
+      <p:ext uri="{BB962C8B-B14F-4D97-AF65-F5344CB8AC3E}">
+        <p14:creationId xmlns:p14="http://schemas.microsoft.com/office/powerpoint/2010/main" val="2874087933"/>
+      </p:ext>
+    </p:extLst>
+  </p:cSld>
+  <p:clrMapOvr>
+    <a:masterClrMapping/>
+  </p:clrMapOvr>
+  <mc:AlternateContent xmlns:mc="http://schemas.openxmlformats.org/markup-compatibility/2006" xmlns:p14="http://schemas.microsoft.com/office/powerpoint/2010/main">
+    <mc:Choice Requires="p14">
+      <p:transition spd="slow">
+        <p14:reveal/>
+      </p:transition>
+    </mc:Choice>
+    <mc:Fallback xmlns="">
+      <p:transition spd="slow">
+        <p:fade/>
+      </p:transition>
+    </mc:Fallback>
+  </mc:AlternateContent>
+</p:sld>
+</file>
+
+<file path=ppt/slides/slide12.xml><?xml version="1.0" encoding="utf-8"?>
+<p:sld xmlns:a="http://schemas.openxmlformats.org/drawingml/2006/main" xmlns:r="http://schemas.openxmlformats.org/officeDocument/2006/relationships" xmlns:p="http://schemas.openxmlformats.org/presentationml/2006/main">
+  <p:cSld>
+    <p:spTree>
+      <p:nvGrpSpPr>
+        <p:cNvPr id="1" name=""/>
+        <p:cNvGrpSpPr/>
+        <p:nvPr/>
+      </p:nvGrpSpPr>
+      <p:grpSpPr>
+        <a:xfrm>
+          <a:off x="0" y="0"/>
+          <a:ext cx="0" cy="0"/>
+          <a:chOff x="0" y="0"/>
+          <a:chExt cx="0" cy="0"/>
+        </a:xfrm>
+      </p:grpSpPr>
+      <p:pic>
+        <p:nvPicPr>
+          <p:cNvPr id="8" name="Image 7">
+            <a:extLst>
+              <a:ext uri="{FF2B5EF4-FFF2-40B4-BE49-F238E27FC236}">
+                <a16:creationId xmlns:a16="http://schemas.microsoft.com/office/drawing/2014/main" id="{2BB825C5-31DA-4A56-85EA-536DBF510A31}"/>
+              </a:ext>
+            </a:extLst>
+          </p:cNvPr>
+          <p:cNvPicPr>
+            <a:picLocks noChangeAspect="1"/>
+          </p:cNvPicPr>
+          <p:nvPr/>
+        </p:nvPicPr>
+        <p:blipFill>
+          <a:blip r:embed="rId2">
+            <a:extLst>
+              <a:ext uri="{28A0092B-C50C-407E-A947-70E740481C1C}">
+                <a14:useLocalDpi xmlns:a14="http://schemas.microsoft.com/office/drawing/2010/main" val="0"/>
+              </a:ext>
+            </a:extLst>
+          </a:blip>
+          <a:stretch>
+            <a:fillRect/>
+          </a:stretch>
+        </p:blipFill>
+        <p:spPr>
+          <a:xfrm>
+            <a:off x="1068751" y="66457"/>
+            <a:ext cx="1259497" cy="776690"/>
+          </a:xfrm>
+          <a:prstGeom prst="rect">
+            <a:avLst/>
+          </a:prstGeom>
+        </p:spPr>
+      </p:pic>
+      <p:pic>
+        <p:nvPicPr>
+          <p:cNvPr id="10" name="Image 9">
+            <a:extLst>
+              <a:ext uri="{FF2B5EF4-FFF2-40B4-BE49-F238E27FC236}">
+                <a16:creationId xmlns:a16="http://schemas.microsoft.com/office/drawing/2014/main" id="{8EE7436F-49F2-41E0-93E4-D247B4705294}"/>
+              </a:ext>
+            </a:extLst>
+          </p:cNvPr>
+          <p:cNvPicPr>
+            <a:picLocks noChangeAspect="1"/>
+          </p:cNvPicPr>
+          <p:nvPr/>
+        </p:nvPicPr>
+        <p:blipFill>
+          <a:blip r:embed="rId3">
+            <a:extLst>
+              <a:ext uri="{28A0092B-C50C-407E-A947-70E740481C1C}">
+                <a14:useLocalDpi xmlns:a14="http://schemas.microsoft.com/office/drawing/2010/main" val="0"/>
+              </a:ext>
+            </a:extLst>
+          </a:blip>
+          <a:stretch>
+            <a:fillRect/>
+          </a:stretch>
+        </p:blipFill>
+        <p:spPr>
+          <a:xfrm>
+            <a:off x="9681085" y="238153"/>
+            <a:ext cx="1802101" cy="569807"/>
+          </a:xfrm>
+          <a:prstGeom prst="rect">
+            <a:avLst/>
+          </a:prstGeom>
+        </p:spPr>
+      </p:pic>
+      <p:cxnSp>
+        <p:nvCxnSpPr>
+          <p:cNvPr id="16" name="Connecteur droit 15">
+            <a:extLst>
+              <a:ext uri="{FF2B5EF4-FFF2-40B4-BE49-F238E27FC236}">
+                <a16:creationId xmlns:a16="http://schemas.microsoft.com/office/drawing/2014/main" id="{7319284A-BD6F-4A96-8E2B-E0A4B52E53C6}"/>
+              </a:ext>
+            </a:extLst>
+          </p:cNvPr>
+          <p:cNvCxnSpPr>
+            <a:cxnSpLocks/>
+          </p:cNvCxnSpPr>
+          <p:nvPr/>
+        </p:nvCxnSpPr>
+        <p:spPr>
+          <a:xfrm flipV="1">
+            <a:off x="0" y="454803"/>
+            <a:ext cx="738231" cy="1798"/>
+          </a:xfrm>
+          <a:prstGeom prst="line">
+            <a:avLst/>
+          </a:prstGeom>
+        </p:spPr>
+        <p:style>
+          <a:lnRef idx="3">
+            <a:schemeClr val="dk1"/>
+          </a:lnRef>
+          <a:fillRef idx="0">
+            <a:schemeClr val="dk1"/>
+          </a:fillRef>
+          <a:effectRef idx="2">
+            <a:schemeClr val="dk1"/>
+          </a:effectRef>
+          <a:fontRef idx="minor">
+            <a:schemeClr val="tx1"/>
+          </a:fontRef>
+        </p:style>
+      </p:cxnSp>
+      <p:cxnSp>
+        <p:nvCxnSpPr>
+          <p:cNvPr id="20" name="Connecteur droit 19">
+            <a:extLst>
+              <a:ext uri="{FF2B5EF4-FFF2-40B4-BE49-F238E27FC236}">
+                <a16:creationId xmlns:a16="http://schemas.microsoft.com/office/drawing/2014/main" id="{08874CF7-F149-4C81-B61E-74E18342BA8A}"/>
+              </a:ext>
+            </a:extLst>
+          </p:cNvPr>
+          <p:cNvCxnSpPr>
+            <a:cxnSpLocks/>
+          </p:cNvCxnSpPr>
+          <p:nvPr/>
+        </p:nvCxnSpPr>
+        <p:spPr>
+          <a:xfrm>
+            <a:off x="2573222" y="454803"/>
+            <a:ext cx="6829482" cy="10398"/>
+          </a:xfrm>
+          <a:prstGeom prst="line">
+            <a:avLst/>
+          </a:prstGeom>
+        </p:spPr>
+        <p:style>
+          <a:lnRef idx="3">
+            <a:schemeClr val="dk1"/>
+          </a:lnRef>
+          <a:fillRef idx="0">
+            <a:schemeClr val="dk1"/>
+          </a:fillRef>
+          <a:effectRef idx="2">
+            <a:schemeClr val="dk1"/>
+          </a:effectRef>
+          <a:fontRef idx="minor">
+            <a:schemeClr val="tx1"/>
+          </a:fontRef>
+        </p:style>
+      </p:cxnSp>
+      <p:cxnSp>
+        <p:nvCxnSpPr>
+          <p:cNvPr id="26" name="Connecteur droit 25">
+            <a:extLst>
+              <a:ext uri="{FF2B5EF4-FFF2-40B4-BE49-F238E27FC236}">
+                <a16:creationId xmlns:a16="http://schemas.microsoft.com/office/drawing/2014/main" id="{BB3B35CC-057B-48C1-880F-3306A6559175}"/>
+              </a:ext>
+            </a:extLst>
+          </p:cNvPr>
+          <p:cNvCxnSpPr>
+            <a:cxnSpLocks/>
+          </p:cNvCxnSpPr>
+          <p:nvPr/>
+        </p:nvCxnSpPr>
+        <p:spPr>
+          <a:xfrm>
+            <a:off x="738231" y="454803"/>
+            <a:ext cx="344203" cy="484764"/>
+          </a:xfrm>
+          <a:prstGeom prst="line">
+            <a:avLst/>
+          </a:prstGeom>
+        </p:spPr>
+        <p:style>
+          <a:lnRef idx="3">
+            <a:schemeClr val="dk1"/>
+          </a:lnRef>
+          <a:fillRef idx="0">
+            <a:schemeClr val="dk1"/>
+          </a:fillRef>
+          <a:effectRef idx="2">
+            <a:schemeClr val="dk1"/>
+          </a:effectRef>
+          <a:fontRef idx="minor">
+            <a:schemeClr val="tx1"/>
+          </a:fontRef>
+        </p:style>
+      </p:cxnSp>
+      <p:cxnSp>
+        <p:nvCxnSpPr>
+          <p:cNvPr id="32" name="Connecteur droit 31">
+            <a:extLst>
+              <a:ext uri="{FF2B5EF4-FFF2-40B4-BE49-F238E27FC236}">
+                <a16:creationId xmlns:a16="http://schemas.microsoft.com/office/drawing/2014/main" id="{4AD96496-1EB6-4E48-9BB2-5C255495C686}"/>
+              </a:ext>
+            </a:extLst>
+          </p:cNvPr>
+          <p:cNvCxnSpPr>
+            <a:cxnSpLocks/>
+          </p:cNvCxnSpPr>
+          <p:nvPr/>
+        </p:nvCxnSpPr>
+        <p:spPr>
+          <a:xfrm>
+            <a:off x="1082434" y="938268"/>
+            <a:ext cx="1146585" cy="0"/>
+          </a:xfrm>
+          <a:prstGeom prst="line">
+            <a:avLst/>
+          </a:prstGeom>
+        </p:spPr>
+        <p:style>
+          <a:lnRef idx="3">
+            <a:schemeClr val="dk1"/>
+          </a:lnRef>
+          <a:fillRef idx="0">
+            <a:schemeClr val="dk1"/>
+          </a:fillRef>
+          <a:effectRef idx="2">
+            <a:schemeClr val="dk1"/>
+          </a:effectRef>
+          <a:fontRef idx="minor">
+            <a:schemeClr val="tx1"/>
+          </a:fontRef>
+        </p:style>
+      </p:cxnSp>
+      <p:cxnSp>
+        <p:nvCxnSpPr>
+          <p:cNvPr id="51" name="Connecteur droit 50">
+            <a:extLst>
+              <a:ext uri="{FF2B5EF4-FFF2-40B4-BE49-F238E27FC236}">
+                <a16:creationId xmlns:a16="http://schemas.microsoft.com/office/drawing/2014/main" id="{C035BFA6-ECBF-4775-BA81-19D2CA41AA8D}"/>
+              </a:ext>
+            </a:extLst>
+          </p:cNvPr>
+          <p:cNvCxnSpPr>
+            <a:cxnSpLocks/>
+          </p:cNvCxnSpPr>
+          <p:nvPr/>
+        </p:nvCxnSpPr>
+        <p:spPr>
+          <a:xfrm>
+            <a:off x="9402704" y="465201"/>
+            <a:ext cx="344203" cy="495163"/>
+          </a:xfrm>
+          <a:prstGeom prst="line">
+            <a:avLst/>
+          </a:prstGeom>
+        </p:spPr>
+        <p:style>
+          <a:lnRef idx="3">
+            <a:schemeClr val="dk1"/>
+          </a:lnRef>
+          <a:fillRef idx="0">
+            <a:schemeClr val="dk1"/>
+          </a:fillRef>
+          <a:effectRef idx="2">
+            <a:schemeClr val="dk1"/>
+          </a:effectRef>
+          <a:fontRef idx="minor">
+            <a:schemeClr val="tx1"/>
+          </a:fontRef>
+        </p:style>
+      </p:cxnSp>
+      <p:cxnSp>
+        <p:nvCxnSpPr>
+          <p:cNvPr id="52" name="Connecteur droit 51">
+            <a:extLst>
+              <a:ext uri="{FF2B5EF4-FFF2-40B4-BE49-F238E27FC236}">
+                <a16:creationId xmlns:a16="http://schemas.microsoft.com/office/drawing/2014/main" id="{FA310BC7-694B-4984-99A2-61A1F4F6EBF9}"/>
+              </a:ext>
+            </a:extLst>
+          </p:cNvPr>
+          <p:cNvCxnSpPr>
+            <a:cxnSpLocks/>
+          </p:cNvCxnSpPr>
+          <p:nvPr/>
+        </p:nvCxnSpPr>
+        <p:spPr>
+          <a:xfrm flipH="1">
+            <a:off x="11370469" y="448308"/>
+            <a:ext cx="364332" cy="501657"/>
+          </a:xfrm>
+          <a:prstGeom prst="line">
+            <a:avLst/>
+          </a:prstGeom>
+        </p:spPr>
+        <p:style>
+          <a:lnRef idx="3">
+            <a:schemeClr val="dk1"/>
+          </a:lnRef>
+          <a:fillRef idx="0">
+            <a:schemeClr val="dk1"/>
+          </a:fillRef>
+          <a:effectRef idx="2">
+            <a:schemeClr val="dk1"/>
+          </a:effectRef>
+          <a:fontRef idx="minor">
+            <a:schemeClr val="tx1"/>
+          </a:fontRef>
+        </p:style>
+      </p:cxnSp>
+      <p:cxnSp>
+        <p:nvCxnSpPr>
+          <p:cNvPr id="53" name="Connecteur droit 52">
+            <a:extLst>
+              <a:ext uri="{FF2B5EF4-FFF2-40B4-BE49-F238E27FC236}">
+                <a16:creationId xmlns:a16="http://schemas.microsoft.com/office/drawing/2014/main" id="{BE0649BD-EE59-4DDA-960F-95B2572F9F13}"/>
+              </a:ext>
+            </a:extLst>
+          </p:cNvPr>
+          <p:cNvCxnSpPr>
+            <a:cxnSpLocks/>
+          </p:cNvCxnSpPr>
+          <p:nvPr/>
+        </p:nvCxnSpPr>
+        <p:spPr>
+          <a:xfrm>
+            <a:off x="9743203" y="949965"/>
+            <a:ext cx="1627266" cy="0"/>
+          </a:xfrm>
+          <a:prstGeom prst="line">
+            <a:avLst/>
+          </a:prstGeom>
+        </p:spPr>
+        <p:style>
+          <a:lnRef idx="3">
+            <a:schemeClr val="dk1"/>
+          </a:lnRef>
+          <a:fillRef idx="0">
+            <a:schemeClr val="dk1"/>
+          </a:fillRef>
+          <a:effectRef idx="2">
+            <a:schemeClr val="dk1"/>
+          </a:effectRef>
+          <a:fontRef idx="minor">
+            <a:schemeClr val="tx1"/>
+          </a:fontRef>
+        </p:style>
+      </p:cxnSp>
+      <p:cxnSp>
+        <p:nvCxnSpPr>
+          <p:cNvPr id="55" name="Connecteur droit 54">
+            <a:extLst>
+              <a:ext uri="{FF2B5EF4-FFF2-40B4-BE49-F238E27FC236}">
+                <a16:creationId xmlns:a16="http://schemas.microsoft.com/office/drawing/2014/main" id="{52AA9200-DAFA-4EEF-AC13-4C7CE82A59EC}"/>
+              </a:ext>
+            </a:extLst>
+          </p:cNvPr>
+          <p:cNvCxnSpPr>
+            <a:cxnSpLocks/>
+          </p:cNvCxnSpPr>
+          <p:nvPr/>
+        </p:nvCxnSpPr>
+        <p:spPr>
+          <a:xfrm>
+            <a:off x="11715750" y="454801"/>
+            <a:ext cx="476249" cy="10400"/>
+          </a:xfrm>
+          <a:prstGeom prst="line">
+            <a:avLst/>
+          </a:prstGeom>
+        </p:spPr>
+        <p:style>
+          <a:lnRef idx="3">
+            <a:schemeClr val="dk1"/>
+          </a:lnRef>
+          <a:fillRef idx="0">
+            <a:schemeClr val="dk1"/>
+          </a:fillRef>
+          <a:effectRef idx="2">
+            <a:schemeClr val="dk1"/>
+          </a:effectRef>
+          <a:fontRef idx="minor">
+            <a:schemeClr val="tx1"/>
+          </a:fontRef>
+        </p:style>
+      </p:cxnSp>
+      <p:cxnSp>
+        <p:nvCxnSpPr>
+          <p:cNvPr id="23" name="Connecteur droit 22">
+            <a:extLst>
+              <a:ext uri="{FF2B5EF4-FFF2-40B4-BE49-F238E27FC236}">
+                <a16:creationId xmlns:a16="http://schemas.microsoft.com/office/drawing/2014/main" id="{BCB092C8-0080-4E56-957E-0046D4C83988}"/>
+              </a:ext>
+            </a:extLst>
+          </p:cNvPr>
+          <p:cNvCxnSpPr>
+            <a:cxnSpLocks/>
+          </p:cNvCxnSpPr>
+          <p:nvPr/>
+        </p:nvCxnSpPr>
+        <p:spPr>
+          <a:xfrm flipH="1">
+            <a:off x="2216372" y="446356"/>
+            <a:ext cx="364332" cy="501657"/>
+          </a:xfrm>
+          <a:prstGeom prst="line">
+            <a:avLst/>
+          </a:prstGeom>
+        </p:spPr>
+        <p:style>
+          <a:lnRef idx="3">
+            <a:schemeClr val="dk1"/>
+          </a:lnRef>
+          <a:fillRef idx="0">
+            <a:schemeClr val="dk1"/>
+          </a:fillRef>
+          <a:effectRef idx="2">
+            <a:schemeClr val="dk1"/>
+          </a:effectRef>
+          <a:fontRef idx="minor">
+            <a:schemeClr val="tx1"/>
+          </a:fontRef>
+        </p:style>
+      </p:cxnSp>
+      <p:sp>
+        <p:nvSpPr>
+          <p:cNvPr id="9" name="ZoneTexte 8">
+            <a:extLst>
+              <a:ext uri="{FF2B5EF4-FFF2-40B4-BE49-F238E27FC236}">
+                <a16:creationId xmlns:a16="http://schemas.microsoft.com/office/drawing/2014/main" id="{82010251-0AD2-4DAA-8E6B-7CA6A2301A9E}"/>
+              </a:ext>
+            </a:extLst>
+          </p:cNvPr>
+          <p:cNvSpPr txBox="1"/>
+          <p:nvPr/>
+        </p:nvSpPr>
+        <p:spPr>
+          <a:xfrm>
+            <a:off x="3610620" y="938268"/>
+            <a:ext cx="4970760" cy="769441"/>
+          </a:xfrm>
+          <a:prstGeom prst="rect">
+            <a:avLst/>
+          </a:prstGeom>
+          <a:noFill/>
+        </p:spPr>
+        <p:txBody>
+          <a:bodyPr wrap="square" rtlCol="0">
+            <a:spAutoFit/>
+          </a:bodyPr>
+          <a:lstStyle/>
+          <a:p>
+            <a:pPr algn="ctr"/>
+            <a:r>
+              <a:rPr lang="fr-FR" sz="4400" dirty="0">
+                <a:latin typeface="Berlin Sans FB" panose="020E0602020502020306" pitchFamily="34" charset="0"/>
+              </a:rPr>
+              <a:t>Solutions trouvées</a:t>
+            </a:r>
+          </a:p>
+        </p:txBody>
+      </p:sp>
+    </p:spTree>
+    <p:extLst>
+      <p:ext uri="{BB962C8B-B14F-4D97-AF65-F5344CB8AC3E}">
+        <p14:creationId xmlns:p14="http://schemas.microsoft.com/office/powerpoint/2010/main" val="1404166436"/>
+      </p:ext>
+    </p:extLst>
+  </p:cSld>
+  <p:clrMapOvr>
+    <a:masterClrMapping/>
+  </p:clrMapOvr>
+  <mc:AlternateContent xmlns:mc="http://schemas.openxmlformats.org/markup-compatibility/2006" xmlns:p14="http://schemas.microsoft.com/office/powerpoint/2010/main">
+    <mc:Choice Requires="p14">
+      <p:transition spd="slow">
+        <p14:reveal/>
+      </p:transition>
+    </mc:Choice>
+    <mc:Fallback xmlns="">
+      <p:transition spd="slow">
+        <p:fade/>
+      </p:transition>
+    </mc:Fallback>
+  </mc:AlternateContent>
+</p:sld>
+</file>
+
+<file path=ppt/slides/slide13.xml><?xml version="1.0" encoding="utf-8"?>
+<p:sld xmlns:a="http://schemas.openxmlformats.org/drawingml/2006/main" xmlns:r="http://schemas.openxmlformats.org/officeDocument/2006/relationships" xmlns:p="http://schemas.openxmlformats.org/presentationml/2006/main">
+  <p:cSld>
+    <p:spTree>
+      <p:nvGrpSpPr>
+        <p:cNvPr id="1" name=""/>
+        <p:cNvGrpSpPr/>
+        <p:nvPr/>
+      </p:nvGrpSpPr>
+      <p:grpSpPr>
+        <a:xfrm>
+          <a:off x="0" y="0"/>
+          <a:ext cx="0" cy="0"/>
+          <a:chOff x="0" y="0"/>
+          <a:chExt cx="0" cy="0"/>
+        </a:xfrm>
+      </p:grpSpPr>
+      <p:pic>
+        <p:nvPicPr>
+          <p:cNvPr id="8" name="Image 7">
+            <a:extLst>
+              <a:ext uri="{FF2B5EF4-FFF2-40B4-BE49-F238E27FC236}">
+                <a16:creationId xmlns:a16="http://schemas.microsoft.com/office/drawing/2014/main" id="{2BB825C5-31DA-4A56-85EA-536DBF510A31}"/>
+              </a:ext>
+            </a:extLst>
+          </p:cNvPr>
+          <p:cNvPicPr>
+            <a:picLocks noChangeAspect="1"/>
+          </p:cNvPicPr>
+          <p:nvPr/>
+        </p:nvPicPr>
+        <p:blipFill>
+          <a:blip r:embed="rId2">
+            <a:extLst>
+              <a:ext uri="{28A0092B-C50C-407E-A947-70E740481C1C}">
+                <a14:useLocalDpi xmlns:a14="http://schemas.microsoft.com/office/drawing/2010/main" val="0"/>
+              </a:ext>
+            </a:extLst>
+          </a:blip>
+          <a:stretch>
+            <a:fillRect/>
+          </a:stretch>
+        </p:blipFill>
+        <p:spPr>
+          <a:xfrm>
+            <a:off x="1068751" y="66457"/>
+            <a:ext cx="1259497" cy="776690"/>
+          </a:xfrm>
+          <a:prstGeom prst="rect">
+            <a:avLst/>
+          </a:prstGeom>
+        </p:spPr>
+      </p:pic>
+      <p:pic>
+        <p:nvPicPr>
+          <p:cNvPr id="10" name="Image 9">
+            <a:extLst>
+              <a:ext uri="{FF2B5EF4-FFF2-40B4-BE49-F238E27FC236}">
+                <a16:creationId xmlns:a16="http://schemas.microsoft.com/office/drawing/2014/main" id="{8EE7436F-49F2-41E0-93E4-D247B4705294}"/>
+              </a:ext>
+            </a:extLst>
+          </p:cNvPr>
+          <p:cNvPicPr>
+            <a:picLocks noChangeAspect="1"/>
+          </p:cNvPicPr>
+          <p:nvPr/>
+        </p:nvPicPr>
+        <p:blipFill>
+          <a:blip r:embed="rId3">
+            <a:extLst>
+              <a:ext uri="{28A0092B-C50C-407E-A947-70E740481C1C}">
+                <a14:useLocalDpi xmlns:a14="http://schemas.microsoft.com/office/drawing/2010/main" val="0"/>
+              </a:ext>
+            </a:extLst>
+          </a:blip>
+          <a:stretch>
+            <a:fillRect/>
+          </a:stretch>
+        </p:blipFill>
+        <p:spPr>
+          <a:xfrm>
+            <a:off x="9681085" y="238153"/>
+            <a:ext cx="1802101" cy="569807"/>
+          </a:xfrm>
+          <a:prstGeom prst="rect">
+            <a:avLst/>
+          </a:prstGeom>
+        </p:spPr>
+      </p:pic>
+      <p:cxnSp>
+        <p:nvCxnSpPr>
+          <p:cNvPr id="16" name="Connecteur droit 15">
+            <a:extLst>
+              <a:ext uri="{FF2B5EF4-FFF2-40B4-BE49-F238E27FC236}">
+                <a16:creationId xmlns:a16="http://schemas.microsoft.com/office/drawing/2014/main" id="{7319284A-BD6F-4A96-8E2B-E0A4B52E53C6}"/>
+              </a:ext>
+            </a:extLst>
+          </p:cNvPr>
+          <p:cNvCxnSpPr>
+            <a:cxnSpLocks/>
+          </p:cNvCxnSpPr>
+          <p:nvPr/>
+        </p:nvCxnSpPr>
+        <p:spPr>
+          <a:xfrm flipV="1">
+            <a:off x="0" y="454803"/>
+            <a:ext cx="738231" cy="1798"/>
+          </a:xfrm>
+          <a:prstGeom prst="line">
+            <a:avLst/>
+          </a:prstGeom>
+        </p:spPr>
+        <p:style>
+          <a:lnRef idx="3">
+            <a:schemeClr val="dk1"/>
+          </a:lnRef>
+          <a:fillRef idx="0">
+            <a:schemeClr val="dk1"/>
+          </a:fillRef>
+          <a:effectRef idx="2">
+            <a:schemeClr val="dk1"/>
+          </a:effectRef>
+          <a:fontRef idx="minor">
+            <a:schemeClr val="tx1"/>
+          </a:fontRef>
+        </p:style>
+      </p:cxnSp>
+      <p:cxnSp>
+        <p:nvCxnSpPr>
+          <p:cNvPr id="20" name="Connecteur droit 19">
+            <a:extLst>
+              <a:ext uri="{FF2B5EF4-FFF2-40B4-BE49-F238E27FC236}">
+                <a16:creationId xmlns:a16="http://schemas.microsoft.com/office/drawing/2014/main" id="{08874CF7-F149-4C81-B61E-74E18342BA8A}"/>
+              </a:ext>
+            </a:extLst>
+          </p:cNvPr>
+          <p:cNvCxnSpPr>
+            <a:cxnSpLocks/>
+          </p:cNvCxnSpPr>
+          <p:nvPr/>
+        </p:nvCxnSpPr>
+        <p:spPr>
+          <a:xfrm>
+            <a:off x="2573222" y="454803"/>
+            <a:ext cx="6829482" cy="10398"/>
+          </a:xfrm>
+          <a:prstGeom prst="line">
+            <a:avLst/>
+          </a:prstGeom>
+        </p:spPr>
+        <p:style>
+          <a:lnRef idx="3">
+            <a:schemeClr val="dk1"/>
+          </a:lnRef>
+          <a:fillRef idx="0">
+            <a:schemeClr val="dk1"/>
+          </a:fillRef>
+          <a:effectRef idx="2">
+            <a:schemeClr val="dk1"/>
+          </a:effectRef>
+          <a:fontRef idx="minor">
+            <a:schemeClr val="tx1"/>
+          </a:fontRef>
+        </p:style>
+      </p:cxnSp>
+      <p:cxnSp>
+        <p:nvCxnSpPr>
+          <p:cNvPr id="26" name="Connecteur droit 25">
+            <a:extLst>
+              <a:ext uri="{FF2B5EF4-FFF2-40B4-BE49-F238E27FC236}">
+                <a16:creationId xmlns:a16="http://schemas.microsoft.com/office/drawing/2014/main" id="{BB3B35CC-057B-48C1-880F-3306A6559175}"/>
+              </a:ext>
+            </a:extLst>
+          </p:cNvPr>
+          <p:cNvCxnSpPr>
+            <a:cxnSpLocks/>
+          </p:cNvCxnSpPr>
+          <p:nvPr/>
+        </p:nvCxnSpPr>
+        <p:spPr>
+          <a:xfrm>
+            <a:off x="738231" y="454803"/>
+            <a:ext cx="344203" cy="484764"/>
+          </a:xfrm>
+          <a:prstGeom prst="line">
+            <a:avLst/>
+          </a:prstGeom>
+        </p:spPr>
+        <p:style>
+          <a:lnRef idx="3">
+            <a:schemeClr val="dk1"/>
+          </a:lnRef>
+          <a:fillRef idx="0">
+            <a:schemeClr val="dk1"/>
+          </a:fillRef>
+          <a:effectRef idx="2">
+            <a:schemeClr val="dk1"/>
+          </a:effectRef>
+          <a:fontRef idx="minor">
+            <a:schemeClr val="tx1"/>
+          </a:fontRef>
+        </p:style>
+      </p:cxnSp>
+      <p:cxnSp>
+        <p:nvCxnSpPr>
+          <p:cNvPr id="32" name="Connecteur droit 31">
+            <a:extLst>
+              <a:ext uri="{FF2B5EF4-FFF2-40B4-BE49-F238E27FC236}">
+                <a16:creationId xmlns:a16="http://schemas.microsoft.com/office/drawing/2014/main" id="{4AD96496-1EB6-4E48-9BB2-5C255495C686}"/>
+              </a:ext>
+            </a:extLst>
+          </p:cNvPr>
+          <p:cNvCxnSpPr>
+            <a:cxnSpLocks/>
+          </p:cNvCxnSpPr>
+          <p:nvPr/>
+        </p:nvCxnSpPr>
+        <p:spPr>
+          <a:xfrm>
+            <a:off x="1082434" y="938268"/>
+            <a:ext cx="1146585" cy="0"/>
+          </a:xfrm>
+          <a:prstGeom prst="line">
+            <a:avLst/>
+          </a:prstGeom>
+        </p:spPr>
+        <p:style>
+          <a:lnRef idx="3">
+            <a:schemeClr val="dk1"/>
+          </a:lnRef>
+          <a:fillRef idx="0">
+            <a:schemeClr val="dk1"/>
+          </a:fillRef>
+          <a:effectRef idx="2">
+            <a:schemeClr val="dk1"/>
+          </a:effectRef>
+          <a:fontRef idx="minor">
+            <a:schemeClr val="tx1"/>
+          </a:fontRef>
+        </p:style>
+      </p:cxnSp>
+      <p:cxnSp>
+        <p:nvCxnSpPr>
+          <p:cNvPr id="51" name="Connecteur droit 50">
+            <a:extLst>
+              <a:ext uri="{FF2B5EF4-FFF2-40B4-BE49-F238E27FC236}">
+                <a16:creationId xmlns:a16="http://schemas.microsoft.com/office/drawing/2014/main" id="{C035BFA6-ECBF-4775-BA81-19D2CA41AA8D}"/>
+              </a:ext>
+            </a:extLst>
+          </p:cNvPr>
+          <p:cNvCxnSpPr>
+            <a:cxnSpLocks/>
+          </p:cNvCxnSpPr>
+          <p:nvPr/>
+        </p:nvCxnSpPr>
+        <p:spPr>
+          <a:xfrm>
+            <a:off x="9402704" y="465201"/>
+            <a:ext cx="344203" cy="495163"/>
+          </a:xfrm>
+          <a:prstGeom prst="line">
+            <a:avLst/>
+          </a:prstGeom>
+        </p:spPr>
+        <p:style>
+          <a:lnRef idx="3">
+            <a:schemeClr val="dk1"/>
+          </a:lnRef>
+          <a:fillRef idx="0">
+            <a:schemeClr val="dk1"/>
+          </a:fillRef>
+          <a:effectRef idx="2">
+            <a:schemeClr val="dk1"/>
+          </a:effectRef>
+          <a:fontRef idx="minor">
+            <a:schemeClr val="tx1"/>
+          </a:fontRef>
+        </p:style>
+      </p:cxnSp>
+      <p:cxnSp>
+        <p:nvCxnSpPr>
+          <p:cNvPr id="52" name="Connecteur droit 51">
+            <a:extLst>
+              <a:ext uri="{FF2B5EF4-FFF2-40B4-BE49-F238E27FC236}">
+                <a16:creationId xmlns:a16="http://schemas.microsoft.com/office/drawing/2014/main" id="{FA310BC7-694B-4984-99A2-61A1F4F6EBF9}"/>
+              </a:ext>
+            </a:extLst>
+          </p:cNvPr>
+          <p:cNvCxnSpPr>
+            <a:cxnSpLocks/>
+          </p:cNvCxnSpPr>
+          <p:nvPr/>
+        </p:nvCxnSpPr>
+        <p:spPr>
+          <a:xfrm flipH="1">
+            <a:off x="11370469" y="448308"/>
+            <a:ext cx="364332" cy="501657"/>
+          </a:xfrm>
+          <a:prstGeom prst="line">
+            <a:avLst/>
+          </a:prstGeom>
+        </p:spPr>
+        <p:style>
+          <a:lnRef idx="3">
+            <a:schemeClr val="dk1"/>
+          </a:lnRef>
+          <a:fillRef idx="0">
+            <a:schemeClr val="dk1"/>
+          </a:fillRef>
+          <a:effectRef idx="2">
+            <a:schemeClr val="dk1"/>
+          </a:effectRef>
+          <a:fontRef idx="minor">
+            <a:schemeClr val="tx1"/>
+          </a:fontRef>
+        </p:style>
+      </p:cxnSp>
+      <p:cxnSp>
+        <p:nvCxnSpPr>
+          <p:cNvPr id="53" name="Connecteur droit 52">
+            <a:extLst>
+              <a:ext uri="{FF2B5EF4-FFF2-40B4-BE49-F238E27FC236}">
+                <a16:creationId xmlns:a16="http://schemas.microsoft.com/office/drawing/2014/main" id="{BE0649BD-EE59-4DDA-960F-95B2572F9F13}"/>
+              </a:ext>
+            </a:extLst>
+          </p:cNvPr>
+          <p:cNvCxnSpPr>
+            <a:cxnSpLocks/>
+          </p:cNvCxnSpPr>
+          <p:nvPr/>
+        </p:nvCxnSpPr>
+        <p:spPr>
+          <a:xfrm>
+            <a:off x="9743203" y="949965"/>
+            <a:ext cx="1627266" cy="0"/>
+          </a:xfrm>
+          <a:prstGeom prst="line">
+            <a:avLst/>
+          </a:prstGeom>
+        </p:spPr>
+        <p:style>
+          <a:lnRef idx="3">
+            <a:schemeClr val="dk1"/>
+          </a:lnRef>
+          <a:fillRef idx="0">
+            <a:schemeClr val="dk1"/>
+          </a:fillRef>
+          <a:effectRef idx="2">
+            <a:schemeClr val="dk1"/>
+          </a:effectRef>
+          <a:fontRef idx="minor">
+            <a:schemeClr val="tx1"/>
+          </a:fontRef>
+        </p:style>
+      </p:cxnSp>
+      <p:cxnSp>
+        <p:nvCxnSpPr>
+          <p:cNvPr id="55" name="Connecteur droit 54">
+            <a:extLst>
+              <a:ext uri="{FF2B5EF4-FFF2-40B4-BE49-F238E27FC236}">
+                <a16:creationId xmlns:a16="http://schemas.microsoft.com/office/drawing/2014/main" id="{52AA9200-DAFA-4EEF-AC13-4C7CE82A59EC}"/>
+              </a:ext>
+            </a:extLst>
+          </p:cNvPr>
+          <p:cNvCxnSpPr>
+            <a:cxnSpLocks/>
+          </p:cNvCxnSpPr>
+          <p:nvPr/>
+        </p:nvCxnSpPr>
+        <p:spPr>
+          <a:xfrm>
+            <a:off x="11715750" y="454801"/>
+            <a:ext cx="476249" cy="10400"/>
+          </a:xfrm>
+          <a:prstGeom prst="line">
+            <a:avLst/>
+          </a:prstGeom>
+        </p:spPr>
+        <p:style>
+          <a:lnRef idx="3">
+            <a:schemeClr val="dk1"/>
+          </a:lnRef>
+          <a:fillRef idx="0">
+            <a:schemeClr val="dk1"/>
+          </a:fillRef>
+          <a:effectRef idx="2">
+            <a:schemeClr val="dk1"/>
+          </a:effectRef>
+          <a:fontRef idx="minor">
+            <a:schemeClr val="tx1"/>
+          </a:fontRef>
+        </p:style>
+      </p:cxnSp>
+      <p:cxnSp>
+        <p:nvCxnSpPr>
+          <p:cNvPr id="23" name="Connecteur droit 22">
+            <a:extLst>
+              <a:ext uri="{FF2B5EF4-FFF2-40B4-BE49-F238E27FC236}">
+                <a16:creationId xmlns:a16="http://schemas.microsoft.com/office/drawing/2014/main" id="{BCB092C8-0080-4E56-957E-0046D4C83988}"/>
+              </a:ext>
+            </a:extLst>
+          </p:cNvPr>
+          <p:cNvCxnSpPr>
+            <a:cxnSpLocks/>
+          </p:cNvCxnSpPr>
+          <p:nvPr/>
+        </p:nvCxnSpPr>
+        <p:spPr>
+          <a:xfrm flipH="1">
+            <a:off x="2216372" y="446356"/>
+            <a:ext cx="364332" cy="501657"/>
+          </a:xfrm>
+          <a:prstGeom prst="line">
+            <a:avLst/>
+          </a:prstGeom>
+        </p:spPr>
+        <p:style>
+          <a:lnRef idx="3">
+            <a:schemeClr val="dk1"/>
+          </a:lnRef>
+          <a:fillRef idx="0">
+            <a:schemeClr val="dk1"/>
+          </a:fillRef>
+          <a:effectRef idx="2">
+            <a:schemeClr val="dk1"/>
+          </a:effectRef>
+          <a:fontRef idx="minor">
+            <a:schemeClr val="tx1"/>
+          </a:fontRef>
+        </p:style>
+      </p:cxnSp>
+      <p:sp>
+        <p:nvSpPr>
+          <p:cNvPr id="9" name="ZoneTexte 8">
+            <a:extLst>
+              <a:ext uri="{FF2B5EF4-FFF2-40B4-BE49-F238E27FC236}">
+                <a16:creationId xmlns:a16="http://schemas.microsoft.com/office/drawing/2014/main" id="{82010251-0AD2-4DAA-8E6B-7CA6A2301A9E}"/>
+              </a:ext>
+            </a:extLst>
+          </p:cNvPr>
+          <p:cNvSpPr txBox="1"/>
+          <p:nvPr/>
+        </p:nvSpPr>
+        <p:spPr>
+          <a:xfrm>
+            <a:off x="3610620" y="938268"/>
+            <a:ext cx="4970760" cy="769441"/>
+          </a:xfrm>
+          <a:prstGeom prst="rect">
+            <a:avLst/>
+          </a:prstGeom>
+          <a:noFill/>
+        </p:spPr>
+        <p:txBody>
+          <a:bodyPr wrap="square" rtlCol="0">
+            <a:spAutoFit/>
+          </a:bodyPr>
+          <a:lstStyle/>
+          <a:p>
+            <a:pPr algn="ctr"/>
+            <a:r>
+              <a:rPr lang="fr-FR" sz="4400" dirty="0">
+                <a:latin typeface="Berlin Sans FB" panose="020E0602020502020306" pitchFamily="34" charset="0"/>
+              </a:rPr>
+              <a:t>Analyse du matériel</a:t>
+            </a:r>
+          </a:p>
+        </p:txBody>
+      </p:sp>
+    </p:spTree>
+    <p:extLst>
+      <p:ext uri="{BB962C8B-B14F-4D97-AF65-F5344CB8AC3E}">
+        <p14:creationId xmlns:p14="http://schemas.microsoft.com/office/powerpoint/2010/main" val="3095519770"/>
+      </p:ext>
+    </p:extLst>
+  </p:cSld>
+  <p:clrMapOvr>
+    <a:masterClrMapping/>
+  </p:clrMapOvr>
+  <mc:AlternateContent xmlns:mc="http://schemas.openxmlformats.org/markup-compatibility/2006" xmlns:p14="http://schemas.microsoft.com/office/powerpoint/2010/main">
+    <mc:Choice Requires="p14">
+      <p:transition spd="slow">
+        <p14:reveal/>
+      </p:transition>
+    </mc:Choice>
+    <mc:Fallback xmlns="">
+      <p:transition spd="slow">
+        <p:fade/>
+      </p:transition>
+    </mc:Fallback>
+  </mc:AlternateContent>
+</p:sld>
+</file>
+
 <file path=ppt/slides/slide2.xml><?xml version="1.0" encoding="utf-8"?>
 <p:sld xmlns:a="http://schemas.openxmlformats.org/drawingml/2006/main" xmlns:r="http://schemas.openxmlformats.org/officeDocument/2006/relationships" xmlns:p="http://schemas.openxmlformats.org/presentationml/2006/main">
   <p:cSld>
@@ -7170,6 +9190,7 @@
           </a:bodyPr>
           <a:lstStyle/>
           <a:p>
+            <a:pPr algn="ctr"/>
             <a:r>
               <a:rPr lang="fr-FR" sz="4400" dirty="0">
                 <a:latin typeface="Berlin Sans FB" panose="020E0602020502020306" pitchFamily="34" charset="0"/>
@@ -8841,6 +10862,2126 @@
     <p:extLst>
       <p:ext uri="{BB962C8B-B14F-4D97-AF65-F5344CB8AC3E}">
         <p14:creationId xmlns:p14="http://schemas.microsoft.com/office/powerpoint/2010/main" val="2149631933"/>
+      </p:ext>
+    </p:extLst>
+  </p:cSld>
+  <p:clrMapOvr>
+    <a:masterClrMapping/>
+  </p:clrMapOvr>
+  <mc:AlternateContent xmlns:mc="http://schemas.openxmlformats.org/markup-compatibility/2006" xmlns:p14="http://schemas.microsoft.com/office/powerpoint/2010/main">
+    <mc:Choice Requires="p14">
+      <p:transition spd="slow">
+        <p14:reveal/>
+      </p:transition>
+    </mc:Choice>
+    <mc:Fallback xmlns="">
+      <p:transition spd="slow">
+        <p:fade/>
+      </p:transition>
+    </mc:Fallback>
+  </mc:AlternateContent>
+</p:sld>
+</file>
+
+<file path=ppt/slides/slide6.xml><?xml version="1.0" encoding="utf-8"?>
+<p:sld xmlns:a="http://schemas.openxmlformats.org/drawingml/2006/main" xmlns:r="http://schemas.openxmlformats.org/officeDocument/2006/relationships" xmlns:p="http://schemas.openxmlformats.org/presentationml/2006/main">
+  <p:cSld>
+    <p:spTree>
+      <p:nvGrpSpPr>
+        <p:cNvPr id="1" name=""/>
+        <p:cNvGrpSpPr/>
+        <p:nvPr/>
+      </p:nvGrpSpPr>
+      <p:grpSpPr>
+        <a:xfrm>
+          <a:off x="0" y="0"/>
+          <a:ext cx="0" cy="0"/>
+          <a:chOff x="0" y="0"/>
+          <a:chExt cx="0" cy="0"/>
+        </a:xfrm>
+      </p:grpSpPr>
+      <p:pic>
+        <p:nvPicPr>
+          <p:cNvPr id="8" name="Image 7">
+            <a:extLst>
+              <a:ext uri="{FF2B5EF4-FFF2-40B4-BE49-F238E27FC236}">
+                <a16:creationId xmlns:a16="http://schemas.microsoft.com/office/drawing/2014/main" id="{2BB825C5-31DA-4A56-85EA-536DBF510A31}"/>
+              </a:ext>
+            </a:extLst>
+          </p:cNvPr>
+          <p:cNvPicPr>
+            <a:picLocks noChangeAspect="1"/>
+          </p:cNvPicPr>
+          <p:nvPr/>
+        </p:nvPicPr>
+        <p:blipFill>
+          <a:blip r:embed="rId2">
+            <a:extLst>
+              <a:ext uri="{28A0092B-C50C-407E-A947-70E740481C1C}">
+                <a14:useLocalDpi xmlns:a14="http://schemas.microsoft.com/office/drawing/2010/main" val="0"/>
+              </a:ext>
+            </a:extLst>
+          </a:blip>
+          <a:stretch>
+            <a:fillRect/>
+          </a:stretch>
+        </p:blipFill>
+        <p:spPr>
+          <a:xfrm>
+            <a:off x="1068751" y="66457"/>
+            <a:ext cx="1259497" cy="776690"/>
+          </a:xfrm>
+          <a:prstGeom prst="rect">
+            <a:avLst/>
+          </a:prstGeom>
+        </p:spPr>
+      </p:pic>
+      <p:pic>
+        <p:nvPicPr>
+          <p:cNvPr id="10" name="Image 9">
+            <a:extLst>
+              <a:ext uri="{FF2B5EF4-FFF2-40B4-BE49-F238E27FC236}">
+                <a16:creationId xmlns:a16="http://schemas.microsoft.com/office/drawing/2014/main" id="{8EE7436F-49F2-41E0-93E4-D247B4705294}"/>
+              </a:ext>
+            </a:extLst>
+          </p:cNvPr>
+          <p:cNvPicPr>
+            <a:picLocks noChangeAspect="1"/>
+          </p:cNvPicPr>
+          <p:nvPr/>
+        </p:nvPicPr>
+        <p:blipFill>
+          <a:blip r:embed="rId3">
+            <a:extLst>
+              <a:ext uri="{28A0092B-C50C-407E-A947-70E740481C1C}">
+                <a14:useLocalDpi xmlns:a14="http://schemas.microsoft.com/office/drawing/2010/main" val="0"/>
+              </a:ext>
+            </a:extLst>
+          </a:blip>
+          <a:stretch>
+            <a:fillRect/>
+          </a:stretch>
+        </p:blipFill>
+        <p:spPr>
+          <a:xfrm>
+            <a:off x="9681085" y="238153"/>
+            <a:ext cx="1802101" cy="569807"/>
+          </a:xfrm>
+          <a:prstGeom prst="rect">
+            <a:avLst/>
+          </a:prstGeom>
+        </p:spPr>
+      </p:pic>
+      <p:cxnSp>
+        <p:nvCxnSpPr>
+          <p:cNvPr id="16" name="Connecteur droit 15">
+            <a:extLst>
+              <a:ext uri="{FF2B5EF4-FFF2-40B4-BE49-F238E27FC236}">
+                <a16:creationId xmlns:a16="http://schemas.microsoft.com/office/drawing/2014/main" id="{7319284A-BD6F-4A96-8E2B-E0A4B52E53C6}"/>
+              </a:ext>
+            </a:extLst>
+          </p:cNvPr>
+          <p:cNvCxnSpPr>
+            <a:cxnSpLocks/>
+          </p:cNvCxnSpPr>
+          <p:nvPr/>
+        </p:nvCxnSpPr>
+        <p:spPr>
+          <a:xfrm flipV="1">
+            <a:off x="0" y="454803"/>
+            <a:ext cx="738231" cy="1798"/>
+          </a:xfrm>
+          <a:prstGeom prst="line">
+            <a:avLst/>
+          </a:prstGeom>
+        </p:spPr>
+        <p:style>
+          <a:lnRef idx="3">
+            <a:schemeClr val="dk1"/>
+          </a:lnRef>
+          <a:fillRef idx="0">
+            <a:schemeClr val="dk1"/>
+          </a:fillRef>
+          <a:effectRef idx="2">
+            <a:schemeClr val="dk1"/>
+          </a:effectRef>
+          <a:fontRef idx="minor">
+            <a:schemeClr val="tx1"/>
+          </a:fontRef>
+        </p:style>
+      </p:cxnSp>
+      <p:cxnSp>
+        <p:nvCxnSpPr>
+          <p:cNvPr id="20" name="Connecteur droit 19">
+            <a:extLst>
+              <a:ext uri="{FF2B5EF4-FFF2-40B4-BE49-F238E27FC236}">
+                <a16:creationId xmlns:a16="http://schemas.microsoft.com/office/drawing/2014/main" id="{08874CF7-F149-4C81-B61E-74E18342BA8A}"/>
+              </a:ext>
+            </a:extLst>
+          </p:cNvPr>
+          <p:cNvCxnSpPr>
+            <a:cxnSpLocks/>
+          </p:cNvCxnSpPr>
+          <p:nvPr/>
+        </p:nvCxnSpPr>
+        <p:spPr>
+          <a:xfrm>
+            <a:off x="2573222" y="454803"/>
+            <a:ext cx="6829482" cy="10398"/>
+          </a:xfrm>
+          <a:prstGeom prst="line">
+            <a:avLst/>
+          </a:prstGeom>
+        </p:spPr>
+        <p:style>
+          <a:lnRef idx="3">
+            <a:schemeClr val="dk1"/>
+          </a:lnRef>
+          <a:fillRef idx="0">
+            <a:schemeClr val="dk1"/>
+          </a:fillRef>
+          <a:effectRef idx="2">
+            <a:schemeClr val="dk1"/>
+          </a:effectRef>
+          <a:fontRef idx="minor">
+            <a:schemeClr val="tx1"/>
+          </a:fontRef>
+        </p:style>
+      </p:cxnSp>
+      <p:cxnSp>
+        <p:nvCxnSpPr>
+          <p:cNvPr id="26" name="Connecteur droit 25">
+            <a:extLst>
+              <a:ext uri="{FF2B5EF4-FFF2-40B4-BE49-F238E27FC236}">
+                <a16:creationId xmlns:a16="http://schemas.microsoft.com/office/drawing/2014/main" id="{BB3B35CC-057B-48C1-880F-3306A6559175}"/>
+              </a:ext>
+            </a:extLst>
+          </p:cNvPr>
+          <p:cNvCxnSpPr>
+            <a:cxnSpLocks/>
+          </p:cNvCxnSpPr>
+          <p:nvPr/>
+        </p:nvCxnSpPr>
+        <p:spPr>
+          <a:xfrm>
+            <a:off x="738231" y="454803"/>
+            <a:ext cx="344203" cy="484764"/>
+          </a:xfrm>
+          <a:prstGeom prst="line">
+            <a:avLst/>
+          </a:prstGeom>
+        </p:spPr>
+        <p:style>
+          <a:lnRef idx="3">
+            <a:schemeClr val="dk1"/>
+          </a:lnRef>
+          <a:fillRef idx="0">
+            <a:schemeClr val="dk1"/>
+          </a:fillRef>
+          <a:effectRef idx="2">
+            <a:schemeClr val="dk1"/>
+          </a:effectRef>
+          <a:fontRef idx="minor">
+            <a:schemeClr val="tx1"/>
+          </a:fontRef>
+        </p:style>
+      </p:cxnSp>
+      <p:cxnSp>
+        <p:nvCxnSpPr>
+          <p:cNvPr id="32" name="Connecteur droit 31">
+            <a:extLst>
+              <a:ext uri="{FF2B5EF4-FFF2-40B4-BE49-F238E27FC236}">
+                <a16:creationId xmlns:a16="http://schemas.microsoft.com/office/drawing/2014/main" id="{4AD96496-1EB6-4E48-9BB2-5C255495C686}"/>
+              </a:ext>
+            </a:extLst>
+          </p:cNvPr>
+          <p:cNvCxnSpPr>
+            <a:cxnSpLocks/>
+          </p:cNvCxnSpPr>
+          <p:nvPr/>
+        </p:nvCxnSpPr>
+        <p:spPr>
+          <a:xfrm>
+            <a:off x="1082434" y="938268"/>
+            <a:ext cx="1146585" cy="0"/>
+          </a:xfrm>
+          <a:prstGeom prst="line">
+            <a:avLst/>
+          </a:prstGeom>
+        </p:spPr>
+        <p:style>
+          <a:lnRef idx="3">
+            <a:schemeClr val="dk1"/>
+          </a:lnRef>
+          <a:fillRef idx="0">
+            <a:schemeClr val="dk1"/>
+          </a:fillRef>
+          <a:effectRef idx="2">
+            <a:schemeClr val="dk1"/>
+          </a:effectRef>
+          <a:fontRef idx="minor">
+            <a:schemeClr val="tx1"/>
+          </a:fontRef>
+        </p:style>
+      </p:cxnSp>
+      <p:cxnSp>
+        <p:nvCxnSpPr>
+          <p:cNvPr id="51" name="Connecteur droit 50">
+            <a:extLst>
+              <a:ext uri="{FF2B5EF4-FFF2-40B4-BE49-F238E27FC236}">
+                <a16:creationId xmlns:a16="http://schemas.microsoft.com/office/drawing/2014/main" id="{C035BFA6-ECBF-4775-BA81-19D2CA41AA8D}"/>
+              </a:ext>
+            </a:extLst>
+          </p:cNvPr>
+          <p:cNvCxnSpPr>
+            <a:cxnSpLocks/>
+          </p:cNvCxnSpPr>
+          <p:nvPr/>
+        </p:nvCxnSpPr>
+        <p:spPr>
+          <a:xfrm>
+            <a:off x="9402704" y="465201"/>
+            <a:ext cx="344203" cy="495163"/>
+          </a:xfrm>
+          <a:prstGeom prst="line">
+            <a:avLst/>
+          </a:prstGeom>
+        </p:spPr>
+        <p:style>
+          <a:lnRef idx="3">
+            <a:schemeClr val="dk1"/>
+          </a:lnRef>
+          <a:fillRef idx="0">
+            <a:schemeClr val="dk1"/>
+          </a:fillRef>
+          <a:effectRef idx="2">
+            <a:schemeClr val="dk1"/>
+          </a:effectRef>
+          <a:fontRef idx="minor">
+            <a:schemeClr val="tx1"/>
+          </a:fontRef>
+        </p:style>
+      </p:cxnSp>
+      <p:cxnSp>
+        <p:nvCxnSpPr>
+          <p:cNvPr id="52" name="Connecteur droit 51">
+            <a:extLst>
+              <a:ext uri="{FF2B5EF4-FFF2-40B4-BE49-F238E27FC236}">
+                <a16:creationId xmlns:a16="http://schemas.microsoft.com/office/drawing/2014/main" id="{FA310BC7-694B-4984-99A2-61A1F4F6EBF9}"/>
+              </a:ext>
+            </a:extLst>
+          </p:cNvPr>
+          <p:cNvCxnSpPr>
+            <a:cxnSpLocks/>
+          </p:cNvCxnSpPr>
+          <p:nvPr/>
+        </p:nvCxnSpPr>
+        <p:spPr>
+          <a:xfrm flipH="1">
+            <a:off x="11370469" y="448308"/>
+            <a:ext cx="364332" cy="501657"/>
+          </a:xfrm>
+          <a:prstGeom prst="line">
+            <a:avLst/>
+          </a:prstGeom>
+        </p:spPr>
+        <p:style>
+          <a:lnRef idx="3">
+            <a:schemeClr val="dk1"/>
+          </a:lnRef>
+          <a:fillRef idx="0">
+            <a:schemeClr val="dk1"/>
+          </a:fillRef>
+          <a:effectRef idx="2">
+            <a:schemeClr val="dk1"/>
+          </a:effectRef>
+          <a:fontRef idx="minor">
+            <a:schemeClr val="tx1"/>
+          </a:fontRef>
+        </p:style>
+      </p:cxnSp>
+      <p:cxnSp>
+        <p:nvCxnSpPr>
+          <p:cNvPr id="53" name="Connecteur droit 52">
+            <a:extLst>
+              <a:ext uri="{FF2B5EF4-FFF2-40B4-BE49-F238E27FC236}">
+                <a16:creationId xmlns:a16="http://schemas.microsoft.com/office/drawing/2014/main" id="{BE0649BD-EE59-4DDA-960F-95B2572F9F13}"/>
+              </a:ext>
+            </a:extLst>
+          </p:cNvPr>
+          <p:cNvCxnSpPr>
+            <a:cxnSpLocks/>
+          </p:cNvCxnSpPr>
+          <p:nvPr/>
+        </p:nvCxnSpPr>
+        <p:spPr>
+          <a:xfrm>
+            <a:off x="9743203" y="949965"/>
+            <a:ext cx="1627266" cy="0"/>
+          </a:xfrm>
+          <a:prstGeom prst="line">
+            <a:avLst/>
+          </a:prstGeom>
+        </p:spPr>
+        <p:style>
+          <a:lnRef idx="3">
+            <a:schemeClr val="dk1"/>
+          </a:lnRef>
+          <a:fillRef idx="0">
+            <a:schemeClr val="dk1"/>
+          </a:fillRef>
+          <a:effectRef idx="2">
+            <a:schemeClr val="dk1"/>
+          </a:effectRef>
+          <a:fontRef idx="minor">
+            <a:schemeClr val="tx1"/>
+          </a:fontRef>
+        </p:style>
+      </p:cxnSp>
+      <p:cxnSp>
+        <p:nvCxnSpPr>
+          <p:cNvPr id="55" name="Connecteur droit 54">
+            <a:extLst>
+              <a:ext uri="{FF2B5EF4-FFF2-40B4-BE49-F238E27FC236}">
+                <a16:creationId xmlns:a16="http://schemas.microsoft.com/office/drawing/2014/main" id="{52AA9200-DAFA-4EEF-AC13-4C7CE82A59EC}"/>
+              </a:ext>
+            </a:extLst>
+          </p:cNvPr>
+          <p:cNvCxnSpPr>
+            <a:cxnSpLocks/>
+          </p:cNvCxnSpPr>
+          <p:nvPr/>
+        </p:nvCxnSpPr>
+        <p:spPr>
+          <a:xfrm>
+            <a:off x="11715750" y="454801"/>
+            <a:ext cx="476249" cy="10400"/>
+          </a:xfrm>
+          <a:prstGeom prst="line">
+            <a:avLst/>
+          </a:prstGeom>
+        </p:spPr>
+        <p:style>
+          <a:lnRef idx="3">
+            <a:schemeClr val="dk1"/>
+          </a:lnRef>
+          <a:fillRef idx="0">
+            <a:schemeClr val="dk1"/>
+          </a:fillRef>
+          <a:effectRef idx="2">
+            <a:schemeClr val="dk1"/>
+          </a:effectRef>
+          <a:fontRef idx="minor">
+            <a:schemeClr val="tx1"/>
+          </a:fontRef>
+        </p:style>
+      </p:cxnSp>
+      <p:cxnSp>
+        <p:nvCxnSpPr>
+          <p:cNvPr id="23" name="Connecteur droit 22">
+            <a:extLst>
+              <a:ext uri="{FF2B5EF4-FFF2-40B4-BE49-F238E27FC236}">
+                <a16:creationId xmlns:a16="http://schemas.microsoft.com/office/drawing/2014/main" id="{BCB092C8-0080-4E56-957E-0046D4C83988}"/>
+              </a:ext>
+            </a:extLst>
+          </p:cNvPr>
+          <p:cNvCxnSpPr>
+            <a:cxnSpLocks/>
+          </p:cNvCxnSpPr>
+          <p:nvPr/>
+        </p:nvCxnSpPr>
+        <p:spPr>
+          <a:xfrm flipH="1">
+            <a:off x="2216372" y="446356"/>
+            <a:ext cx="364332" cy="501657"/>
+          </a:xfrm>
+          <a:prstGeom prst="line">
+            <a:avLst/>
+          </a:prstGeom>
+        </p:spPr>
+        <p:style>
+          <a:lnRef idx="3">
+            <a:schemeClr val="dk1"/>
+          </a:lnRef>
+          <a:fillRef idx="0">
+            <a:schemeClr val="dk1"/>
+          </a:fillRef>
+          <a:effectRef idx="2">
+            <a:schemeClr val="dk1"/>
+          </a:effectRef>
+          <a:fontRef idx="minor">
+            <a:schemeClr val="tx1"/>
+          </a:fontRef>
+        </p:style>
+      </p:cxnSp>
+      <p:sp>
+        <p:nvSpPr>
+          <p:cNvPr id="9" name="ZoneTexte 8">
+            <a:extLst>
+              <a:ext uri="{FF2B5EF4-FFF2-40B4-BE49-F238E27FC236}">
+                <a16:creationId xmlns:a16="http://schemas.microsoft.com/office/drawing/2014/main" id="{82010251-0AD2-4DAA-8E6B-7CA6A2301A9E}"/>
+              </a:ext>
+            </a:extLst>
+          </p:cNvPr>
+          <p:cNvSpPr txBox="1"/>
+          <p:nvPr/>
+        </p:nvSpPr>
+        <p:spPr>
+          <a:xfrm>
+            <a:off x="3610620" y="938268"/>
+            <a:ext cx="4970760" cy="1446550"/>
+          </a:xfrm>
+          <a:prstGeom prst="rect">
+            <a:avLst/>
+          </a:prstGeom>
+          <a:noFill/>
+        </p:spPr>
+        <p:txBody>
+          <a:bodyPr wrap="square" rtlCol="0">
+            <a:spAutoFit/>
+          </a:bodyPr>
+          <a:lstStyle/>
+          <a:p>
+            <a:pPr algn="ctr"/>
+            <a:r>
+              <a:rPr lang="fr-FR" sz="4400" dirty="0">
+                <a:latin typeface="Berlin Sans FB" panose="020E0602020502020306" pitchFamily="34" charset="0"/>
+              </a:rPr>
+              <a:t>Diagramme de cas d’utilisation</a:t>
+            </a:r>
+          </a:p>
+        </p:txBody>
+      </p:sp>
+      <p:pic>
+        <p:nvPicPr>
+          <p:cNvPr id="35" name="Image 34">
+            <a:extLst>
+              <a:ext uri="{FF2B5EF4-FFF2-40B4-BE49-F238E27FC236}">
+                <a16:creationId xmlns:a16="http://schemas.microsoft.com/office/drawing/2014/main" id="{20FE86F0-8A69-46BF-8737-26168CF51368}"/>
+              </a:ext>
+            </a:extLst>
+          </p:cNvPr>
+          <p:cNvPicPr>
+            <a:picLocks noChangeAspect="1"/>
+          </p:cNvPicPr>
+          <p:nvPr/>
+        </p:nvPicPr>
+        <p:blipFill>
+          <a:blip r:embed="rId4">
+            <a:extLst>
+              <a:ext uri="{28A0092B-C50C-407E-A947-70E740481C1C}">
+                <a14:useLocalDpi xmlns:a14="http://schemas.microsoft.com/office/drawing/2010/main" val="0"/>
+              </a:ext>
+            </a:extLst>
+          </a:blip>
+          <a:stretch>
+            <a:fillRect/>
+          </a:stretch>
+        </p:blipFill>
+        <p:spPr>
+          <a:xfrm>
+            <a:off x="3121534" y="2384818"/>
+            <a:ext cx="6281170" cy="4269744"/>
+          </a:xfrm>
+          <a:prstGeom prst="rect">
+            <a:avLst/>
+          </a:prstGeom>
+        </p:spPr>
+      </p:pic>
+    </p:spTree>
+    <p:extLst>
+      <p:ext uri="{BB962C8B-B14F-4D97-AF65-F5344CB8AC3E}">
+        <p14:creationId xmlns:p14="http://schemas.microsoft.com/office/powerpoint/2010/main" val="3388951137"/>
+      </p:ext>
+    </p:extLst>
+  </p:cSld>
+  <p:clrMapOvr>
+    <a:masterClrMapping/>
+  </p:clrMapOvr>
+  <mc:AlternateContent xmlns:mc="http://schemas.openxmlformats.org/markup-compatibility/2006" xmlns:p14="http://schemas.microsoft.com/office/powerpoint/2010/main">
+    <mc:Choice Requires="p14">
+      <p:transition spd="slow">
+        <p14:reveal/>
+      </p:transition>
+    </mc:Choice>
+    <mc:Fallback xmlns="">
+      <p:transition spd="slow">
+        <p:fade/>
+      </p:transition>
+    </mc:Fallback>
+  </mc:AlternateContent>
+</p:sld>
+</file>
+
+<file path=ppt/slides/slide7.xml><?xml version="1.0" encoding="utf-8"?>
+<p:sld xmlns:a="http://schemas.openxmlformats.org/drawingml/2006/main" xmlns:r="http://schemas.openxmlformats.org/officeDocument/2006/relationships" xmlns:p="http://schemas.openxmlformats.org/presentationml/2006/main">
+  <p:cSld>
+    <p:spTree>
+      <p:nvGrpSpPr>
+        <p:cNvPr id="1" name=""/>
+        <p:cNvGrpSpPr/>
+        <p:nvPr/>
+      </p:nvGrpSpPr>
+      <p:grpSpPr>
+        <a:xfrm>
+          <a:off x="0" y="0"/>
+          <a:ext cx="0" cy="0"/>
+          <a:chOff x="0" y="0"/>
+          <a:chExt cx="0" cy="0"/>
+        </a:xfrm>
+      </p:grpSpPr>
+      <p:pic>
+        <p:nvPicPr>
+          <p:cNvPr id="8" name="Image 7">
+            <a:extLst>
+              <a:ext uri="{FF2B5EF4-FFF2-40B4-BE49-F238E27FC236}">
+                <a16:creationId xmlns:a16="http://schemas.microsoft.com/office/drawing/2014/main" id="{2BB825C5-31DA-4A56-85EA-536DBF510A31}"/>
+              </a:ext>
+            </a:extLst>
+          </p:cNvPr>
+          <p:cNvPicPr>
+            <a:picLocks noChangeAspect="1"/>
+          </p:cNvPicPr>
+          <p:nvPr/>
+        </p:nvPicPr>
+        <p:blipFill>
+          <a:blip r:embed="rId2">
+            <a:extLst>
+              <a:ext uri="{28A0092B-C50C-407E-A947-70E740481C1C}">
+                <a14:useLocalDpi xmlns:a14="http://schemas.microsoft.com/office/drawing/2010/main" val="0"/>
+              </a:ext>
+            </a:extLst>
+          </a:blip>
+          <a:stretch>
+            <a:fillRect/>
+          </a:stretch>
+        </p:blipFill>
+        <p:spPr>
+          <a:xfrm>
+            <a:off x="1068751" y="66457"/>
+            <a:ext cx="1259497" cy="776690"/>
+          </a:xfrm>
+          <a:prstGeom prst="rect">
+            <a:avLst/>
+          </a:prstGeom>
+        </p:spPr>
+      </p:pic>
+      <p:pic>
+        <p:nvPicPr>
+          <p:cNvPr id="10" name="Image 9">
+            <a:extLst>
+              <a:ext uri="{FF2B5EF4-FFF2-40B4-BE49-F238E27FC236}">
+                <a16:creationId xmlns:a16="http://schemas.microsoft.com/office/drawing/2014/main" id="{8EE7436F-49F2-41E0-93E4-D247B4705294}"/>
+              </a:ext>
+            </a:extLst>
+          </p:cNvPr>
+          <p:cNvPicPr>
+            <a:picLocks noChangeAspect="1"/>
+          </p:cNvPicPr>
+          <p:nvPr/>
+        </p:nvPicPr>
+        <p:blipFill>
+          <a:blip r:embed="rId3">
+            <a:extLst>
+              <a:ext uri="{28A0092B-C50C-407E-A947-70E740481C1C}">
+                <a14:useLocalDpi xmlns:a14="http://schemas.microsoft.com/office/drawing/2010/main" val="0"/>
+              </a:ext>
+            </a:extLst>
+          </a:blip>
+          <a:stretch>
+            <a:fillRect/>
+          </a:stretch>
+        </p:blipFill>
+        <p:spPr>
+          <a:xfrm>
+            <a:off x="9681085" y="238153"/>
+            <a:ext cx="1802101" cy="569807"/>
+          </a:xfrm>
+          <a:prstGeom prst="rect">
+            <a:avLst/>
+          </a:prstGeom>
+        </p:spPr>
+      </p:pic>
+      <p:cxnSp>
+        <p:nvCxnSpPr>
+          <p:cNvPr id="16" name="Connecteur droit 15">
+            <a:extLst>
+              <a:ext uri="{FF2B5EF4-FFF2-40B4-BE49-F238E27FC236}">
+                <a16:creationId xmlns:a16="http://schemas.microsoft.com/office/drawing/2014/main" id="{7319284A-BD6F-4A96-8E2B-E0A4B52E53C6}"/>
+              </a:ext>
+            </a:extLst>
+          </p:cNvPr>
+          <p:cNvCxnSpPr>
+            <a:cxnSpLocks/>
+          </p:cNvCxnSpPr>
+          <p:nvPr/>
+        </p:nvCxnSpPr>
+        <p:spPr>
+          <a:xfrm flipV="1">
+            <a:off x="0" y="454803"/>
+            <a:ext cx="738231" cy="1798"/>
+          </a:xfrm>
+          <a:prstGeom prst="line">
+            <a:avLst/>
+          </a:prstGeom>
+        </p:spPr>
+        <p:style>
+          <a:lnRef idx="3">
+            <a:schemeClr val="dk1"/>
+          </a:lnRef>
+          <a:fillRef idx="0">
+            <a:schemeClr val="dk1"/>
+          </a:fillRef>
+          <a:effectRef idx="2">
+            <a:schemeClr val="dk1"/>
+          </a:effectRef>
+          <a:fontRef idx="minor">
+            <a:schemeClr val="tx1"/>
+          </a:fontRef>
+        </p:style>
+      </p:cxnSp>
+      <p:cxnSp>
+        <p:nvCxnSpPr>
+          <p:cNvPr id="20" name="Connecteur droit 19">
+            <a:extLst>
+              <a:ext uri="{FF2B5EF4-FFF2-40B4-BE49-F238E27FC236}">
+                <a16:creationId xmlns:a16="http://schemas.microsoft.com/office/drawing/2014/main" id="{08874CF7-F149-4C81-B61E-74E18342BA8A}"/>
+              </a:ext>
+            </a:extLst>
+          </p:cNvPr>
+          <p:cNvCxnSpPr>
+            <a:cxnSpLocks/>
+          </p:cNvCxnSpPr>
+          <p:nvPr/>
+        </p:nvCxnSpPr>
+        <p:spPr>
+          <a:xfrm>
+            <a:off x="2573222" y="454803"/>
+            <a:ext cx="6829482" cy="10398"/>
+          </a:xfrm>
+          <a:prstGeom prst="line">
+            <a:avLst/>
+          </a:prstGeom>
+        </p:spPr>
+        <p:style>
+          <a:lnRef idx="3">
+            <a:schemeClr val="dk1"/>
+          </a:lnRef>
+          <a:fillRef idx="0">
+            <a:schemeClr val="dk1"/>
+          </a:fillRef>
+          <a:effectRef idx="2">
+            <a:schemeClr val="dk1"/>
+          </a:effectRef>
+          <a:fontRef idx="minor">
+            <a:schemeClr val="tx1"/>
+          </a:fontRef>
+        </p:style>
+      </p:cxnSp>
+      <p:cxnSp>
+        <p:nvCxnSpPr>
+          <p:cNvPr id="26" name="Connecteur droit 25">
+            <a:extLst>
+              <a:ext uri="{FF2B5EF4-FFF2-40B4-BE49-F238E27FC236}">
+                <a16:creationId xmlns:a16="http://schemas.microsoft.com/office/drawing/2014/main" id="{BB3B35CC-057B-48C1-880F-3306A6559175}"/>
+              </a:ext>
+            </a:extLst>
+          </p:cNvPr>
+          <p:cNvCxnSpPr>
+            <a:cxnSpLocks/>
+          </p:cNvCxnSpPr>
+          <p:nvPr/>
+        </p:nvCxnSpPr>
+        <p:spPr>
+          <a:xfrm>
+            <a:off x="738231" y="454803"/>
+            <a:ext cx="344203" cy="484764"/>
+          </a:xfrm>
+          <a:prstGeom prst="line">
+            <a:avLst/>
+          </a:prstGeom>
+        </p:spPr>
+        <p:style>
+          <a:lnRef idx="3">
+            <a:schemeClr val="dk1"/>
+          </a:lnRef>
+          <a:fillRef idx="0">
+            <a:schemeClr val="dk1"/>
+          </a:fillRef>
+          <a:effectRef idx="2">
+            <a:schemeClr val="dk1"/>
+          </a:effectRef>
+          <a:fontRef idx="minor">
+            <a:schemeClr val="tx1"/>
+          </a:fontRef>
+        </p:style>
+      </p:cxnSp>
+      <p:cxnSp>
+        <p:nvCxnSpPr>
+          <p:cNvPr id="32" name="Connecteur droit 31">
+            <a:extLst>
+              <a:ext uri="{FF2B5EF4-FFF2-40B4-BE49-F238E27FC236}">
+                <a16:creationId xmlns:a16="http://schemas.microsoft.com/office/drawing/2014/main" id="{4AD96496-1EB6-4E48-9BB2-5C255495C686}"/>
+              </a:ext>
+            </a:extLst>
+          </p:cNvPr>
+          <p:cNvCxnSpPr>
+            <a:cxnSpLocks/>
+          </p:cNvCxnSpPr>
+          <p:nvPr/>
+        </p:nvCxnSpPr>
+        <p:spPr>
+          <a:xfrm>
+            <a:off x="1082434" y="938268"/>
+            <a:ext cx="1146585" cy="0"/>
+          </a:xfrm>
+          <a:prstGeom prst="line">
+            <a:avLst/>
+          </a:prstGeom>
+        </p:spPr>
+        <p:style>
+          <a:lnRef idx="3">
+            <a:schemeClr val="dk1"/>
+          </a:lnRef>
+          <a:fillRef idx="0">
+            <a:schemeClr val="dk1"/>
+          </a:fillRef>
+          <a:effectRef idx="2">
+            <a:schemeClr val="dk1"/>
+          </a:effectRef>
+          <a:fontRef idx="minor">
+            <a:schemeClr val="tx1"/>
+          </a:fontRef>
+        </p:style>
+      </p:cxnSp>
+      <p:cxnSp>
+        <p:nvCxnSpPr>
+          <p:cNvPr id="51" name="Connecteur droit 50">
+            <a:extLst>
+              <a:ext uri="{FF2B5EF4-FFF2-40B4-BE49-F238E27FC236}">
+                <a16:creationId xmlns:a16="http://schemas.microsoft.com/office/drawing/2014/main" id="{C035BFA6-ECBF-4775-BA81-19D2CA41AA8D}"/>
+              </a:ext>
+            </a:extLst>
+          </p:cNvPr>
+          <p:cNvCxnSpPr>
+            <a:cxnSpLocks/>
+          </p:cNvCxnSpPr>
+          <p:nvPr/>
+        </p:nvCxnSpPr>
+        <p:spPr>
+          <a:xfrm>
+            <a:off x="9402704" y="465201"/>
+            <a:ext cx="344203" cy="495163"/>
+          </a:xfrm>
+          <a:prstGeom prst="line">
+            <a:avLst/>
+          </a:prstGeom>
+        </p:spPr>
+        <p:style>
+          <a:lnRef idx="3">
+            <a:schemeClr val="dk1"/>
+          </a:lnRef>
+          <a:fillRef idx="0">
+            <a:schemeClr val="dk1"/>
+          </a:fillRef>
+          <a:effectRef idx="2">
+            <a:schemeClr val="dk1"/>
+          </a:effectRef>
+          <a:fontRef idx="minor">
+            <a:schemeClr val="tx1"/>
+          </a:fontRef>
+        </p:style>
+      </p:cxnSp>
+      <p:cxnSp>
+        <p:nvCxnSpPr>
+          <p:cNvPr id="52" name="Connecteur droit 51">
+            <a:extLst>
+              <a:ext uri="{FF2B5EF4-FFF2-40B4-BE49-F238E27FC236}">
+                <a16:creationId xmlns:a16="http://schemas.microsoft.com/office/drawing/2014/main" id="{FA310BC7-694B-4984-99A2-61A1F4F6EBF9}"/>
+              </a:ext>
+            </a:extLst>
+          </p:cNvPr>
+          <p:cNvCxnSpPr>
+            <a:cxnSpLocks/>
+          </p:cNvCxnSpPr>
+          <p:nvPr/>
+        </p:nvCxnSpPr>
+        <p:spPr>
+          <a:xfrm flipH="1">
+            <a:off x="11370469" y="448308"/>
+            <a:ext cx="364332" cy="501657"/>
+          </a:xfrm>
+          <a:prstGeom prst="line">
+            <a:avLst/>
+          </a:prstGeom>
+        </p:spPr>
+        <p:style>
+          <a:lnRef idx="3">
+            <a:schemeClr val="dk1"/>
+          </a:lnRef>
+          <a:fillRef idx="0">
+            <a:schemeClr val="dk1"/>
+          </a:fillRef>
+          <a:effectRef idx="2">
+            <a:schemeClr val="dk1"/>
+          </a:effectRef>
+          <a:fontRef idx="minor">
+            <a:schemeClr val="tx1"/>
+          </a:fontRef>
+        </p:style>
+      </p:cxnSp>
+      <p:cxnSp>
+        <p:nvCxnSpPr>
+          <p:cNvPr id="53" name="Connecteur droit 52">
+            <a:extLst>
+              <a:ext uri="{FF2B5EF4-FFF2-40B4-BE49-F238E27FC236}">
+                <a16:creationId xmlns:a16="http://schemas.microsoft.com/office/drawing/2014/main" id="{BE0649BD-EE59-4DDA-960F-95B2572F9F13}"/>
+              </a:ext>
+            </a:extLst>
+          </p:cNvPr>
+          <p:cNvCxnSpPr>
+            <a:cxnSpLocks/>
+          </p:cNvCxnSpPr>
+          <p:nvPr/>
+        </p:nvCxnSpPr>
+        <p:spPr>
+          <a:xfrm>
+            <a:off x="9743203" y="949965"/>
+            <a:ext cx="1627266" cy="0"/>
+          </a:xfrm>
+          <a:prstGeom prst="line">
+            <a:avLst/>
+          </a:prstGeom>
+        </p:spPr>
+        <p:style>
+          <a:lnRef idx="3">
+            <a:schemeClr val="dk1"/>
+          </a:lnRef>
+          <a:fillRef idx="0">
+            <a:schemeClr val="dk1"/>
+          </a:fillRef>
+          <a:effectRef idx="2">
+            <a:schemeClr val="dk1"/>
+          </a:effectRef>
+          <a:fontRef idx="minor">
+            <a:schemeClr val="tx1"/>
+          </a:fontRef>
+        </p:style>
+      </p:cxnSp>
+      <p:cxnSp>
+        <p:nvCxnSpPr>
+          <p:cNvPr id="55" name="Connecteur droit 54">
+            <a:extLst>
+              <a:ext uri="{FF2B5EF4-FFF2-40B4-BE49-F238E27FC236}">
+                <a16:creationId xmlns:a16="http://schemas.microsoft.com/office/drawing/2014/main" id="{52AA9200-DAFA-4EEF-AC13-4C7CE82A59EC}"/>
+              </a:ext>
+            </a:extLst>
+          </p:cNvPr>
+          <p:cNvCxnSpPr>
+            <a:cxnSpLocks/>
+          </p:cNvCxnSpPr>
+          <p:nvPr/>
+        </p:nvCxnSpPr>
+        <p:spPr>
+          <a:xfrm>
+            <a:off x="11715750" y="454801"/>
+            <a:ext cx="476249" cy="10400"/>
+          </a:xfrm>
+          <a:prstGeom prst="line">
+            <a:avLst/>
+          </a:prstGeom>
+        </p:spPr>
+        <p:style>
+          <a:lnRef idx="3">
+            <a:schemeClr val="dk1"/>
+          </a:lnRef>
+          <a:fillRef idx="0">
+            <a:schemeClr val="dk1"/>
+          </a:fillRef>
+          <a:effectRef idx="2">
+            <a:schemeClr val="dk1"/>
+          </a:effectRef>
+          <a:fontRef idx="minor">
+            <a:schemeClr val="tx1"/>
+          </a:fontRef>
+        </p:style>
+      </p:cxnSp>
+      <p:cxnSp>
+        <p:nvCxnSpPr>
+          <p:cNvPr id="23" name="Connecteur droit 22">
+            <a:extLst>
+              <a:ext uri="{FF2B5EF4-FFF2-40B4-BE49-F238E27FC236}">
+                <a16:creationId xmlns:a16="http://schemas.microsoft.com/office/drawing/2014/main" id="{BCB092C8-0080-4E56-957E-0046D4C83988}"/>
+              </a:ext>
+            </a:extLst>
+          </p:cNvPr>
+          <p:cNvCxnSpPr>
+            <a:cxnSpLocks/>
+          </p:cNvCxnSpPr>
+          <p:nvPr/>
+        </p:nvCxnSpPr>
+        <p:spPr>
+          <a:xfrm flipH="1">
+            <a:off x="2216372" y="446356"/>
+            <a:ext cx="364332" cy="501657"/>
+          </a:xfrm>
+          <a:prstGeom prst="line">
+            <a:avLst/>
+          </a:prstGeom>
+        </p:spPr>
+        <p:style>
+          <a:lnRef idx="3">
+            <a:schemeClr val="dk1"/>
+          </a:lnRef>
+          <a:fillRef idx="0">
+            <a:schemeClr val="dk1"/>
+          </a:fillRef>
+          <a:effectRef idx="2">
+            <a:schemeClr val="dk1"/>
+          </a:effectRef>
+          <a:fontRef idx="minor">
+            <a:schemeClr val="tx1"/>
+          </a:fontRef>
+        </p:style>
+      </p:cxnSp>
+      <p:sp>
+        <p:nvSpPr>
+          <p:cNvPr id="9" name="ZoneTexte 8">
+            <a:extLst>
+              <a:ext uri="{FF2B5EF4-FFF2-40B4-BE49-F238E27FC236}">
+                <a16:creationId xmlns:a16="http://schemas.microsoft.com/office/drawing/2014/main" id="{82010251-0AD2-4DAA-8E6B-7CA6A2301A9E}"/>
+              </a:ext>
+            </a:extLst>
+          </p:cNvPr>
+          <p:cNvSpPr txBox="1"/>
+          <p:nvPr/>
+        </p:nvSpPr>
+        <p:spPr>
+          <a:xfrm>
+            <a:off x="3029708" y="955839"/>
+            <a:ext cx="6132583" cy="769441"/>
+          </a:xfrm>
+          <a:prstGeom prst="rect">
+            <a:avLst/>
+          </a:prstGeom>
+          <a:noFill/>
+        </p:spPr>
+        <p:txBody>
+          <a:bodyPr wrap="square" rtlCol="0">
+            <a:spAutoFit/>
+          </a:bodyPr>
+          <a:lstStyle/>
+          <a:p>
+            <a:pPr algn="ctr"/>
+            <a:r>
+              <a:rPr lang="fr-FR" sz="4400" dirty="0">
+                <a:latin typeface="Berlin Sans FB" panose="020E0602020502020306" pitchFamily="34" charset="0"/>
+              </a:rPr>
+              <a:t>Diagramme de séquence</a:t>
+            </a:r>
+          </a:p>
+        </p:txBody>
+      </p:sp>
+      <p:pic>
+        <p:nvPicPr>
+          <p:cNvPr id="15" name="Image 14">
+            <a:extLst>
+              <a:ext uri="{FF2B5EF4-FFF2-40B4-BE49-F238E27FC236}">
+                <a16:creationId xmlns:a16="http://schemas.microsoft.com/office/drawing/2014/main" id="{E2264DD9-2643-44C7-8F9B-1C85A1EF6273}"/>
+              </a:ext>
+            </a:extLst>
+          </p:cNvPr>
+          <p:cNvPicPr>
+            <a:picLocks noChangeAspect="1"/>
+          </p:cNvPicPr>
+          <p:nvPr/>
+        </p:nvPicPr>
+        <p:blipFill>
+          <a:blip r:embed="rId4">
+            <a:extLst>
+              <a:ext uri="{28A0092B-C50C-407E-A947-70E740481C1C}">
+                <a14:useLocalDpi xmlns:a14="http://schemas.microsoft.com/office/drawing/2010/main" val="0"/>
+              </a:ext>
+            </a:extLst>
+          </a:blip>
+          <a:stretch>
+            <a:fillRect/>
+          </a:stretch>
+        </p:blipFill>
+        <p:spPr>
+          <a:xfrm>
+            <a:off x="3764851" y="1725280"/>
+            <a:ext cx="4446223" cy="4884067"/>
+          </a:xfrm>
+          <a:prstGeom prst="rect">
+            <a:avLst/>
+          </a:prstGeom>
+        </p:spPr>
+      </p:pic>
+    </p:spTree>
+    <p:extLst>
+      <p:ext uri="{BB962C8B-B14F-4D97-AF65-F5344CB8AC3E}">
+        <p14:creationId xmlns:p14="http://schemas.microsoft.com/office/powerpoint/2010/main" val="3563534622"/>
+      </p:ext>
+    </p:extLst>
+  </p:cSld>
+  <p:clrMapOvr>
+    <a:masterClrMapping/>
+  </p:clrMapOvr>
+  <mc:AlternateContent xmlns:mc="http://schemas.openxmlformats.org/markup-compatibility/2006" xmlns:p14="http://schemas.microsoft.com/office/powerpoint/2010/main">
+    <mc:Choice Requires="p14">
+      <p:transition spd="slow">
+        <p14:reveal/>
+      </p:transition>
+    </mc:Choice>
+    <mc:Fallback xmlns="">
+      <p:transition spd="slow">
+        <p:fade/>
+      </p:transition>
+    </mc:Fallback>
+  </mc:AlternateContent>
+</p:sld>
+</file>
+
+<file path=ppt/slides/slide8.xml><?xml version="1.0" encoding="utf-8"?>
+<p:sld xmlns:a="http://schemas.openxmlformats.org/drawingml/2006/main" xmlns:r="http://schemas.openxmlformats.org/officeDocument/2006/relationships" xmlns:p="http://schemas.openxmlformats.org/presentationml/2006/main">
+  <p:cSld>
+    <p:spTree>
+      <p:nvGrpSpPr>
+        <p:cNvPr id="1" name=""/>
+        <p:cNvGrpSpPr/>
+        <p:nvPr/>
+      </p:nvGrpSpPr>
+      <p:grpSpPr>
+        <a:xfrm>
+          <a:off x="0" y="0"/>
+          <a:ext cx="0" cy="0"/>
+          <a:chOff x="0" y="0"/>
+          <a:chExt cx="0" cy="0"/>
+        </a:xfrm>
+      </p:grpSpPr>
+      <p:pic>
+        <p:nvPicPr>
+          <p:cNvPr id="8" name="Image 7">
+            <a:extLst>
+              <a:ext uri="{FF2B5EF4-FFF2-40B4-BE49-F238E27FC236}">
+                <a16:creationId xmlns:a16="http://schemas.microsoft.com/office/drawing/2014/main" id="{2BB825C5-31DA-4A56-85EA-536DBF510A31}"/>
+              </a:ext>
+            </a:extLst>
+          </p:cNvPr>
+          <p:cNvPicPr>
+            <a:picLocks noChangeAspect="1"/>
+          </p:cNvPicPr>
+          <p:nvPr/>
+        </p:nvPicPr>
+        <p:blipFill>
+          <a:blip r:embed="rId2">
+            <a:extLst>
+              <a:ext uri="{28A0092B-C50C-407E-A947-70E740481C1C}">
+                <a14:useLocalDpi xmlns:a14="http://schemas.microsoft.com/office/drawing/2010/main" val="0"/>
+              </a:ext>
+            </a:extLst>
+          </a:blip>
+          <a:stretch>
+            <a:fillRect/>
+          </a:stretch>
+        </p:blipFill>
+        <p:spPr>
+          <a:xfrm>
+            <a:off x="1068751" y="66457"/>
+            <a:ext cx="1259497" cy="776690"/>
+          </a:xfrm>
+          <a:prstGeom prst="rect">
+            <a:avLst/>
+          </a:prstGeom>
+        </p:spPr>
+      </p:pic>
+      <p:pic>
+        <p:nvPicPr>
+          <p:cNvPr id="10" name="Image 9">
+            <a:extLst>
+              <a:ext uri="{FF2B5EF4-FFF2-40B4-BE49-F238E27FC236}">
+                <a16:creationId xmlns:a16="http://schemas.microsoft.com/office/drawing/2014/main" id="{8EE7436F-49F2-41E0-93E4-D247B4705294}"/>
+              </a:ext>
+            </a:extLst>
+          </p:cNvPr>
+          <p:cNvPicPr>
+            <a:picLocks noChangeAspect="1"/>
+          </p:cNvPicPr>
+          <p:nvPr/>
+        </p:nvPicPr>
+        <p:blipFill>
+          <a:blip r:embed="rId3">
+            <a:extLst>
+              <a:ext uri="{28A0092B-C50C-407E-A947-70E740481C1C}">
+                <a14:useLocalDpi xmlns:a14="http://schemas.microsoft.com/office/drawing/2010/main" val="0"/>
+              </a:ext>
+            </a:extLst>
+          </a:blip>
+          <a:stretch>
+            <a:fillRect/>
+          </a:stretch>
+        </p:blipFill>
+        <p:spPr>
+          <a:xfrm>
+            <a:off x="9681085" y="238153"/>
+            <a:ext cx="1802101" cy="569807"/>
+          </a:xfrm>
+          <a:prstGeom prst="rect">
+            <a:avLst/>
+          </a:prstGeom>
+        </p:spPr>
+      </p:pic>
+      <p:cxnSp>
+        <p:nvCxnSpPr>
+          <p:cNvPr id="16" name="Connecteur droit 15">
+            <a:extLst>
+              <a:ext uri="{FF2B5EF4-FFF2-40B4-BE49-F238E27FC236}">
+                <a16:creationId xmlns:a16="http://schemas.microsoft.com/office/drawing/2014/main" id="{7319284A-BD6F-4A96-8E2B-E0A4B52E53C6}"/>
+              </a:ext>
+            </a:extLst>
+          </p:cNvPr>
+          <p:cNvCxnSpPr>
+            <a:cxnSpLocks/>
+          </p:cNvCxnSpPr>
+          <p:nvPr/>
+        </p:nvCxnSpPr>
+        <p:spPr>
+          <a:xfrm flipV="1">
+            <a:off x="0" y="454803"/>
+            <a:ext cx="738231" cy="1798"/>
+          </a:xfrm>
+          <a:prstGeom prst="line">
+            <a:avLst/>
+          </a:prstGeom>
+        </p:spPr>
+        <p:style>
+          <a:lnRef idx="3">
+            <a:schemeClr val="dk1"/>
+          </a:lnRef>
+          <a:fillRef idx="0">
+            <a:schemeClr val="dk1"/>
+          </a:fillRef>
+          <a:effectRef idx="2">
+            <a:schemeClr val="dk1"/>
+          </a:effectRef>
+          <a:fontRef idx="minor">
+            <a:schemeClr val="tx1"/>
+          </a:fontRef>
+        </p:style>
+      </p:cxnSp>
+      <p:cxnSp>
+        <p:nvCxnSpPr>
+          <p:cNvPr id="20" name="Connecteur droit 19">
+            <a:extLst>
+              <a:ext uri="{FF2B5EF4-FFF2-40B4-BE49-F238E27FC236}">
+                <a16:creationId xmlns:a16="http://schemas.microsoft.com/office/drawing/2014/main" id="{08874CF7-F149-4C81-B61E-74E18342BA8A}"/>
+              </a:ext>
+            </a:extLst>
+          </p:cNvPr>
+          <p:cNvCxnSpPr>
+            <a:cxnSpLocks/>
+          </p:cNvCxnSpPr>
+          <p:nvPr/>
+        </p:nvCxnSpPr>
+        <p:spPr>
+          <a:xfrm>
+            <a:off x="2573222" y="454803"/>
+            <a:ext cx="6829482" cy="10398"/>
+          </a:xfrm>
+          <a:prstGeom prst="line">
+            <a:avLst/>
+          </a:prstGeom>
+        </p:spPr>
+        <p:style>
+          <a:lnRef idx="3">
+            <a:schemeClr val="dk1"/>
+          </a:lnRef>
+          <a:fillRef idx="0">
+            <a:schemeClr val="dk1"/>
+          </a:fillRef>
+          <a:effectRef idx="2">
+            <a:schemeClr val="dk1"/>
+          </a:effectRef>
+          <a:fontRef idx="minor">
+            <a:schemeClr val="tx1"/>
+          </a:fontRef>
+        </p:style>
+      </p:cxnSp>
+      <p:cxnSp>
+        <p:nvCxnSpPr>
+          <p:cNvPr id="26" name="Connecteur droit 25">
+            <a:extLst>
+              <a:ext uri="{FF2B5EF4-FFF2-40B4-BE49-F238E27FC236}">
+                <a16:creationId xmlns:a16="http://schemas.microsoft.com/office/drawing/2014/main" id="{BB3B35CC-057B-48C1-880F-3306A6559175}"/>
+              </a:ext>
+            </a:extLst>
+          </p:cNvPr>
+          <p:cNvCxnSpPr>
+            <a:cxnSpLocks/>
+          </p:cNvCxnSpPr>
+          <p:nvPr/>
+        </p:nvCxnSpPr>
+        <p:spPr>
+          <a:xfrm>
+            <a:off x="738231" y="454803"/>
+            <a:ext cx="344203" cy="484764"/>
+          </a:xfrm>
+          <a:prstGeom prst="line">
+            <a:avLst/>
+          </a:prstGeom>
+        </p:spPr>
+        <p:style>
+          <a:lnRef idx="3">
+            <a:schemeClr val="dk1"/>
+          </a:lnRef>
+          <a:fillRef idx="0">
+            <a:schemeClr val="dk1"/>
+          </a:fillRef>
+          <a:effectRef idx="2">
+            <a:schemeClr val="dk1"/>
+          </a:effectRef>
+          <a:fontRef idx="minor">
+            <a:schemeClr val="tx1"/>
+          </a:fontRef>
+        </p:style>
+      </p:cxnSp>
+      <p:cxnSp>
+        <p:nvCxnSpPr>
+          <p:cNvPr id="32" name="Connecteur droit 31">
+            <a:extLst>
+              <a:ext uri="{FF2B5EF4-FFF2-40B4-BE49-F238E27FC236}">
+                <a16:creationId xmlns:a16="http://schemas.microsoft.com/office/drawing/2014/main" id="{4AD96496-1EB6-4E48-9BB2-5C255495C686}"/>
+              </a:ext>
+            </a:extLst>
+          </p:cNvPr>
+          <p:cNvCxnSpPr>
+            <a:cxnSpLocks/>
+          </p:cNvCxnSpPr>
+          <p:nvPr/>
+        </p:nvCxnSpPr>
+        <p:spPr>
+          <a:xfrm>
+            <a:off x="1082434" y="938268"/>
+            <a:ext cx="1146585" cy="0"/>
+          </a:xfrm>
+          <a:prstGeom prst="line">
+            <a:avLst/>
+          </a:prstGeom>
+        </p:spPr>
+        <p:style>
+          <a:lnRef idx="3">
+            <a:schemeClr val="dk1"/>
+          </a:lnRef>
+          <a:fillRef idx="0">
+            <a:schemeClr val="dk1"/>
+          </a:fillRef>
+          <a:effectRef idx="2">
+            <a:schemeClr val="dk1"/>
+          </a:effectRef>
+          <a:fontRef idx="minor">
+            <a:schemeClr val="tx1"/>
+          </a:fontRef>
+        </p:style>
+      </p:cxnSp>
+      <p:cxnSp>
+        <p:nvCxnSpPr>
+          <p:cNvPr id="51" name="Connecteur droit 50">
+            <a:extLst>
+              <a:ext uri="{FF2B5EF4-FFF2-40B4-BE49-F238E27FC236}">
+                <a16:creationId xmlns:a16="http://schemas.microsoft.com/office/drawing/2014/main" id="{C035BFA6-ECBF-4775-BA81-19D2CA41AA8D}"/>
+              </a:ext>
+            </a:extLst>
+          </p:cNvPr>
+          <p:cNvCxnSpPr>
+            <a:cxnSpLocks/>
+          </p:cNvCxnSpPr>
+          <p:nvPr/>
+        </p:nvCxnSpPr>
+        <p:spPr>
+          <a:xfrm>
+            <a:off x="9402704" y="465201"/>
+            <a:ext cx="344203" cy="495163"/>
+          </a:xfrm>
+          <a:prstGeom prst="line">
+            <a:avLst/>
+          </a:prstGeom>
+        </p:spPr>
+        <p:style>
+          <a:lnRef idx="3">
+            <a:schemeClr val="dk1"/>
+          </a:lnRef>
+          <a:fillRef idx="0">
+            <a:schemeClr val="dk1"/>
+          </a:fillRef>
+          <a:effectRef idx="2">
+            <a:schemeClr val="dk1"/>
+          </a:effectRef>
+          <a:fontRef idx="minor">
+            <a:schemeClr val="tx1"/>
+          </a:fontRef>
+        </p:style>
+      </p:cxnSp>
+      <p:cxnSp>
+        <p:nvCxnSpPr>
+          <p:cNvPr id="52" name="Connecteur droit 51">
+            <a:extLst>
+              <a:ext uri="{FF2B5EF4-FFF2-40B4-BE49-F238E27FC236}">
+                <a16:creationId xmlns:a16="http://schemas.microsoft.com/office/drawing/2014/main" id="{FA310BC7-694B-4984-99A2-61A1F4F6EBF9}"/>
+              </a:ext>
+            </a:extLst>
+          </p:cNvPr>
+          <p:cNvCxnSpPr>
+            <a:cxnSpLocks/>
+          </p:cNvCxnSpPr>
+          <p:nvPr/>
+        </p:nvCxnSpPr>
+        <p:spPr>
+          <a:xfrm flipH="1">
+            <a:off x="11370469" y="448308"/>
+            <a:ext cx="364332" cy="501657"/>
+          </a:xfrm>
+          <a:prstGeom prst="line">
+            <a:avLst/>
+          </a:prstGeom>
+        </p:spPr>
+        <p:style>
+          <a:lnRef idx="3">
+            <a:schemeClr val="dk1"/>
+          </a:lnRef>
+          <a:fillRef idx="0">
+            <a:schemeClr val="dk1"/>
+          </a:fillRef>
+          <a:effectRef idx="2">
+            <a:schemeClr val="dk1"/>
+          </a:effectRef>
+          <a:fontRef idx="minor">
+            <a:schemeClr val="tx1"/>
+          </a:fontRef>
+        </p:style>
+      </p:cxnSp>
+      <p:cxnSp>
+        <p:nvCxnSpPr>
+          <p:cNvPr id="53" name="Connecteur droit 52">
+            <a:extLst>
+              <a:ext uri="{FF2B5EF4-FFF2-40B4-BE49-F238E27FC236}">
+                <a16:creationId xmlns:a16="http://schemas.microsoft.com/office/drawing/2014/main" id="{BE0649BD-EE59-4DDA-960F-95B2572F9F13}"/>
+              </a:ext>
+            </a:extLst>
+          </p:cNvPr>
+          <p:cNvCxnSpPr>
+            <a:cxnSpLocks/>
+          </p:cNvCxnSpPr>
+          <p:nvPr/>
+        </p:nvCxnSpPr>
+        <p:spPr>
+          <a:xfrm>
+            <a:off x="9743203" y="949965"/>
+            <a:ext cx="1627266" cy="0"/>
+          </a:xfrm>
+          <a:prstGeom prst="line">
+            <a:avLst/>
+          </a:prstGeom>
+        </p:spPr>
+        <p:style>
+          <a:lnRef idx="3">
+            <a:schemeClr val="dk1"/>
+          </a:lnRef>
+          <a:fillRef idx="0">
+            <a:schemeClr val="dk1"/>
+          </a:fillRef>
+          <a:effectRef idx="2">
+            <a:schemeClr val="dk1"/>
+          </a:effectRef>
+          <a:fontRef idx="minor">
+            <a:schemeClr val="tx1"/>
+          </a:fontRef>
+        </p:style>
+      </p:cxnSp>
+      <p:cxnSp>
+        <p:nvCxnSpPr>
+          <p:cNvPr id="55" name="Connecteur droit 54">
+            <a:extLst>
+              <a:ext uri="{FF2B5EF4-FFF2-40B4-BE49-F238E27FC236}">
+                <a16:creationId xmlns:a16="http://schemas.microsoft.com/office/drawing/2014/main" id="{52AA9200-DAFA-4EEF-AC13-4C7CE82A59EC}"/>
+              </a:ext>
+            </a:extLst>
+          </p:cNvPr>
+          <p:cNvCxnSpPr>
+            <a:cxnSpLocks/>
+          </p:cNvCxnSpPr>
+          <p:nvPr/>
+        </p:nvCxnSpPr>
+        <p:spPr>
+          <a:xfrm>
+            <a:off x="11715750" y="454801"/>
+            <a:ext cx="476249" cy="10400"/>
+          </a:xfrm>
+          <a:prstGeom prst="line">
+            <a:avLst/>
+          </a:prstGeom>
+        </p:spPr>
+        <p:style>
+          <a:lnRef idx="3">
+            <a:schemeClr val="dk1"/>
+          </a:lnRef>
+          <a:fillRef idx="0">
+            <a:schemeClr val="dk1"/>
+          </a:fillRef>
+          <a:effectRef idx="2">
+            <a:schemeClr val="dk1"/>
+          </a:effectRef>
+          <a:fontRef idx="minor">
+            <a:schemeClr val="tx1"/>
+          </a:fontRef>
+        </p:style>
+      </p:cxnSp>
+      <p:cxnSp>
+        <p:nvCxnSpPr>
+          <p:cNvPr id="23" name="Connecteur droit 22">
+            <a:extLst>
+              <a:ext uri="{FF2B5EF4-FFF2-40B4-BE49-F238E27FC236}">
+                <a16:creationId xmlns:a16="http://schemas.microsoft.com/office/drawing/2014/main" id="{BCB092C8-0080-4E56-957E-0046D4C83988}"/>
+              </a:ext>
+            </a:extLst>
+          </p:cNvPr>
+          <p:cNvCxnSpPr>
+            <a:cxnSpLocks/>
+          </p:cNvCxnSpPr>
+          <p:nvPr/>
+        </p:nvCxnSpPr>
+        <p:spPr>
+          <a:xfrm flipH="1">
+            <a:off x="2216372" y="446356"/>
+            <a:ext cx="364332" cy="501657"/>
+          </a:xfrm>
+          <a:prstGeom prst="line">
+            <a:avLst/>
+          </a:prstGeom>
+        </p:spPr>
+        <p:style>
+          <a:lnRef idx="3">
+            <a:schemeClr val="dk1"/>
+          </a:lnRef>
+          <a:fillRef idx="0">
+            <a:schemeClr val="dk1"/>
+          </a:fillRef>
+          <a:effectRef idx="2">
+            <a:schemeClr val="dk1"/>
+          </a:effectRef>
+          <a:fontRef idx="minor">
+            <a:schemeClr val="tx1"/>
+          </a:fontRef>
+        </p:style>
+      </p:cxnSp>
+      <p:sp>
+        <p:nvSpPr>
+          <p:cNvPr id="9" name="ZoneTexte 8">
+            <a:extLst>
+              <a:ext uri="{FF2B5EF4-FFF2-40B4-BE49-F238E27FC236}">
+                <a16:creationId xmlns:a16="http://schemas.microsoft.com/office/drawing/2014/main" id="{82010251-0AD2-4DAA-8E6B-7CA6A2301A9E}"/>
+              </a:ext>
+            </a:extLst>
+          </p:cNvPr>
+          <p:cNvSpPr txBox="1"/>
+          <p:nvPr/>
+        </p:nvSpPr>
+        <p:spPr>
+          <a:xfrm>
+            <a:off x="3428557" y="903150"/>
+            <a:ext cx="5334886" cy="769441"/>
+          </a:xfrm>
+          <a:prstGeom prst="rect">
+            <a:avLst/>
+          </a:prstGeom>
+          <a:noFill/>
+        </p:spPr>
+        <p:txBody>
+          <a:bodyPr wrap="square" rtlCol="0">
+            <a:spAutoFit/>
+          </a:bodyPr>
+          <a:lstStyle/>
+          <a:p>
+            <a:pPr algn="ctr"/>
+            <a:r>
+              <a:rPr lang="fr-FR" sz="4400" dirty="0">
+                <a:latin typeface="Berlin Sans FB" panose="020E0602020502020306" pitchFamily="34" charset="0"/>
+              </a:rPr>
+              <a:t>Diagramme de classe</a:t>
+            </a:r>
+          </a:p>
+        </p:txBody>
+      </p:sp>
+      <p:pic>
+        <p:nvPicPr>
+          <p:cNvPr id="15" name="Image 14">
+            <a:extLst>
+              <a:ext uri="{FF2B5EF4-FFF2-40B4-BE49-F238E27FC236}">
+                <a16:creationId xmlns:a16="http://schemas.microsoft.com/office/drawing/2014/main" id="{ED3823A7-FD37-4224-818D-CDC46265A755}"/>
+              </a:ext>
+            </a:extLst>
+          </p:cNvPr>
+          <p:cNvPicPr>
+            <a:picLocks noChangeAspect="1"/>
+          </p:cNvPicPr>
+          <p:nvPr/>
+        </p:nvPicPr>
+        <p:blipFill>
+          <a:blip r:embed="rId4">
+            <a:extLst>
+              <a:ext uri="{28A0092B-C50C-407E-A947-70E740481C1C}">
+                <a14:useLocalDpi xmlns:a14="http://schemas.microsoft.com/office/drawing/2010/main" val="0"/>
+              </a:ext>
+            </a:extLst>
+          </a:blip>
+          <a:stretch>
+            <a:fillRect/>
+          </a:stretch>
+        </p:blipFill>
+        <p:spPr>
+          <a:xfrm>
+            <a:off x="2109736" y="1827402"/>
+            <a:ext cx="7972528" cy="4792445"/>
+          </a:xfrm>
+          <a:prstGeom prst="rect">
+            <a:avLst/>
+          </a:prstGeom>
+        </p:spPr>
+      </p:pic>
+    </p:spTree>
+    <p:extLst>
+      <p:ext uri="{BB962C8B-B14F-4D97-AF65-F5344CB8AC3E}">
+        <p14:creationId xmlns:p14="http://schemas.microsoft.com/office/powerpoint/2010/main" val="4004055638"/>
+      </p:ext>
+    </p:extLst>
+  </p:cSld>
+  <p:clrMapOvr>
+    <a:masterClrMapping/>
+  </p:clrMapOvr>
+  <mc:AlternateContent xmlns:mc="http://schemas.openxmlformats.org/markup-compatibility/2006" xmlns:p14="http://schemas.microsoft.com/office/powerpoint/2010/main">
+    <mc:Choice Requires="p14">
+      <p:transition spd="slow">
+        <p14:reveal/>
+      </p:transition>
+    </mc:Choice>
+    <mc:Fallback xmlns="">
+      <p:transition spd="slow">
+        <p:fade/>
+      </p:transition>
+    </mc:Fallback>
+  </mc:AlternateContent>
+</p:sld>
+</file>
+
+<file path=ppt/slides/slide9.xml><?xml version="1.0" encoding="utf-8"?>
+<p:sld xmlns:a="http://schemas.openxmlformats.org/drawingml/2006/main" xmlns:r="http://schemas.openxmlformats.org/officeDocument/2006/relationships" xmlns:p="http://schemas.openxmlformats.org/presentationml/2006/main">
+  <p:cSld>
+    <p:spTree>
+      <p:nvGrpSpPr>
+        <p:cNvPr id="1" name=""/>
+        <p:cNvGrpSpPr/>
+        <p:nvPr/>
+      </p:nvGrpSpPr>
+      <p:grpSpPr>
+        <a:xfrm>
+          <a:off x="0" y="0"/>
+          <a:ext cx="0" cy="0"/>
+          <a:chOff x="0" y="0"/>
+          <a:chExt cx="0" cy="0"/>
+        </a:xfrm>
+      </p:grpSpPr>
+      <p:pic>
+        <p:nvPicPr>
+          <p:cNvPr id="8" name="Image 7">
+            <a:extLst>
+              <a:ext uri="{FF2B5EF4-FFF2-40B4-BE49-F238E27FC236}">
+                <a16:creationId xmlns:a16="http://schemas.microsoft.com/office/drawing/2014/main" id="{2BB825C5-31DA-4A56-85EA-536DBF510A31}"/>
+              </a:ext>
+            </a:extLst>
+          </p:cNvPr>
+          <p:cNvPicPr>
+            <a:picLocks noChangeAspect="1"/>
+          </p:cNvPicPr>
+          <p:nvPr/>
+        </p:nvPicPr>
+        <p:blipFill>
+          <a:blip r:embed="rId2">
+            <a:extLst>
+              <a:ext uri="{28A0092B-C50C-407E-A947-70E740481C1C}">
+                <a14:useLocalDpi xmlns:a14="http://schemas.microsoft.com/office/drawing/2010/main" val="0"/>
+              </a:ext>
+            </a:extLst>
+          </a:blip>
+          <a:stretch>
+            <a:fillRect/>
+          </a:stretch>
+        </p:blipFill>
+        <p:spPr>
+          <a:xfrm>
+            <a:off x="1068751" y="66457"/>
+            <a:ext cx="1259497" cy="776690"/>
+          </a:xfrm>
+          <a:prstGeom prst="rect">
+            <a:avLst/>
+          </a:prstGeom>
+        </p:spPr>
+      </p:pic>
+      <p:pic>
+        <p:nvPicPr>
+          <p:cNvPr id="10" name="Image 9">
+            <a:extLst>
+              <a:ext uri="{FF2B5EF4-FFF2-40B4-BE49-F238E27FC236}">
+                <a16:creationId xmlns:a16="http://schemas.microsoft.com/office/drawing/2014/main" id="{8EE7436F-49F2-41E0-93E4-D247B4705294}"/>
+              </a:ext>
+            </a:extLst>
+          </p:cNvPr>
+          <p:cNvPicPr>
+            <a:picLocks noChangeAspect="1"/>
+          </p:cNvPicPr>
+          <p:nvPr/>
+        </p:nvPicPr>
+        <p:blipFill>
+          <a:blip r:embed="rId3">
+            <a:extLst>
+              <a:ext uri="{28A0092B-C50C-407E-A947-70E740481C1C}">
+                <a14:useLocalDpi xmlns:a14="http://schemas.microsoft.com/office/drawing/2010/main" val="0"/>
+              </a:ext>
+            </a:extLst>
+          </a:blip>
+          <a:stretch>
+            <a:fillRect/>
+          </a:stretch>
+        </p:blipFill>
+        <p:spPr>
+          <a:xfrm>
+            <a:off x="9681085" y="238153"/>
+            <a:ext cx="1802101" cy="569807"/>
+          </a:xfrm>
+          <a:prstGeom prst="rect">
+            <a:avLst/>
+          </a:prstGeom>
+        </p:spPr>
+      </p:pic>
+      <p:cxnSp>
+        <p:nvCxnSpPr>
+          <p:cNvPr id="16" name="Connecteur droit 15">
+            <a:extLst>
+              <a:ext uri="{FF2B5EF4-FFF2-40B4-BE49-F238E27FC236}">
+                <a16:creationId xmlns:a16="http://schemas.microsoft.com/office/drawing/2014/main" id="{7319284A-BD6F-4A96-8E2B-E0A4B52E53C6}"/>
+              </a:ext>
+            </a:extLst>
+          </p:cNvPr>
+          <p:cNvCxnSpPr>
+            <a:cxnSpLocks/>
+          </p:cNvCxnSpPr>
+          <p:nvPr/>
+        </p:nvCxnSpPr>
+        <p:spPr>
+          <a:xfrm flipV="1">
+            <a:off x="0" y="454803"/>
+            <a:ext cx="738231" cy="1798"/>
+          </a:xfrm>
+          <a:prstGeom prst="line">
+            <a:avLst/>
+          </a:prstGeom>
+        </p:spPr>
+        <p:style>
+          <a:lnRef idx="3">
+            <a:schemeClr val="dk1"/>
+          </a:lnRef>
+          <a:fillRef idx="0">
+            <a:schemeClr val="dk1"/>
+          </a:fillRef>
+          <a:effectRef idx="2">
+            <a:schemeClr val="dk1"/>
+          </a:effectRef>
+          <a:fontRef idx="minor">
+            <a:schemeClr val="tx1"/>
+          </a:fontRef>
+        </p:style>
+      </p:cxnSp>
+      <p:cxnSp>
+        <p:nvCxnSpPr>
+          <p:cNvPr id="20" name="Connecteur droit 19">
+            <a:extLst>
+              <a:ext uri="{FF2B5EF4-FFF2-40B4-BE49-F238E27FC236}">
+                <a16:creationId xmlns:a16="http://schemas.microsoft.com/office/drawing/2014/main" id="{08874CF7-F149-4C81-B61E-74E18342BA8A}"/>
+              </a:ext>
+            </a:extLst>
+          </p:cNvPr>
+          <p:cNvCxnSpPr>
+            <a:cxnSpLocks/>
+          </p:cNvCxnSpPr>
+          <p:nvPr/>
+        </p:nvCxnSpPr>
+        <p:spPr>
+          <a:xfrm>
+            <a:off x="2573222" y="454803"/>
+            <a:ext cx="6829482" cy="10398"/>
+          </a:xfrm>
+          <a:prstGeom prst="line">
+            <a:avLst/>
+          </a:prstGeom>
+        </p:spPr>
+        <p:style>
+          <a:lnRef idx="3">
+            <a:schemeClr val="dk1"/>
+          </a:lnRef>
+          <a:fillRef idx="0">
+            <a:schemeClr val="dk1"/>
+          </a:fillRef>
+          <a:effectRef idx="2">
+            <a:schemeClr val="dk1"/>
+          </a:effectRef>
+          <a:fontRef idx="minor">
+            <a:schemeClr val="tx1"/>
+          </a:fontRef>
+        </p:style>
+      </p:cxnSp>
+      <p:cxnSp>
+        <p:nvCxnSpPr>
+          <p:cNvPr id="26" name="Connecteur droit 25">
+            <a:extLst>
+              <a:ext uri="{FF2B5EF4-FFF2-40B4-BE49-F238E27FC236}">
+                <a16:creationId xmlns:a16="http://schemas.microsoft.com/office/drawing/2014/main" id="{BB3B35CC-057B-48C1-880F-3306A6559175}"/>
+              </a:ext>
+            </a:extLst>
+          </p:cNvPr>
+          <p:cNvCxnSpPr>
+            <a:cxnSpLocks/>
+          </p:cNvCxnSpPr>
+          <p:nvPr/>
+        </p:nvCxnSpPr>
+        <p:spPr>
+          <a:xfrm>
+            <a:off x="738231" y="454803"/>
+            <a:ext cx="344203" cy="484764"/>
+          </a:xfrm>
+          <a:prstGeom prst="line">
+            <a:avLst/>
+          </a:prstGeom>
+        </p:spPr>
+        <p:style>
+          <a:lnRef idx="3">
+            <a:schemeClr val="dk1"/>
+          </a:lnRef>
+          <a:fillRef idx="0">
+            <a:schemeClr val="dk1"/>
+          </a:fillRef>
+          <a:effectRef idx="2">
+            <a:schemeClr val="dk1"/>
+          </a:effectRef>
+          <a:fontRef idx="minor">
+            <a:schemeClr val="tx1"/>
+          </a:fontRef>
+        </p:style>
+      </p:cxnSp>
+      <p:cxnSp>
+        <p:nvCxnSpPr>
+          <p:cNvPr id="32" name="Connecteur droit 31">
+            <a:extLst>
+              <a:ext uri="{FF2B5EF4-FFF2-40B4-BE49-F238E27FC236}">
+                <a16:creationId xmlns:a16="http://schemas.microsoft.com/office/drawing/2014/main" id="{4AD96496-1EB6-4E48-9BB2-5C255495C686}"/>
+              </a:ext>
+            </a:extLst>
+          </p:cNvPr>
+          <p:cNvCxnSpPr>
+            <a:cxnSpLocks/>
+          </p:cNvCxnSpPr>
+          <p:nvPr/>
+        </p:nvCxnSpPr>
+        <p:spPr>
+          <a:xfrm>
+            <a:off x="1082434" y="938268"/>
+            <a:ext cx="1146585" cy="0"/>
+          </a:xfrm>
+          <a:prstGeom prst="line">
+            <a:avLst/>
+          </a:prstGeom>
+        </p:spPr>
+        <p:style>
+          <a:lnRef idx="3">
+            <a:schemeClr val="dk1"/>
+          </a:lnRef>
+          <a:fillRef idx="0">
+            <a:schemeClr val="dk1"/>
+          </a:fillRef>
+          <a:effectRef idx="2">
+            <a:schemeClr val="dk1"/>
+          </a:effectRef>
+          <a:fontRef idx="minor">
+            <a:schemeClr val="tx1"/>
+          </a:fontRef>
+        </p:style>
+      </p:cxnSp>
+      <p:cxnSp>
+        <p:nvCxnSpPr>
+          <p:cNvPr id="51" name="Connecteur droit 50">
+            <a:extLst>
+              <a:ext uri="{FF2B5EF4-FFF2-40B4-BE49-F238E27FC236}">
+                <a16:creationId xmlns:a16="http://schemas.microsoft.com/office/drawing/2014/main" id="{C035BFA6-ECBF-4775-BA81-19D2CA41AA8D}"/>
+              </a:ext>
+            </a:extLst>
+          </p:cNvPr>
+          <p:cNvCxnSpPr>
+            <a:cxnSpLocks/>
+          </p:cNvCxnSpPr>
+          <p:nvPr/>
+        </p:nvCxnSpPr>
+        <p:spPr>
+          <a:xfrm>
+            <a:off x="9402704" y="465201"/>
+            <a:ext cx="344203" cy="495163"/>
+          </a:xfrm>
+          <a:prstGeom prst="line">
+            <a:avLst/>
+          </a:prstGeom>
+        </p:spPr>
+        <p:style>
+          <a:lnRef idx="3">
+            <a:schemeClr val="dk1"/>
+          </a:lnRef>
+          <a:fillRef idx="0">
+            <a:schemeClr val="dk1"/>
+          </a:fillRef>
+          <a:effectRef idx="2">
+            <a:schemeClr val="dk1"/>
+          </a:effectRef>
+          <a:fontRef idx="minor">
+            <a:schemeClr val="tx1"/>
+          </a:fontRef>
+        </p:style>
+      </p:cxnSp>
+      <p:cxnSp>
+        <p:nvCxnSpPr>
+          <p:cNvPr id="52" name="Connecteur droit 51">
+            <a:extLst>
+              <a:ext uri="{FF2B5EF4-FFF2-40B4-BE49-F238E27FC236}">
+                <a16:creationId xmlns:a16="http://schemas.microsoft.com/office/drawing/2014/main" id="{FA310BC7-694B-4984-99A2-61A1F4F6EBF9}"/>
+              </a:ext>
+            </a:extLst>
+          </p:cNvPr>
+          <p:cNvCxnSpPr>
+            <a:cxnSpLocks/>
+          </p:cNvCxnSpPr>
+          <p:nvPr/>
+        </p:nvCxnSpPr>
+        <p:spPr>
+          <a:xfrm flipH="1">
+            <a:off x="11370469" y="448308"/>
+            <a:ext cx="364332" cy="501657"/>
+          </a:xfrm>
+          <a:prstGeom prst="line">
+            <a:avLst/>
+          </a:prstGeom>
+        </p:spPr>
+        <p:style>
+          <a:lnRef idx="3">
+            <a:schemeClr val="dk1"/>
+          </a:lnRef>
+          <a:fillRef idx="0">
+            <a:schemeClr val="dk1"/>
+          </a:fillRef>
+          <a:effectRef idx="2">
+            <a:schemeClr val="dk1"/>
+          </a:effectRef>
+          <a:fontRef idx="minor">
+            <a:schemeClr val="tx1"/>
+          </a:fontRef>
+        </p:style>
+      </p:cxnSp>
+      <p:cxnSp>
+        <p:nvCxnSpPr>
+          <p:cNvPr id="53" name="Connecteur droit 52">
+            <a:extLst>
+              <a:ext uri="{FF2B5EF4-FFF2-40B4-BE49-F238E27FC236}">
+                <a16:creationId xmlns:a16="http://schemas.microsoft.com/office/drawing/2014/main" id="{BE0649BD-EE59-4DDA-960F-95B2572F9F13}"/>
+              </a:ext>
+            </a:extLst>
+          </p:cNvPr>
+          <p:cNvCxnSpPr>
+            <a:cxnSpLocks/>
+          </p:cNvCxnSpPr>
+          <p:nvPr/>
+        </p:nvCxnSpPr>
+        <p:spPr>
+          <a:xfrm>
+            <a:off x="9743203" y="949965"/>
+            <a:ext cx="1627266" cy="0"/>
+          </a:xfrm>
+          <a:prstGeom prst="line">
+            <a:avLst/>
+          </a:prstGeom>
+        </p:spPr>
+        <p:style>
+          <a:lnRef idx="3">
+            <a:schemeClr val="dk1"/>
+          </a:lnRef>
+          <a:fillRef idx="0">
+            <a:schemeClr val="dk1"/>
+          </a:fillRef>
+          <a:effectRef idx="2">
+            <a:schemeClr val="dk1"/>
+          </a:effectRef>
+          <a:fontRef idx="minor">
+            <a:schemeClr val="tx1"/>
+          </a:fontRef>
+        </p:style>
+      </p:cxnSp>
+      <p:cxnSp>
+        <p:nvCxnSpPr>
+          <p:cNvPr id="55" name="Connecteur droit 54">
+            <a:extLst>
+              <a:ext uri="{FF2B5EF4-FFF2-40B4-BE49-F238E27FC236}">
+                <a16:creationId xmlns:a16="http://schemas.microsoft.com/office/drawing/2014/main" id="{52AA9200-DAFA-4EEF-AC13-4C7CE82A59EC}"/>
+              </a:ext>
+            </a:extLst>
+          </p:cNvPr>
+          <p:cNvCxnSpPr>
+            <a:cxnSpLocks/>
+          </p:cNvCxnSpPr>
+          <p:nvPr/>
+        </p:nvCxnSpPr>
+        <p:spPr>
+          <a:xfrm>
+            <a:off x="11715750" y="454801"/>
+            <a:ext cx="476249" cy="10400"/>
+          </a:xfrm>
+          <a:prstGeom prst="line">
+            <a:avLst/>
+          </a:prstGeom>
+        </p:spPr>
+        <p:style>
+          <a:lnRef idx="3">
+            <a:schemeClr val="dk1"/>
+          </a:lnRef>
+          <a:fillRef idx="0">
+            <a:schemeClr val="dk1"/>
+          </a:fillRef>
+          <a:effectRef idx="2">
+            <a:schemeClr val="dk1"/>
+          </a:effectRef>
+          <a:fontRef idx="minor">
+            <a:schemeClr val="tx1"/>
+          </a:fontRef>
+        </p:style>
+      </p:cxnSp>
+      <p:cxnSp>
+        <p:nvCxnSpPr>
+          <p:cNvPr id="23" name="Connecteur droit 22">
+            <a:extLst>
+              <a:ext uri="{FF2B5EF4-FFF2-40B4-BE49-F238E27FC236}">
+                <a16:creationId xmlns:a16="http://schemas.microsoft.com/office/drawing/2014/main" id="{BCB092C8-0080-4E56-957E-0046D4C83988}"/>
+              </a:ext>
+            </a:extLst>
+          </p:cNvPr>
+          <p:cNvCxnSpPr>
+            <a:cxnSpLocks/>
+          </p:cNvCxnSpPr>
+          <p:nvPr/>
+        </p:nvCxnSpPr>
+        <p:spPr>
+          <a:xfrm flipH="1">
+            <a:off x="2216372" y="446356"/>
+            <a:ext cx="364332" cy="501657"/>
+          </a:xfrm>
+          <a:prstGeom prst="line">
+            <a:avLst/>
+          </a:prstGeom>
+        </p:spPr>
+        <p:style>
+          <a:lnRef idx="3">
+            <a:schemeClr val="dk1"/>
+          </a:lnRef>
+          <a:fillRef idx="0">
+            <a:schemeClr val="dk1"/>
+          </a:fillRef>
+          <a:effectRef idx="2">
+            <a:schemeClr val="dk1"/>
+          </a:effectRef>
+          <a:fontRef idx="minor">
+            <a:schemeClr val="tx1"/>
+          </a:fontRef>
+        </p:style>
+      </p:cxnSp>
+      <p:sp>
+        <p:nvSpPr>
+          <p:cNvPr id="9" name="ZoneTexte 8">
+            <a:extLst>
+              <a:ext uri="{FF2B5EF4-FFF2-40B4-BE49-F238E27FC236}">
+                <a16:creationId xmlns:a16="http://schemas.microsoft.com/office/drawing/2014/main" id="{82010251-0AD2-4DAA-8E6B-7CA6A2301A9E}"/>
+              </a:ext>
+            </a:extLst>
+          </p:cNvPr>
+          <p:cNvSpPr txBox="1"/>
+          <p:nvPr/>
+        </p:nvSpPr>
+        <p:spPr>
+          <a:xfrm>
+            <a:off x="3610620" y="938268"/>
+            <a:ext cx="4970760" cy="769441"/>
+          </a:xfrm>
+          <a:prstGeom prst="rect">
+            <a:avLst/>
+          </a:prstGeom>
+          <a:noFill/>
+        </p:spPr>
+        <p:txBody>
+          <a:bodyPr wrap="square" rtlCol="0">
+            <a:spAutoFit/>
+          </a:bodyPr>
+          <a:lstStyle/>
+          <a:p>
+            <a:pPr algn="ctr"/>
+            <a:r>
+              <a:rPr lang="fr-FR" sz="4400" dirty="0">
+                <a:latin typeface="Berlin Sans FB" panose="020E0602020502020306" pitchFamily="34" charset="0"/>
+              </a:rPr>
+              <a:t>Diagramme de bloc</a:t>
+            </a:r>
+          </a:p>
+        </p:txBody>
+      </p:sp>
+      <p:pic>
+        <p:nvPicPr>
+          <p:cNvPr id="15" name="Image 14">
+            <a:extLst>
+              <a:ext uri="{FF2B5EF4-FFF2-40B4-BE49-F238E27FC236}">
+                <a16:creationId xmlns:a16="http://schemas.microsoft.com/office/drawing/2014/main" id="{ACDDD56B-8A8D-4303-BEB8-550D6CEAB7B1}"/>
+              </a:ext>
+            </a:extLst>
+          </p:cNvPr>
+          <p:cNvPicPr>
+            <a:picLocks noChangeAspect="1"/>
+          </p:cNvPicPr>
+          <p:nvPr/>
+        </p:nvPicPr>
+        <p:blipFill>
+          <a:blip r:embed="rId4">
+            <a:extLst>
+              <a:ext uri="{28A0092B-C50C-407E-A947-70E740481C1C}">
+                <a14:useLocalDpi xmlns:a14="http://schemas.microsoft.com/office/drawing/2010/main" val="0"/>
+              </a:ext>
+            </a:extLst>
+          </a:blip>
+          <a:stretch>
+            <a:fillRect/>
+          </a:stretch>
+        </p:blipFill>
+        <p:spPr>
+          <a:xfrm>
+            <a:off x="2880267" y="1778695"/>
+            <a:ext cx="6431465" cy="5089703"/>
+          </a:xfrm>
+          <a:prstGeom prst="rect">
+            <a:avLst/>
+          </a:prstGeom>
+        </p:spPr>
+      </p:pic>
+    </p:spTree>
+    <p:extLst>
+      <p:ext uri="{BB962C8B-B14F-4D97-AF65-F5344CB8AC3E}">
+        <p14:creationId xmlns:p14="http://schemas.microsoft.com/office/powerpoint/2010/main" val="2742150469"/>
       </p:ext>
     </p:extLst>
   </p:cSld>

--- a/oral_projet/revue_2/diaporama_revue_2_willy.pptx
+++ b/oral_projet/revue_2/diaporama_revue_2_willy.pptx
@@ -5,22 +5,21 @@
     <p:sldMasterId id="2147483648" r:id="rId1"/>
   </p:sldMasterIdLst>
   <p:notesMasterIdLst>
-    <p:notesMasterId r:id="rId15"/>
+    <p:notesMasterId r:id="rId14"/>
   </p:notesMasterIdLst>
   <p:sldIdLst>
     <p:sldId id="256" r:id="rId2"/>
     <p:sldId id="259" r:id="rId3"/>
     <p:sldId id="261" r:id="rId4"/>
     <p:sldId id="258" r:id="rId5"/>
-    <p:sldId id="260" r:id="rId6"/>
-    <p:sldId id="262" r:id="rId7"/>
-    <p:sldId id="263" r:id="rId8"/>
-    <p:sldId id="265" r:id="rId9"/>
-    <p:sldId id="264" r:id="rId10"/>
-    <p:sldId id="267" r:id="rId11"/>
-    <p:sldId id="266" r:id="rId12"/>
-    <p:sldId id="268" r:id="rId13"/>
-    <p:sldId id="269" r:id="rId14"/>
+    <p:sldId id="262" r:id="rId6"/>
+    <p:sldId id="263" r:id="rId7"/>
+    <p:sldId id="265" r:id="rId8"/>
+    <p:sldId id="264" r:id="rId9"/>
+    <p:sldId id="267" r:id="rId10"/>
+    <p:sldId id="266" r:id="rId11"/>
+    <p:sldId id="268" r:id="rId12"/>
+    <p:sldId id="269" r:id="rId13"/>
   </p:sldIdLst>
   <p:sldSz cx="12192000" cy="6858000"/>
   <p:notesSz cx="6858000" cy="9144000"/>
@@ -213,7 +212,7 @@
           <a:p>
             <a:fld id="{7BEC4371-174F-4615-858D-8B61BA547698}" type="datetimeFigureOut">
               <a:rPr lang="fr-FR" smtClean="0"/>
-              <a:t>22/02/2018</a:t>
+              <a:t>12/03/2018</a:t>
             </a:fld>
             <a:endParaRPr lang="fr-FR"/>
           </a:p>
@@ -627,7 +626,7 @@
           <a:p>
             <a:fld id="{125942D7-A464-4365-815E-3C7EAFC3F152}" type="datetimeFigureOut">
               <a:rPr lang="fr-FR" smtClean="0"/>
-              <a:t>22/02/2018</a:t>
+              <a:t>12/03/2018</a:t>
             </a:fld>
             <a:endParaRPr lang="fr-FR"/>
           </a:p>
@@ -837,7 +836,7 @@
           <a:p>
             <a:fld id="{125942D7-A464-4365-815E-3C7EAFC3F152}" type="datetimeFigureOut">
               <a:rPr lang="fr-FR" smtClean="0"/>
-              <a:t>22/02/2018</a:t>
+              <a:t>12/03/2018</a:t>
             </a:fld>
             <a:endParaRPr lang="fr-FR"/>
           </a:p>
@@ -1057,7 +1056,7 @@
           <a:p>
             <a:fld id="{125942D7-A464-4365-815E-3C7EAFC3F152}" type="datetimeFigureOut">
               <a:rPr lang="fr-FR" smtClean="0"/>
-              <a:t>22/02/2018</a:t>
+              <a:t>12/03/2018</a:t>
             </a:fld>
             <a:endParaRPr lang="fr-FR"/>
           </a:p>
@@ -1267,7 +1266,7 @@
           <a:p>
             <a:fld id="{125942D7-A464-4365-815E-3C7EAFC3F152}" type="datetimeFigureOut">
               <a:rPr lang="fr-FR" smtClean="0"/>
-              <a:t>22/02/2018</a:t>
+              <a:t>12/03/2018</a:t>
             </a:fld>
             <a:endParaRPr lang="fr-FR"/>
           </a:p>
@@ -1554,7 +1553,7 @@
           <a:p>
             <a:fld id="{125942D7-A464-4365-815E-3C7EAFC3F152}" type="datetimeFigureOut">
               <a:rPr lang="fr-FR" smtClean="0"/>
-              <a:t>22/02/2018</a:t>
+              <a:t>12/03/2018</a:t>
             </a:fld>
             <a:endParaRPr lang="fr-FR"/>
           </a:p>
@@ -1831,7 +1830,7 @@
           <a:p>
             <a:fld id="{125942D7-A464-4365-815E-3C7EAFC3F152}" type="datetimeFigureOut">
               <a:rPr lang="fr-FR" smtClean="0"/>
-              <a:t>22/02/2018</a:t>
+              <a:t>12/03/2018</a:t>
             </a:fld>
             <a:endParaRPr lang="fr-FR"/>
           </a:p>
@@ -2255,7 +2254,7 @@
           <a:p>
             <a:fld id="{125942D7-A464-4365-815E-3C7EAFC3F152}" type="datetimeFigureOut">
               <a:rPr lang="fr-FR" smtClean="0"/>
-              <a:t>22/02/2018</a:t>
+              <a:t>12/03/2018</a:t>
             </a:fld>
             <a:endParaRPr lang="fr-FR"/>
           </a:p>
@@ -2408,7 +2407,7 @@
           <a:p>
             <a:fld id="{125942D7-A464-4365-815E-3C7EAFC3F152}" type="datetimeFigureOut">
               <a:rPr lang="fr-FR" smtClean="0"/>
-              <a:t>22/02/2018</a:t>
+              <a:t>12/03/2018</a:t>
             </a:fld>
             <a:endParaRPr lang="fr-FR"/>
           </a:p>
@@ -2533,7 +2532,7 @@
           <a:p>
             <a:fld id="{125942D7-A464-4365-815E-3C7EAFC3F152}" type="datetimeFigureOut">
               <a:rPr lang="fr-FR" smtClean="0"/>
-              <a:t>22/02/2018</a:t>
+              <a:t>12/03/2018</a:t>
             </a:fld>
             <a:endParaRPr lang="fr-FR"/>
           </a:p>
@@ -2856,7 +2855,7 @@
           <a:p>
             <a:fld id="{125942D7-A464-4365-815E-3C7EAFC3F152}" type="datetimeFigureOut">
               <a:rPr lang="fr-FR" smtClean="0"/>
-              <a:t>22/02/2018</a:t>
+              <a:t>12/03/2018</a:t>
             </a:fld>
             <a:endParaRPr lang="fr-FR"/>
           </a:p>
@@ -3156,7 +3155,7 @@
           <a:p>
             <a:fld id="{125942D7-A464-4365-815E-3C7EAFC3F152}" type="datetimeFigureOut">
               <a:rPr lang="fr-FR" smtClean="0"/>
-              <a:t>22/02/2018</a:t>
+              <a:t>12/03/2018</a:t>
             </a:fld>
             <a:endParaRPr lang="fr-FR"/>
           </a:p>
@@ -3409,7 +3408,7 @@
           <a:p>
             <a:fld id="{125942D7-A464-4365-815E-3C7EAFC3F152}" type="datetimeFigureOut">
               <a:rPr lang="fr-FR" smtClean="0"/>
-              <a:t>22/02/2018</a:t>
+              <a:t>12/03/2018</a:t>
             </a:fld>
             <a:endParaRPr lang="fr-FR"/>
           </a:p>
@@ -4979,8 +4978,8 @@
         </p:nvSpPr>
         <p:spPr>
           <a:xfrm>
-            <a:off x="3256037" y="843147"/>
-            <a:ext cx="5675385" cy="1446550"/>
+            <a:off x="3610620" y="938268"/>
+            <a:ext cx="4970760" cy="769441"/>
           </a:xfrm>
           <a:prstGeom prst="rect">
             <a:avLst/>
@@ -4998,51 +4997,15 @@
               <a:rPr lang="fr-FR" sz="4400" dirty="0">
                 <a:latin typeface="Berlin Sans FB" panose="020E0602020502020306" pitchFamily="34" charset="0"/>
               </a:rPr>
-              <a:t>Schéma structurel de la base de données</a:t>
+              <a:t>Analyse du matériel</a:t>
             </a:r>
           </a:p>
         </p:txBody>
       </p:sp>
-      <p:pic>
-        <p:nvPicPr>
-          <p:cNvPr id="15" name="Image 14">
-            <a:extLst>
-              <a:ext uri="{FF2B5EF4-FFF2-40B4-BE49-F238E27FC236}">
-                <a16:creationId xmlns:a16="http://schemas.microsoft.com/office/drawing/2014/main" id="{1018D798-836D-4828-9B0F-869D22428CDE}"/>
-              </a:ext>
-            </a:extLst>
-          </p:cNvPr>
-          <p:cNvPicPr>
-            <a:picLocks noChangeAspect="1"/>
-          </p:cNvPicPr>
-          <p:nvPr/>
-        </p:nvPicPr>
-        <p:blipFill>
-          <a:blip r:embed="rId4">
-            <a:extLst>
-              <a:ext uri="{28A0092B-C50C-407E-A947-70E740481C1C}">
-                <a14:useLocalDpi xmlns:a14="http://schemas.microsoft.com/office/drawing/2010/main" val="0"/>
-              </a:ext>
-            </a:extLst>
-          </a:blip>
-          <a:stretch>
-            <a:fillRect/>
-          </a:stretch>
-        </p:blipFill>
-        <p:spPr>
-          <a:xfrm>
-            <a:off x="1821230" y="2747392"/>
-            <a:ext cx="8544998" cy="4110608"/>
-          </a:xfrm>
-          <a:prstGeom prst="rect">
-            <a:avLst/>
-          </a:prstGeom>
-        </p:spPr>
-      </p:pic>
     </p:spTree>
     <p:extLst>
       <p:ext uri="{BB962C8B-B14F-4D97-AF65-F5344CB8AC3E}">
-        <p14:creationId xmlns:p14="http://schemas.microsoft.com/office/powerpoint/2010/main" val="3676251933"/>
+        <p14:creationId xmlns:p14="http://schemas.microsoft.com/office/powerpoint/2010/main" val="2874087933"/>
       </p:ext>
     </p:extLst>
   </p:cSld>
@@ -5528,500 +5491,6 @@
               <a:rPr lang="fr-FR" sz="4400" dirty="0">
                 <a:latin typeface="Berlin Sans FB" panose="020E0602020502020306" pitchFamily="34" charset="0"/>
               </a:rPr>
-              <a:t>Analyse du matériel</a:t>
-            </a:r>
-          </a:p>
-        </p:txBody>
-      </p:sp>
-    </p:spTree>
-    <p:extLst>
-      <p:ext uri="{BB962C8B-B14F-4D97-AF65-F5344CB8AC3E}">
-        <p14:creationId xmlns:p14="http://schemas.microsoft.com/office/powerpoint/2010/main" val="2874087933"/>
-      </p:ext>
-    </p:extLst>
-  </p:cSld>
-  <p:clrMapOvr>
-    <a:masterClrMapping/>
-  </p:clrMapOvr>
-  <mc:AlternateContent xmlns:mc="http://schemas.openxmlformats.org/markup-compatibility/2006" xmlns:p14="http://schemas.microsoft.com/office/powerpoint/2010/main">
-    <mc:Choice Requires="p14">
-      <p:transition spd="slow">
-        <p14:reveal/>
-      </p:transition>
-    </mc:Choice>
-    <mc:Fallback xmlns="">
-      <p:transition spd="slow">
-        <p:fade/>
-      </p:transition>
-    </mc:Fallback>
-  </mc:AlternateContent>
-</p:sld>
-</file>
-
-<file path=ppt/slides/slide12.xml><?xml version="1.0" encoding="utf-8"?>
-<p:sld xmlns:a="http://schemas.openxmlformats.org/drawingml/2006/main" xmlns:r="http://schemas.openxmlformats.org/officeDocument/2006/relationships" xmlns:p="http://schemas.openxmlformats.org/presentationml/2006/main">
-  <p:cSld>
-    <p:spTree>
-      <p:nvGrpSpPr>
-        <p:cNvPr id="1" name=""/>
-        <p:cNvGrpSpPr/>
-        <p:nvPr/>
-      </p:nvGrpSpPr>
-      <p:grpSpPr>
-        <a:xfrm>
-          <a:off x="0" y="0"/>
-          <a:ext cx="0" cy="0"/>
-          <a:chOff x="0" y="0"/>
-          <a:chExt cx="0" cy="0"/>
-        </a:xfrm>
-      </p:grpSpPr>
-      <p:pic>
-        <p:nvPicPr>
-          <p:cNvPr id="8" name="Image 7">
-            <a:extLst>
-              <a:ext uri="{FF2B5EF4-FFF2-40B4-BE49-F238E27FC236}">
-                <a16:creationId xmlns:a16="http://schemas.microsoft.com/office/drawing/2014/main" id="{2BB825C5-31DA-4A56-85EA-536DBF510A31}"/>
-              </a:ext>
-            </a:extLst>
-          </p:cNvPr>
-          <p:cNvPicPr>
-            <a:picLocks noChangeAspect="1"/>
-          </p:cNvPicPr>
-          <p:nvPr/>
-        </p:nvPicPr>
-        <p:blipFill>
-          <a:blip r:embed="rId2">
-            <a:extLst>
-              <a:ext uri="{28A0092B-C50C-407E-A947-70E740481C1C}">
-                <a14:useLocalDpi xmlns:a14="http://schemas.microsoft.com/office/drawing/2010/main" val="0"/>
-              </a:ext>
-            </a:extLst>
-          </a:blip>
-          <a:stretch>
-            <a:fillRect/>
-          </a:stretch>
-        </p:blipFill>
-        <p:spPr>
-          <a:xfrm>
-            <a:off x="1068751" y="66457"/>
-            <a:ext cx="1259497" cy="776690"/>
-          </a:xfrm>
-          <a:prstGeom prst="rect">
-            <a:avLst/>
-          </a:prstGeom>
-        </p:spPr>
-      </p:pic>
-      <p:pic>
-        <p:nvPicPr>
-          <p:cNvPr id="10" name="Image 9">
-            <a:extLst>
-              <a:ext uri="{FF2B5EF4-FFF2-40B4-BE49-F238E27FC236}">
-                <a16:creationId xmlns:a16="http://schemas.microsoft.com/office/drawing/2014/main" id="{8EE7436F-49F2-41E0-93E4-D247B4705294}"/>
-              </a:ext>
-            </a:extLst>
-          </p:cNvPr>
-          <p:cNvPicPr>
-            <a:picLocks noChangeAspect="1"/>
-          </p:cNvPicPr>
-          <p:nvPr/>
-        </p:nvPicPr>
-        <p:blipFill>
-          <a:blip r:embed="rId3">
-            <a:extLst>
-              <a:ext uri="{28A0092B-C50C-407E-A947-70E740481C1C}">
-                <a14:useLocalDpi xmlns:a14="http://schemas.microsoft.com/office/drawing/2010/main" val="0"/>
-              </a:ext>
-            </a:extLst>
-          </a:blip>
-          <a:stretch>
-            <a:fillRect/>
-          </a:stretch>
-        </p:blipFill>
-        <p:spPr>
-          <a:xfrm>
-            <a:off x="9681085" y="238153"/>
-            <a:ext cx="1802101" cy="569807"/>
-          </a:xfrm>
-          <a:prstGeom prst="rect">
-            <a:avLst/>
-          </a:prstGeom>
-        </p:spPr>
-      </p:pic>
-      <p:cxnSp>
-        <p:nvCxnSpPr>
-          <p:cNvPr id="16" name="Connecteur droit 15">
-            <a:extLst>
-              <a:ext uri="{FF2B5EF4-FFF2-40B4-BE49-F238E27FC236}">
-                <a16:creationId xmlns:a16="http://schemas.microsoft.com/office/drawing/2014/main" id="{7319284A-BD6F-4A96-8E2B-E0A4B52E53C6}"/>
-              </a:ext>
-            </a:extLst>
-          </p:cNvPr>
-          <p:cNvCxnSpPr>
-            <a:cxnSpLocks/>
-          </p:cNvCxnSpPr>
-          <p:nvPr/>
-        </p:nvCxnSpPr>
-        <p:spPr>
-          <a:xfrm flipV="1">
-            <a:off x="0" y="454803"/>
-            <a:ext cx="738231" cy="1798"/>
-          </a:xfrm>
-          <a:prstGeom prst="line">
-            <a:avLst/>
-          </a:prstGeom>
-        </p:spPr>
-        <p:style>
-          <a:lnRef idx="3">
-            <a:schemeClr val="dk1"/>
-          </a:lnRef>
-          <a:fillRef idx="0">
-            <a:schemeClr val="dk1"/>
-          </a:fillRef>
-          <a:effectRef idx="2">
-            <a:schemeClr val="dk1"/>
-          </a:effectRef>
-          <a:fontRef idx="minor">
-            <a:schemeClr val="tx1"/>
-          </a:fontRef>
-        </p:style>
-      </p:cxnSp>
-      <p:cxnSp>
-        <p:nvCxnSpPr>
-          <p:cNvPr id="20" name="Connecteur droit 19">
-            <a:extLst>
-              <a:ext uri="{FF2B5EF4-FFF2-40B4-BE49-F238E27FC236}">
-                <a16:creationId xmlns:a16="http://schemas.microsoft.com/office/drawing/2014/main" id="{08874CF7-F149-4C81-B61E-74E18342BA8A}"/>
-              </a:ext>
-            </a:extLst>
-          </p:cNvPr>
-          <p:cNvCxnSpPr>
-            <a:cxnSpLocks/>
-          </p:cNvCxnSpPr>
-          <p:nvPr/>
-        </p:nvCxnSpPr>
-        <p:spPr>
-          <a:xfrm>
-            <a:off x="2573222" y="454803"/>
-            <a:ext cx="6829482" cy="10398"/>
-          </a:xfrm>
-          <a:prstGeom prst="line">
-            <a:avLst/>
-          </a:prstGeom>
-        </p:spPr>
-        <p:style>
-          <a:lnRef idx="3">
-            <a:schemeClr val="dk1"/>
-          </a:lnRef>
-          <a:fillRef idx="0">
-            <a:schemeClr val="dk1"/>
-          </a:fillRef>
-          <a:effectRef idx="2">
-            <a:schemeClr val="dk1"/>
-          </a:effectRef>
-          <a:fontRef idx="minor">
-            <a:schemeClr val="tx1"/>
-          </a:fontRef>
-        </p:style>
-      </p:cxnSp>
-      <p:cxnSp>
-        <p:nvCxnSpPr>
-          <p:cNvPr id="26" name="Connecteur droit 25">
-            <a:extLst>
-              <a:ext uri="{FF2B5EF4-FFF2-40B4-BE49-F238E27FC236}">
-                <a16:creationId xmlns:a16="http://schemas.microsoft.com/office/drawing/2014/main" id="{BB3B35CC-057B-48C1-880F-3306A6559175}"/>
-              </a:ext>
-            </a:extLst>
-          </p:cNvPr>
-          <p:cNvCxnSpPr>
-            <a:cxnSpLocks/>
-          </p:cNvCxnSpPr>
-          <p:nvPr/>
-        </p:nvCxnSpPr>
-        <p:spPr>
-          <a:xfrm>
-            <a:off x="738231" y="454803"/>
-            <a:ext cx="344203" cy="484764"/>
-          </a:xfrm>
-          <a:prstGeom prst="line">
-            <a:avLst/>
-          </a:prstGeom>
-        </p:spPr>
-        <p:style>
-          <a:lnRef idx="3">
-            <a:schemeClr val="dk1"/>
-          </a:lnRef>
-          <a:fillRef idx="0">
-            <a:schemeClr val="dk1"/>
-          </a:fillRef>
-          <a:effectRef idx="2">
-            <a:schemeClr val="dk1"/>
-          </a:effectRef>
-          <a:fontRef idx="minor">
-            <a:schemeClr val="tx1"/>
-          </a:fontRef>
-        </p:style>
-      </p:cxnSp>
-      <p:cxnSp>
-        <p:nvCxnSpPr>
-          <p:cNvPr id="32" name="Connecteur droit 31">
-            <a:extLst>
-              <a:ext uri="{FF2B5EF4-FFF2-40B4-BE49-F238E27FC236}">
-                <a16:creationId xmlns:a16="http://schemas.microsoft.com/office/drawing/2014/main" id="{4AD96496-1EB6-4E48-9BB2-5C255495C686}"/>
-              </a:ext>
-            </a:extLst>
-          </p:cNvPr>
-          <p:cNvCxnSpPr>
-            <a:cxnSpLocks/>
-          </p:cNvCxnSpPr>
-          <p:nvPr/>
-        </p:nvCxnSpPr>
-        <p:spPr>
-          <a:xfrm>
-            <a:off x="1082434" y="938268"/>
-            <a:ext cx="1146585" cy="0"/>
-          </a:xfrm>
-          <a:prstGeom prst="line">
-            <a:avLst/>
-          </a:prstGeom>
-        </p:spPr>
-        <p:style>
-          <a:lnRef idx="3">
-            <a:schemeClr val="dk1"/>
-          </a:lnRef>
-          <a:fillRef idx="0">
-            <a:schemeClr val="dk1"/>
-          </a:fillRef>
-          <a:effectRef idx="2">
-            <a:schemeClr val="dk1"/>
-          </a:effectRef>
-          <a:fontRef idx="minor">
-            <a:schemeClr val="tx1"/>
-          </a:fontRef>
-        </p:style>
-      </p:cxnSp>
-      <p:cxnSp>
-        <p:nvCxnSpPr>
-          <p:cNvPr id="51" name="Connecteur droit 50">
-            <a:extLst>
-              <a:ext uri="{FF2B5EF4-FFF2-40B4-BE49-F238E27FC236}">
-                <a16:creationId xmlns:a16="http://schemas.microsoft.com/office/drawing/2014/main" id="{C035BFA6-ECBF-4775-BA81-19D2CA41AA8D}"/>
-              </a:ext>
-            </a:extLst>
-          </p:cNvPr>
-          <p:cNvCxnSpPr>
-            <a:cxnSpLocks/>
-          </p:cNvCxnSpPr>
-          <p:nvPr/>
-        </p:nvCxnSpPr>
-        <p:spPr>
-          <a:xfrm>
-            <a:off x="9402704" y="465201"/>
-            <a:ext cx="344203" cy="495163"/>
-          </a:xfrm>
-          <a:prstGeom prst="line">
-            <a:avLst/>
-          </a:prstGeom>
-        </p:spPr>
-        <p:style>
-          <a:lnRef idx="3">
-            <a:schemeClr val="dk1"/>
-          </a:lnRef>
-          <a:fillRef idx="0">
-            <a:schemeClr val="dk1"/>
-          </a:fillRef>
-          <a:effectRef idx="2">
-            <a:schemeClr val="dk1"/>
-          </a:effectRef>
-          <a:fontRef idx="minor">
-            <a:schemeClr val="tx1"/>
-          </a:fontRef>
-        </p:style>
-      </p:cxnSp>
-      <p:cxnSp>
-        <p:nvCxnSpPr>
-          <p:cNvPr id="52" name="Connecteur droit 51">
-            <a:extLst>
-              <a:ext uri="{FF2B5EF4-FFF2-40B4-BE49-F238E27FC236}">
-                <a16:creationId xmlns:a16="http://schemas.microsoft.com/office/drawing/2014/main" id="{FA310BC7-694B-4984-99A2-61A1F4F6EBF9}"/>
-              </a:ext>
-            </a:extLst>
-          </p:cNvPr>
-          <p:cNvCxnSpPr>
-            <a:cxnSpLocks/>
-          </p:cNvCxnSpPr>
-          <p:nvPr/>
-        </p:nvCxnSpPr>
-        <p:spPr>
-          <a:xfrm flipH="1">
-            <a:off x="11370469" y="448308"/>
-            <a:ext cx="364332" cy="501657"/>
-          </a:xfrm>
-          <a:prstGeom prst="line">
-            <a:avLst/>
-          </a:prstGeom>
-        </p:spPr>
-        <p:style>
-          <a:lnRef idx="3">
-            <a:schemeClr val="dk1"/>
-          </a:lnRef>
-          <a:fillRef idx="0">
-            <a:schemeClr val="dk1"/>
-          </a:fillRef>
-          <a:effectRef idx="2">
-            <a:schemeClr val="dk1"/>
-          </a:effectRef>
-          <a:fontRef idx="minor">
-            <a:schemeClr val="tx1"/>
-          </a:fontRef>
-        </p:style>
-      </p:cxnSp>
-      <p:cxnSp>
-        <p:nvCxnSpPr>
-          <p:cNvPr id="53" name="Connecteur droit 52">
-            <a:extLst>
-              <a:ext uri="{FF2B5EF4-FFF2-40B4-BE49-F238E27FC236}">
-                <a16:creationId xmlns:a16="http://schemas.microsoft.com/office/drawing/2014/main" id="{BE0649BD-EE59-4DDA-960F-95B2572F9F13}"/>
-              </a:ext>
-            </a:extLst>
-          </p:cNvPr>
-          <p:cNvCxnSpPr>
-            <a:cxnSpLocks/>
-          </p:cNvCxnSpPr>
-          <p:nvPr/>
-        </p:nvCxnSpPr>
-        <p:spPr>
-          <a:xfrm>
-            <a:off x="9743203" y="949965"/>
-            <a:ext cx="1627266" cy="0"/>
-          </a:xfrm>
-          <a:prstGeom prst="line">
-            <a:avLst/>
-          </a:prstGeom>
-        </p:spPr>
-        <p:style>
-          <a:lnRef idx="3">
-            <a:schemeClr val="dk1"/>
-          </a:lnRef>
-          <a:fillRef idx="0">
-            <a:schemeClr val="dk1"/>
-          </a:fillRef>
-          <a:effectRef idx="2">
-            <a:schemeClr val="dk1"/>
-          </a:effectRef>
-          <a:fontRef idx="minor">
-            <a:schemeClr val="tx1"/>
-          </a:fontRef>
-        </p:style>
-      </p:cxnSp>
-      <p:cxnSp>
-        <p:nvCxnSpPr>
-          <p:cNvPr id="55" name="Connecteur droit 54">
-            <a:extLst>
-              <a:ext uri="{FF2B5EF4-FFF2-40B4-BE49-F238E27FC236}">
-                <a16:creationId xmlns:a16="http://schemas.microsoft.com/office/drawing/2014/main" id="{52AA9200-DAFA-4EEF-AC13-4C7CE82A59EC}"/>
-              </a:ext>
-            </a:extLst>
-          </p:cNvPr>
-          <p:cNvCxnSpPr>
-            <a:cxnSpLocks/>
-          </p:cNvCxnSpPr>
-          <p:nvPr/>
-        </p:nvCxnSpPr>
-        <p:spPr>
-          <a:xfrm>
-            <a:off x="11715750" y="454801"/>
-            <a:ext cx="476249" cy="10400"/>
-          </a:xfrm>
-          <a:prstGeom prst="line">
-            <a:avLst/>
-          </a:prstGeom>
-        </p:spPr>
-        <p:style>
-          <a:lnRef idx="3">
-            <a:schemeClr val="dk1"/>
-          </a:lnRef>
-          <a:fillRef idx="0">
-            <a:schemeClr val="dk1"/>
-          </a:fillRef>
-          <a:effectRef idx="2">
-            <a:schemeClr val="dk1"/>
-          </a:effectRef>
-          <a:fontRef idx="minor">
-            <a:schemeClr val="tx1"/>
-          </a:fontRef>
-        </p:style>
-      </p:cxnSp>
-      <p:cxnSp>
-        <p:nvCxnSpPr>
-          <p:cNvPr id="23" name="Connecteur droit 22">
-            <a:extLst>
-              <a:ext uri="{FF2B5EF4-FFF2-40B4-BE49-F238E27FC236}">
-                <a16:creationId xmlns:a16="http://schemas.microsoft.com/office/drawing/2014/main" id="{BCB092C8-0080-4E56-957E-0046D4C83988}"/>
-              </a:ext>
-            </a:extLst>
-          </p:cNvPr>
-          <p:cNvCxnSpPr>
-            <a:cxnSpLocks/>
-          </p:cNvCxnSpPr>
-          <p:nvPr/>
-        </p:nvCxnSpPr>
-        <p:spPr>
-          <a:xfrm flipH="1">
-            <a:off x="2216372" y="446356"/>
-            <a:ext cx="364332" cy="501657"/>
-          </a:xfrm>
-          <a:prstGeom prst="line">
-            <a:avLst/>
-          </a:prstGeom>
-        </p:spPr>
-        <p:style>
-          <a:lnRef idx="3">
-            <a:schemeClr val="dk1"/>
-          </a:lnRef>
-          <a:fillRef idx="0">
-            <a:schemeClr val="dk1"/>
-          </a:fillRef>
-          <a:effectRef idx="2">
-            <a:schemeClr val="dk1"/>
-          </a:effectRef>
-          <a:fontRef idx="minor">
-            <a:schemeClr val="tx1"/>
-          </a:fontRef>
-        </p:style>
-      </p:cxnSp>
-      <p:sp>
-        <p:nvSpPr>
-          <p:cNvPr id="9" name="ZoneTexte 8">
-            <a:extLst>
-              <a:ext uri="{FF2B5EF4-FFF2-40B4-BE49-F238E27FC236}">
-                <a16:creationId xmlns:a16="http://schemas.microsoft.com/office/drawing/2014/main" id="{82010251-0AD2-4DAA-8E6B-7CA6A2301A9E}"/>
-              </a:ext>
-            </a:extLst>
-          </p:cNvPr>
-          <p:cNvSpPr txBox="1"/>
-          <p:nvPr/>
-        </p:nvSpPr>
-        <p:spPr>
-          <a:xfrm>
-            <a:off x="3610620" y="938268"/>
-            <a:ext cx="4970760" cy="769441"/>
-          </a:xfrm>
-          <a:prstGeom prst="rect">
-            <a:avLst/>
-          </a:prstGeom>
-          <a:noFill/>
-        </p:spPr>
-        <p:txBody>
-          <a:bodyPr wrap="square" rtlCol="0">
-            <a:spAutoFit/>
-          </a:bodyPr>
-          <a:lstStyle/>
-          <a:p>
-            <a:pPr algn="ctr"/>
-            <a:r>
-              <a:rPr lang="fr-FR" sz="4400" dirty="0">
-                <a:latin typeface="Berlin Sans FB" panose="020E0602020502020306" pitchFamily="34" charset="0"/>
-              </a:rPr>
               <a:t>Solutions trouvées</a:t>
             </a:r>
           </a:p>
@@ -6052,7 +5521,7 @@
 </p:sld>
 </file>
 
-<file path=ppt/slides/slide13.xml><?xml version="1.0" encoding="utf-8"?>
+<file path=ppt/slides/slide12.xml><?xml version="1.0" encoding="utf-8"?>
 <p:sld xmlns:a="http://schemas.openxmlformats.org/drawingml/2006/main" xmlns:r="http://schemas.openxmlformats.org/officeDocument/2006/relationships" xmlns:p="http://schemas.openxmlformats.org/presentationml/2006/main">
   <p:cSld>
     <p:spTree>
@@ -7430,17 +6899,8 @@
               <a:rPr lang="fr-FR" i="1" dirty="0">
                 <a:latin typeface="+mj-lt"/>
               </a:rPr>
-              <a:t>Le Groupe Olivier est spécialisé dans la production de tomates et concombres sous serres en verre dans la région nantaise à Haute-Goulaine </a:t>
+              <a:t>Le Groupe Olivier est spécialisé dans la production de tomates et concombres sous serres en verre dans la région nantaise à Haute-Goulaine et Saint-Julien-de-Concelles.</a:t>
             </a:r>
-            <a:r>
-              <a:rPr lang="fr-FR" i="1">
-                <a:latin typeface="+mj-lt"/>
-              </a:rPr>
-              <a:t>et Saint-Julien-de-Concelles.</a:t>
-            </a:r>
-            <a:endParaRPr lang="fr-FR" i="1" dirty="0">
-              <a:latin typeface="+mj-lt"/>
-            </a:endParaRPr>
           </a:p>
         </p:txBody>
       </p:sp>
@@ -9215,7 +8675,7 @@
         <p:spPr>
           <a:xfrm>
             <a:off x="1535363" y="2631960"/>
-            <a:ext cx="2695434" cy="1754326"/>
+            <a:ext cx="2762616" cy="1569660"/>
           </a:xfrm>
           <a:prstGeom prst="rect">
             <a:avLst/>
@@ -9234,14 +8694,48 @@
             </a:r>
           </a:p>
           <a:p>
-            <a:endParaRPr lang="fr-FR" dirty="0"/>
-          </a:p>
-          <a:p>
+            <a:pPr marL="285750" indent="-285750">
+              <a:buFontTx/>
+              <a:buChar char="-"/>
+            </a:pPr>
             <a:r>
-              <a:rPr lang="fr-FR" dirty="0">
+              <a:rPr lang="fr-FR" sz="1400" i="1" dirty="0">
                 <a:latin typeface="+mj-lt"/>
               </a:rPr>
-              <a:t>Partie rapsberry acquisition</a:t>
+              <a:t>Partie </a:t>
+            </a:r>
+            <a:r>
+              <a:rPr lang="fr-FR" sz="1400" i="1" dirty="0" err="1">
+                <a:latin typeface="+mj-lt"/>
+              </a:rPr>
+              <a:t>Rapsberry</a:t>
+            </a:r>
+            <a:endParaRPr lang="fr-FR" sz="1400" i="1" dirty="0">
+              <a:latin typeface="+mj-lt"/>
+            </a:endParaRPr>
+          </a:p>
+          <a:p>
+            <a:pPr marL="285750" indent="-285750">
+              <a:buFontTx/>
+              <a:buChar char="-"/>
+            </a:pPr>
+            <a:r>
+              <a:rPr lang="fr-FR" sz="1400" i="1" dirty="0">
+                <a:latin typeface="+mj-lt"/>
+              </a:rPr>
+              <a:t>Acquisition mesures liés au vent</a:t>
+            </a:r>
+          </a:p>
+          <a:p>
+            <a:pPr marL="285750" indent="-285750">
+              <a:buFontTx/>
+              <a:buChar char="-"/>
+            </a:pPr>
+            <a:r>
+              <a:rPr lang="fr-FR" sz="1400" i="1" dirty="0">
+                <a:latin typeface="+mj-lt"/>
+              </a:rPr>
+              <a:t>Définir périodicité du système</a:t>
             </a:r>
           </a:p>
           <a:p>
@@ -9254,10 +8748,10 @@
       </p:sp>
       <p:pic>
         <p:nvPicPr>
-          <p:cNvPr id="5" name="Graphique 4" descr="Homme">
-            <a:extLst>
-              <a:ext uri="{FF2B5EF4-FFF2-40B4-BE49-F238E27FC236}">
-                <a16:creationId xmlns:a16="http://schemas.microsoft.com/office/drawing/2014/main" id="{5D686FEC-E0C7-47CC-8656-80B2ECA6AD95}"/>
+          <p:cNvPr id="27" name="Image 26" descr="Une image contenant moniteur, intérieur, assis, équipement électronique&#10;&#10;Description générée avec un niveau de confiance élevé">
+            <a:extLst>
+              <a:ext uri="{FF2B5EF4-FFF2-40B4-BE49-F238E27FC236}">
+                <a16:creationId xmlns:a16="http://schemas.microsoft.com/office/drawing/2014/main" id="{B6EC8198-D126-44D7-8F4B-D3D9110D7FC4}"/>
               </a:ext>
             </a:extLst>
           </p:cNvPr>
@@ -9271,9 +8765,6 @@
             <a:extLst>
               <a:ext uri="{28A0092B-C50C-407E-A947-70E740481C1C}">
                 <a14:useLocalDpi xmlns:a14="http://schemas.microsoft.com/office/drawing/2010/main" val="0"/>
-              </a:ext>
-              <a:ext uri="{96DAC541-7B7A-43D3-8B79-37D633B846F1}">
-                <asvg:svgBlip xmlns:asvg="http://schemas.microsoft.com/office/drawing/2016/SVG/main" r:embed="rId5"/>
               </a:ext>
             </a:extLst>
           </a:blip>
@@ -9283,8 +8774,8 @@
         </p:blipFill>
         <p:spPr>
           <a:xfrm>
-            <a:off x="659594" y="2450741"/>
-            <a:ext cx="914400" cy="914400"/>
+            <a:off x="4302823" y="4445329"/>
+            <a:ext cx="729950" cy="729950"/>
           </a:xfrm>
           <a:prstGeom prst="rect">
             <a:avLst/>
@@ -9293,10 +8784,10 @@
       </p:pic>
       <p:pic>
         <p:nvPicPr>
-          <p:cNvPr id="7" name="Graphique 6" descr="Homme">
-            <a:extLst>
-              <a:ext uri="{FF2B5EF4-FFF2-40B4-BE49-F238E27FC236}">
-                <a16:creationId xmlns:a16="http://schemas.microsoft.com/office/drawing/2014/main" id="{3F1DAEDE-C978-4A30-ADE4-E1C09F165B74}"/>
+          <p:cNvPr id="29" name="Image 28">
+            <a:extLst>
+              <a:ext uri="{FF2B5EF4-FFF2-40B4-BE49-F238E27FC236}">
+                <a16:creationId xmlns:a16="http://schemas.microsoft.com/office/drawing/2014/main" id="{A30184B6-9240-4D20-B2A0-857E1B72DC81}"/>
               </a:ext>
             </a:extLst>
           </p:cNvPr>
@@ -9306,13 +8797,10 @@
           <p:nvPr/>
         </p:nvPicPr>
         <p:blipFill>
-          <a:blip r:embed="rId4">
+          <a:blip r:embed="rId5">
             <a:extLst>
               <a:ext uri="{28A0092B-C50C-407E-A947-70E740481C1C}">
                 <a14:useLocalDpi xmlns:a14="http://schemas.microsoft.com/office/drawing/2010/main" val="0"/>
-              </a:ext>
-              <a:ext uri="{96DAC541-7B7A-43D3-8B79-37D633B846F1}">
-                <asvg:svgBlip xmlns:asvg="http://schemas.microsoft.com/office/drawing/2016/SVG/main" r:embed="rId5"/>
               </a:ext>
             </a:extLst>
           </a:blip>
@@ -9322,8 +8810,8 @@
         </p:blipFill>
         <p:spPr>
           <a:xfrm>
-            <a:off x="7771829" y="2450741"/>
-            <a:ext cx="914400" cy="914400"/>
+            <a:off x="10487978" y="4345850"/>
+            <a:ext cx="715646" cy="715646"/>
           </a:xfrm>
           <a:prstGeom prst="rect">
             <a:avLst/>
@@ -9332,10 +8820,10 @@
       </p:pic>
       <p:pic>
         <p:nvPicPr>
-          <p:cNvPr id="11" name="Graphique 10" descr="Homme">
-            <a:extLst>
-              <a:ext uri="{FF2B5EF4-FFF2-40B4-BE49-F238E27FC236}">
-                <a16:creationId xmlns:a16="http://schemas.microsoft.com/office/drawing/2014/main" id="{3D1F2BD8-2A52-4A51-B903-B49EC1DF010D}"/>
+          <p:cNvPr id="31" name="Image 30">
+            <a:extLst>
+              <a:ext uri="{FF2B5EF4-FFF2-40B4-BE49-F238E27FC236}">
+                <a16:creationId xmlns:a16="http://schemas.microsoft.com/office/drawing/2014/main" id="{61AE4316-C586-49EC-B2DB-6F52702C83C5}"/>
               </a:ext>
             </a:extLst>
           </p:cNvPr>
@@ -9345,13 +8833,10 @@
           <p:nvPr/>
         </p:nvPicPr>
         <p:blipFill>
-          <a:blip r:embed="rId4">
+          <a:blip r:embed="rId6">
             <a:extLst>
               <a:ext uri="{28A0092B-C50C-407E-A947-70E740481C1C}">
                 <a14:useLocalDpi xmlns:a14="http://schemas.microsoft.com/office/drawing/2010/main" val="0"/>
-              </a:ext>
-              <a:ext uri="{96DAC541-7B7A-43D3-8B79-37D633B846F1}">
-                <asvg:svgBlip xmlns:asvg="http://schemas.microsoft.com/office/drawing/2016/SVG/main" r:embed="rId5"/>
               </a:ext>
             </a:extLst>
           </a:blip>
@@ -9361,8 +8846,8 @@
         </p:blipFill>
         <p:spPr>
           <a:xfrm>
-            <a:off x="659594" y="4718079"/>
-            <a:ext cx="914400" cy="914400"/>
+            <a:off x="4297979" y="2742578"/>
+            <a:ext cx="729950" cy="729950"/>
           </a:xfrm>
           <a:prstGeom prst="rect">
             <a:avLst/>
@@ -9371,10 +8856,10 @@
       </p:pic>
       <p:pic>
         <p:nvPicPr>
-          <p:cNvPr id="13" name="Graphique 12" descr="Homme">
-            <a:extLst>
-              <a:ext uri="{FF2B5EF4-FFF2-40B4-BE49-F238E27FC236}">
-                <a16:creationId xmlns:a16="http://schemas.microsoft.com/office/drawing/2014/main" id="{496E86E9-0365-4241-B0E0-3139B1B41DA9}"/>
+          <p:cNvPr id="33" name="Image 32">
+            <a:extLst>
+              <a:ext uri="{FF2B5EF4-FFF2-40B4-BE49-F238E27FC236}">
+                <a16:creationId xmlns:a16="http://schemas.microsoft.com/office/drawing/2014/main" id="{73EEA239-206F-481C-B216-8B7BC114274A}"/>
               </a:ext>
             </a:extLst>
           </p:cNvPr>
@@ -9384,13 +8869,10 @@
           <p:nvPr/>
         </p:nvPicPr>
         <p:blipFill>
-          <a:blip r:embed="rId4">
+          <a:blip r:embed="rId7">
             <a:extLst>
               <a:ext uri="{28A0092B-C50C-407E-A947-70E740481C1C}">
                 <a14:useLocalDpi xmlns:a14="http://schemas.microsoft.com/office/drawing/2010/main" val="0"/>
-              </a:ext>
-              <a:ext uri="{96DAC541-7B7A-43D3-8B79-37D633B846F1}">
-                <asvg:svgBlip xmlns:asvg="http://schemas.microsoft.com/office/drawing/2016/SVG/main" r:embed="rId5"/>
               </a:ext>
             </a:extLst>
           </a:blip>
@@ -9400,8 +8882,44 @@
         </p:blipFill>
         <p:spPr>
           <a:xfrm>
-            <a:off x="7949111" y="4718079"/>
-            <a:ext cx="914400" cy="914400"/>
+            <a:off x="10406492" y="2756882"/>
+            <a:ext cx="715646" cy="715646"/>
+          </a:xfrm>
+          <a:prstGeom prst="rect">
+            <a:avLst/>
+          </a:prstGeom>
+        </p:spPr>
+      </p:pic>
+      <p:pic>
+        <p:nvPicPr>
+          <p:cNvPr id="6" name="Image 5">
+            <a:extLst>
+              <a:ext uri="{FF2B5EF4-FFF2-40B4-BE49-F238E27FC236}">
+                <a16:creationId xmlns:a16="http://schemas.microsoft.com/office/drawing/2014/main" id="{C40E300C-5B9E-46CD-8F02-DB2B81C56099}"/>
+              </a:ext>
+            </a:extLst>
+          </p:cNvPr>
+          <p:cNvPicPr>
+            <a:picLocks noChangeAspect="1"/>
+          </p:cNvPicPr>
+          <p:nvPr/>
+        </p:nvPicPr>
+        <p:blipFill>
+          <a:blip r:embed="rId8">
+            <a:extLst>
+              <a:ext uri="{28A0092B-C50C-407E-A947-70E740481C1C}">
+                <a14:useLocalDpi xmlns:a14="http://schemas.microsoft.com/office/drawing/2010/main" val="0"/>
+              </a:ext>
+            </a:extLst>
+          </a:blip>
+          <a:stretch>
+            <a:fillRect/>
+          </a:stretch>
+        </p:blipFill>
+        <p:spPr>
+          <a:xfrm>
+            <a:off x="738231" y="2527094"/>
+            <a:ext cx="811516" cy="811516"/>
           </a:xfrm>
           <a:prstGeom prst="rect">
             <a:avLst/>
@@ -9410,10 +8928,10 @@
       </p:pic>
       <p:sp>
         <p:nvSpPr>
-          <p:cNvPr id="14" name="ZoneTexte 13">
-            <a:extLst>
-              <a:ext uri="{FF2B5EF4-FFF2-40B4-BE49-F238E27FC236}">
-                <a16:creationId xmlns:a16="http://schemas.microsoft.com/office/drawing/2014/main" id="{863FAC4E-CD11-44F8-9555-8D34A7409E4A}"/>
+          <p:cNvPr id="28" name="ZoneTexte 27">
+            <a:extLst>
+              <a:ext uri="{FF2B5EF4-FFF2-40B4-BE49-F238E27FC236}">
+                <a16:creationId xmlns:a16="http://schemas.microsoft.com/office/drawing/2014/main" id="{D97B42E2-5F5B-458F-906E-0C34B5B8D0D5}"/>
               </a:ext>
             </a:extLst>
           </p:cNvPr>
@@ -9422,8 +8940,8 @@
         </p:nvSpPr>
         <p:spPr>
           <a:xfrm>
-            <a:off x="1530346" y="4852113"/>
-            <a:ext cx="2434177" cy="1200329"/>
+            <a:off x="1535363" y="4355192"/>
+            <a:ext cx="2695434" cy="1292662"/>
           </a:xfrm>
           <a:prstGeom prst="rect">
             <a:avLst/>
@@ -9438,28 +8956,89 @@
           <a:p>
             <a:r>
               <a:rPr lang="fr-FR" dirty="0"/>
-              <a:t>Etudiant 2 : Willy </a:t>
+              <a:t>Etudiant 2 : Willy</a:t>
             </a:r>
           </a:p>
           <a:p>
-            <a:endParaRPr lang="fr-FR" dirty="0"/>
-          </a:p>
-          <a:p>
+            <a:pPr marL="285750" indent="-285750">
+              <a:buFontTx/>
+              <a:buChar char="-"/>
+            </a:pPr>
             <a:r>
-              <a:rPr lang="fr-FR" dirty="0">
+              <a:rPr lang="fr-FR" sz="1400" i="1" dirty="0">
                 <a:latin typeface="+mj-lt"/>
               </a:rPr>
-              <a:t>Partie Web avec Netbeans</a:t>
+              <a:t>Partie Web </a:t>
             </a:r>
+          </a:p>
+          <a:p>
+            <a:r>
+              <a:rPr lang="fr-FR" sz="1400" i="1" dirty="0">
+                <a:latin typeface="+mj-lt"/>
+              </a:rPr>
+              <a:t>          • Evolution des données</a:t>
+            </a:r>
+          </a:p>
+          <a:p>
+            <a:pPr marL="285750" indent="-285750">
+              <a:buFontTx/>
+              <a:buChar char="-"/>
+            </a:pPr>
+            <a:r>
+              <a:rPr lang="fr-FR" sz="1400" i="1" dirty="0">
+                <a:latin typeface="+mj-lt"/>
+              </a:rPr>
+              <a:t>Acquisition intensité lumineuse</a:t>
+            </a:r>
+            <a:endParaRPr lang="fr-FR" dirty="0"/>
+          </a:p>
+          <a:p>
+            <a:endParaRPr lang="fr-FR" dirty="0"/>
           </a:p>
         </p:txBody>
       </p:sp>
+      <p:pic>
+        <p:nvPicPr>
+          <p:cNvPr id="30" name="Image 29">
+            <a:extLst>
+              <a:ext uri="{FF2B5EF4-FFF2-40B4-BE49-F238E27FC236}">
+                <a16:creationId xmlns:a16="http://schemas.microsoft.com/office/drawing/2014/main" id="{F9BF22F9-DF11-45FB-95F0-E7620A431DFE}"/>
+              </a:ext>
+            </a:extLst>
+          </p:cNvPr>
+          <p:cNvPicPr>
+            <a:picLocks noChangeAspect="1"/>
+          </p:cNvPicPr>
+          <p:nvPr/>
+        </p:nvPicPr>
+        <p:blipFill>
+          <a:blip r:embed="rId8">
+            <a:extLst>
+              <a:ext uri="{28A0092B-C50C-407E-A947-70E740481C1C}">
+                <a14:useLocalDpi xmlns:a14="http://schemas.microsoft.com/office/drawing/2010/main" val="0"/>
+              </a:ext>
+            </a:extLst>
+          </a:blip>
+          <a:stretch>
+            <a:fillRect/>
+          </a:stretch>
+        </p:blipFill>
+        <p:spPr>
+          <a:xfrm>
+            <a:off x="738231" y="4250326"/>
+            <a:ext cx="811516" cy="811516"/>
+          </a:xfrm>
+          <a:prstGeom prst="rect">
+            <a:avLst/>
+          </a:prstGeom>
+        </p:spPr>
+      </p:pic>
       <p:sp>
         <p:nvSpPr>
-          <p:cNvPr id="15" name="ZoneTexte 14">
-            <a:extLst>
-              <a:ext uri="{FF2B5EF4-FFF2-40B4-BE49-F238E27FC236}">
-                <a16:creationId xmlns:a16="http://schemas.microsoft.com/office/drawing/2014/main" id="{7FF94F4B-10E1-4E4D-AD68-D90A8EAAB109}"/>
+          <p:cNvPr id="34" name="ZoneTexte 33">
+            <a:extLst>
+              <a:ext uri="{FF2B5EF4-FFF2-40B4-BE49-F238E27FC236}">
+                <a16:creationId xmlns:a16="http://schemas.microsoft.com/office/drawing/2014/main" id="{E6A89FF3-B47E-4E3A-AA1A-F6F8BE8EE86E}"/>
               </a:ext>
             </a:extLst>
           </p:cNvPr>
@@ -9468,8 +9047,8 @@
         </p:nvSpPr>
         <p:spPr>
           <a:xfrm>
-            <a:off x="8686229" y="2595365"/>
-            <a:ext cx="2404188" cy="1754326"/>
+            <a:off x="7711058" y="2742578"/>
+            <a:ext cx="2695434" cy="1292662"/>
           </a:xfrm>
           <a:prstGeom prst="rect">
             <a:avLst/>
@@ -9488,17 +9067,36 @@
             </a:r>
           </a:p>
           <a:p>
-            <a:endParaRPr lang="fr-FR" dirty="0"/>
-          </a:p>
-          <a:p>
+            <a:pPr marL="285750" indent="-285750">
+              <a:buFontTx/>
+              <a:buChar char="-"/>
+            </a:pPr>
             <a:r>
-              <a:rPr lang="fr-FR" dirty="0">
+              <a:rPr lang="fr-FR" sz="1400" i="1" dirty="0">
                 <a:latin typeface="+mj-lt"/>
               </a:rPr>
-              <a:t>Partie BDD avec le serveur Wamp</a:t>
+              <a:t>Partie Web </a:t>
             </a:r>
           </a:p>
           <a:p>
+            <a:r>
+              <a:rPr lang="fr-FR" sz="1400" i="1" dirty="0">
+                <a:latin typeface="+mj-lt"/>
+              </a:rPr>
+              <a:t>          • Visualisation des données </a:t>
+            </a:r>
+          </a:p>
+          <a:p>
+            <a:pPr marL="285750" indent="-285750">
+              <a:buFontTx/>
+              <a:buChar char="-"/>
+            </a:pPr>
+            <a:r>
+              <a:rPr lang="fr-FR" sz="1400" i="1" dirty="0">
+                <a:latin typeface="+mj-lt"/>
+              </a:rPr>
+              <a:t>Acquisition température</a:t>
+            </a:r>
             <a:endParaRPr lang="fr-FR" dirty="0"/>
           </a:p>
           <a:p>
@@ -9506,12 +9104,48 @@
           </a:p>
         </p:txBody>
       </p:sp>
+      <p:pic>
+        <p:nvPicPr>
+          <p:cNvPr id="35" name="Image 34">
+            <a:extLst>
+              <a:ext uri="{FF2B5EF4-FFF2-40B4-BE49-F238E27FC236}">
+                <a16:creationId xmlns:a16="http://schemas.microsoft.com/office/drawing/2014/main" id="{12D64D40-4F4B-4953-B737-FD79F9654959}"/>
+              </a:ext>
+            </a:extLst>
+          </p:cNvPr>
+          <p:cNvPicPr>
+            <a:picLocks noChangeAspect="1"/>
+          </p:cNvPicPr>
+          <p:nvPr/>
+        </p:nvPicPr>
+        <p:blipFill>
+          <a:blip r:embed="rId8">
+            <a:extLst>
+              <a:ext uri="{28A0092B-C50C-407E-A947-70E740481C1C}">
+                <a14:useLocalDpi xmlns:a14="http://schemas.microsoft.com/office/drawing/2010/main" val="0"/>
+              </a:ext>
+            </a:extLst>
+          </a:blip>
+          <a:stretch>
+            <a:fillRect/>
+          </a:stretch>
+        </p:blipFill>
+        <p:spPr>
+          <a:xfrm>
+            <a:off x="6913926" y="2637712"/>
+            <a:ext cx="811516" cy="811516"/>
+          </a:xfrm>
+          <a:prstGeom prst="rect">
+            <a:avLst/>
+          </a:prstGeom>
+        </p:spPr>
+      </p:pic>
       <p:sp>
         <p:nvSpPr>
-          <p:cNvPr id="17" name="ZoneTexte 16">
-            <a:extLst>
-              <a:ext uri="{FF2B5EF4-FFF2-40B4-BE49-F238E27FC236}">
-                <a16:creationId xmlns:a16="http://schemas.microsoft.com/office/drawing/2014/main" id="{6832ED2D-AB77-4E11-94A7-1ABB51FE6ACA}"/>
+          <p:cNvPr id="36" name="ZoneTexte 35">
+            <a:extLst>
+              <a:ext uri="{FF2B5EF4-FFF2-40B4-BE49-F238E27FC236}">
+                <a16:creationId xmlns:a16="http://schemas.microsoft.com/office/drawing/2014/main" id="{42FEE047-3FD8-4314-93BC-7C54E20B71B7}"/>
               </a:ext>
             </a:extLst>
           </p:cNvPr>
@@ -9520,8 +9154,8 @@
         </p:nvSpPr>
         <p:spPr>
           <a:xfrm>
-            <a:off x="8686229" y="4827528"/>
-            <a:ext cx="2633906" cy="1200329"/>
+            <a:off x="7711058" y="4354846"/>
+            <a:ext cx="2776920" cy="1292662"/>
           </a:xfrm>
           <a:prstGeom prst="rect">
             <a:avLst/>
@@ -9540,24 +9174,49 @@
             </a:r>
           </a:p>
           <a:p>
-            <a:endParaRPr lang="fr-FR" dirty="0"/>
-          </a:p>
-          <a:p>
+            <a:pPr marL="285750" indent="-285750">
+              <a:buFontTx/>
+              <a:buChar char="-"/>
+            </a:pPr>
             <a:r>
-              <a:rPr lang="fr-FR" dirty="0">
+              <a:rPr lang="fr-FR" sz="1400" i="1" dirty="0">
                 <a:latin typeface="+mj-lt"/>
               </a:rPr>
-              <a:t>Partie Application androïd avec androïd studio</a:t>
+              <a:t>Partie Android</a:t>
             </a:r>
+          </a:p>
+          <a:p>
+            <a:r>
+              <a:rPr lang="fr-FR" sz="1400" i="1" dirty="0">
+                <a:latin typeface="+mj-lt"/>
+              </a:rPr>
+              <a:t>          • Visualisation état de la serre </a:t>
+            </a:r>
+          </a:p>
+          <a:p>
+            <a:pPr marL="285750" indent="-285750">
+              <a:buFontTx/>
+              <a:buChar char="-"/>
+            </a:pPr>
+            <a:r>
+              <a:rPr lang="fr-FR" sz="1400" i="1" dirty="0">
+                <a:latin typeface="+mj-lt"/>
+              </a:rPr>
+              <a:t>Acquisition de l’hydrométrie</a:t>
+            </a:r>
+            <a:endParaRPr lang="fr-FR" dirty="0"/>
+          </a:p>
+          <a:p>
+            <a:endParaRPr lang="fr-FR" dirty="0"/>
           </a:p>
         </p:txBody>
       </p:sp>
       <p:pic>
         <p:nvPicPr>
-          <p:cNvPr id="27" name="Image 26" descr="Une image contenant moniteur, intérieur, assis, équipement électronique&#10;&#10;Description générée avec un niveau de confiance élevé">
-            <a:extLst>
-              <a:ext uri="{FF2B5EF4-FFF2-40B4-BE49-F238E27FC236}">
-                <a16:creationId xmlns:a16="http://schemas.microsoft.com/office/drawing/2014/main" id="{B6EC8198-D126-44D7-8F4B-D3D9110D7FC4}"/>
+          <p:cNvPr id="37" name="Image 36">
+            <a:extLst>
+              <a:ext uri="{FF2B5EF4-FFF2-40B4-BE49-F238E27FC236}">
+                <a16:creationId xmlns:a16="http://schemas.microsoft.com/office/drawing/2014/main" id="{33B0B581-527E-41FD-B522-718BBFC1CC73}"/>
               </a:ext>
             </a:extLst>
           </p:cNvPr>
@@ -9567,7 +9226,7 @@
           <p:nvPr/>
         </p:nvPicPr>
         <p:blipFill>
-          <a:blip r:embed="rId6">
+          <a:blip r:embed="rId8">
             <a:extLst>
               <a:ext uri="{28A0092B-C50C-407E-A947-70E740481C1C}">
                 <a14:useLocalDpi xmlns:a14="http://schemas.microsoft.com/office/drawing/2010/main" val="0"/>
@@ -9580,116 +9239,8 @@
         </p:blipFill>
         <p:spPr>
           <a:xfrm>
-            <a:off x="3534664" y="4929819"/>
-            <a:ext cx="885508" cy="885508"/>
-          </a:xfrm>
-          <a:prstGeom prst="rect">
-            <a:avLst/>
-          </a:prstGeom>
-        </p:spPr>
-      </p:pic>
-      <p:pic>
-        <p:nvPicPr>
-          <p:cNvPr id="29" name="Image 28">
-            <a:extLst>
-              <a:ext uri="{FF2B5EF4-FFF2-40B4-BE49-F238E27FC236}">
-                <a16:creationId xmlns:a16="http://schemas.microsoft.com/office/drawing/2014/main" id="{A30184B6-9240-4D20-B2A0-857E1B72DC81}"/>
-              </a:ext>
-            </a:extLst>
-          </p:cNvPr>
-          <p:cNvPicPr>
-            <a:picLocks noChangeAspect="1"/>
-          </p:cNvPicPr>
-          <p:nvPr/>
-        </p:nvPicPr>
-        <p:blipFill>
-          <a:blip r:embed="rId7">
-            <a:extLst>
-              <a:ext uri="{28A0092B-C50C-407E-A947-70E740481C1C}">
-                <a14:useLocalDpi xmlns:a14="http://schemas.microsoft.com/office/drawing/2010/main" val="0"/>
-              </a:ext>
-            </a:extLst>
-          </a:blip>
-          <a:stretch>
-            <a:fillRect/>
-          </a:stretch>
-        </p:blipFill>
-        <p:spPr>
-          <a:xfrm>
-            <a:off x="7304766" y="4980237"/>
-            <a:ext cx="715646" cy="715646"/>
-          </a:xfrm>
-          <a:prstGeom prst="rect">
-            <a:avLst/>
-          </a:prstGeom>
-        </p:spPr>
-      </p:pic>
-      <p:pic>
-        <p:nvPicPr>
-          <p:cNvPr id="31" name="Image 30">
-            <a:extLst>
-              <a:ext uri="{FF2B5EF4-FFF2-40B4-BE49-F238E27FC236}">
-                <a16:creationId xmlns:a16="http://schemas.microsoft.com/office/drawing/2014/main" id="{61AE4316-C586-49EC-B2DB-6F52702C83C5}"/>
-              </a:ext>
-            </a:extLst>
-          </p:cNvPr>
-          <p:cNvPicPr>
-            <a:picLocks noChangeAspect="1"/>
-          </p:cNvPicPr>
-          <p:nvPr/>
-        </p:nvPicPr>
-        <p:blipFill>
-          <a:blip r:embed="rId8">
-            <a:extLst>
-              <a:ext uri="{28A0092B-C50C-407E-A947-70E740481C1C}">
-                <a14:useLocalDpi xmlns:a14="http://schemas.microsoft.com/office/drawing/2010/main" val="0"/>
-              </a:ext>
-            </a:extLst>
-          </a:blip>
-          <a:stretch>
-            <a:fillRect/>
-          </a:stretch>
-        </p:blipFill>
-        <p:spPr>
-          <a:xfrm>
-            <a:off x="3690222" y="2742578"/>
-            <a:ext cx="729950" cy="729950"/>
-          </a:xfrm>
-          <a:prstGeom prst="rect">
-            <a:avLst/>
-          </a:prstGeom>
-        </p:spPr>
-      </p:pic>
-      <p:pic>
-        <p:nvPicPr>
-          <p:cNvPr id="33" name="Image 32">
-            <a:extLst>
-              <a:ext uri="{FF2B5EF4-FFF2-40B4-BE49-F238E27FC236}">
-                <a16:creationId xmlns:a16="http://schemas.microsoft.com/office/drawing/2014/main" id="{73EEA239-206F-481C-B216-8B7BC114274A}"/>
-              </a:ext>
-            </a:extLst>
-          </p:cNvPr>
-          <p:cNvPicPr>
-            <a:picLocks noChangeAspect="1"/>
-          </p:cNvPicPr>
-          <p:nvPr/>
-        </p:nvPicPr>
-        <p:blipFill>
-          <a:blip r:embed="rId9">
-            <a:extLst>
-              <a:ext uri="{28A0092B-C50C-407E-A947-70E740481C1C}">
-                <a14:useLocalDpi xmlns:a14="http://schemas.microsoft.com/office/drawing/2010/main" val="0"/>
-              </a:ext>
-            </a:extLst>
-          </a:blip>
-          <a:stretch>
-            <a:fillRect/>
-          </a:stretch>
-        </p:blipFill>
-        <p:spPr>
-          <a:xfrm>
-            <a:off x="7056183" y="2631960"/>
-            <a:ext cx="715646" cy="715646"/>
+            <a:off x="6913926" y="4249980"/>
+            <a:ext cx="811516" cy="811516"/>
           </a:xfrm>
           <a:prstGeom prst="rect">
             <a:avLst/>
@@ -10166,8 +9717,8 @@
         </p:nvSpPr>
         <p:spPr>
           <a:xfrm>
-            <a:off x="3740103" y="937706"/>
-            <a:ext cx="4503201" cy="769441"/>
+            <a:off x="3610620" y="938268"/>
+            <a:ext cx="4970760" cy="1446550"/>
           </a:xfrm>
           <a:prstGeom prst="rect">
             <a:avLst/>
@@ -10180,21 +9731,22 @@
           </a:bodyPr>
           <a:lstStyle/>
           <a:p>
+            <a:pPr algn="ctr"/>
             <a:r>
               <a:rPr lang="fr-FR" sz="4400" dirty="0">
                 <a:latin typeface="Berlin Sans FB" panose="020E0602020502020306" pitchFamily="34" charset="0"/>
               </a:rPr>
-              <a:t>Partie Personnelle</a:t>
+              <a:t>Diagramme de cas d’utilisation</a:t>
             </a:r>
           </a:p>
         </p:txBody>
       </p:sp>
       <p:pic>
         <p:nvPicPr>
-          <p:cNvPr id="4" name="Image 3">
-            <a:extLst>
-              <a:ext uri="{FF2B5EF4-FFF2-40B4-BE49-F238E27FC236}">
-                <a16:creationId xmlns:a16="http://schemas.microsoft.com/office/drawing/2014/main" id="{6236E6B5-2D63-46F1-8673-952CAC2F94E5}"/>
+          <p:cNvPr id="3" name="Image 2" descr="Une image contenant texte, carte&#10;&#10;Description générée avec un niveau de confiance élevé">
+            <a:extLst>
+              <a:ext uri="{FF2B5EF4-FFF2-40B4-BE49-F238E27FC236}">
+                <a16:creationId xmlns:a16="http://schemas.microsoft.com/office/drawing/2014/main" id="{46A61637-B898-405E-8517-1259041C933C}"/>
               </a:ext>
             </a:extLst>
           </p:cNvPr>
@@ -10217,641 +9769,8 @@
         </p:blipFill>
         <p:spPr>
           <a:xfrm>
-            <a:off x="855932" y="3703071"/>
-            <a:ext cx="1725180" cy="470381"/>
-          </a:xfrm>
-          <a:prstGeom prst="rect">
-            <a:avLst/>
-          </a:prstGeom>
-        </p:spPr>
-      </p:pic>
-      <p:sp>
-        <p:nvSpPr>
-          <p:cNvPr id="17" name="ZoneTexte 16">
-            <a:extLst>
-              <a:ext uri="{FF2B5EF4-FFF2-40B4-BE49-F238E27FC236}">
-                <a16:creationId xmlns:a16="http://schemas.microsoft.com/office/drawing/2014/main" id="{F1734F75-55B1-4649-A53F-E29A26264DC2}"/>
-              </a:ext>
-            </a:extLst>
-          </p:cNvPr>
-          <p:cNvSpPr txBox="1"/>
-          <p:nvPr/>
-        </p:nvSpPr>
-        <p:spPr>
-          <a:xfrm>
-            <a:off x="2404729" y="2353513"/>
-            <a:ext cx="715647" cy="400110"/>
-          </a:xfrm>
-          <a:prstGeom prst="rect">
-            <a:avLst/>
-          </a:prstGeom>
-          <a:noFill/>
-        </p:spPr>
-        <p:txBody>
-          <a:bodyPr wrap="square" rtlCol="0">
-            <a:spAutoFit/>
-          </a:bodyPr>
-          <a:lstStyle/>
-          <a:p>
-            <a:r>
-              <a:rPr lang="fr-FR" sz="2000" u="sng" dirty="0">
-                <a:latin typeface="Berlin Sans FB" panose="020E0602020502020306" pitchFamily="34" charset="0"/>
-              </a:rPr>
-              <a:t>Web</a:t>
-            </a:r>
-          </a:p>
-        </p:txBody>
-      </p:sp>
-      <p:pic>
-        <p:nvPicPr>
-          <p:cNvPr id="6" name="Image 5" descr="Une image contenant moniteur&#10;&#10;Description générée avec un niveau de confiance élevé">
-            <a:extLst>
-              <a:ext uri="{FF2B5EF4-FFF2-40B4-BE49-F238E27FC236}">
-                <a16:creationId xmlns:a16="http://schemas.microsoft.com/office/drawing/2014/main" id="{494A3448-6A99-4020-9320-836A332EA315}"/>
-              </a:ext>
-            </a:extLst>
-          </p:cNvPr>
-          <p:cNvPicPr>
-            <a:picLocks noChangeAspect="1"/>
-          </p:cNvPicPr>
-          <p:nvPr/>
-        </p:nvPicPr>
-        <p:blipFill>
-          <a:blip r:embed="rId5">
-            <a:extLst>
-              <a:ext uri="{28A0092B-C50C-407E-A947-70E740481C1C}">
-                <a14:useLocalDpi xmlns:a14="http://schemas.microsoft.com/office/drawing/2010/main" val="0"/>
-              </a:ext>
-            </a:extLst>
-          </a:blip>
-          <a:stretch>
-            <a:fillRect/>
-          </a:stretch>
-        </p:blipFill>
-        <p:spPr>
-          <a:xfrm>
-            <a:off x="531779" y="2779925"/>
-            <a:ext cx="648306" cy="648306"/>
-          </a:xfrm>
-          <a:prstGeom prst="rect">
-            <a:avLst/>
-          </a:prstGeom>
-        </p:spPr>
-      </p:pic>
-      <p:sp>
-        <p:nvSpPr>
-          <p:cNvPr id="7" name="ZoneTexte 6">
-            <a:extLst>
-              <a:ext uri="{FF2B5EF4-FFF2-40B4-BE49-F238E27FC236}">
-                <a16:creationId xmlns:a16="http://schemas.microsoft.com/office/drawing/2014/main" id="{94C43035-604F-4687-BCB2-E863C973FF18}"/>
-              </a:ext>
-            </a:extLst>
-          </p:cNvPr>
-          <p:cNvSpPr txBox="1"/>
-          <p:nvPr/>
-        </p:nvSpPr>
-        <p:spPr>
-          <a:xfrm>
-            <a:off x="1333851" y="2781900"/>
-            <a:ext cx="3271706" cy="646331"/>
-          </a:xfrm>
-          <a:prstGeom prst="rect">
-            <a:avLst/>
-          </a:prstGeom>
-          <a:noFill/>
-        </p:spPr>
-        <p:txBody>
-          <a:bodyPr wrap="square" rtlCol="0">
-            <a:spAutoFit/>
-          </a:bodyPr>
-          <a:lstStyle/>
-          <a:p>
-            <a:pPr algn="ctr"/>
-            <a:r>
-              <a:rPr lang="fr-FR" dirty="0"/>
-              <a:t>Visualisation de chaque mesures avec choix de la période.</a:t>
-            </a:r>
-          </a:p>
-        </p:txBody>
-      </p:sp>
-      <p:pic>
-        <p:nvPicPr>
-          <p:cNvPr id="12" name="Image 11">
-            <a:extLst>
-              <a:ext uri="{FF2B5EF4-FFF2-40B4-BE49-F238E27FC236}">
-                <a16:creationId xmlns:a16="http://schemas.microsoft.com/office/drawing/2014/main" id="{B88C7F83-9B75-4BAB-8D49-85BF1976A6B4}"/>
-              </a:ext>
-            </a:extLst>
-          </p:cNvPr>
-          <p:cNvPicPr>
-            <a:picLocks noChangeAspect="1"/>
-          </p:cNvPicPr>
-          <p:nvPr/>
-        </p:nvPicPr>
-        <p:blipFill>
-          <a:blip r:embed="rId6">
-            <a:extLst>
-              <a:ext uri="{28A0092B-C50C-407E-A947-70E740481C1C}">
-                <a14:useLocalDpi xmlns:a14="http://schemas.microsoft.com/office/drawing/2010/main" val="0"/>
-              </a:ext>
-            </a:extLst>
-          </a:blip>
-          <a:stretch>
-            <a:fillRect/>
-          </a:stretch>
-        </p:blipFill>
-        <p:spPr>
-          <a:xfrm>
-            <a:off x="2969704" y="3703070"/>
-            <a:ext cx="1367989" cy="470381"/>
-          </a:xfrm>
-          <a:prstGeom prst="rect">
-            <a:avLst/>
-          </a:prstGeom>
-        </p:spPr>
-      </p:pic>
-      <p:cxnSp>
-        <p:nvCxnSpPr>
-          <p:cNvPr id="24" name="Connecteur droit 23">
-            <a:extLst>
-              <a:ext uri="{FF2B5EF4-FFF2-40B4-BE49-F238E27FC236}">
-                <a16:creationId xmlns:a16="http://schemas.microsoft.com/office/drawing/2014/main" id="{2ACE75B6-3D3A-48A1-A187-7BFA0A259B14}"/>
-              </a:ext>
-            </a:extLst>
-          </p:cNvPr>
-          <p:cNvCxnSpPr>
-            <a:cxnSpLocks/>
-          </p:cNvCxnSpPr>
-          <p:nvPr/>
-        </p:nvCxnSpPr>
-        <p:spPr>
-          <a:xfrm>
-            <a:off x="1180085" y="4497235"/>
-            <a:ext cx="3145026" cy="0"/>
-          </a:xfrm>
-          <a:prstGeom prst="line">
-            <a:avLst/>
-          </a:prstGeom>
-        </p:spPr>
-        <p:style>
-          <a:lnRef idx="3">
-            <a:schemeClr val="dk1"/>
-          </a:lnRef>
-          <a:fillRef idx="0">
-            <a:schemeClr val="dk1"/>
-          </a:fillRef>
-          <a:effectRef idx="2">
-            <a:schemeClr val="dk1"/>
-          </a:effectRef>
-          <a:fontRef idx="minor">
-            <a:schemeClr val="tx1"/>
-          </a:fontRef>
-        </p:style>
-      </p:cxnSp>
-      <p:sp>
-        <p:nvSpPr>
-          <p:cNvPr id="25" name="ZoneTexte 24">
-            <a:extLst>
-              <a:ext uri="{FF2B5EF4-FFF2-40B4-BE49-F238E27FC236}">
-                <a16:creationId xmlns:a16="http://schemas.microsoft.com/office/drawing/2014/main" id="{2EDCE7AC-0A7D-4EF1-BC5F-2A6F6824C997}"/>
-              </a:ext>
-            </a:extLst>
-          </p:cNvPr>
-          <p:cNvSpPr txBox="1"/>
-          <p:nvPr/>
-        </p:nvSpPr>
-        <p:spPr>
-          <a:xfrm>
-            <a:off x="8604020" y="2353513"/>
-            <a:ext cx="1937857" cy="400110"/>
-          </a:xfrm>
-          <a:prstGeom prst="rect">
-            <a:avLst/>
-          </a:prstGeom>
-          <a:noFill/>
-        </p:spPr>
-        <p:txBody>
-          <a:bodyPr wrap="square" rtlCol="0">
-            <a:spAutoFit/>
-          </a:bodyPr>
-          <a:lstStyle/>
-          <a:p>
-            <a:r>
-              <a:rPr lang="fr-FR" sz="2000" u="sng" dirty="0">
-                <a:latin typeface="Berlin Sans FB" panose="020E0602020502020306" pitchFamily="34" charset="0"/>
-              </a:rPr>
-              <a:t>Carte de gestion</a:t>
-            </a:r>
-          </a:p>
-        </p:txBody>
-      </p:sp>
-      <p:pic>
-        <p:nvPicPr>
-          <p:cNvPr id="27" name="Image 26" descr="Une image contenant transport&#10;&#10;Description générée avec un niveau de confiance très élevé">
-            <a:extLst>
-              <a:ext uri="{FF2B5EF4-FFF2-40B4-BE49-F238E27FC236}">
-                <a16:creationId xmlns:a16="http://schemas.microsoft.com/office/drawing/2014/main" id="{3037617D-3657-4209-AF82-5FD6D89C2935}"/>
-              </a:ext>
-            </a:extLst>
-          </p:cNvPr>
-          <p:cNvPicPr>
-            <a:picLocks noChangeAspect="1"/>
-          </p:cNvPicPr>
-          <p:nvPr/>
-        </p:nvPicPr>
-        <p:blipFill>
-          <a:blip r:embed="rId7">
-            <a:extLst>
-              <a:ext uri="{28A0092B-C50C-407E-A947-70E740481C1C}">
-                <a14:useLocalDpi xmlns:a14="http://schemas.microsoft.com/office/drawing/2010/main" val="0"/>
-              </a:ext>
-            </a:extLst>
-          </a:blip>
-          <a:stretch>
-            <a:fillRect/>
-          </a:stretch>
-        </p:blipFill>
-        <p:spPr>
-          <a:xfrm>
-            <a:off x="7221450" y="2756798"/>
-            <a:ext cx="715646" cy="715646"/>
-          </a:xfrm>
-          <a:prstGeom prst="rect">
-            <a:avLst/>
-          </a:prstGeom>
-        </p:spPr>
-      </p:pic>
-      <p:sp>
-        <p:nvSpPr>
-          <p:cNvPr id="28" name="ZoneTexte 27">
-            <a:extLst>
-              <a:ext uri="{FF2B5EF4-FFF2-40B4-BE49-F238E27FC236}">
-                <a16:creationId xmlns:a16="http://schemas.microsoft.com/office/drawing/2014/main" id="{85A0D292-E6DA-4854-813B-568DC9A16C2E}"/>
-              </a:ext>
-            </a:extLst>
-          </p:cNvPr>
-          <p:cNvSpPr txBox="1"/>
-          <p:nvPr/>
-        </p:nvSpPr>
-        <p:spPr>
-          <a:xfrm>
-            <a:off x="7937096" y="2816853"/>
-            <a:ext cx="3271706" cy="1200329"/>
-          </a:xfrm>
-          <a:prstGeom prst="rect">
-            <a:avLst/>
-          </a:prstGeom>
-          <a:noFill/>
-        </p:spPr>
-        <p:txBody>
-          <a:bodyPr wrap="square" rtlCol="0">
-            <a:spAutoFit/>
-          </a:bodyPr>
-          <a:lstStyle/>
-          <a:p>
-            <a:pPr algn="ctr"/>
-            <a:r>
-              <a:rPr lang="fr-FR" dirty="0"/>
-              <a:t>Acquérir la mesure de l’intensité lumineuse.</a:t>
-            </a:r>
-          </a:p>
-          <a:p>
-            <a:pPr algn="ctr"/>
-            <a:r>
-              <a:rPr lang="fr-FR" dirty="0"/>
-              <a:t>Etude et configuration réseau des matériels.</a:t>
-            </a:r>
-          </a:p>
-        </p:txBody>
-      </p:sp>
-      <p:cxnSp>
-        <p:nvCxnSpPr>
-          <p:cNvPr id="29" name="Connecteur droit 28">
-            <a:extLst>
-              <a:ext uri="{FF2B5EF4-FFF2-40B4-BE49-F238E27FC236}">
-                <a16:creationId xmlns:a16="http://schemas.microsoft.com/office/drawing/2014/main" id="{5C3C9B10-9E40-4D60-9A0B-A647F56EE135}"/>
-              </a:ext>
-            </a:extLst>
-          </p:cNvPr>
-          <p:cNvCxnSpPr>
-            <a:cxnSpLocks/>
-          </p:cNvCxnSpPr>
-          <p:nvPr/>
-        </p:nvCxnSpPr>
-        <p:spPr>
-          <a:xfrm>
-            <a:off x="7937096" y="4470071"/>
-            <a:ext cx="3145026" cy="0"/>
-          </a:xfrm>
-          <a:prstGeom prst="line">
-            <a:avLst/>
-          </a:prstGeom>
-        </p:spPr>
-        <p:style>
-          <a:lnRef idx="3">
-            <a:schemeClr val="dk1"/>
-          </a:lnRef>
-          <a:fillRef idx="0">
-            <a:schemeClr val="dk1"/>
-          </a:fillRef>
-          <a:effectRef idx="2">
-            <a:schemeClr val="dk1"/>
-          </a:effectRef>
-          <a:fontRef idx="minor">
-            <a:schemeClr val="tx1"/>
-          </a:fontRef>
-        </p:style>
-      </p:cxnSp>
-      <p:pic>
-        <p:nvPicPr>
-          <p:cNvPr id="19" name="Image 18" descr="Une image contenant carte de visite, texte&#10;&#10;Description générée avec un niveau de confiance très élevé">
-            <a:extLst>
-              <a:ext uri="{FF2B5EF4-FFF2-40B4-BE49-F238E27FC236}">
-                <a16:creationId xmlns:a16="http://schemas.microsoft.com/office/drawing/2014/main" id="{4B0276FF-169F-40B9-8646-B43C31FA8092}"/>
-              </a:ext>
-            </a:extLst>
-          </p:cNvPr>
-          <p:cNvPicPr>
-            <a:picLocks noChangeAspect="1"/>
-          </p:cNvPicPr>
-          <p:nvPr/>
-        </p:nvPicPr>
-        <p:blipFill>
-          <a:blip r:embed="rId8">
-            <a:extLst>
-              <a:ext uri="{28A0092B-C50C-407E-A947-70E740481C1C}">
-                <a14:useLocalDpi xmlns:a14="http://schemas.microsoft.com/office/drawing/2010/main" val="0"/>
-              </a:ext>
-            </a:extLst>
-          </a:blip>
-          <a:stretch>
-            <a:fillRect/>
-          </a:stretch>
-        </p:blipFill>
-        <p:spPr>
-          <a:xfrm>
-            <a:off x="8078347" y="3632461"/>
-            <a:ext cx="769441" cy="769441"/>
-          </a:xfrm>
-          <a:prstGeom prst="rect">
-            <a:avLst/>
-          </a:prstGeom>
-        </p:spPr>
-      </p:pic>
-      <p:cxnSp>
-        <p:nvCxnSpPr>
-          <p:cNvPr id="33" name="Connecteur droit 32">
-            <a:extLst>
-              <a:ext uri="{FF2B5EF4-FFF2-40B4-BE49-F238E27FC236}">
-                <a16:creationId xmlns:a16="http://schemas.microsoft.com/office/drawing/2014/main" id="{FC07B68B-9BEB-456B-9F0D-6CC89766E2FF}"/>
-              </a:ext>
-            </a:extLst>
-          </p:cNvPr>
-          <p:cNvCxnSpPr>
-            <a:cxnSpLocks/>
-          </p:cNvCxnSpPr>
-          <p:nvPr/>
-        </p:nvCxnSpPr>
-        <p:spPr>
-          <a:xfrm>
-            <a:off x="4337693" y="6332370"/>
-            <a:ext cx="3472723" cy="0"/>
-          </a:xfrm>
-          <a:prstGeom prst="line">
-            <a:avLst/>
-          </a:prstGeom>
-        </p:spPr>
-        <p:style>
-          <a:lnRef idx="3">
-            <a:schemeClr val="dk1"/>
-          </a:lnRef>
-          <a:fillRef idx="0">
-            <a:schemeClr val="dk1"/>
-          </a:fillRef>
-          <a:effectRef idx="2">
-            <a:schemeClr val="dk1"/>
-          </a:effectRef>
-          <a:fontRef idx="minor">
-            <a:schemeClr val="tx1"/>
-          </a:fontRef>
-        </p:style>
-      </p:cxnSp>
-      <p:sp>
-        <p:nvSpPr>
-          <p:cNvPr id="34" name="ZoneTexte 33">
-            <a:extLst>
-              <a:ext uri="{FF2B5EF4-FFF2-40B4-BE49-F238E27FC236}">
-                <a16:creationId xmlns:a16="http://schemas.microsoft.com/office/drawing/2014/main" id="{90D5DE1F-2BD5-4968-80B9-32A3DBF63D3F}"/>
-              </a:ext>
-            </a:extLst>
-          </p:cNvPr>
-          <p:cNvSpPr txBox="1"/>
-          <p:nvPr/>
-        </p:nvSpPr>
-        <p:spPr>
-          <a:xfrm>
-            <a:off x="5589991" y="4515558"/>
-            <a:ext cx="1169143" cy="400110"/>
-          </a:xfrm>
-          <a:prstGeom prst="rect">
-            <a:avLst/>
-          </a:prstGeom>
-          <a:noFill/>
-        </p:spPr>
-        <p:txBody>
-          <a:bodyPr wrap="square" rtlCol="0">
-            <a:spAutoFit/>
-          </a:bodyPr>
-          <a:lstStyle/>
-          <a:p>
-            <a:r>
-              <a:rPr lang="fr-FR" sz="2000" u="sng" dirty="0">
-                <a:latin typeface="Berlin Sans FB" panose="020E0602020502020306" pitchFamily="34" charset="0"/>
-              </a:rPr>
-              <a:t>Physique</a:t>
-            </a:r>
-          </a:p>
-        </p:txBody>
-      </p:sp>
-      <p:pic>
-        <p:nvPicPr>
-          <p:cNvPr id="22" name="Image 21">
-            <a:extLst>
-              <a:ext uri="{FF2B5EF4-FFF2-40B4-BE49-F238E27FC236}">
-                <a16:creationId xmlns:a16="http://schemas.microsoft.com/office/drawing/2014/main" id="{19C0EFBA-E5F0-4102-88F1-AD09A7CCAE48}"/>
-              </a:ext>
-            </a:extLst>
-          </p:cNvPr>
-          <p:cNvPicPr>
-            <a:picLocks noChangeAspect="1"/>
-          </p:cNvPicPr>
-          <p:nvPr/>
-        </p:nvPicPr>
-        <p:blipFill>
-          <a:blip r:embed="rId9">
-            <a:extLst>
-              <a:ext uri="{28A0092B-C50C-407E-A947-70E740481C1C}">
-                <a14:useLocalDpi xmlns:a14="http://schemas.microsoft.com/office/drawing/2010/main" val="0"/>
-              </a:ext>
-            </a:extLst>
-          </a:blip>
-          <a:stretch>
-            <a:fillRect/>
-          </a:stretch>
-        </p:blipFill>
-        <p:spPr>
-          <a:xfrm>
-            <a:off x="3917012" y="4993171"/>
-            <a:ext cx="621698" cy="621698"/>
-          </a:xfrm>
-          <a:prstGeom prst="rect">
-            <a:avLst/>
-          </a:prstGeom>
-        </p:spPr>
-      </p:pic>
-      <p:sp>
-        <p:nvSpPr>
-          <p:cNvPr id="37" name="ZoneTexte 36">
-            <a:extLst>
-              <a:ext uri="{FF2B5EF4-FFF2-40B4-BE49-F238E27FC236}">
-                <a16:creationId xmlns:a16="http://schemas.microsoft.com/office/drawing/2014/main" id="{0853ED82-A5DF-4745-830E-CE258B5CDC54}"/>
-              </a:ext>
-            </a:extLst>
-          </p:cNvPr>
-          <p:cNvSpPr txBox="1"/>
-          <p:nvPr/>
-        </p:nvSpPr>
-        <p:spPr>
-          <a:xfrm>
-            <a:off x="4538710" y="4942103"/>
-            <a:ext cx="3271706" cy="646331"/>
-          </a:xfrm>
-          <a:prstGeom prst="rect">
-            <a:avLst/>
-          </a:prstGeom>
-          <a:noFill/>
-        </p:spPr>
-        <p:txBody>
-          <a:bodyPr wrap="square" rtlCol="0">
-            <a:spAutoFit/>
-          </a:bodyPr>
-          <a:lstStyle/>
-          <a:p>
-            <a:pPr algn="ctr"/>
-            <a:r>
-              <a:rPr lang="fr-FR" dirty="0"/>
-              <a:t>Mise en place de la boucle de courant 4 / 20 mA. </a:t>
-            </a:r>
-          </a:p>
-        </p:txBody>
-      </p:sp>
-      <p:pic>
-        <p:nvPicPr>
-          <p:cNvPr id="38" name="Image 37">
-            <a:extLst>
-              <a:ext uri="{FF2B5EF4-FFF2-40B4-BE49-F238E27FC236}">
-                <a16:creationId xmlns:a16="http://schemas.microsoft.com/office/drawing/2014/main" id="{9641D007-8DFD-4B13-85D1-56A619D1CF84}"/>
-              </a:ext>
-            </a:extLst>
-          </p:cNvPr>
-          <p:cNvPicPr>
-            <a:picLocks noChangeAspect="1"/>
-          </p:cNvPicPr>
-          <p:nvPr/>
-        </p:nvPicPr>
-        <p:blipFill>
-          <a:blip r:embed="rId10">
-            <a:extLst>
-              <a:ext uri="{28A0092B-C50C-407E-A947-70E740481C1C}">
-                <a14:useLocalDpi xmlns:a14="http://schemas.microsoft.com/office/drawing/2010/main" val="0"/>
-              </a:ext>
-            </a:extLst>
-          </a:blip>
-          <a:stretch>
-            <a:fillRect/>
-          </a:stretch>
-        </p:blipFill>
-        <p:spPr>
-          <a:xfrm>
-            <a:off x="3973839" y="5665937"/>
-            <a:ext cx="508044" cy="508044"/>
-          </a:xfrm>
-          <a:prstGeom prst="rect">
-            <a:avLst/>
-          </a:prstGeom>
-        </p:spPr>
-      </p:pic>
-      <p:sp>
-        <p:nvSpPr>
-          <p:cNvPr id="43" name="ZoneTexte 42">
-            <a:extLst>
-              <a:ext uri="{FF2B5EF4-FFF2-40B4-BE49-F238E27FC236}">
-                <a16:creationId xmlns:a16="http://schemas.microsoft.com/office/drawing/2014/main" id="{6B437AB9-B52C-4454-8969-69D02EDFCD5A}"/>
-              </a:ext>
-            </a:extLst>
-          </p:cNvPr>
-          <p:cNvSpPr txBox="1"/>
-          <p:nvPr/>
-        </p:nvSpPr>
-        <p:spPr>
-          <a:xfrm>
-            <a:off x="4542724" y="5741472"/>
-            <a:ext cx="3271706" cy="369332"/>
-          </a:xfrm>
-          <a:prstGeom prst="rect">
-            <a:avLst/>
-          </a:prstGeom>
-          <a:noFill/>
-        </p:spPr>
-        <p:txBody>
-          <a:bodyPr wrap="square" rtlCol="0">
-            <a:spAutoFit/>
-          </a:bodyPr>
-          <a:lstStyle/>
-          <a:p>
-            <a:pPr algn="ctr"/>
-            <a:r>
-              <a:rPr lang="fr-FR" dirty="0"/>
-              <a:t>Etalonnage du </a:t>
-            </a:r>
-            <a:r>
-              <a:rPr lang="fr-FR" dirty="0" err="1"/>
-              <a:t>Solarimètre</a:t>
-            </a:r>
-            <a:endParaRPr lang="fr-FR" dirty="0"/>
-          </a:p>
-        </p:txBody>
-      </p:sp>
-      <p:pic>
-        <p:nvPicPr>
-          <p:cNvPr id="3" name="Image 2">
-            <a:extLst>
-              <a:ext uri="{FF2B5EF4-FFF2-40B4-BE49-F238E27FC236}">
-                <a16:creationId xmlns:a16="http://schemas.microsoft.com/office/drawing/2014/main" id="{9137098D-F68B-4F6F-99DC-D73D8C3BF4EF}"/>
-              </a:ext>
-            </a:extLst>
-          </p:cNvPr>
-          <p:cNvPicPr>
-            <a:picLocks noChangeAspect="1"/>
-          </p:cNvPicPr>
-          <p:nvPr/>
-        </p:nvPicPr>
-        <p:blipFill>
-          <a:blip r:embed="rId11">
-            <a:extLst>
-              <a:ext uri="{28A0092B-C50C-407E-A947-70E740481C1C}">
-                <a14:useLocalDpi xmlns:a14="http://schemas.microsoft.com/office/drawing/2010/main" val="0"/>
-              </a:ext>
-            </a:extLst>
-          </a:blip>
-          <a:stretch>
-            <a:fillRect/>
-          </a:stretch>
-        </p:blipFill>
-        <p:spPr>
-          <a:xfrm>
-            <a:off x="10527921" y="3679678"/>
-            <a:ext cx="675008" cy="675008"/>
+            <a:off x="2843450" y="2321968"/>
+            <a:ext cx="6505100" cy="4419876"/>
           </a:xfrm>
           <a:prstGeom prst="rect">
             <a:avLst/>
@@ -10861,7 +9780,7 @@
     </p:spTree>
     <p:extLst>
       <p:ext uri="{BB962C8B-B14F-4D97-AF65-F5344CB8AC3E}">
-        <p14:creationId xmlns:p14="http://schemas.microsoft.com/office/powerpoint/2010/main" val="2149631933"/>
+        <p14:creationId xmlns:p14="http://schemas.microsoft.com/office/powerpoint/2010/main" val="3388951137"/>
       </p:ext>
     </p:extLst>
   </p:cSld>
@@ -11328,8 +10247,8 @@
         </p:nvSpPr>
         <p:spPr>
           <a:xfrm>
-            <a:off x="3610620" y="938268"/>
-            <a:ext cx="4970760" cy="1446550"/>
+            <a:off x="3029708" y="955839"/>
+            <a:ext cx="6132583" cy="769441"/>
           </a:xfrm>
           <a:prstGeom prst="rect">
             <a:avLst/>
@@ -11347,17 +10266,17 @@
               <a:rPr lang="fr-FR" sz="4400" dirty="0">
                 <a:latin typeface="Berlin Sans FB" panose="020E0602020502020306" pitchFamily="34" charset="0"/>
               </a:rPr>
-              <a:t>Diagramme de cas d’utilisation</a:t>
+              <a:t>Diagramme de séquence</a:t>
             </a:r>
           </a:p>
         </p:txBody>
       </p:sp>
       <p:pic>
         <p:nvPicPr>
-          <p:cNvPr id="35" name="Image 34">
-            <a:extLst>
-              <a:ext uri="{FF2B5EF4-FFF2-40B4-BE49-F238E27FC236}">
-                <a16:creationId xmlns:a16="http://schemas.microsoft.com/office/drawing/2014/main" id="{20FE86F0-8A69-46BF-8737-26168CF51368}"/>
+          <p:cNvPr id="3" name="Image 2">
+            <a:extLst>
+              <a:ext uri="{FF2B5EF4-FFF2-40B4-BE49-F238E27FC236}">
+                <a16:creationId xmlns:a16="http://schemas.microsoft.com/office/drawing/2014/main" id="{5A26B153-8382-4E94-BCB6-B3DAA7FC3AB8}"/>
               </a:ext>
             </a:extLst>
           </p:cNvPr>
@@ -11380,8 +10299,8 @@
         </p:blipFill>
         <p:spPr>
           <a:xfrm>
-            <a:off x="3121534" y="2384818"/>
-            <a:ext cx="6281170" cy="4269744"/>
+            <a:off x="3895999" y="1786501"/>
+            <a:ext cx="4400000" cy="4828571"/>
           </a:xfrm>
           <a:prstGeom prst="rect">
             <a:avLst/>
@@ -11391,7 +10310,7 @@
     </p:spTree>
     <p:extLst>
       <p:ext uri="{BB962C8B-B14F-4D97-AF65-F5344CB8AC3E}">
-        <p14:creationId xmlns:p14="http://schemas.microsoft.com/office/powerpoint/2010/main" val="3388951137"/>
+        <p14:creationId xmlns:p14="http://schemas.microsoft.com/office/powerpoint/2010/main" val="3563534622"/>
       </p:ext>
     </p:extLst>
   </p:cSld>
@@ -11858,8 +10777,8 @@
         </p:nvSpPr>
         <p:spPr>
           <a:xfrm>
-            <a:off x="3029708" y="955839"/>
-            <a:ext cx="6132583" cy="769441"/>
+            <a:off x="3428557" y="903150"/>
+            <a:ext cx="5334886" cy="769441"/>
           </a:xfrm>
           <a:prstGeom prst="rect">
             <a:avLst/>
@@ -11877,17 +10796,17 @@
               <a:rPr lang="fr-FR" sz="4400" dirty="0">
                 <a:latin typeface="Berlin Sans FB" panose="020E0602020502020306" pitchFamily="34" charset="0"/>
               </a:rPr>
-              <a:t>Diagramme de séquence</a:t>
+              <a:t>Diagramme de classe</a:t>
             </a:r>
           </a:p>
         </p:txBody>
       </p:sp>
       <p:pic>
         <p:nvPicPr>
-          <p:cNvPr id="15" name="Image 14">
-            <a:extLst>
-              <a:ext uri="{FF2B5EF4-FFF2-40B4-BE49-F238E27FC236}">
-                <a16:creationId xmlns:a16="http://schemas.microsoft.com/office/drawing/2014/main" id="{E2264DD9-2643-44C7-8F9B-1C85A1EF6273}"/>
+          <p:cNvPr id="3" name="Image 2" descr="Une image contenant capture d’écran&#10;&#10;Description générée avec un niveau de confiance très élevé">
+            <a:extLst>
+              <a:ext uri="{FF2B5EF4-FFF2-40B4-BE49-F238E27FC236}">
+                <a16:creationId xmlns:a16="http://schemas.microsoft.com/office/drawing/2014/main" id="{4BA07F43-FCF4-4AC9-9E1F-54208F4A0717}"/>
               </a:ext>
             </a:extLst>
           </p:cNvPr>
@@ -11910,8 +10829,8 @@
         </p:blipFill>
         <p:spPr>
           <a:xfrm>
-            <a:off x="3764851" y="1725280"/>
-            <a:ext cx="4446223" cy="4884067"/>
+            <a:off x="2153143" y="1901195"/>
+            <a:ext cx="7885714" cy="4733333"/>
           </a:xfrm>
           <a:prstGeom prst="rect">
             <a:avLst/>
@@ -11921,7 +10840,7 @@
     </p:spTree>
     <p:extLst>
       <p:ext uri="{BB962C8B-B14F-4D97-AF65-F5344CB8AC3E}">
-        <p14:creationId xmlns:p14="http://schemas.microsoft.com/office/powerpoint/2010/main" val="3563534622"/>
+        <p14:creationId xmlns:p14="http://schemas.microsoft.com/office/powerpoint/2010/main" val="4004055638"/>
       </p:ext>
     </p:extLst>
   </p:cSld>
@@ -12388,8 +11307,8 @@
         </p:nvSpPr>
         <p:spPr>
           <a:xfrm>
-            <a:off x="3428557" y="903150"/>
-            <a:ext cx="5334886" cy="769441"/>
+            <a:off x="3610620" y="938268"/>
+            <a:ext cx="4970760" cy="769441"/>
           </a:xfrm>
           <a:prstGeom prst="rect">
             <a:avLst/>
@@ -12407,17 +11326,17 @@
               <a:rPr lang="fr-FR" sz="4400" dirty="0">
                 <a:latin typeface="Berlin Sans FB" panose="020E0602020502020306" pitchFamily="34" charset="0"/>
               </a:rPr>
-              <a:t>Diagramme de classe</a:t>
+              <a:t>Diagramme de bloc</a:t>
             </a:r>
           </a:p>
         </p:txBody>
       </p:sp>
       <p:pic>
         <p:nvPicPr>
-          <p:cNvPr id="15" name="Image 14">
-            <a:extLst>
-              <a:ext uri="{FF2B5EF4-FFF2-40B4-BE49-F238E27FC236}">
-                <a16:creationId xmlns:a16="http://schemas.microsoft.com/office/drawing/2014/main" id="{ED3823A7-FD37-4224-818D-CDC46265A755}"/>
+          <p:cNvPr id="3" name="Image 2" descr="Une image contenant texte&#10;&#10;Description générée avec un niveau de confiance élevé">
+            <a:extLst>
+              <a:ext uri="{FF2B5EF4-FFF2-40B4-BE49-F238E27FC236}">
+                <a16:creationId xmlns:a16="http://schemas.microsoft.com/office/drawing/2014/main" id="{96BAAF1A-372A-4CC4-A9ED-866F50F38171}"/>
               </a:ext>
             </a:extLst>
           </p:cNvPr>
@@ -12440,8 +11359,8 @@
         </p:blipFill>
         <p:spPr>
           <a:xfrm>
-            <a:off x="2109736" y="1827402"/>
-            <a:ext cx="7972528" cy="4792445"/>
+            <a:off x="2915047" y="1829429"/>
+            <a:ext cx="6361905" cy="5028571"/>
           </a:xfrm>
           <a:prstGeom prst="rect">
             <a:avLst/>
@@ -12451,7 +11370,7 @@
     </p:spTree>
     <p:extLst>
       <p:ext uri="{BB962C8B-B14F-4D97-AF65-F5344CB8AC3E}">
-        <p14:creationId xmlns:p14="http://schemas.microsoft.com/office/powerpoint/2010/main" val="4004055638"/>
+        <p14:creationId xmlns:p14="http://schemas.microsoft.com/office/powerpoint/2010/main" val="2742150469"/>
       </p:ext>
     </p:extLst>
   </p:cSld>
@@ -12918,8 +11837,8 @@
         </p:nvSpPr>
         <p:spPr>
           <a:xfrm>
-            <a:off x="3610620" y="938268"/>
-            <a:ext cx="4970760" cy="769441"/>
+            <a:off x="3256037" y="843147"/>
+            <a:ext cx="5675385" cy="1446550"/>
           </a:xfrm>
           <a:prstGeom prst="rect">
             <a:avLst/>
@@ -12937,17 +11856,17 @@
               <a:rPr lang="fr-FR" sz="4400" dirty="0">
                 <a:latin typeface="Berlin Sans FB" panose="020E0602020502020306" pitchFamily="34" charset="0"/>
               </a:rPr>
-              <a:t>Diagramme de bloc</a:t>
+              <a:t>Schéma structurel de la base de données</a:t>
             </a:r>
           </a:p>
         </p:txBody>
       </p:sp>
       <p:pic>
         <p:nvPicPr>
-          <p:cNvPr id="15" name="Image 14">
-            <a:extLst>
-              <a:ext uri="{FF2B5EF4-FFF2-40B4-BE49-F238E27FC236}">
-                <a16:creationId xmlns:a16="http://schemas.microsoft.com/office/drawing/2014/main" id="{ACDDD56B-8A8D-4303-BEB8-550D6CEAB7B1}"/>
+          <p:cNvPr id="17" name="Image 16">
+            <a:extLst>
+              <a:ext uri="{FF2B5EF4-FFF2-40B4-BE49-F238E27FC236}">
+                <a16:creationId xmlns:a16="http://schemas.microsoft.com/office/drawing/2014/main" id="{6CF5500D-7635-4BA1-B318-1D0B97C27F7A}"/>
               </a:ext>
             </a:extLst>
           </p:cNvPr>
@@ -12970,8 +11889,8 @@
         </p:blipFill>
         <p:spPr>
           <a:xfrm>
-            <a:off x="2880267" y="1778695"/>
-            <a:ext cx="6431465" cy="5089703"/>
+            <a:off x="1965670" y="2289697"/>
+            <a:ext cx="8256118" cy="4274990"/>
           </a:xfrm>
           <a:prstGeom prst="rect">
             <a:avLst/>
@@ -12981,7 +11900,7 @@
     </p:spTree>
     <p:extLst>
       <p:ext uri="{BB962C8B-B14F-4D97-AF65-F5344CB8AC3E}">
-        <p14:creationId xmlns:p14="http://schemas.microsoft.com/office/powerpoint/2010/main" val="2742150469"/>
+        <p14:creationId xmlns:p14="http://schemas.microsoft.com/office/powerpoint/2010/main" val="3676251933"/>
       </p:ext>
     </p:extLst>
   </p:cSld>

--- a/oral_projet/revue_2/diaporama_revue_2_willy.pptx
+++ b/oral_projet/revue_2/diaporama_revue_2_willy.pptx
@@ -5,7 +5,7 @@
     <p:sldMasterId id="2147483648" r:id="rId1"/>
   </p:sldMasterIdLst>
   <p:notesMasterIdLst>
-    <p:notesMasterId r:id="rId14"/>
+    <p:notesMasterId r:id="rId15"/>
   </p:notesMasterIdLst>
   <p:sldIdLst>
     <p:sldId id="256" r:id="rId2"/>
@@ -20,6 +20,7 @@
     <p:sldId id="266" r:id="rId11"/>
     <p:sldId id="268" r:id="rId12"/>
     <p:sldId id="269" r:id="rId13"/>
+    <p:sldId id="270" r:id="rId14"/>
   </p:sldIdLst>
   <p:sldSz cx="12192000" cy="6858000"/>
   <p:notesSz cx="6858000" cy="9144000"/>
@@ -5002,6 +5003,582 @@
           </a:p>
         </p:txBody>
       </p:sp>
+      <p:pic>
+        <p:nvPicPr>
+          <p:cNvPr id="14" name="Image 13" descr="Une image contenant transport&#10;&#10;Description générée avec un niveau de confiance très élevé">
+            <a:extLst>
+              <a:ext uri="{FF2B5EF4-FFF2-40B4-BE49-F238E27FC236}">
+                <a16:creationId xmlns:a16="http://schemas.microsoft.com/office/drawing/2014/main" id="{05513B20-E040-4FE2-A5FB-5DB01F0D07F1}"/>
+              </a:ext>
+            </a:extLst>
+          </p:cNvPr>
+          <p:cNvPicPr>
+            <a:picLocks noChangeAspect="1"/>
+          </p:cNvPicPr>
+          <p:nvPr/>
+        </p:nvPicPr>
+        <p:blipFill>
+          <a:blip r:embed="rId4">
+            <a:extLst>
+              <a:ext uri="{28A0092B-C50C-407E-A947-70E740481C1C}">
+                <a14:useLocalDpi xmlns:a14="http://schemas.microsoft.com/office/drawing/2010/main" val="0"/>
+              </a:ext>
+            </a:extLst>
+          </a:blip>
+          <a:stretch>
+            <a:fillRect/>
+          </a:stretch>
+        </p:blipFill>
+        <p:spPr>
+          <a:xfrm>
+            <a:off x="1874645" y="2424751"/>
+            <a:ext cx="715646" cy="715646"/>
+          </a:xfrm>
+          <a:prstGeom prst="rect">
+            <a:avLst/>
+          </a:prstGeom>
+        </p:spPr>
+      </p:pic>
+      <p:pic>
+        <p:nvPicPr>
+          <p:cNvPr id="15" name="Image 14">
+            <a:extLst>
+              <a:ext uri="{FF2B5EF4-FFF2-40B4-BE49-F238E27FC236}">
+                <a16:creationId xmlns:a16="http://schemas.microsoft.com/office/drawing/2014/main" id="{3B6C6A11-C060-4DBD-BF1B-C0122A2BAF4E}"/>
+              </a:ext>
+            </a:extLst>
+          </p:cNvPr>
+          <p:cNvPicPr>
+            <a:picLocks noChangeAspect="1"/>
+          </p:cNvPicPr>
+          <p:nvPr/>
+        </p:nvPicPr>
+        <p:blipFill>
+          <a:blip r:embed="rId5">
+            <a:extLst>
+              <a:ext uri="{28A0092B-C50C-407E-A947-70E740481C1C}">
+                <a14:useLocalDpi xmlns:a14="http://schemas.microsoft.com/office/drawing/2010/main" val="0"/>
+              </a:ext>
+            </a:extLst>
+          </a:blip>
+          <a:stretch>
+            <a:fillRect/>
+          </a:stretch>
+        </p:blipFill>
+        <p:spPr>
+          <a:xfrm>
+            <a:off x="1919616" y="3711563"/>
+            <a:ext cx="625703" cy="625703"/>
+          </a:xfrm>
+          <a:prstGeom prst="rect">
+            <a:avLst/>
+          </a:prstGeom>
+        </p:spPr>
+      </p:pic>
+      <p:pic>
+        <p:nvPicPr>
+          <p:cNvPr id="17" name="Image 16">
+            <a:extLst>
+              <a:ext uri="{FF2B5EF4-FFF2-40B4-BE49-F238E27FC236}">
+                <a16:creationId xmlns:a16="http://schemas.microsoft.com/office/drawing/2014/main" id="{4936E30A-5F72-4F4C-98C1-6FF322C0C73D}"/>
+              </a:ext>
+            </a:extLst>
+          </p:cNvPr>
+          <p:cNvPicPr>
+            <a:picLocks noChangeAspect="1"/>
+          </p:cNvPicPr>
+          <p:nvPr/>
+        </p:nvPicPr>
+        <p:blipFill>
+          <a:blip r:embed="rId6">
+            <a:extLst>
+              <a:ext uri="{28A0092B-C50C-407E-A947-70E740481C1C}">
+                <a14:useLocalDpi xmlns:a14="http://schemas.microsoft.com/office/drawing/2010/main" val="0"/>
+              </a:ext>
+            </a:extLst>
+          </a:blip>
+          <a:stretch>
+            <a:fillRect/>
+          </a:stretch>
+        </p:blipFill>
+        <p:spPr>
+          <a:xfrm>
+            <a:off x="6712274" y="4911106"/>
+            <a:ext cx="700821" cy="700821"/>
+          </a:xfrm>
+          <a:prstGeom prst="rect">
+            <a:avLst/>
+          </a:prstGeom>
+        </p:spPr>
+      </p:pic>
+      <p:pic>
+        <p:nvPicPr>
+          <p:cNvPr id="18" name="Image 17">
+            <a:extLst>
+              <a:ext uri="{FF2B5EF4-FFF2-40B4-BE49-F238E27FC236}">
+                <a16:creationId xmlns:a16="http://schemas.microsoft.com/office/drawing/2014/main" id="{772CCB97-64E6-412D-B68A-1681AAE8174F}"/>
+              </a:ext>
+            </a:extLst>
+          </p:cNvPr>
+          <p:cNvPicPr>
+            <a:picLocks noChangeAspect="1"/>
+          </p:cNvPicPr>
+          <p:nvPr/>
+        </p:nvPicPr>
+        <p:blipFill>
+          <a:blip r:embed="rId7">
+            <a:extLst>
+              <a:ext uri="{28A0092B-C50C-407E-A947-70E740481C1C}">
+                <a14:useLocalDpi xmlns:a14="http://schemas.microsoft.com/office/drawing/2010/main" val="0"/>
+              </a:ext>
+            </a:extLst>
+          </a:blip>
+          <a:stretch>
+            <a:fillRect/>
+          </a:stretch>
+        </p:blipFill>
+        <p:spPr>
+          <a:xfrm>
+            <a:off x="6728994" y="3590350"/>
+            <a:ext cx="746916" cy="746916"/>
+          </a:xfrm>
+          <a:prstGeom prst="rect">
+            <a:avLst/>
+          </a:prstGeom>
+        </p:spPr>
+      </p:pic>
+      <p:pic>
+        <p:nvPicPr>
+          <p:cNvPr id="19" name="Image 18">
+            <a:extLst>
+              <a:ext uri="{FF2B5EF4-FFF2-40B4-BE49-F238E27FC236}">
+                <a16:creationId xmlns:a16="http://schemas.microsoft.com/office/drawing/2014/main" id="{E4ED2DDF-B7CB-4CD9-A280-41D2C9CD431B}"/>
+              </a:ext>
+            </a:extLst>
+          </p:cNvPr>
+          <p:cNvPicPr>
+            <a:picLocks noChangeAspect="1"/>
+          </p:cNvPicPr>
+          <p:nvPr/>
+        </p:nvPicPr>
+        <p:blipFill>
+          <a:blip r:embed="rId8">
+            <a:extLst>
+              <a:ext uri="{28A0092B-C50C-407E-A947-70E740481C1C}">
+                <a14:useLocalDpi xmlns:a14="http://schemas.microsoft.com/office/drawing/2010/main" val="0"/>
+              </a:ext>
+            </a:extLst>
+          </a:blip>
+          <a:stretch>
+            <a:fillRect/>
+          </a:stretch>
+        </p:blipFill>
+        <p:spPr>
+          <a:xfrm>
+            <a:off x="6672517" y="2337458"/>
+            <a:ext cx="780337" cy="780337"/>
+          </a:xfrm>
+          <a:prstGeom prst="rect">
+            <a:avLst/>
+          </a:prstGeom>
+        </p:spPr>
+      </p:pic>
+      <p:sp>
+        <p:nvSpPr>
+          <p:cNvPr id="21" name="ZoneTexte 20">
+            <a:extLst>
+              <a:ext uri="{FF2B5EF4-FFF2-40B4-BE49-F238E27FC236}">
+                <a16:creationId xmlns:a16="http://schemas.microsoft.com/office/drawing/2014/main" id="{4928C66C-784B-4C4A-8059-5E087138613E}"/>
+              </a:ext>
+            </a:extLst>
+          </p:cNvPr>
+          <p:cNvSpPr txBox="1"/>
+          <p:nvPr/>
+        </p:nvSpPr>
+        <p:spPr>
+          <a:xfrm>
+            <a:off x="2866582" y="2381074"/>
+            <a:ext cx="2860650" cy="800219"/>
+          </a:xfrm>
+          <a:prstGeom prst="rect">
+            <a:avLst/>
+          </a:prstGeom>
+          <a:noFill/>
+        </p:spPr>
+        <p:txBody>
+          <a:bodyPr wrap="square" rtlCol="0">
+            <a:spAutoFit/>
+          </a:bodyPr>
+          <a:lstStyle/>
+          <a:p>
+            <a:r>
+              <a:rPr lang="fr-FR" dirty="0" err="1"/>
+              <a:t>Solarimètre</a:t>
+            </a:r>
+            <a:endParaRPr lang="fr-FR" dirty="0"/>
+          </a:p>
+          <a:p>
+            <a:pPr marL="285750" indent="-285750">
+              <a:buFontTx/>
+              <a:buChar char="-"/>
+            </a:pPr>
+            <a:r>
+              <a:rPr lang="fr-FR" sz="1400" i="1" dirty="0">
+                <a:latin typeface="+mj-lt"/>
+              </a:rPr>
+              <a:t>Boucle 4-20 mA</a:t>
+            </a:r>
+          </a:p>
+          <a:p>
+            <a:pPr marL="285750" indent="-285750">
+              <a:buFontTx/>
+              <a:buChar char="-"/>
+            </a:pPr>
+            <a:r>
+              <a:rPr lang="fr-FR" sz="1400" dirty="0">
+                <a:latin typeface="+mj-lt"/>
+              </a:rPr>
+              <a:t>Plage : 0 à 1000 W/m²</a:t>
+            </a:r>
+          </a:p>
+        </p:txBody>
+      </p:sp>
+      <p:pic>
+        <p:nvPicPr>
+          <p:cNvPr id="30" name="Image 29">
+            <a:extLst>
+              <a:ext uri="{FF2B5EF4-FFF2-40B4-BE49-F238E27FC236}">
+                <a16:creationId xmlns:a16="http://schemas.microsoft.com/office/drawing/2014/main" id="{479A9210-A4C5-48E5-9FEA-820BD1501B03}"/>
+              </a:ext>
+            </a:extLst>
+          </p:cNvPr>
+          <p:cNvPicPr>
+            <a:picLocks noChangeAspect="1"/>
+          </p:cNvPicPr>
+          <p:nvPr/>
+        </p:nvPicPr>
+        <p:blipFill>
+          <a:blip r:embed="rId9">
+            <a:extLst>
+              <a:ext uri="{28A0092B-C50C-407E-A947-70E740481C1C}">
+                <a14:useLocalDpi xmlns:a14="http://schemas.microsoft.com/office/drawing/2010/main" val="0"/>
+              </a:ext>
+            </a:extLst>
+          </a:blip>
+          <a:stretch>
+            <a:fillRect/>
+          </a:stretch>
+        </p:blipFill>
+        <p:spPr>
+          <a:xfrm>
+            <a:off x="1851218" y="4780330"/>
+            <a:ext cx="886298" cy="962374"/>
+          </a:xfrm>
+          <a:prstGeom prst="rect">
+            <a:avLst/>
+          </a:prstGeom>
+        </p:spPr>
+      </p:pic>
+      <p:sp>
+        <p:nvSpPr>
+          <p:cNvPr id="31" name="ZoneTexte 30">
+            <a:extLst>
+              <a:ext uri="{FF2B5EF4-FFF2-40B4-BE49-F238E27FC236}">
+                <a16:creationId xmlns:a16="http://schemas.microsoft.com/office/drawing/2014/main" id="{EF4C2CE3-2E8C-4E1E-A8D0-D55CEA7F1238}"/>
+              </a:ext>
+            </a:extLst>
+          </p:cNvPr>
+          <p:cNvSpPr txBox="1"/>
+          <p:nvPr/>
+        </p:nvSpPr>
+        <p:spPr>
+          <a:xfrm>
+            <a:off x="2866582" y="3560250"/>
+            <a:ext cx="2860650" cy="800219"/>
+          </a:xfrm>
+          <a:prstGeom prst="rect">
+            <a:avLst/>
+          </a:prstGeom>
+          <a:noFill/>
+        </p:spPr>
+        <p:txBody>
+          <a:bodyPr wrap="square" rtlCol="0">
+            <a:spAutoFit/>
+          </a:bodyPr>
+          <a:lstStyle/>
+          <a:p>
+            <a:r>
+              <a:rPr lang="fr-FR" dirty="0"/>
+              <a:t>Pluviomètre</a:t>
+            </a:r>
+          </a:p>
+          <a:p>
+            <a:pPr marL="285750" indent="-285750">
+              <a:buFontTx/>
+              <a:buChar char="-"/>
+            </a:pPr>
+            <a:r>
+              <a:rPr lang="fr-FR" sz="1400" i="1" dirty="0">
+                <a:latin typeface="+mj-lt"/>
+              </a:rPr>
+              <a:t>Pulsation tous les 0,2mm d’eau</a:t>
+            </a:r>
+          </a:p>
+          <a:p>
+            <a:endParaRPr lang="fr-FR" sz="1400" i="1" dirty="0">
+              <a:latin typeface="+mj-lt"/>
+            </a:endParaRPr>
+          </a:p>
+        </p:txBody>
+      </p:sp>
+      <p:sp>
+        <p:nvSpPr>
+          <p:cNvPr id="33" name="ZoneTexte 32">
+            <a:extLst>
+              <a:ext uri="{FF2B5EF4-FFF2-40B4-BE49-F238E27FC236}">
+                <a16:creationId xmlns:a16="http://schemas.microsoft.com/office/drawing/2014/main" id="{888F2059-C896-4502-BD88-4719039F0C57}"/>
+              </a:ext>
+            </a:extLst>
+          </p:cNvPr>
+          <p:cNvSpPr txBox="1"/>
+          <p:nvPr/>
+        </p:nvSpPr>
+        <p:spPr>
+          <a:xfrm>
+            <a:off x="2866582" y="4841676"/>
+            <a:ext cx="2860650" cy="800219"/>
+          </a:xfrm>
+          <a:prstGeom prst="rect">
+            <a:avLst/>
+          </a:prstGeom>
+          <a:noFill/>
+        </p:spPr>
+        <p:txBody>
+          <a:bodyPr wrap="square" rtlCol="0">
+            <a:spAutoFit/>
+          </a:bodyPr>
+          <a:lstStyle/>
+          <a:p>
+            <a:r>
+              <a:rPr lang="fr-FR" dirty="0"/>
+              <a:t>Anémomètre</a:t>
+            </a:r>
+          </a:p>
+          <a:p>
+            <a:pPr marL="285750" indent="-285750">
+              <a:buFontTx/>
+              <a:buChar char="-"/>
+            </a:pPr>
+            <a:r>
+              <a:rPr lang="fr-FR" sz="1400" i="1" dirty="0">
+                <a:latin typeface="+mj-lt"/>
+              </a:rPr>
+              <a:t>1km/h = 1600 tours par heure</a:t>
+            </a:r>
+          </a:p>
+          <a:p>
+            <a:pPr marL="285750" indent="-285750">
+              <a:buFontTx/>
+              <a:buChar char="-"/>
+            </a:pPr>
+            <a:r>
+              <a:rPr lang="fr-FR" sz="1400" i="1" dirty="0">
+                <a:latin typeface="+mj-lt"/>
+              </a:rPr>
+              <a:t>utilisation du bus CAN</a:t>
+            </a:r>
+          </a:p>
+        </p:txBody>
+      </p:sp>
+      <p:sp>
+        <p:nvSpPr>
+          <p:cNvPr id="34" name="ZoneTexte 33">
+            <a:extLst>
+              <a:ext uri="{FF2B5EF4-FFF2-40B4-BE49-F238E27FC236}">
+                <a16:creationId xmlns:a16="http://schemas.microsoft.com/office/drawing/2014/main" id="{B0160142-175C-4B10-86CB-716D0A164AC9}"/>
+              </a:ext>
+            </a:extLst>
+          </p:cNvPr>
+          <p:cNvSpPr txBox="1"/>
+          <p:nvPr/>
+        </p:nvSpPr>
+        <p:spPr>
+          <a:xfrm>
+            <a:off x="7672635" y="2381074"/>
+            <a:ext cx="2860650" cy="800219"/>
+          </a:xfrm>
+          <a:prstGeom prst="rect">
+            <a:avLst/>
+          </a:prstGeom>
+          <a:noFill/>
+        </p:spPr>
+        <p:txBody>
+          <a:bodyPr wrap="square" rtlCol="0">
+            <a:spAutoFit/>
+          </a:bodyPr>
+          <a:lstStyle/>
+          <a:p>
+            <a:r>
+              <a:rPr lang="fr-FR" dirty="0"/>
+              <a:t>Arduino</a:t>
+            </a:r>
+          </a:p>
+          <a:p>
+            <a:pPr marL="285750" indent="-285750">
+              <a:buFontTx/>
+              <a:buChar char="-"/>
+            </a:pPr>
+            <a:r>
+              <a:rPr lang="fr-FR" sz="1400" i="1" dirty="0">
+                <a:latin typeface="+mj-lt"/>
+              </a:rPr>
+              <a:t>Ports analogiques </a:t>
+            </a:r>
+          </a:p>
+          <a:p>
+            <a:pPr marL="285750" indent="-285750">
+              <a:buFontTx/>
+              <a:buChar char="-"/>
+            </a:pPr>
+            <a:r>
+              <a:rPr lang="fr-FR" sz="1400" i="1" dirty="0">
+                <a:latin typeface="+mj-lt"/>
+              </a:rPr>
+              <a:t>Pin digitales</a:t>
+            </a:r>
+          </a:p>
+        </p:txBody>
+      </p:sp>
+      <p:sp>
+        <p:nvSpPr>
+          <p:cNvPr id="35" name="ZoneTexte 34">
+            <a:extLst>
+              <a:ext uri="{FF2B5EF4-FFF2-40B4-BE49-F238E27FC236}">
+                <a16:creationId xmlns:a16="http://schemas.microsoft.com/office/drawing/2014/main" id="{BE11A673-7B2A-4124-888C-DF0B33D53EF2}"/>
+              </a:ext>
+            </a:extLst>
+          </p:cNvPr>
+          <p:cNvSpPr txBox="1"/>
+          <p:nvPr/>
+        </p:nvSpPr>
+        <p:spPr>
+          <a:xfrm>
+            <a:off x="7672635" y="3560250"/>
+            <a:ext cx="2860650" cy="800219"/>
+          </a:xfrm>
+          <a:prstGeom prst="rect">
+            <a:avLst/>
+          </a:prstGeom>
+          <a:noFill/>
+        </p:spPr>
+        <p:txBody>
+          <a:bodyPr wrap="square" rtlCol="0">
+            <a:spAutoFit/>
+          </a:bodyPr>
+          <a:lstStyle/>
+          <a:p>
+            <a:r>
+              <a:rPr lang="fr-FR" dirty="0"/>
+              <a:t>Raspberry</a:t>
+            </a:r>
+          </a:p>
+          <a:p>
+            <a:pPr marL="285750" indent="-285750">
+              <a:buFontTx/>
+              <a:buChar char="-"/>
+            </a:pPr>
+            <a:r>
+              <a:rPr lang="fr-FR" sz="1400" i="1" dirty="0">
+                <a:latin typeface="+mj-lt"/>
+              </a:rPr>
+              <a:t>Connexion à la Arduino</a:t>
+            </a:r>
+          </a:p>
+          <a:p>
+            <a:pPr marL="285750" indent="-285750">
+              <a:buFontTx/>
+              <a:buChar char="-"/>
+            </a:pPr>
+            <a:r>
+              <a:rPr lang="fr-FR" sz="1400" i="1" dirty="0">
+                <a:latin typeface="+mj-lt"/>
+              </a:rPr>
+              <a:t>Connexion à la base de données</a:t>
+            </a:r>
+          </a:p>
+        </p:txBody>
+      </p:sp>
+      <p:sp>
+        <p:nvSpPr>
+          <p:cNvPr id="36" name="ZoneTexte 35">
+            <a:extLst>
+              <a:ext uri="{FF2B5EF4-FFF2-40B4-BE49-F238E27FC236}">
+                <a16:creationId xmlns:a16="http://schemas.microsoft.com/office/drawing/2014/main" id="{448447CE-7CDF-4625-959C-2EF085DA6A87}"/>
+              </a:ext>
+            </a:extLst>
+          </p:cNvPr>
+          <p:cNvSpPr txBox="1"/>
+          <p:nvPr/>
+        </p:nvSpPr>
+        <p:spPr>
+          <a:xfrm>
+            <a:off x="7672635" y="4841676"/>
+            <a:ext cx="2860650" cy="1015663"/>
+          </a:xfrm>
+          <a:prstGeom prst="rect">
+            <a:avLst/>
+          </a:prstGeom>
+          <a:noFill/>
+        </p:spPr>
+        <p:txBody>
+          <a:bodyPr wrap="square" rtlCol="0">
+            <a:spAutoFit/>
+          </a:bodyPr>
+          <a:lstStyle/>
+          <a:p>
+            <a:r>
+              <a:rPr lang="fr-FR" dirty="0"/>
+              <a:t>Capteurs température</a:t>
+            </a:r>
+          </a:p>
+          <a:p>
+            <a:pPr marL="285750" indent="-285750">
+              <a:buFontTx/>
+              <a:buChar char="-"/>
+            </a:pPr>
+            <a:r>
+              <a:rPr lang="fr-FR" sz="1400" i="1" dirty="0">
+                <a:latin typeface="+mj-lt"/>
+              </a:rPr>
+              <a:t>Boucle 4-20 mA</a:t>
+            </a:r>
+          </a:p>
+          <a:p>
+            <a:pPr marL="285750" indent="-285750">
+              <a:buFontTx/>
+              <a:buChar char="-"/>
+            </a:pPr>
+            <a:r>
+              <a:rPr lang="fr-FR" sz="1400" i="1" dirty="0">
+                <a:latin typeface="+mj-lt"/>
+              </a:rPr>
+              <a:t>Plage : 0 à 100°C (eau chaude)</a:t>
+            </a:r>
+          </a:p>
+          <a:p>
+            <a:pPr marL="285750" indent="-285750">
+              <a:buFontTx/>
+              <a:buChar char="-"/>
+            </a:pPr>
+            <a:r>
+              <a:rPr lang="fr-FR" sz="1400" i="1" dirty="0">
+                <a:latin typeface="+mj-lt"/>
+              </a:rPr>
+              <a:t>Plage : 0 à 40°C (intérieur)</a:t>
+            </a:r>
+          </a:p>
+        </p:txBody>
+      </p:sp>
     </p:spTree>
     <p:extLst>
       <p:ext uri="{BB962C8B-B14F-4D97-AF65-F5344CB8AC3E}">
@@ -5024,6 +5601,540 @@
       </p:transition>
     </mc:Fallback>
   </mc:AlternateContent>
+  <p:timing>
+    <p:tnLst>
+      <p:par>
+        <p:cTn id="1" dur="indefinite" restart="never" nodeType="tmRoot">
+          <p:childTnLst>
+            <p:seq concurrent="1" nextAc="seek">
+              <p:cTn id="2" dur="indefinite" nodeType="mainSeq">
+                <p:childTnLst>
+                  <p:par>
+                    <p:cTn id="3" fill="hold">
+                      <p:stCondLst>
+                        <p:cond delay="indefinite"/>
+                      </p:stCondLst>
+                      <p:childTnLst>
+                        <p:par>
+                          <p:cTn id="4" fill="hold">
+                            <p:stCondLst>
+                              <p:cond delay="0"/>
+                            </p:stCondLst>
+                            <p:childTnLst>
+                              <p:par>
+                                <p:cTn id="5" presetID="42" presetClass="entr" presetSubtype="0" fill="hold" nodeType="clickEffect">
+                                  <p:stCondLst>
+                                    <p:cond delay="0"/>
+                                  </p:stCondLst>
+                                  <p:childTnLst>
+                                    <p:set>
+                                      <p:cBhvr>
+                                        <p:cTn id="6" dur="1" fill="hold">
+                                          <p:stCondLst>
+                                            <p:cond delay="0"/>
+                                          </p:stCondLst>
+                                        </p:cTn>
+                                        <p:tgtEl>
+                                          <p:spTgt spid="14"/>
+                                        </p:tgtEl>
+                                        <p:attrNameLst>
+                                          <p:attrName>style.visibility</p:attrName>
+                                        </p:attrNameLst>
+                                      </p:cBhvr>
+                                      <p:to>
+                                        <p:strVal val="visible"/>
+                                      </p:to>
+                                    </p:set>
+                                    <p:animEffect transition="in" filter="fade">
+                                      <p:cBhvr>
+                                        <p:cTn id="7" dur="1000"/>
+                                        <p:tgtEl>
+                                          <p:spTgt spid="14"/>
+                                        </p:tgtEl>
+                                      </p:cBhvr>
+                                    </p:animEffect>
+                                    <p:anim calcmode="lin" valueType="num">
+                                      <p:cBhvr>
+                                        <p:cTn id="8" dur="1000" fill="hold"/>
+                                        <p:tgtEl>
+                                          <p:spTgt spid="14"/>
+                                        </p:tgtEl>
+                                        <p:attrNameLst>
+                                          <p:attrName>ppt_x</p:attrName>
+                                        </p:attrNameLst>
+                                      </p:cBhvr>
+                                      <p:tavLst>
+                                        <p:tav tm="0">
+                                          <p:val>
+                                            <p:strVal val="#ppt_x"/>
+                                          </p:val>
+                                        </p:tav>
+                                        <p:tav tm="100000">
+                                          <p:val>
+                                            <p:strVal val="#ppt_x"/>
+                                          </p:val>
+                                        </p:tav>
+                                      </p:tavLst>
+                                    </p:anim>
+                                    <p:anim calcmode="lin" valueType="num">
+                                      <p:cBhvr>
+                                        <p:cTn id="9" dur="1000" fill="hold"/>
+                                        <p:tgtEl>
+                                          <p:spTgt spid="14"/>
+                                        </p:tgtEl>
+                                        <p:attrNameLst>
+                                          <p:attrName>ppt_y</p:attrName>
+                                        </p:attrNameLst>
+                                      </p:cBhvr>
+                                      <p:tavLst>
+                                        <p:tav tm="0">
+                                          <p:val>
+                                            <p:strVal val="#ppt_y+.1"/>
+                                          </p:val>
+                                        </p:tav>
+                                        <p:tav tm="100000">
+                                          <p:val>
+                                            <p:strVal val="#ppt_y"/>
+                                          </p:val>
+                                        </p:tav>
+                                      </p:tavLst>
+                                    </p:anim>
+                                  </p:childTnLst>
+                                </p:cTn>
+                              </p:par>
+                              <p:par>
+                                <p:cTn id="10" presetID="42" presetClass="entr" presetSubtype="0" fill="hold" nodeType="withEffect">
+                                  <p:stCondLst>
+                                    <p:cond delay="0"/>
+                                  </p:stCondLst>
+                                  <p:childTnLst>
+                                    <p:set>
+                                      <p:cBhvr>
+                                        <p:cTn id="11" dur="1" fill="hold">
+                                          <p:stCondLst>
+                                            <p:cond delay="0"/>
+                                          </p:stCondLst>
+                                        </p:cTn>
+                                        <p:tgtEl>
+                                          <p:spTgt spid="15"/>
+                                        </p:tgtEl>
+                                        <p:attrNameLst>
+                                          <p:attrName>style.visibility</p:attrName>
+                                        </p:attrNameLst>
+                                      </p:cBhvr>
+                                      <p:to>
+                                        <p:strVal val="visible"/>
+                                      </p:to>
+                                    </p:set>
+                                    <p:animEffect transition="in" filter="fade">
+                                      <p:cBhvr>
+                                        <p:cTn id="12" dur="1000"/>
+                                        <p:tgtEl>
+                                          <p:spTgt spid="15"/>
+                                        </p:tgtEl>
+                                      </p:cBhvr>
+                                    </p:animEffect>
+                                    <p:anim calcmode="lin" valueType="num">
+                                      <p:cBhvr>
+                                        <p:cTn id="13" dur="1000" fill="hold"/>
+                                        <p:tgtEl>
+                                          <p:spTgt spid="15"/>
+                                        </p:tgtEl>
+                                        <p:attrNameLst>
+                                          <p:attrName>ppt_x</p:attrName>
+                                        </p:attrNameLst>
+                                      </p:cBhvr>
+                                      <p:tavLst>
+                                        <p:tav tm="0">
+                                          <p:val>
+                                            <p:strVal val="#ppt_x"/>
+                                          </p:val>
+                                        </p:tav>
+                                        <p:tav tm="100000">
+                                          <p:val>
+                                            <p:strVal val="#ppt_x"/>
+                                          </p:val>
+                                        </p:tav>
+                                      </p:tavLst>
+                                    </p:anim>
+                                    <p:anim calcmode="lin" valueType="num">
+                                      <p:cBhvr>
+                                        <p:cTn id="14" dur="1000" fill="hold"/>
+                                        <p:tgtEl>
+                                          <p:spTgt spid="15"/>
+                                        </p:tgtEl>
+                                        <p:attrNameLst>
+                                          <p:attrName>ppt_y</p:attrName>
+                                        </p:attrNameLst>
+                                      </p:cBhvr>
+                                      <p:tavLst>
+                                        <p:tav tm="0">
+                                          <p:val>
+                                            <p:strVal val="#ppt_y+.1"/>
+                                          </p:val>
+                                        </p:tav>
+                                        <p:tav tm="100000">
+                                          <p:val>
+                                            <p:strVal val="#ppt_y"/>
+                                          </p:val>
+                                        </p:tav>
+                                      </p:tavLst>
+                                    </p:anim>
+                                  </p:childTnLst>
+                                </p:cTn>
+                              </p:par>
+                              <p:par>
+                                <p:cTn id="15" presetID="42" presetClass="entr" presetSubtype="0" fill="hold" nodeType="withEffect">
+                                  <p:stCondLst>
+                                    <p:cond delay="0"/>
+                                  </p:stCondLst>
+                                  <p:childTnLst>
+                                    <p:set>
+                                      <p:cBhvr>
+                                        <p:cTn id="16" dur="1" fill="hold">
+                                          <p:stCondLst>
+                                            <p:cond delay="0"/>
+                                          </p:stCondLst>
+                                        </p:cTn>
+                                        <p:tgtEl>
+                                          <p:spTgt spid="17"/>
+                                        </p:tgtEl>
+                                        <p:attrNameLst>
+                                          <p:attrName>style.visibility</p:attrName>
+                                        </p:attrNameLst>
+                                      </p:cBhvr>
+                                      <p:to>
+                                        <p:strVal val="visible"/>
+                                      </p:to>
+                                    </p:set>
+                                    <p:animEffect transition="in" filter="fade">
+                                      <p:cBhvr>
+                                        <p:cTn id="17" dur="1000"/>
+                                        <p:tgtEl>
+                                          <p:spTgt spid="17"/>
+                                        </p:tgtEl>
+                                      </p:cBhvr>
+                                    </p:animEffect>
+                                    <p:anim calcmode="lin" valueType="num">
+                                      <p:cBhvr>
+                                        <p:cTn id="18" dur="1000" fill="hold"/>
+                                        <p:tgtEl>
+                                          <p:spTgt spid="17"/>
+                                        </p:tgtEl>
+                                        <p:attrNameLst>
+                                          <p:attrName>ppt_x</p:attrName>
+                                        </p:attrNameLst>
+                                      </p:cBhvr>
+                                      <p:tavLst>
+                                        <p:tav tm="0">
+                                          <p:val>
+                                            <p:strVal val="#ppt_x"/>
+                                          </p:val>
+                                        </p:tav>
+                                        <p:tav tm="100000">
+                                          <p:val>
+                                            <p:strVal val="#ppt_x"/>
+                                          </p:val>
+                                        </p:tav>
+                                      </p:tavLst>
+                                    </p:anim>
+                                    <p:anim calcmode="lin" valueType="num">
+                                      <p:cBhvr>
+                                        <p:cTn id="19" dur="1000" fill="hold"/>
+                                        <p:tgtEl>
+                                          <p:spTgt spid="17"/>
+                                        </p:tgtEl>
+                                        <p:attrNameLst>
+                                          <p:attrName>ppt_y</p:attrName>
+                                        </p:attrNameLst>
+                                      </p:cBhvr>
+                                      <p:tavLst>
+                                        <p:tav tm="0">
+                                          <p:val>
+                                            <p:strVal val="#ppt_y+.1"/>
+                                          </p:val>
+                                        </p:tav>
+                                        <p:tav tm="100000">
+                                          <p:val>
+                                            <p:strVal val="#ppt_y"/>
+                                          </p:val>
+                                        </p:tav>
+                                      </p:tavLst>
+                                    </p:anim>
+                                  </p:childTnLst>
+                                </p:cTn>
+                              </p:par>
+                              <p:par>
+                                <p:cTn id="20" presetID="42" presetClass="entr" presetSubtype="0" fill="hold" nodeType="withEffect">
+                                  <p:stCondLst>
+                                    <p:cond delay="0"/>
+                                  </p:stCondLst>
+                                  <p:childTnLst>
+                                    <p:set>
+                                      <p:cBhvr>
+                                        <p:cTn id="21" dur="1" fill="hold">
+                                          <p:stCondLst>
+                                            <p:cond delay="0"/>
+                                          </p:stCondLst>
+                                        </p:cTn>
+                                        <p:tgtEl>
+                                          <p:spTgt spid="18"/>
+                                        </p:tgtEl>
+                                        <p:attrNameLst>
+                                          <p:attrName>style.visibility</p:attrName>
+                                        </p:attrNameLst>
+                                      </p:cBhvr>
+                                      <p:to>
+                                        <p:strVal val="visible"/>
+                                      </p:to>
+                                    </p:set>
+                                    <p:animEffect transition="in" filter="fade">
+                                      <p:cBhvr>
+                                        <p:cTn id="22" dur="1000"/>
+                                        <p:tgtEl>
+                                          <p:spTgt spid="18"/>
+                                        </p:tgtEl>
+                                      </p:cBhvr>
+                                    </p:animEffect>
+                                    <p:anim calcmode="lin" valueType="num">
+                                      <p:cBhvr>
+                                        <p:cTn id="23" dur="1000" fill="hold"/>
+                                        <p:tgtEl>
+                                          <p:spTgt spid="18"/>
+                                        </p:tgtEl>
+                                        <p:attrNameLst>
+                                          <p:attrName>ppt_x</p:attrName>
+                                        </p:attrNameLst>
+                                      </p:cBhvr>
+                                      <p:tavLst>
+                                        <p:tav tm="0">
+                                          <p:val>
+                                            <p:strVal val="#ppt_x"/>
+                                          </p:val>
+                                        </p:tav>
+                                        <p:tav tm="100000">
+                                          <p:val>
+                                            <p:strVal val="#ppt_x"/>
+                                          </p:val>
+                                        </p:tav>
+                                      </p:tavLst>
+                                    </p:anim>
+                                    <p:anim calcmode="lin" valueType="num">
+                                      <p:cBhvr>
+                                        <p:cTn id="24" dur="1000" fill="hold"/>
+                                        <p:tgtEl>
+                                          <p:spTgt spid="18"/>
+                                        </p:tgtEl>
+                                        <p:attrNameLst>
+                                          <p:attrName>ppt_y</p:attrName>
+                                        </p:attrNameLst>
+                                      </p:cBhvr>
+                                      <p:tavLst>
+                                        <p:tav tm="0">
+                                          <p:val>
+                                            <p:strVal val="#ppt_y+.1"/>
+                                          </p:val>
+                                        </p:tav>
+                                        <p:tav tm="100000">
+                                          <p:val>
+                                            <p:strVal val="#ppt_y"/>
+                                          </p:val>
+                                        </p:tav>
+                                      </p:tavLst>
+                                    </p:anim>
+                                  </p:childTnLst>
+                                </p:cTn>
+                              </p:par>
+                              <p:par>
+                                <p:cTn id="25" presetID="42" presetClass="entr" presetSubtype="0" fill="hold" nodeType="withEffect">
+                                  <p:stCondLst>
+                                    <p:cond delay="0"/>
+                                  </p:stCondLst>
+                                  <p:childTnLst>
+                                    <p:set>
+                                      <p:cBhvr>
+                                        <p:cTn id="26" dur="1" fill="hold">
+                                          <p:stCondLst>
+                                            <p:cond delay="0"/>
+                                          </p:stCondLst>
+                                        </p:cTn>
+                                        <p:tgtEl>
+                                          <p:spTgt spid="30"/>
+                                        </p:tgtEl>
+                                        <p:attrNameLst>
+                                          <p:attrName>style.visibility</p:attrName>
+                                        </p:attrNameLst>
+                                      </p:cBhvr>
+                                      <p:to>
+                                        <p:strVal val="visible"/>
+                                      </p:to>
+                                    </p:set>
+                                    <p:animEffect transition="in" filter="fade">
+                                      <p:cBhvr>
+                                        <p:cTn id="27" dur="1000"/>
+                                        <p:tgtEl>
+                                          <p:spTgt spid="30"/>
+                                        </p:tgtEl>
+                                      </p:cBhvr>
+                                    </p:animEffect>
+                                    <p:anim calcmode="lin" valueType="num">
+                                      <p:cBhvr>
+                                        <p:cTn id="28" dur="1000" fill="hold"/>
+                                        <p:tgtEl>
+                                          <p:spTgt spid="30"/>
+                                        </p:tgtEl>
+                                        <p:attrNameLst>
+                                          <p:attrName>ppt_x</p:attrName>
+                                        </p:attrNameLst>
+                                      </p:cBhvr>
+                                      <p:tavLst>
+                                        <p:tav tm="0">
+                                          <p:val>
+                                            <p:strVal val="#ppt_x"/>
+                                          </p:val>
+                                        </p:tav>
+                                        <p:tav tm="100000">
+                                          <p:val>
+                                            <p:strVal val="#ppt_x"/>
+                                          </p:val>
+                                        </p:tav>
+                                      </p:tavLst>
+                                    </p:anim>
+                                    <p:anim calcmode="lin" valueType="num">
+                                      <p:cBhvr>
+                                        <p:cTn id="29" dur="1000" fill="hold"/>
+                                        <p:tgtEl>
+                                          <p:spTgt spid="30"/>
+                                        </p:tgtEl>
+                                        <p:attrNameLst>
+                                          <p:attrName>ppt_y</p:attrName>
+                                        </p:attrNameLst>
+                                      </p:cBhvr>
+                                      <p:tavLst>
+                                        <p:tav tm="0">
+                                          <p:val>
+                                            <p:strVal val="#ppt_y+.1"/>
+                                          </p:val>
+                                        </p:tav>
+                                        <p:tav tm="100000">
+                                          <p:val>
+                                            <p:strVal val="#ppt_y"/>
+                                          </p:val>
+                                        </p:tav>
+                                      </p:tavLst>
+                                    </p:anim>
+                                  </p:childTnLst>
+                                </p:cTn>
+                              </p:par>
+                              <p:par>
+                                <p:cTn id="30" presetID="42" presetClass="entr" presetSubtype="0" fill="hold" nodeType="withEffect">
+                                  <p:stCondLst>
+                                    <p:cond delay="0"/>
+                                  </p:stCondLst>
+                                  <p:childTnLst>
+                                    <p:set>
+                                      <p:cBhvr>
+                                        <p:cTn id="31" dur="1" fill="hold">
+                                          <p:stCondLst>
+                                            <p:cond delay="0"/>
+                                          </p:stCondLst>
+                                        </p:cTn>
+                                        <p:tgtEl>
+                                          <p:spTgt spid="19"/>
+                                        </p:tgtEl>
+                                        <p:attrNameLst>
+                                          <p:attrName>style.visibility</p:attrName>
+                                        </p:attrNameLst>
+                                      </p:cBhvr>
+                                      <p:to>
+                                        <p:strVal val="visible"/>
+                                      </p:to>
+                                    </p:set>
+                                    <p:animEffect transition="in" filter="fade">
+                                      <p:cBhvr>
+                                        <p:cTn id="32" dur="1000"/>
+                                        <p:tgtEl>
+                                          <p:spTgt spid="19"/>
+                                        </p:tgtEl>
+                                      </p:cBhvr>
+                                    </p:animEffect>
+                                    <p:anim calcmode="lin" valueType="num">
+                                      <p:cBhvr>
+                                        <p:cTn id="33" dur="1000" fill="hold"/>
+                                        <p:tgtEl>
+                                          <p:spTgt spid="19"/>
+                                        </p:tgtEl>
+                                        <p:attrNameLst>
+                                          <p:attrName>ppt_x</p:attrName>
+                                        </p:attrNameLst>
+                                      </p:cBhvr>
+                                      <p:tavLst>
+                                        <p:tav tm="0">
+                                          <p:val>
+                                            <p:strVal val="#ppt_x"/>
+                                          </p:val>
+                                        </p:tav>
+                                        <p:tav tm="100000">
+                                          <p:val>
+                                            <p:strVal val="#ppt_x"/>
+                                          </p:val>
+                                        </p:tav>
+                                      </p:tavLst>
+                                    </p:anim>
+                                    <p:anim calcmode="lin" valueType="num">
+                                      <p:cBhvr>
+                                        <p:cTn id="34" dur="1000" fill="hold"/>
+                                        <p:tgtEl>
+                                          <p:spTgt spid="19"/>
+                                        </p:tgtEl>
+                                        <p:attrNameLst>
+                                          <p:attrName>ppt_y</p:attrName>
+                                        </p:attrNameLst>
+                                      </p:cBhvr>
+                                      <p:tavLst>
+                                        <p:tav tm="0">
+                                          <p:val>
+                                            <p:strVal val="#ppt_y+.1"/>
+                                          </p:val>
+                                        </p:tav>
+                                        <p:tav tm="100000">
+                                          <p:val>
+                                            <p:strVal val="#ppt_y"/>
+                                          </p:val>
+                                        </p:tav>
+                                      </p:tavLst>
+                                    </p:anim>
+                                  </p:childTnLst>
+                                </p:cTn>
+                              </p:par>
+                            </p:childTnLst>
+                          </p:cTn>
+                        </p:par>
+                      </p:childTnLst>
+                    </p:cTn>
+                  </p:par>
+                </p:childTnLst>
+              </p:cTn>
+              <p:prevCondLst>
+                <p:cond evt="onPrev" delay="0">
+                  <p:tgtEl>
+                    <p:sldTgt/>
+                  </p:tgtEl>
+                </p:cond>
+              </p:prevCondLst>
+              <p:nextCondLst>
+                <p:cond evt="onNext" delay="0">
+                  <p:tgtEl>
+                    <p:sldTgt/>
+                  </p:tgtEl>
+                </p:cond>
+              </p:nextCondLst>
+            </p:seq>
+          </p:childTnLst>
+        </p:cTn>
+      </p:par>
+    </p:tnLst>
+  </p:timing>
 </p:sld>
 </file>
 
@@ -5491,7 +6602,150 @@
               <a:rPr lang="fr-FR" sz="4400" dirty="0">
                 <a:latin typeface="Berlin Sans FB" panose="020E0602020502020306" pitchFamily="34" charset="0"/>
               </a:rPr>
-              <a:t>Solutions trouvées</a:t>
+              <a:t>Boucle 4/20mA</a:t>
+            </a:r>
+          </a:p>
+        </p:txBody>
+      </p:sp>
+      <p:pic>
+        <p:nvPicPr>
+          <p:cNvPr id="3" name="Image 2" descr="Une image contenant équipement électronique, circuit&#10;&#10;Description générée avec un niveau de confiance très élevé">
+            <a:extLst>
+              <a:ext uri="{FF2B5EF4-FFF2-40B4-BE49-F238E27FC236}">
+                <a16:creationId xmlns:a16="http://schemas.microsoft.com/office/drawing/2014/main" id="{CAE81879-9DEF-4900-A1EF-1A3EA3734DC9}"/>
+              </a:ext>
+            </a:extLst>
+          </p:cNvPr>
+          <p:cNvPicPr>
+            <a:picLocks noChangeAspect="1"/>
+          </p:cNvPicPr>
+          <p:nvPr/>
+        </p:nvPicPr>
+        <p:blipFill>
+          <a:blip r:embed="rId4">
+            <a:extLst>
+              <a:ext uri="{28A0092B-C50C-407E-A947-70E740481C1C}">
+                <a14:useLocalDpi xmlns:a14="http://schemas.microsoft.com/office/drawing/2010/main" val="0"/>
+              </a:ext>
+            </a:extLst>
+          </a:blip>
+          <a:stretch>
+            <a:fillRect/>
+          </a:stretch>
+        </p:blipFill>
+        <p:spPr>
+          <a:xfrm>
+            <a:off x="7258436" y="1962761"/>
+            <a:ext cx="3252033" cy="3252033"/>
+          </a:xfrm>
+          <a:prstGeom prst="rect">
+            <a:avLst/>
+          </a:prstGeom>
+        </p:spPr>
+      </p:pic>
+      <p:pic>
+        <p:nvPicPr>
+          <p:cNvPr id="5" name="Image 4" descr="Une image contenant capture d’écran&#10;&#10;Description générée avec un niveau de confiance élevé">
+            <a:extLst>
+              <a:ext uri="{FF2B5EF4-FFF2-40B4-BE49-F238E27FC236}">
+                <a16:creationId xmlns:a16="http://schemas.microsoft.com/office/drawing/2014/main" id="{8EAC388A-9B1E-4F2A-A68D-EFB32181F53A}"/>
+              </a:ext>
+            </a:extLst>
+          </p:cNvPr>
+          <p:cNvPicPr>
+            <a:picLocks noChangeAspect="1"/>
+          </p:cNvPicPr>
+          <p:nvPr/>
+        </p:nvPicPr>
+        <p:blipFill>
+          <a:blip r:embed="rId5">
+            <a:extLst>
+              <a:ext uri="{28A0092B-C50C-407E-A947-70E740481C1C}">
+                <a14:useLocalDpi xmlns:a14="http://schemas.microsoft.com/office/drawing/2010/main" val="0"/>
+              </a:ext>
+            </a:extLst>
+          </a:blip>
+          <a:stretch>
+            <a:fillRect/>
+          </a:stretch>
+        </p:blipFill>
+        <p:spPr>
+          <a:xfrm>
+            <a:off x="1063716" y="4265886"/>
+            <a:ext cx="5553075" cy="1543050"/>
+          </a:xfrm>
+          <a:prstGeom prst="rect">
+            <a:avLst/>
+          </a:prstGeom>
+        </p:spPr>
+      </p:pic>
+      <p:sp>
+        <p:nvSpPr>
+          <p:cNvPr id="18" name="ZoneTexte 17">
+            <a:extLst>
+              <a:ext uri="{FF2B5EF4-FFF2-40B4-BE49-F238E27FC236}">
+                <a16:creationId xmlns:a16="http://schemas.microsoft.com/office/drawing/2014/main" id="{4E398B35-37C7-499E-B27B-3A82B6A07CF6}"/>
+              </a:ext>
+            </a:extLst>
+          </p:cNvPr>
+          <p:cNvSpPr txBox="1"/>
+          <p:nvPr/>
+        </p:nvSpPr>
+        <p:spPr>
+          <a:xfrm>
+            <a:off x="1698499" y="2356849"/>
+            <a:ext cx="2860650" cy="1015663"/>
+          </a:xfrm>
+          <a:prstGeom prst="rect">
+            <a:avLst/>
+          </a:prstGeom>
+          <a:noFill/>
+        </p:spPr>
+        <p:txBody>
+          <a:bodyPr wrap="square" rtlCol="0">
+            <a:spAutoFit/>
+          </a:bodyPr>
+          <a:lstStyle/>
+          <a:p>
+            <a:r>
+              <a:rPr lang="fr-FR" dirty="0"/>
+              <a:t>Avantages</a:t>
+            </a:r>
+          </a:p>
+          <a:p>
+            <a:pPr marL="285750" indent="-285750">
+              <a:buFontTx/>
+              <a:buChar char="-"/>
+            </a:pPr>
+            <a:r>
+              <a:rPr lang="fr-FR" sz="1400" i="1" dirty="0">
+                <a:latin typeface="+mj-lt"/>
+              </a:rPr>
+              <a:t>Très bonne immunité aux bruits</a:t>
+            </a:r>
+          </a:p>
+          <a:p>
+            <a:pPr marL="285750" indent="-285750">
+              <a:buFontTx/>
+              <a:buChar char="-"/>
+            </a:pPr>
+            <a:r>
+              <a:rPr lang="fr-FR" sz="1400" i="1" dirty="0">
+                <a:latin typeface="+mj-lt"/>
+              </a:rPr>
+              <a:t>Peu de fils</a:t>
+            </a:r>
+          </a:p>
+          <a:p>
+            <a:pPr marL="285750" indent="-285750">
+              <a:buFontTx/>
+              <a:buChar char="-"/>
+            </a:pPr>
+            <a:r>
+              <a:rPr lang="fr-FR" sz="1400" i="1" dirty="0">
+                <a:latin typeface="+mj-lt"/>
+              </a:rPr>
+              <a:t>Détection de la panne</a:t>
             </a:r>
           </a:p>
         </p:txBody>
@@ -5966,8 +7220,8 @@
         </p:nvSpPr>
         <p:spPr>
           <a:xfrm>
-            <a:off x="3610620" y="938268"/>
-            <a:ext cx="4970760" cy="769441"/>
+            <a:off x="3375800" y="960364"/>
+            <a:ext cx="5440399" cy="769441"/>
           </a:xfrm>
           <a:prstGeom prst="rect">
             <a:avLst/>
@@ -5985,7 +7239,649 @@
               <a:rPr lang="fr-FR" sz="4400" dirty="0">
                 <a:latin typeface="Berlin Sans FB" panose="020E0602020502020306" pitchFamily="34" charset="0"/>
               </a:rPr>
-              <a:t>Analyse du matériel</a:t>
+              <a:t>Arduino to Raspberry</a:t>
+            </a:r>
+          </a:p>
+        </p:txBody>
+      </p:sp>
+      <p:pic>
+        <p:nvPicPr>
+          <p:cNvPr id="3" name="Image 2" descr="Une image contenant équipement électronique, circuit&#10;&#10;Description générée avec un niveau de confiance très élevé">
+            <a:extLst>
+              <a:ext uri="{FF2B5EF4-FFF2-40B4-BE49-F238E27FC236}">
+                <a16:creationId xmlns:a16="http://schemas.microsoft.com/office/drawing/2014/main" id="{890B1835-1795-4998-B947-D1D06C3BBFCB}"/>
+              </a:ext>
+            </a:extLst>
+          </p:cNvPr>
+          <p:cNvPicPr>
+            <a:picLocks noChangeAspect="1"/>
+          </p:cNvPicPr>
+          <p:nvPr/>
+        </p:nvPicPr>
+        <p:blipFill>
+          <a:blip r:embed="rId4">
+            <a:extLst>
+              <a:ext uri="{28A0092B-C50C-407E-A947-70E740481C1C}">
+                <a14:useLocalDpi xmlns:a14="http://schemas.microsoft.com/office/drawing/2010/main" val="0"/>
+              </a:ext>
+            </a:extLst>
+          </a:blip>
+          <a:stretch>
+            <a:fillRect/>
+          </a:stretch>
+        </p:blipFill>
+        <p:spPr>
+          <a:xfrm>
+            <a:off x="879582" y="2691718"/>
+            <a:ext cx="4667610" cy="3500707"/>
+          </a:xfrm>
+          <a:prstGeom prst="rect">
+            <a:avLst/>
+          </a:prstGeom>
+        </p:spPr>
+      </p:pic>
+      <p:sp>
+        <p:nvSpPr>
+          <p:cNvPr id="17" name="ZoneTexte 16">
+            <a:extLst>
+              <a:ext uri="{FF2B5EF4-FFF2-40B4-BE49-F238E27FC236}">
+                <a16:creationId xmlns:a16="http://schemas.microsoft.com/office/drawing/2014/main" id="{24450489-B417-4D61-9D8D-4C1FC8F9E4D8}"/>
+              </a:ext>
+            </a:extLst>
+          </p:cNvPr>
+          <p:cNvSpPr txBox="1"/>
+          <p:nvPr/>
+        </p:nvSpPr>
+        <p:spPr>
+          <a:xfrm>
+            <a:off x="2459652" y="2208906"/>
+            <a:ext cx="1404853" cy="369332"/>
+          </a:xfrm>
+          <a:prstGeom prst="rect">
+            <a:avLst/>
+          </a:prstGeom>
+          <a:noFill/>
+        </p:spPr>
+        <p:txBody>
+          <a:bodyPr wrap="square" rtlCol="0">
+            <a:spAutoFit/>
+          </a:bodyPr>
+          <a:lstStyle/>
+          <a:p>
+            <a:r>
+              <a:rPr lang="fr-FR" dirty="0"/>
+              <a:t>Solution 1 :</a:t>
+            </a:r>
+            <a:endParaRPr lang="fr-FR" sz="1400" dirty="0">
+              <a:latin typeface="+mj-lt"/>
+            </a:endParaRPr>
+          </a:p>
+        </p:txBody>
+      </p:sp>
+      <p:sp>
+        <p:nvSpPr>
+          <p:cNvPr id="18" name="ZoneTexte 17">
+            <a:extLst>
+              <a:ext uri="{FF2B5EF4-FFF2-40B4-BE49-F238E27FC236}">
+                <a16:creationId xmlns:a16="http://schemas.microsoft.com/office/drawing/2014/main" id="{13927FBC-ECE7-42B4-BA63-7CF577E6B900}"/>
+              </a:ext>
+            </a:extLst>
+          </p:cNvPr>
+          <p:cNvSpPr txBox="1"/>
+          <p:nvPr/>
+        </p:nvSpPr>
+        <p:spPr>
+          <a:xfrm>
+            <a:off x="7997851" y="2208907"/>
+            <a:ext cx="1404853" cy="369332"/>
+          </a:xfrm>
+          <a:prstGeom prst="rect">
+            <a:avLst/>
+          </a:prstGeom>
+          <a:noFill/>
+        </p:spPr>
+        <p:txBody>
+          <a:bodyPr wrap="square" rtlCol="0">
+            <a:spAutoFit/>
+          </a:bodyPr>
+          <a:lstStyle/>
+          <a:p>
+            <a:r>
+              <a:rPr lang="fr-FR" dirty="0"/>
+              <a:t>Solution 2 :</a:t>
+            </a:r>
+            <a:endParaRPr lang="fr-FR" sz="1400" dirty="0">
+              <a:latin typeface="+mj-lt"/>
+            </a:endParaRPr>
+          </a:p>
+        </p:txBody>
+      </p:sp>
+      <p:pic>
+        <p:nvPicPr>
+          <p:cNvPr id="5" name="Image 4" descr="Une image contenant équipement électronique, circuit&#10;&#10;Description générée avec un niveau de confiance très élevé">
+            <a:extLst>
+              <a:ext uri="{FF2B5EF4-FFF2-40B4-BE49-F238E27FC236}">
+                <a16:creationId xmlns:a16="http://schemas.microsoft.com/office/drawing/2014/main" id="{11F93998-DD8C-4E24-816C-9456B39EE2AB}"/>
+              </a:ext>
+            </a:extLst>
+          </p:cNvPr>
+          <p:cNvPicPr>
+            <a:picLocks noChangeAspect="1"/>
+          </p:cNvPicPr>
+          <p:nvPr/>
+        </p:nvPicPr>
+        <p:blipFill>
+          <a:blip r:embed="rId5">
+            <a:extLst>
+              <a:ext uri="{28A0092B-C50C-407E-A947-70E740481C1C}">
+                <a14:useLocalDpi xmlns:a14="http://schemas.microsoft.com/office/drawing/2010/main" val="0"/>
+              </a:ext>
+            </a:extLst>
+          </a:blip>
+          <a:stretch>
+            <a:fillRect/>
+          </a:stretch>
+        </p:blipFill>
+        <p:spPr>
+          <a:xfrm>
+            <a:off x="6310293" y="2691718"/>
+            <a:ext cx="4667610" cy="3500708"/>
+          </a:xfrm>
+          <a:prstGeom prst="rect">
+            <a:avLst/>
+          </a:prstGeom>
+        </p:spPr>
+      </p:pic>
+    </p:spTree>
+    <p:extLst>
+      <p:ext uri="{BB962C8B-B14F-4D97-AF65-F5344CB8AC3E}">
+        <p14:creationId xmlns:p14="http://schemas.microsoft.com/office/powerpoint/2010/main" val="3095519770"/>
+      </p:ext>
+    </p:extLst>
+  </p:cSld>
+  <p:clrMapOvr>
+    <a:masterClrMapping/>
+  </p:clrMapOvr>
+  <mc:AlternateContent xmlns:mc="http://schemas.openxmlformats.org/markup-compatibility/2006" xmlns:p14="http://schemas.microsoft.com/office/powerpoint/2010/main">
+    <mc:Choice Requires="p14">
+      <p:transition spd="slow">
+        <p14:reveal/>
+      </p:transition>
+    </mc:Choice>
+    <mc:Fallback xmlns="">
+      <p:transition spd="slow">
+        <p:fade/>
+      </p:transition>
+    </mc:Fallback>
+  </mc:AlternateContent>
+</p:sld>
+</file>
+
+<file path=ppt/slides/slide13.xml><?xml version="1.0" encoding="utf-8"?>
+<p:sld xmlns:a="http://schemas.openxmlformats.org/drawingml/2006/main" xmlns:r="http://schemas.openxmlformats.org/officeDocument/2006/relationships" xmlns:p="http://schemas.openxmlformats.org/presentationml/2006/main">
+  <p:cSld>
+    <p:spTree>
+      <p:nvGrpSpPr>
+        <p:cNvPr id="1" name=""/>
+        <p:cNvGrpSpPr/>
+        <p:nvPr/>
+      </p:nvGrpSpPr>
+      <p:grpSpPr>
+        <a:xfrm>
+          <a:off x="0" y="0"/>
+          <a:ext cx="0" cy="0"/>
+          <a:chOff x="0" y="0"/>
+          <a:chExt cx="0" cy="0"/>
+        </a:xfrm>
+      </p:grpSpPr>
+      <p:pic>
+        <p:nvPicPr>
+          <p:cNvPr id="8" name="Image 7">
+            <a:extLst>
+              <a:ext uri="{FF2B5EF4-FFF2-40B4-BE49-F238E27FC236}">
+                <a16:creationId xmlns:a16="http://schemas.microsoft.com/office/drawing/2014/main" id="{2BB825C5-31DA-4A56-85EA-536DBF510A31}"/>
+              </a:ext>
+            </a:extLst>
+          </p:cNvPr>
+          <p:cNvPicPr>
+            <a:picLocks noChangeAspect="1"/>
+          </p:cNvPicPr>
+          <p:nvPr/>
+        </p:nvPicPr>
+        <p:blipFill>
+          <a:blip r:embed="rId2">
+            <a:extLst>
+              <a:ext uri="{28A0092B-C50C-407E-A947-70E740481C1C}">
+                <a14:useLocalDpi xmlns:a14="http://schemas.microsoft.com/office/drawing/2010/main" val="0"/>
+              </a:ext>
+            </a:extLst>
+          </a:blip>
+          <a:stretch>
+            <a:fillRect/>
+          </a:stretch>
+        </p:blipFill>
+        <p:spPr>
+          <a:xfrm>
+            <a:off x="1068751" y="66457"/>
+            <a:ext cx="1259497" cy="776690"/>
+          </a:xfrm>
+          <a:prstGeom prst="rect">
+            <a:avLst/>
+          </a:prstGeom>
+        </p:spPr>
+      </p:pic>
+      <p:pic>
+        <p:nvPicPr>
+          <p:cNvPr id="10" name="Image 9">
+            <a:extLst>
+              <a:ext uri="{FF2B5EF4-FFF2-40B4-BE49-F238E27FC236}">
+                <a16:creationId xmlns:a16="http://schemas.microsoft.com/office/drawing/2014/main" id="{8EE7436F-49F2-41E0-93E4-D247B4705294}"/>
+              </a:ext>
+            </a:extLst>
+          </p:cNvPr>
+          <p:cNvPicPr>
+            <a:picLocks noChangeAspect="1"/>
+          </p:cNvPicPr>
+          <p:nvPr/>
+        </p:nvPicPr>
+        <p:blipFill>
+          <a:blip r:embed="rId3">
+            <a:extLst>
+              <a:ext uri="{28A0092B-C50C-407E-A947-70E740481C1C}">
+                <a14:useLocalDpi xmlns:a14="http://schemas.microsoft.com/office/drawing/2010/main" val="0"/>
+              </a:ext>
+            </a:extLst>
+          </a:blip>
+          <a:stretch>
+            <a:fillRect/>
+          </a:stretch>
+        </p:blipFill>
+        <p:spPr>
+          <a:xfrm>
+            <a:off x="9681085" y="238153"/>
+            <a:ext cx="1802101" cy="569807"/>
+          </a:xfrm>
+          <a:prstGeom prst="rect">
+            <a:avLst/>
+          </a:prstGeom>
+        </p:spPr>
+      </p:pic>
+      <p:cxnSp>
+        <p:nvCxnSpPr>
+          <p:cNvPr id="16" name="Connecteur droit 15">
+            <a:extLst>
+              <a:ext uri="{FF2B5EF4-FFF2-40B4-BE49-F238E27FC236}">
+                <a16:creationId xmlns:a16="http://schemas.microsoft.com/office/drawing/2014/main" id="{7319284A-BD6F-4A96-8E2B-E0A4B52E53C6}"/>
+              </a:ext>
+            </a:extLst>
+          </p:cNvPr>
+          <p:cNvCxnSpPr>
+            <a:cxnSpLocks/>
+          </p:cNvCxnSpPr>
+          <p:nvPr/>
+        </p:nvCxnSpPr>
+        <p:spPr>
+          <a:xfrm flipV="1">
+            <a:off x="0" y="454803"/>
+            <a:ext cx="738231" cy="1798"/>
+          </a:xfrm>
+          <a:prstGeom prst="line">
+            <a:avLst/>
+          </a:prstGeom>
+        </p:spPr>
+        <p:style>
+          <a:lnRef idx="3">
+            <a:schemeClr val="dk1"/>
+          </a:lnRef>
+          <a:fillRef idx="0">
+            <a:schemeClr val="dk1"/>
+          </a:fillRef>
+          <a:effectRef idx="2">
+            <a:schemeClr val="dk1"/>
+          </a:effectRef>
+          <a:fontRef idx="minor">
+            <a:schemeClr val="tx1"/>
+          </a:fontRef>
+        </p:style>
+      </p:cxnSp>
+      <p:cxnSp>
+        <p:nvCxnSpPr>
+          <p:cNvPr id="20" name="Connecteur droit 19">
+            <a:extLst>
+              <a:ext uri="{FF2B5EF4-FFF2-40B4-BE49-F238E27FC236}">
+                <a16:creationId xmlns:a16="http://schemas.microsoft.com/office/drawing/2014/main" id="{08874CF7-F149-4C81-B61E-74E18342BA8A}"/>
+              </a:ext>
+            </a:extLst>
+          </p:cNvPr>
+          <p:cNvCxnSpPr>
+            <a:cxnSpLocks/>
+          </p:cNvCxnSpPr>
+          <p:nvPr/>
+        </p:nvCxnSpPr>
+        <p:spPr>
+          <a:xfrm>
+            <a:off x="2573222" y="454803"/>
+            <a:ext cx="6829482" cy="10398"/>
+          </a:xfrm>
+          <a:prstGeom prst="line">
+            <a:avLst/>
+          </a:prstGeom>
+        </p:spPr>
+        <p:style>
+          <a:lnRef idx="3">
+            <a:schemeClr val="dk1"/>
+          </a:lnRef>
+          <a:fillRef idx="0">
+            <a:schemeClr val="dk1"/>
+          </a:fillRef>
+          <a:effectRef idx="2">
+            <a:schemeClr val="dk1"/>
+          </a:effectRef>
+          <a:fontRef idx="minor">
+            <a:schemeClr val="tx1"/>
+          </a:fontRef>
+        </p:style>
+      </p:cxnSp>
+      <p:cxnSp>
+        <p:nvCxnSpPr>
+          <p:cNvPr id="26" name="Connecteur droit 25">
+            <a:extLst>
+              <a:ext uri="{FF2B5EF4-FFF2-40B4-BE49-F238E27FC236}">
+                <a16:creationId xmlns:a16="http://schemas.microsoft.com/office/drawing/2014/main" id="{BB3B35CC-057B-48C1-880F-3306A6559175}"/>
+              </a:ext>
+            </a:extLst>
+          </p:cNvPr>
+          <p:cNvCxnSpPr>
+            <a:cxnSpLocks/>
+          </p:cNvCxnSpPr>
+          <p:nvPr/>
+        </p:nvCxnSpPr>
+        <p:spPr>
+          <a:xfrm>
+            <a:off x="738231" y="454803"/>
+            <a:ext cx="344203" cy="484764"/>
+          </a:xfrm>
+          <a:prstGeom prst="line">
+            <a:avLst/>
+          </a:prstGeom>
+        </p:spPr>
+        <p:style>
+          <a:lnRef idx="3">
+            <a:schemeClr val="dk1"/>
+          </a:lnRef>
+          <a:fillRef idx="0">
+            <a:schemeClr val="dk1"/>
+          </a:fillRef>
+          <a:effectRef idx="2">
+            <a:schemeClr val="dk1"/>
+          </a:effectRef>
+          <a:fontRef idx="minor">
+            <a:schemeClr val="tx1"/>
+          </a:fontRef>
+        </p:style>
+      </p:cxnSp>
+      <p:cxnSp>
+        <p:nvCxnSpPr>
+          <p:cNvPr id="32" name="Connecteur droit 31">
+            <a:extLst>
+              <a:ext uri="{FF2B5EF4-FFF2-40B4-BE49-F238E27FC236}">
+                <a16:creationId xmlns:a16="http://schemas.microsoft.com/office/drawing/2014/main" id="{4AD96496-1EB6-4E48-9BB2-5C255495C686}"/>
+              </a:ext>
+            </a:extLst>
+          </p:cNvPr>
+          <p:cNvCxnSpPr>
+            <a:cxnSpLocks/>
+          </p:cNvCxnSpPr>
+          <p:nvPr/>
+        </p:nvCxnSpPr>
+        <p:spPr>
+          <a:xfrm>
+            <a:off x="1082434" y="938268"/>
+            <a:ext cx="1146585" cy="0"/>
+          </a:xfrm>
+          <a:prstGeom prst="line">
+            <a:avLst/>
+          </a:prstGeom>
+        </p:spPr>
+        <p:style>
+          <a:lnRef idx="3">
+            <a:schemeClr val="dk1"/>
+          </a:lnRef>
+          <a:fillRef idx="0">
+            <a:schemeClr val="dk1"/>
+          </a:fillRef>
+          <a:effectRef idx="2">
+            <a:schemeClr val="dk1"/>
+          </a:effectRef>
+          <a:fontRef idx="minor">
+            <a:schemeClr val="tx1"/>
+          </a:fontRef>
+        </p:style>
+      </p:cxnSp>
+      <p:cxnSp>
+        <p:nvCxnSpPr>
+          <p:cNvPr id="51" name="Connecteur droit 50">
+            <a:extLst>
+              <a:ext uri="{FF2B5EF4-FFF2-40B4-BE49-F238E27FC236}">
+                <a16:creationId xmlns:a16="http://schemas.microsoft.com/office/drawing/2014/main" id="{C035BFA6-ECBF-4775-BA81-19D2CA41AA8D}"/>
+              </a:ext>
+            </a:extLst>
+          </p:cNvPr>
+          <p:cNvCxnSpPr>
+            <a:cxnSpLocks/>
+          </p:cNvCxnSpPr>
+          <p:nvPr/>
+        </p:nvCxnSpPr>
+        <p:spPr>
+          <a:xfrm>
+            <a:off x="9402704" y="465201"/>
+            <a:ext cx="344203" cy="495163"/>
+          </a:xfrm>
+          <a:prstGeom prst="line">
+            <a:avLst/>
+          </a:prstGeom>
+        </p:spPr>
+        <p:style>
+          <a:lnRef idx="3">
+            <a:schemeClr val="dk1"/>
+          </a:lnRef>
+          <a:fillRef idx="0">
+            <a:schemeClr val="dk1"/>
+          </a:fillRef>
+          <a:effectRef idx="2">
+            <a:schemeClr val="dk1"/>
+          </a:effectRef>
+          <a:fontRef idx="minor">
+            <a:schemeClr val="tx1"/>
+          </a:fontRef>
+        </p:style>
+      </p:cxnSp>
+      <p:cxnSp>
+        <p:nvCxnSpPr>
+          <p:cNvPr id="52" name="Connecteur droit 51">
+            <a:extLst>
+              <a:ext uri="{FF2B5EF4-FFF2-40B4-BE49-F238E27FC236}">
+                <a16:creationId xmlns:a16="http://schemas.microsoft.com/office/drawing/2014/main" id="{FA310BC7-694B-4984-99A2-61A1F4F6EBF9}"/>
+              </a:ext>
+            </a:extLst>
+          </p:cNvPr>
+          <p:cNvCxnSpPr>
+            <a:cxnSpLocks/>
+          </p:cNvCxnSpPr>
+          <p:nvPr/>
+        </p:nvCxnSpPr>
+        <p:spPr>
+          <a:xfrm flipH="1">
+            <a:off x="11370469" y="448308"/>
+            <a:ext cx="364332" cy="501657"/>
+          </a:xfrm>
+          <a:prstGeom prst="line">
+            <a:avLst/>
+          </a:prstGeom>
+        </p:spPr>
+        <p:style>
+          <a:lnRef idx="3">
+            <a:schemeClr val="dk1"/>
+          </a:lnRef>
+          <a:fillRef idx="0">
+            <a:schemeClr val="dk1"/>
+          </a:fillRef>
+          <a:effectRef idx="2">
+            <a:schemeClr val="dk1"/>
+          </a:effectRef>
+          <a:fontRef idx="minor">
+            <a:schemeClr val="tx1"/>
+          </a:fontRef>
+        </p:style>
+      </p:cxnSp>
+      <p:cxnSp>
+        <p:nvCxnSpPr>
+          <p:cNvPr id="53" name="Connecteur droit 52">
+            <a:extLst>
+              <a:ext uri="{FF2B5EF4-FFF2-40B4-BE49-F238E27FC236}">
+                <a16:creationId xmlns:a16="http://schemas.microsoft.com/office/drawing/2014/main" id="{BE0649BD-EE59-4DDA-960F-95B2572F9F13}"/>
+              </a:ext>
+            </a:extLst>
+          </p:cNvPr>
+          <p:cNvCxnSpPr>
+            <a:cxnSpLocks/>
+          </p:cNvCxnSpPr>
+          <p:nvPr/>
+        </p:nvCxnSpPr>
+        <p:spPr>
+          <a:xfrm>
+            <a:off x="9743203" y="949965"/>
+            <a:ext cx="1627266" cy="0"/>
+          </a:xfrm>
+          <a:prstGeom prst="line">
+            <a:avLst/>
+          </a:prstGeom>
+        </p:spPr>
+        <p:style>
+          <a:lnRef idx="3">
+            <a:schemeClr val="dk1"/>
+          </a:lnRef>
+          <a:fillRef idx="0">
+            <a:schemeClr val="dk1"/>
+          </a:fillRef>
+          <a:effectRef idx="2">
+            <a:schemeClr val="dk1"/>
+          </a:effectRef>
+          <a:fontRef idx="minor">
+            <a:schemeClr val="tx1"/>
+          </a:fontRef>
+        </p:style>
+      </p:cxnSp>
+      <p:cxnSp>
+        <p:nvCxnSpPr>
+          <p:cNvPr id="55" name="Connecteur droit 54">
+            <a:extLst>
+              <a:ext uri="{FF2B5EF4-FFF2-40B4-BE49-F238E27FC236}">
+                <a16:creationId xmlns:a16="http://schemas.microsoft.com/office/drawing/2014/main" id="{52AA9200-DAFA-4EEF-AC13-4C7CE82A59EC}"/>
+              </a:ext>
+            </a:extLst>
+          </p:cNvPr>
+          <p:cNvCxnSpPr>
+            <a:cxnSpLocks/>
+          </p:cNvCxnSpPr>
+          <p:nvPr/>
+        </p:nvCxnSpPr>
+        <p:spPr>
+          <a:xfrm>
+            <a:off x="11715750" y="454801"/>
+            <a:ext cx="476249" cy="10400"/>
+          </a:xfrm>
+          <a:prstGeom prst="line">
+            <a:avLst/>
+          </a:prstGeom>
+        </p:spPr>
+        <p:style>
+          <a:lnRef idx="3">
+            <a:schemeClr val="dk1"/>
+          </a:lnRef>
+          <a:fillRef idx="0">
+            <a:schemeClr val="dk1"/>
+          </a:fillRef>
+          <a:effectRef idx="2">
+            <a:schemeClr val="dk1"/>
+          </a:effectRef>
+          <a:fontRef idx="minor">
+            <a:schemeClr val="tx1"/>
+          </a:fontRef>
+        </p:style>
+      </p:cxnSp>
+      <p:cxnSp>
+        <p:nvCxnSpPr>
+          <p:cNvPr id="23" name="Connecteur droit 22">
+            <a:extLst>
+              <a:ext uri="{FF2B5EF4-FFF2-40B4-BE49-F238E27FC236}">
+                <a16:creationId xmlns:a16="http://schemas.microsoft.com/office/drawing/2014/main" id="{BCB092C8-0080-4E56-957E-0046D4C83988}"/>
+              </a:ext>
+            </a:extLst>
+          </p:cNvPr>
+          <p:cNvCxnSpPr>
+            <a:cxnSpLocks/>
+          </p:cNvCxnSpPr>
+          <p:nvPr/>
+        </p:nvCxnSpPr>
+        <p:spPr>
+          <a:xfrm flipH="1">
+            <a:off x="2216372" y="446356"/>
+            <a:ext cx="364332" cy="501657"/>
+          </a:xfrm>
+          <a:prstGeom prst="line">
+            <a:avLst/>
+          </a:prstGeom>
+        </p:spPr>
+        <p:style>
+          <a:lnRef idx="3">
+            <a:schemeClr val="dk1"/>
+          </a:lnRef>
+          <a:fillRef idx="0">
+            <a:schemeClr val="dk1"/>
+          </a:fillRef>
+          <a:effectRef idx="2">
+            <a:schemeClr val="dk1"/>
+          </a:effectRef>
+          <a:fontRef idx="minor">
+            <a:schemeClr val="tx1"/>
+          </a:fontRef>
+        </p:style>
+      </p:cxnSp>
+      <p:sp>
+        <p:nvSpPr>
+          <p:cNvPr id="9" name="ZoneTexte 8">
+            <a:extLst>
+              <a:ext uri="{FF2B5EF4-FFF2-40B4-BE49-F238E27FC236}">
+                <a16:creationId xmlns:a16="http://schemas.microsoft.com/office/drawing/2014/main" id="{82010251-0AD2-4DAA-8E6B-7CA6A2301A9E}"/>
+              </a:ext>
+            </a:extLst>
+          </p:cNvPr>
+          <p:cNvSpPr txBox="1"/>
+          <p:nvPr/>
+        </p:nvSpPr>
+        <p:spPr>
+          <a:xfrm>
+            <a:off x="3375800" y="960364"/>
+            <a:ext cx="5440399" cy="769441"/>
+          </a:xfrm>
+          <a:prstGeom prst="rect">
+            <a:avLst/>
+          </a:prstGeom>
+          <a:noFill/>
+        </p:spPr>
+        <p:txBody>
+          <a:bodyPr wrap="square" rtlCol="0">
+            <a:spAutoFit/>
+          </a:bodyPr>
+          <a:lstStyle/>
+          <a:p>
+            <a:pPr algn="ctr"/>
+            <a:r>
+              <a:rPr lang="fr-FR" sz="4400" dirty="0">
+                <a:latin typeface="Berlin Sans FB" panose="020E0602020502020306" pitchFamily="34" charset="0"/>
+              </a:rPr>
+              <a:t>Arduino to Raspberry</a:t>
             </a:r>
           </a:p>
         </p:txBody>
@@ -5993,7 +7889,7 @@
     </p:spTree>
     <p:extLst>
       <p:ext uri="{BB962C8B-B14F-4D97-AF65-F5344CB8AC3E}">
-        <p14:creationId xmlns:p14="http://schemas.microsoft.com/office/powerpoint/2010/main" val="3095519770"/>
+        <p14:creationId xmlns:p14="http://schemas.microsoft.com/office/powerpoint/2010/main" val="2982064475"/>
       </p:ext>
     </p:extLst>
   </p:cSld>
@@ -10803,10 +12699,10 @@
       </p:sp>
       <p:pic>
         <p:nvPicPr>
-          <p:cNvPr id="3" name="Image 2" descr="Une image contenant capture d’écran&#10;&#10;Description générée avec un niveau de confiance très élevé">
-            <a:extLst>
-              <a:ext uri="{FF2B5EF4-FFF2-40B4-BE49-F238E27FC236}">
-                <a16:creationId xmlns:a16="http://schemas.microsoft.com/office/drawing/2014/main" id="{4BA07F43-FCF4-4AC9-9E1F-54208F4A0717}"/>
+          <p:cNvPr id="4" name="Image 3" descr="Une image contenant capture d’écran&#10;&#10;Description générée avec un niveau de confiance très élevé">
+            <a:extLst>
+              <a:ext uri="{FF2B5EF4-FFF2-40B4-BE49-F238E27FC236}">
+                <a16:creationId xmlns:a16="http://schemas.microsoft.com/office/drawing/2014/main" id="{901B6A71-CD93-4D27-8D56-9A03F8F58C63}"/>
               </a:ext>
             </a:extLst>
           </p:cNvPr>
@@ -10829,8 +12725,8 @@
         </p:blipFill>
         <p:spPr>
           <a:xfrm>
-            <a:off x="2153143" y="1901195"/>
-            <a:ext cx="7885714" cy="4733333"/>
+            <a:off x="2126058" y="1814596"/>
+            <a:ext cx="7723809" cy="4714286"/>
           </a:xfrm>
           <a:prstGeom prst="rect">
             <a:avLst/>

--- a/oral_projet/revue_2/diaporama_revue_2_willy.pptx
+++ b/oral_projet/revue_2/diaporama_revue_2_willy.pptx
@@ -5,7 +5,7 @@
     <p:sldMasterId id="2147483648" r:id="rId1"/>
   </p:sldMasterIdLst>
   <p:notesMasterIdLst>
-    <p:notesMasterId r:id="rId15"/>
+    <p:notesMasterId r:id="rId16"/>
   </p:notesMasterIdLst>
   <p:sldIdLst>
     <p:sldId id="256" r:id="rId2"/>
@@ -21,6 +21,7 @@
     <p:sldId id="268" r:id="rId12"/>
     <p:sldId id="269" r:id="rId13"/>
     <p:sldId id="270" r:id="rId14"/>
+    <p:sldId id="271" r:id="rId15"/>
   </p:sldIdLst>
   <p:sldSz cx="12192000" cy="6858000"/>
   <p:notesSz cx="6858000" cy="9144000"/>
@@ -7436,6 +7437,804 @@
       </p:grpSpPr>
       <p:pic>
         <p:nvPicPr>
+          <p:cNvPr id="14" name="Image 13" descr="Une image contenant équipement électronique, capture d’écran&#10;&#10;Description générée avec un niveau de confiance élevé">
+            <a:extLst>
+              <a:ext uri="{FF2B5EF4-FFF2-40B4-BE49-F238E27FC236}">
+                <a16:creationId xmlns:a16="http://schemas.microsoft.com/office/drawing/2014/main" id="{956BD52E-A187-4EF5-8FF4-4F279C130E0C}"/>
+              </a:ext>
+            </a:extLst>
+          </p:cNvPr>
+          <p:cNvPicPr>
+            <a:picLocks noChangeAspect="1"/>
+          </p:cNvPicPr>
+          <p:nvPr/>
+        </p:nvPicPr>
+        <p:blipFill>
+          <a:blip r:embed="rId2">
+            <a:extLst>
+              <a:ext uri="{28A0092B-C50C-407E-A947-70E740481C1C}">
+                <a14:useLocalDpi xmlns:a14="http://schemas.microsoft.com/office/drawing/2010/main" val="0"/>
+              </a:ext>
+            </a:extLst>
+          </a:blip>
+          <a:stretch>
+            <a:fillRect/>
+          </a:stretch>
+        </p:blipFill>
+        <p:spPr>
+          <a:xfrm>
+            <a:off x="4954737" y="3482890"/>
+            <a:ext cx="2282526" cy="1283921"/>
+          </a:xfrm>
+          <a:prstGeom prst="rect">
+            <a:avLst/>
+          </a:prstGeom>
+        </p:spPr>
+      </p:pic>
+      <p:pic>
+        <p:nvPicPr>
+          <p:cNvPr id="8" name="Image 7">
+            <a:extLst>
+              <a:ext uri="{FF2B5EF4-FFF2-40B4-BE49-F238E27FC236}">
+                <a16:creationId xmlns:a16="http://schemas.microsoft.com/office/drawing/2014/main" id="{2BB825C5-31DA-4A56-85EA-536DBF510A31}"/>
+              </a:ext>
+            </a:extLst>
+          </p:cNvPr>
+          <p:cNvPicPr>
+            <a:picLocks noChangeAspect="1"/>
+          </p:cNvPicPr>
+          <p:nvPr/>
+        </p:nvPicPr>
+        <p:blipFill>
+          <a:blip r:embed="rId3">
+            <a:extLst>
+              <a:ext uri="{28A0092B-C50C-407E-A947-70E740481C1C}">
+                <a14:useLocalDpi xmlns:a14="http://schemas.microsoft.com/office/drawing/2010/main" val="0"/>
+              </a:ext>
+            </a:extLst>
+          </a:blip>
+          <a:stretch>
+            <a:fillRect/>
+          </a:stretch>
+        </p:blipFill>
+        <p:spPr>
+          <a:xfrm>
+            <a:off x="1068751" y="66457"/>
+            <a:ext cx="1259497" cy="776690"/>
+          </a:xfrm>
+          <a:prstGeom prst="rect">
+            <a:avLst/>
+          </a:prstGeom>
+        </p:spPr>
+      </p:pic>
+      <p:pic>
+        <p:nvPicPr>
+          <p:cNvPr id="10" name="Image 9">
+            <a:extLst>
+              <a:ext uri="{FF2B5EF4-FFF2-40B4-BE49-F238E27FC236}">
+                <a16:creationId xmlns:a16="http://schemas.microsoft.com/office/drawing/2014/main" id="{8EE7436F-49F2-41E0-93E4-D247B4705294}"/>
+              </a:ext>
+            </a:extLst>
+          </p:cNvPr>
+          <p:cNvPicPr>
+            <a:picLocks noChangeAspect="1"/>
+          </p:cNvPicPr>
+          <p:nvPr/>
+        </p:nvPicPr>
+        <p:blipFill>
+          <a:blip r:embed="rId4">
+            <a:extLst>
+              <a:ext uri="{28A0092B-C50C-407E-A947-70E740481C1C}">
+                <a14:useLocalDpi xmlns:a14="http://schemas.microsoft.com/office/drawing/2010/main" val="0"/>
+              </a:ext>
+            </a:extLst>
+          </a:blip>
+          <a:stretch>
+            <a:fillRect/>
+          </a:stretch>
+        </p:blipFill>
+        <p:spPr>
+          <a:xfrm>
+            <a:off x="9681085" y="238153"/>
+            <a:ext cx="1802101" cy="569807"/>
+          </a:xfrm>
+          <a:prstGeom prst="rect">
+            <a:avLst/>
+          </a:prstGeom>
+        </p:spPr>
+      </p:pic>
+      <p:cxnSp>
+        <p:nvCxnSpPr>
+          <p:cNvPr id="16" name="Connecteur droit 15">
+            <a:extLst>
+              <a:ext uri="{FF2B5EF4-FFF2-40B4-BE49-F238E27FC236}">
+                <a16:creationId xmlns:a16="http://schemas.microsoft.com/office/drawing/2014/main" id="{7319284A-BD6F-4A96-8E2B-E0A4B52E53C6}"/>
+              </a:ext>
+            </a:extLst>
+          </p:cNvPr>
+          <p:cNvCxnSpPr>
+            <a:cxnSpLocks/>
+          </p:cNvCxnSpPr>
+          <p:nvPr/>
+        </p:nvCxnSpPr>
+        <p:spPr>
+          <a:xfrm flipV="1">
+            <a:off x="0" y="454803"/>
+            <a:ext cx="738231" cy="1798"/>
+          </a:xfrm>
+          <a:prstGeom prst="line">
+            <a:avLst/>
+          </a:prstGeom>
+        </p:spPr>
+        <p:style>
+          <a:lnRef idx="3">
+            <a:schemeClr val="dk1"/>
+          </a:lnRef>
+          <a:fillRef idx="0">
+            <a:schemeClr val="dk1"/>
+          </a:fillRef>
+          <a:effectRef idx="2">
+            <a:schemeClr val="dk1"/>
+          </a:effectRef>
+          <a:fontRef idx="minor">
+            <a:schemeClr val="tx1"/>
+          </a:fontRef>
+        </p:style>
+      </p:cxnSp>
+      <p:cxnSp>
+        <p:nvCxnSpPr>
+          <p:cNvPr id="20" name="Connecteur droit 19">
+            <a:extLst>
+              <a:ext uri="{FF2B5EF4-FFF2-40B4-BE49-F238E27FC236}">
+                <a16:creationId xmlns:a16="http://schemas.microsoft.com/office/drawing/2014/main" id="{08874CF7-F149-4C81-B61E-74E18342BA8A}"/>
+              </a:ext>
+            </a:extLst>
+          </p:cNvPr>
+          <p:cNvCxnSpPr>
+            <a:cxnSpLocks/>
+          </p:cNvCxnSpPr>
+          <p:nvPr/>
+        </p:nvCxnSpPr>
+        <p:spPr>
+          <a:xfrm>
+            <a:off x="2573222" y="454803"/>
+            <a:ext cx="6829482" cy="10398"/>
+          </a:xfrm>
+          <a:prstGeom prst="line">
+            <a:avLst/>
+          </a:prstGeom>
+        </p:spPr>
+        <p:style>
+          <a:lnRef idx="3">
+            <a:schemeClr val="dk1"/>
+          </a:lnRef>
+          <a:fillRef idx="0">
+            <a:schemeClr val="dk1"/>
+          </a:fillRef>
+          <a:effectRef idx="2">
+            <a:schemeClr val="dk1"/>
+          </a:effectRef>
+          <a:fontRef idx="minor">
+            <a:schemeClr val="tx1"/>
+          </a:fontRef>
+        </p:style>
+      </p:cxnSp>
+      <p:cxnSp>
+        <p:nvCxnSpPr>
+          <p:cNvPr id="26" name="Connecteur droit 25">
+            <a:extLst>
+              <a:ext uri="{FF2B5EF4-FFF2-40B4-BE49-F238E27FC236}">
+                <a16:creationId xmlns:a16="http://schemas.microsoft.com/office/drawing/2014/main" id="{BB3B35CC-057B-48C1-880F-3306A6559175}"/>
+              </a:ext>
+            </a:extLst>
+          </p:cNvPr>
+          <p:cNvCxnSpPr>
+            <a:cxnSpLocks/>
+          </p:cNvCxnSpPr>
+          <p:nvPr/>
+        </p:nvCxnSpPr>
+        <p:spPr>
+          <a:xfrm>
+            <a:off x="738231" y="454803"/>
+            <a:ext cx="344203" cy="484764"/>
+          </a:xfrm>
+          <a:prstGeom prst="line">
+            <a:avLst/>
+          </a:prstGeom>
+        </p:spPr>
+        <p:style>
+          <a:lnRef idx="3">
+            <a:schemeClr val="dk1"/>
+          </a:lnRef>
+          <a:fillRef idx="0">
+            <a:schemeClr val="dk1"/>
+          </a:fillRef>
+          <a:effectRef idx="2">
+            <a:schemeClr val="dk1"/>
+          </a:effectRef>
+          <a:fontRef idx="minor">
+            <a:schemeClr val="tx1"/>
+          </a:fontRef>
+        </p:style>
+      </p:cxnSp>
+      <p:cxnSp>
+        <p:nvCxnSpPr>
+          <p:cNvPr id="32" name="Connecteur droit 31">
+            <a:extLst>
+              <a:ext uri="{FF2B5EF4-FFF2-40B4-BE49-F238E27FC236}">
+                <a16:creationId xmlns:a16="http://schemas.microsoft.com/office/drawing/2014/main" id="{4AD96496-1EB6-4E48-9BB2-5C255495C686}"/>
+              </a:ext>
+            </a:extLst>
+          </p:cNvPr>
+          <p:cNvCxnSpPr>
+            <a:cxnSpLocks/>
+          </p:cNvCxnSpPr>
+          <p:nvPr/>
+        </p:nvCxnSpPr>
+        <p:spPr>
+          <a:xfrm>
+            <a:off x="1082434" y="938268"/>
+            <a:ext cx="1146585" cy="0"/>
+          </a:xfrm>
+          <a:prstGeom prst="line">
+            <a:avLst/>
+          </a:prstGeom>
+        </p:spPr>
+        <p:style>
+          <a:lnRef idx="3">
+            <a:schemeClr val="dk1"/>
+          </a:lnRef>
+          <a:fillRef idx="0">
+            <a:schemeClr val="dk1"/>
+          </a:fillRef>
+          <a:effectRef idx="2">
+            <a:schemeClr val="dk1"/>
+          </a:effectRef>
+          <a:fontRef idx="minor">
+            <a:schemeClr val="tx1"/>
+          </a:fontRef>
+        </p:style>
+      </p:cxnSp>
+      <p:cxnSp>
+        <p:nvCxnSpPr>
+          <p:cNvPr id="51" name="Connecteur droit 50">
+            <a:extLst>
+              <a:ext uri="{FF2B5EF4-FFF2-40B4-BE49-F238E27FC236}">
+                <a16:creationId xmlns:a16="http://schemas.microsoft.com/office/drawing/2014/main" id="{C035BFA6-ECBF-4775-BA81-19D2CA41AA8D}"/>
+              </a:ext>
+            </a:extLst>
+          </p:cNvPr>
+          <p:cNvCxnSpPr>
+            <a:cxnSpLocks/>
+          </p:cNvCxnSpPr>
+          <p:nvPr/>
+        </p:nvCxnSpPr>
+        <p:spPr>
+          <a:xfrm>
+            <a:off x="9402704" y="465201"/>
+            <a:ext cx="344203" cy="495163"/>
+          </a:xfrm>
+          <a:prstGeom prst="line">
+            <a:avLst/>
+          </a:prstGeom>
+        </p:spPr>
+        <p:style>
+          <a:lnRef idx="3">
+            <a:schemeClr val="dk1"/>
+          </a:lnRef>
+          <a:fillRef idx="0">
+            <a:schemeClr val="dk1"/>
+          </a:fillRef>
+          <a:effectRef idx="2">
+            <a:schemeClr val="dk1"/>
+          </a:effectRef>
+          <a:fontRef idx="minor">
+            <a:schemeClr val="tx1"/>
+          </a:fontRef>
+        </p:style>
+      </p:cxnSp>
+      <p:cxnSp>
+        <p:nvCxnSpPr>
+          <p:cNvPr id="52" name="Connecteur droit 51">
+            <a:extLst>
+              <a:ext uri="{FF2B5EF4-FFF2-40B4-BE49-F238E27FC236}">
+                <a16:creationId xmlns:a16="http://schemas.microsoft.com/office/drawing/2014/main" id="{FA310BC7-694B-4984-99A2-61A1F4F6EBF9}"/>
+              </a:ext>
+            </a:extLst>
+          </p:cNvPr>
+          <p:cNvCxnSpPr>
+            <a:cxnSpLocks/>
+          </p:cNvCxnSpPr>
+          <p:nvPr/>
+        </p:nvCxnSpPr>
+        <p:spPr>
+          <a:xfrm flipH="1">
+            <a:off x="11370469" y="448308"/>
+            <a:ext cx="364332" cy="501657"/>
+          </a:xfrm>
+          <a:prstGeom prst="line">
+            <a:avLst/>
+          </a:prstGeom>
+        </p:spPr>
+        <p:style>
+          <a:lnRef idx="3">
+            <a:schemeClr val="dk1"/>
+          </a:lnRef>
+          <a:fillRef idx="0">
+            <a:schemeClr val="dk1"/>
+          </a:fillRef>
+          <a:effectRef idx="2">
+            <a:schemeClr val="dk1"/>
+          </a:effectRef>
+          <a:fontRef idx="minor">
+            <a:schemeClr val="tx1"/>
+          </a:fontRef>
+        </p:style>
+      </p:cxnSp>
+      <p:cxnSp>
+        <p:nvCxnSpPr>
+          <p:cNvPr id="53" name="Connecteur droit 52">
+            <a:extLst>
+              <a:ext uri="{FF2B5EF4-FFF2-40B4-BE49-F238E27FC236}">
+                <a16:creationId xmlns:a16="http://schemas.microsoft.com/office/drawing/2014/main" id="{BE0649BD-EE59-4DDA-960F-95B2572F9F13}"/>
+              </a:ext>
+            </a:extLst>
+          </p:cNvPr>
+          <p:cNvCxnSpPr>
+            <a:cxnSpLocks/>
+          </p:cNvCxnSpPr>
+          <p:nvPr/>
+        </p:nvCxnSpPr>
+        <p:spPr>
+          <a:xfrm>
+            <a:off x="9743203" y="949965"/>
+            <a:ext cx="1627266" cy="0"/>
+          </a:xfrm>
+          <a:prstGeom prst="line">
+            <a:avLst/>
+          </a:prstGeom>
+        </p:spPr>
+        <p:style>
+          <a:lnRef idx="3">
+            <a:schemeClr val="dk1"/>
+          </a:lnRef>
+          <a:fillRef idx="0">
+            <a:schemeClr val="dk1"/>
+          </a:fillRef>
+          <a:effectRef idx="2">
+            <a:schemeClr val="dk1"/>
+          </a:effectRef>
+          <a:fontRef idx="minor">
+            <a:schemeClr val="tx1"/>
+          </a:fontRef>
+        </p:style>
+      </p:cxnSp>
+      <p:cxnSp>
+        <p:nvCxnSpPr>
+          <p:cNvPr id="55" name="Connecteur droit 54">
+            <a:extLst>
+              <a:ext uri="{FF2B5EF4-FFF2-40B4-BE49-F238E27FC236}">
+                <a16:creationId xmlns:a16="http://schemas.microsoft.com/office/drawing/2014/main" id="{52AA9200-DAFA-4EEF-AC13-4C7CE82A59EC}"/>
+              </a:ext>
+            </a:extLst>
+          </p:cNvPr>
+          <p:cNvCxnSpPr>
+            <a:cxnSpLocks/>
+          </p:cNvCxnSpPr>
+          <p:nvPr/>
+        </p:nvCxnSpPr>
+        <p:spPr>
+          <a:xfrm>
+            <a:off x="11715750" y="454801"/>
+            <a:ext cx="476249" cy="10400"/>
+          </a:xfrm>
+          <a:prstGeom prst="line">
+            <a:avLst/>
+          </a:prstGeom>
+        </p:spPr>
+        <p:style>
+          <a:lnRef idx="3">
+            <a:schemeClr val="dk1"/>
+          </a:lnRef>
+          <a:fillRef idx="0">
+            <a:schemeClr val="dk1"/>
+          </a:fillRef>
+          <a:effectRef idx="2">
+            <a:schemeClr val="dk1"/>
+          </a:effectRef>
+          <a:fontRef idx="minor">
+            <a:schemeClr val="tx1"/>
+          </a:fontRef>
+        </p:style>
+      </p:cxnSp>
+      <p:cxnSp>
+        <p:nvCxnSpPr>
+          <p:cNvPr id="23" name="Connecteur droit 22">
+            <a:extLst>
+              <a:ext uri="{FF2B5EF4-FFF2-40B4-BE49-F238E27FC236}">
+                <a16:creationId xmlns:a16="http://schemas.microsoft.com/office/drawing/2014/main" id="{BCB092C8-0080-4E56-957E-0046D4C83988}"/>
+              </a:ext>
+            </a:extLst>
+          </p:cNvPr>
+          <p:cNvCxnSpPr>
+            <a:cxnSpLocks/>
+          </p:cNvCxnSpPr>
+          <p:nvPr/>
+        </p:nvCxnSpPr>
+        <p:spPr>
+          <a:xfrm flipH="1">
+            <a:off x="2216372" y="446356"/>
+            <a:ext cx="364332" cy="501657"/>
+          </a:xfrm>
+          <a:prstGeom prst="line">
+            <a:avLst/>
+          </a:prstGeom>
+        </p:spPr>
+        <p:style>
+          <a:lnRef idx="3">
+            <a:schemeClr val="dk1"/>
+          </a:lnRef>
+          <a:fillRef idx="0">
+            <a:schemeClr val="dk1"/>
+          </a:fillRef>
+          <a:effectRef idx="2">
+            <a:schemeClr val="dk1"/>
+          </a:effectRef>
+          <a:fontRef idx="minor">
+            <a:schemeClr val="tx1"/>
+          </a:fontRef>
+        </p:style>
+      </p:cxnSp>
+      <p:sp>
+        <p:nvSpPr>
+          <p:cNvPr id="9" name="ZoneTexte 8">
+            <a:extLst>
+              <a:ext uri="{FF2B5EF4-FFF2-40B4-BE49-F238E27FC236}">
+                <a16:creationId xmlns:a16="http://schemas.microsoft.com/office/drawing/2014/main" id="{82010251-0AD2-4DAA-8E6B-7CA6A2301A9E}"/>
+              </a:ext>
+            </a:extLst>
+          </p:cNvPr>
+          <p:cNvSpPr txBox="1"/>
+          <p:nvPr/>
+        </p:nvSpPr>
+        <p:spPr>
+          <a:xfrm>
+            <a:off x="3375800" y="960364"/>
+            <a:ext cx="5440399" cy="769441"/>
+          </a:xfrm>
+          <a:prstGeom prst="rect">
+            <a:avLst/>
+          </a:prstGeom>
+          <a:noFill/>
+        </p:spPr>
+        <p:txBody>
+          <a:bodyPr wrap="square" rtlCol="0">
+            <a:spAutoFit/>
+          </a:bodyPr>
+          <a:lstStyle/>
+          <a:p>
+            <a:pPr algn="ctr"/>
+            <a:r>
+              <a:rPr lang="fr-FR" sz="4400" dirty="0">
+                <a:latin typeface="Berlin Sans FB" panose="020E0602020502020306" pitchFamily="34" charset="0"/>
+              </a:rPr>
+              <a:t>Prototype site Web</a:t>
+            </a:r>
+          </a:p>
+        </p:txBody>
+      </p:sp>
+      <p:pic>
+        <p:nvPicPr>
+          <p:cNvPr id="3" name="Image 2">
+            <a:extLst>
+              <a:ext uri="{FF2B5EF4-FFF2-40B4-BE49-F238E27FC236}">
+                <a16:creationId xmlns:a16="http://schemas.microsoft.com/office/drawing/2014/main" id="{B2C04E7F-4AFC-4DBC-8C24-E870FB6ED5BB}"/>
+              </a:ext>
+            </a:extLst>
+          </p:cNvPr>
+          <p:cNvPicPr>
+            <a:picLocks noChangeAspect="1"/>
+          </p:cNvPicPr>
+          <p:nvPr/>
+        </p:nvPicPr>
+        <p:blipFill>
+          <a:blip r:embed="rId5">
+            <a:extLst>
+              <a:ext uri="{28A0092B-C50C-407E-A947-70E740481C1C}">
+                <a14:useLocalDpi xmlns:a14="http://schemas.microsoft.com/office/drawing/2010/main" val="0"/>
+              </a:ext>
+            </a:extLst>
+          </a:blip>
+          <a:stretch>
+            <a:fillRect/>
+          </a:stretch>
+        </p:blipFill>
+        <p:spPr>
+          <a:xfrm>
+            <a:off x="830517" y="2432338"/>
+            <a:ext cx="3136041" cy="1764023"/>
+          </a:xfrm>
+          <a:prstGeom prst="rect">
+            <a:avLst/>
+          </a:prstGeom>
+        </p:spPr>
+      </p:pic>
+      <p:pic>
+        <p:nvPicPr>
+          <p:cNvPr id="5" name="Image 4" descr="Une image contenant capture d’écran&#10;&#10;Description générée avec un niveau de confiance très élevé">
+            <a:extLst>
+              <a:ext uri="{FF2B5EF4-FFF2-40B4-BE49-F238E27FC236}">
+                <a16:creationId xmlns:a16="http://schemas.microsoft.com/office/drawing/2014/main" id="{CF604934-6B4B-4722-B3D3-1411B275B66C}"/>
+              </a:ext>
+            </a:extLst>
+          </p:cNvPr>
+          <p:cNvPicPr>
+            <a:picLocks noChangeAspect="1"/>
+          </p:cNvPicPr>
+          <p:nvPr/>
+        </p:nvPicPr>
+        <p:blipFill>
+          <a:blip r:embed="rId6">
+            <a:extLst>
+              <a:ext uri="{28A0092B-C50C-407E-A947-70E740481C1C}">
+                <a14:useLocalDpi xmlns:a14="http://schemas.microsoft.com/office/drawing/2010/main" val="0"/>
+              </a:ext>
+            </a:extLst>
+          </a:blip>
+          <a:stretch>
+            <a:fillRect/>
+          </a:stretch>
+        </p:blipFill>
+        <p:spPr>
+          <a:xfrm>
+            <a:off x="830517" y="4303915"/>
+            <a:ext cx="3136041" cy="1764023"/>
+          </a:xfrm>
+          <a:prstGeom prst="rect">
+            <a:avLst/>
+          </a:prstGeom>
+        </p:spPr>
+      </p:pic>
+      <p:pic>
+        <p:nvPicPr>
+          <p:cNvPr id="12" name="Image 11" descr="Une image contenant capture d’écran&#10;&#10;Description générée avec un niveau de confiance très élevé">
+            <a:extLst>
+              <a:ext uri="{FF2B5EF4-FFF2-40B4-BE49-F238E27FC236}">
+                <a16:creationId xmlns:a16="http://schemas.microsoft.com/office/drawing/2014/main" id="{8598BF18-2E78-4824-99C5-9E2FA25949A2}"/>
+              </a:ext>
+            </a:extLst>
+          </p:cNvPr>
+          <p:cNvPicPr>
+            <a:picLocks noChangeAspect="1"/>
+          </p:cNvPicPr>
+          <p:nvPr/>
+        </p:nvPicPr>
+        <p:blipFill>
+          <a:blip r:embed="rId7">
+            <a:extLst>
+              <a:ext uri="{28A0092B-C50C-407E-A947-70E740481C1C}">
+                <a14:useLocalDpi xmlns:a14="http://schemas.microsoft.com/office/drawing/2010/main" val="0"/>
+              </a:ext>
+            </a:extLst>
+          </a:blip>
+          <a:stretch>
+            <a:fillRect/>
+          </a:stretch>
+        </p:blipFill>
+        <p:spPr>
+          <a:xfrm>
+            <a:off x="4954737" y="2360828"/>
+            <a:ext cx="2282526" cy="1283921"/>
+          </a:xfrm>
+          <a:prstGeom prst="rect">
+            <a:avLst/>
+          </a:prstGeom>
+        </p:spPr>
+      </p:pic>
+      <p:pic>
+        <p:nvPicPr>
+          <p:cNvPr id="17" name="Image 16">
+            <a:extLst>
+              <a:ext uri="{FF2B5EF4-FFF2-40B4-BE49-F238E27FC236}">
+                <a16:creationId xmlns:a16="http://schemas.microsoft.com/office/drawing/2014/main" id="{8ECE8ABE-320A-4429-B3A2-F1559AD236E4}"/>
+              </a:ext>
+            </a:extLst>
+          </p:cNvPr>
+          <p:cNvPicPr>
+            <a:picLocks noChangeAspect="1"/>
+          </p:cNvPicPr>
+          <p:nvPr/>
+        </p:nvPicPr>
+        <p:blipFill>
+          <a:blip r:embed="rId8">
+            <a:extLst>
+              <a:ext uri="{28A0092B-C50C-407E-A947-70E740481C1C}">
+                <a14:useLocalDpi xmlns:a14="http://schemas.microsoft.com/office/drawing/2010/main" val="0"/>
+              </a:ext>
+            </a:extLst>
+          </a:blip>
+          <a:stretch>
+            <a:fillRect/>
+          </a:stretch>
+        </p:blipFill>
+        <p:spPr>
+          <a:xfrm>
+            <a:off x="5126775" y="3340377"/>
+            <a:ext cx="1938451" cy="1318147"/>
+          </a:xfrm>
+          <a:prstGeom prst="rect">
+            <a:avLst/>
+          </a:prstGeom>
+        </p:spPr>
+      </p:pic>
+      <p:pic>
+        <p:nvPicPr>
+          <p:cNvPr id="19" name="Image 18" descr="Une image contenant capture d’écran&#10;&#10;Description générée avec un niveau de confiance très élevé">
+            <a:extLst>
+              <a:ext uri="{FF2B5EF4-FFF2-40B4-BE49-F238E27FC236}">
+                <a16:creationId xmlns:a16="http://schemas.microsoft.com/office/drawing/2014/main" id="{72AA5592-814F-420D-BAB0-54216E5E40A0}"/>
+              </a:ext>
+            </a:extLst>
+          </p:cNvPr>
+          <p:cNvPicPr>
+            <a:picLocks noChangeAspect="1"/>
+          </p:cNvPicPr>
+          <p:nvPr/>
+        </p:nvPicPr>
+        <p:blipFill>
+          <a:blip r:embed="rId9">
+            <a:extLst>
+              <a:ext uri="{28A0092B-C50C-407E-A947-70E740481C1C}">
+                <a14:useLocalDpi xmlns:a14="http://schemas.microsoft.com/office/drawing/2010/main" val="0"/>
+              </a:ext>
+            </a:extLst>
+          </a:blip>
+          <a:stretch>
+            <a:fillRect/>
+          </a:stretch>
+        </p:blipFill>
+        <p:spPr>
+          <a:xfrm>
+            <a:off x="8433541" y="2245268"/>
+            <a:ext cx="2282527" cy="1283922"/>
+          </a:xfrm>
+          <a:prstGeom prst="rect">
+            <a:avLst/>
+          </a:prstGeom>
+        </p:spPr>
+      </p:pic>
+      <p:pic>
+        <p:nvPicPr>
+          <p:cNvPr id="22" name="Image 21" descr="Une image contenant équipement électronique, capture d’écran&#10;&#10;Description générée avec un niveau de confiance élevé">
+            <a:extLst>
+              <a:ext uri="{FF2B5EF4-FFF2-40B4-BE49-F238E27FC236}">
+                <a16:creationId xmlns:a16="http://schemas.microsoft.com/office/drawing/2014/main" id="{C560539A-74FA-49DA-94A3-01CDC714C7F7}"/>
+              </a:ext>
+            </a:extLst>
+          </p:cNvPr>
+          <p:cNvPicPr>
+            <a:picLocks noChangeAspect="1"/>
+          </p:cNvPicPr>
+          <p:nvPr/>
+        </p:nvPicPr>
+        <p:blipFill>
+          <a:blip r:embed="rId10">
+            <a:extLst>
+              <a:ext uri="{28A0092B-C50C-407E-A947-70E740481C1C}">
+                <a14:useLocalDpi xmlns:a14="http://schemas.microsoft.com/office/drawing/2010/main" val="0"/>
+              </a:ext>
+            </a:extLst>
+          </a:blip>
+          <a:stretch>
+            <a:fillRect/>
+          </a:stretch>
+        </p:blipFill>
+        <p:spPr>
+          <a:xfrm>
+            <a:off x="8433538" y="3529190"/>
+            <a:ext cx="2282528" cy="1283922"/>
+          </a:xfrm>
+          <a:prstGeom prst="rect">
+            <a:avLst/>
+          </a:prstGeom>
+        </p:spPr>
+      </p:pic>
+      <p:sp>
+        <p:nvSpPr>
+          <p:cNvPr id="24" name="Rectangle 23">
+            <a:extLst>
+              <a:ext uri="{FF2B5EF4-FFF2-40B4-BE49-F238E27FC236}">
+                <a16:creationId xmlns:a16="http://schemas.microsoft.com/office/drawing/2014/main" id="{360E7FE7-6B2B-4D52-9EDA-BA9831B875BC}"/>
+              </a:ext>
+            </a:extLst>
+          </p:cNvPr>
+          <p:cNvSpPr/>
+          <p:nvPr/>
+        </p:nvSpPr>
+        <p:spPr>
+          <a:xfrm>
+            <a:off x="4954737" y="2304661"/>
+            <a:ext cx="2282526" cy="2462150"/>
+          </a:xfrm>
+          <a:prstGeom prst="rect">
+            <a:avLst/>
+          </a:prstGeom>
+          <a:noFill/>
+          <a:ln>
+            <a:solidFill>
+              <a:schemeClr val="tx1"/>
+            </a:solidFill>
+          </a:ln>
+        </p:spPr>
+        <p:style>
+          <a:lnRef idx="2">
+            <a:schemeClr val="accent1">
+              <a:shade val="50000"/>
+            </a:schemeClr>
+          </a:lnRef>
+          <a:fillRef idx="1">
+            <a:schemeClr val="accent1"/>
+          </a:fillRef>
+          <a:effectRef idx="0">
+            <a:schemeClr val="accent1"/>
+          </a:effectRef>
+          <a:fontRef idx="minor">
+            <a:schemeClr val="lt1"/>
+          </a:fontRef>
+        </p:style>
+        <p:txBody>
+          <a:bodyPr rtlCol="0" anchor="ctr"/>
+          <a:lstStyle/>
+          <a:p>
+            <a:pPr algn="ctr"/>
+            <a:endParaRPr lang="fr-FR"/>
+          </a:p>
+        </p:txBody>
+      </p:sp>
+    </p:spTree>
+    <p:extLst>
+      <p:ext uri="{BB962C8B-B14F-4D97-AF65-F5344CB8AC3E}">
+        <p14:creationId xmlns:p14="http://schemas.microsoft.com/office/powerpoint/2010/main" val="2982064475"/>
+      </p:ext>
+    </p:extLst>
+  </p:cSld>
+  <p:clrMapOvr>
+    <a:masterClrMapping/>
+  </p:clrMapOvr>
+  <mc:AlternateContent xmlns:mc="http://schemas.openxmlformats.org/markup-compatibility/2006" xmlns:p14="http://schemas.microsoft.com/office/powerpoint/2010/main">
+    <mc:Choice Requires="p14">
+      <p:transition spd="slow">
+        <p14:reveal/>
+      </p:transition>
+    </mc:Choice>
+    <mc:Fallback xmlns="">
+      <p:transition spd="slow">
+        <p:fade/>
+      </p:transition>
+    </mc:Fallback>
+  </mc:AlternateContent>
+</p:sld>
+</file>
+
+<file path=ppt/slides/slide14.xml><?xml version="1.0" encoding="utf-8"?>
+<p:sld xmlns:a="http://schemas.openxmlformats.org/drawingml/2006/main" xmlns:r="http://schemas.openxmlformats.org/officeDocument/2006/relationships" xmlns:p="http://schemas.openxmlformats.org/presentationml/2006/main">
+  <p:cSld>
+    <p:spTree>
+      <p:nvGrpSpPr>
+        <p:cNvPr id="1" name=""/>
+        <p:cNvGrpSpPr/>
+        <p:nvPr/>
+      </p:nvGrpSpPr>
+      <p:grpSpPr>
+        <a:xfrm>
+          <a:off x="0" y="0"/>
+          <a:ext cx="0" cy="0"/>
+          <a:chOff x="0" y="0"/>
+          <a:chExt cx="0" cy="0"/>
+        </a:xfrm>
+      </p:grpSpPr>
+      <p:pic>
+        <p:nvPicPr>
           <p:cNvPr id="8" name="Image 7">
             <a:extLst>
               <a:ext uri="{FF2B5EF4-FFF2-40B4-BE49-F238E27FC236}">
@@ -7889,7 +8688,7 @@
     </p:spTree>
     <p:extLst>
       <p:ext uri="{BB962C8B-B14F-4D97-AF65-F5344CB8AC3E}">
-        <p14:creationId xmlns:p14="http://schemas.microsoft.com/office/powerpoint/2010/main" val="2982064475"/>
+        <p14:creationId xmlns:p14="http://schemas.microsoft.com/office/powerpoint/2010/main" val="1525411984"/>
       </p:ext>
     </p:extLst>
   </p:cSld>

--- a/oral_projet/revue_2/diaporama_revue_2_willy.pptx
+++ b/oral_projet/revue_2/diaporama_revue_2_willy.pptx
@@ -5,7 +5,7 @@
     <p:sldMasterId id="2147483648" r:id="rId1"/>
   </p:sldMasterIdLst>
   <p:notesMasterIdLst>
-    <p:notesMasterId r:id="rId16"/>
+    <p:notesMasterId r:id="rId20"/>
   </p:notesMasterIdLst>
   <p:sldIdLst>
     <p:sldId id="256" r:id="rId2"/>
@@ -18,10 +18,14 @@
     <p:sldId id="264" r:id="rId9"/>
     <p:sldId id="267" r:id="rId10"/>
     <p:sldId id="266" r:id="rId11"/>
-    <p:sldId id="268" r:id="rId12"/>
-    <p:sldId id="269" r:id="rId13"/>
-    <p:sldId id="270" r:id="rId14"/>
-    <p:sldId id="271" r:id="rId15"/>
+    <p:sldId id="271" r:id="rId12"/>
+    <p:sldId id="275" r:id="rId13"/>
+    <p:sldId id="268" r:id="rId14"/>
+    <p:sldId id="269" r:id="rId15"/>
+    <p:sldId id="272" r:id="rId16"/>
+    <p:sldId id="273" r:id="rId17"/>
+    <p:sldId id="274" r:id="rId18"/>
+    <p:sldId id="270" r:id="rId19"/>
   </p:sldIdLst>
   <p:sldSz cx="12192000" cy="6858000"/>
   <p:notesSz cx="6858000" cy="9144000"/>
@@ -214,7 +218,7 @@
           <a:p>
             <a:fld id="{7BEC4371-174F-4615-858D-8B61BA547698}" type="datetimeFigureOut">
               <a:rPr lang="fr-FR" smtClean="0"/>
-              <a:t>12/03/2018</a:t>
+              <a:t>13/03/2018</a:t>
             </a:fld>
             <a:endParaRPr lang="fr-FR"/>
           </a:p>
@@ -628,7 +632,7 @@
           <a:p>
             <a:fld id="{125942D7-A464-4365-815E-3C7EAFC3F152}" type="datetimeFigureOut">
               <a:rPr lang="fr-FR" smtClean="0"/>
-              <a:t>12/03/2018</a:t>
+              <a:t>13/03/2018</a:t>
             </a:fld>
             <a:endParaRPr lang="fr-FR"/>
           </a:p>
@@ -838,7 +842,7 @@
           <a:p>
             <a:fld id="{125942D7-A464-4365-815E-3C7EAFC3F152}" type="datetimeFigureOut">
               <a:rPr lang="fr-FR" smtClean="0"/>
-              <a:t>12/03/2018</a:t>
+              <a:t>13/03/2018</a:t>
             </a:fld>
             <a:endParaRPr lang="fr-FR"/>
           </a:p>
@@ -1058,7 +1062,7 @@
           <a:p>
             <a:fld id="{125942D7-A464-4365-815E-3C7EAFC3F152}" type="datetimeFigureOut">
               <a:rPr lang="fr-FR" smtClean="0"/>
-              <a:t>12/03/2018</a:t>
+              <a:t>13/03/2018</a:t>
             </a:fld>
             <a:endParaRPr lang="fr-FR"/>
           </a:p>
@@ -1268,7 +1272,7 @@
           <a:p>
             <a:fld id="{125942D7-A464-4365-815E-3C7EAFC3F152}" type="datetimeFigureOut">
               <a:rPr lang="fr-FR" smtClean="0"/>
-              <a:t>12/03/2018</a:t>
+              <a:t>13/03/2018</a:t>
             </a:fld>
             <a:endParaRPr lang="fr-FR"/>
           </a:p>
@@ -1555,7 +1559,7 @@
           <a:p>
             <a:fld id="{125942D7-A464-4365-815E-3C7EAFC3F152}" type="datetimeFigureOut">
               <a:rPr lang="fr-FR" smtClean="0"/>
-              <a:t>12/03/2018</a:t>
+              <a:t>13/03/2018</a:t>
             </a:fld>
             <a:endParaRPr lang="fr-FR"/>
           </a:p>
@@ -1832,7 +1836,7 @@
           <a:p>
             <a:fld id="{125942D7-A464-4365-815E-3C7EAFC3F152}" type="datetimeFigureOut">
               <a:rPr lang="fr-FR" smtClean="0"/>
-              <a:t>12/03/2018</a:t>
+              <a:t>13/03/2018</a:t>
             </a:fld>
             <a:endParaRPr lang="fr-FR"/>
           </a:p>
@@ -2256,7 +2260,7 @@
           <a:p>
             <a:fld id="{125942D7-A464-4365-815E-3C7EAFC3F152}" type="datetimeFigureOut">
               <a:rPr lang="fr-FR" smtClean="0"/>
-              <a:t>12/03/2018</a:t>
+              <a:t>13/03/2018</a:t>
             </a:fld>
             <a:endParaRPr lang="fr-FR"/>
           </a:p>
@@ -2409,7 +2413,7 @@
           <a:p>
             <a:fld id="{125942D7-A464-4365-815E-3C7EAFC3F152}" type="datetimeFigureOut">
               <a:rPr lang="fr-FR" smtClean="0"/>
-              <a:t>12/03/2018</a:t>
+              <a:t>13/03/2018</a:t>
             </a:fld>
             <a:endParaRPr lang="fr-FR"/>
           </a:p>
@@ -2534,7 +2538,7 @@
           <a:p>
             <a:fld id="{125942D7-A464-4365-815E-3C7EAFC3F152}" type="datetimeFigureOut">
               <a:rPr lang="fr-FR" smtClean="0"/>
-              <a:t>12/03/2018</a:t>
+              <a:t>13/03/2018</a:t>
             </a:fld>
             <a:endParaRPr lang="fr-FR"/>
           </a:p>
@@ -2857,7 +2861,7 @@
           <a:p>
             <a:fld id="{125942D7-A464-4365-815E-3C7EAFC3F152}" type="datetimeFigureOut">
               <a:rPr lang="fr-FR" smtClean="0"/>
-              <a:t>12/03/2018</a:t>
+              <a:t>13/03/2018</a:t>
             </a:fld>
             <a:endParaRPr lang="fr-FR"/>
           </a:p>
@@ -3157,7 +3161,7 @@
           <a:p>
             <a:fld id="{125942D7-A464-4365-815E-3C7EAFC3F152}" type="datetimeFigureOut">
               <a:rPr lang="fr-FR" smtClean="0"/>
-              <a:t>12/03/2018</a:t>
+              <a:t>13/03/2018</a:t>
             </a:fld>
             <a:endParaRPr lang="fr-FR"/>
           </a:p>
@@ -3410,7 +3414,7 @@
           <a:p>
             <a:fld id="{125942D7-A464-4365-815E-3C7EAFC3F152}" type="datetimeFigureOut">
               <a:rPr lang="fr-FR" smtClean="0"/>
-              <a:t>12/03/2018</a:t>
+              <a:t>13/03/2018</a:t>
             </a:fld>
             <a:endParaRPr lang="fr-FR"/>
           </a:p>
@@ -6584,8 +6588,8 @@
         </p:nvSpPr>
         <p:spPr>
           <a:xfrm>
-            <a:off x="3610620" y="938268"/>
-            <a:ext cx="4970760" cy="769441"/>
+            <a:off x="3375800" y="960364"/>
+            <a:ext cx="5440399" cy="769441"/>
           </a:xfrm>
           <a:prstGeom prst="rect">
             <a:avLst/>
@@ -6603,89 +6607,17 @@
               <a:rPr lang="fr-FR" sz="4400" dirty="0">
                 <a:latin typeface="Berlin Sans FB" panose="020E0602020502020306" pitchFamily="34" charset="0"/>
               </a:rPr>
-              <a:t>Boucle 4/20mA</a:t>
+              <a:t>Solutions trouvées</a:t>
             </a:r>
           </a:p>
         </p:txBody>
       </p:sp>
-      <p:pic>
-        <p:nvPicPr>
-          <p:cNvPr id="3" name="Image 2" descr="Une image contenant équipement électronique, circuit&#10;&#10;Description générée avec un niveau de confiance très élevé">
-            <a:extLst>
-              <a:ext uri="{FF2B5EF4-FFF2-40B4-BE49-F238E27FC236}">
-                <a16:creationId xmlns:a16="http://schemas.microsoft.com/office/drawing/2014/main" id="{CAE81879-9DEF-4900-A1EF-1A3EA3734DC9}"/>
-              </a:ext>
-            </a:extLst>
-          </p:cNvPr>
-          <p:cNvPicPr>
-            <a:picLocks noChangeAspect="1"/>
-          </p:cNvPicPr>
-          <p:nvPr/>
-        </p:nvPicPr>
-        <p:blipFill>
-          <a:blip r:embed="rId4">
-            <a:extLst>
-              <a:ext uri="{28A0092B-C50C-407E-A947-70E740481C1C}">
-                <a14:useLocalDpi xmlns:a14="http://schemas.microsoft.com/office/drawing/2010/main" val="0"/>
-              </a:ext>
-            </a:extLst>
-          </a:blip>
-          <a:stretch>
-            <a:fillRect/>
-          </a:stretch>
-        </p:blipFill>
-        <p:spPr>
-          <a:xfrm>
-            <a:off x="7258436" y="1962761"/>
-            <a:ext cx="3252033" cy="3252033"/>
-          </a:xfrm>
-          <a:prstGeom prst="rect">
-            <a:avLst/>
-          </a:prstGeom>
-        </p:spPr>
-      </p:pic>
-      <p:pic>
-        <p:nvPicPr>
-          <p:cNvPr id="5" name="Image 4" descr="Une image contenant capture d’écran&#10;&#10;Description générée avec un niveau de confiance élevé">
-            <a:extLst>
-              <a:ext uri="{FF2B5EF4-FFF2-40B4-BE49-F238E27FC236}">
-                <a16:creationId xmlns:a16="http://schemas.microsoft.com/office/drawing/2014/main" id="{8EAC388A-9B1E-4F2A-A68D-EFB32181F53A}"/>
-              </a:ext>
-            </a:extLst>
-          </p:cNvPr>
-          <p:cNvPicPr>
-            <a:picLocks noChangeAspect="1"/>
-          </p:cNvPicPr>
-          <p:nvPr/>
-        </p:nvPicPr>
-        <p:blipFill>
-          <a:blip r:embed="rId5">
-            <a:extLst>
-              <a:ext uri="{28A0092B-C50C-407E-A947-70E740481C1C}">
-                <a14:useLocalDpi xmlns:a14="http://schemas.microsoft.com/office/drawing/2010/main" val="0"/>
-              </a:ext>
-            </a:extLst>
-          </a:blip>
-          <a:stretch>
-            <a:fillRect/>
-          </a:stretch>
-        </p:blipFill>
-        <p:spPr>
-          <a:xfrm>
-            <a:off x="1063716" y="4265886"/>
-            <a:ext cx="5553075" cy="1543050"/>
-          </a:xfrm>
-          <a:prstGeom prst="rect">
-            <a:avLst/>
-          </a:prstGeom>
-        </p:spPr>
-      </p:pic>
       <p:sp>
         <p:nvSpPr>
-          <p:cNvPr id="18" name="ZoneTexte 17">
-            <a:extLst>
-              <a:ext uri="{FF2B5EF4-FFF2-40B4-BE49-F238E27FC236}">
-                <a16:creationId xmlns:a16="http://schemas.microsoft.com/office/drawing/2014/main" id="{4E398B35-37C7-499E-B27B-3A82B6A07CF6}"/>
+          <p:cNvPr id="14" name="ZoneTexte 13">
+            <a:extLst>
+              <a:ext uri="{FF2B5EF4-FFF2-40B4-BE49-F238E27FC236}">
+                <a16:creationId xmlns:a16="http://schemas.microsoft.com/office/drawing/2014/main" id="{F7CCA71A-F0BB-420F-BA0A-C7A2268B3C68}"/>
               </a:ext>
             </a:extLst>
           </p:cNvPr>
@@ -6694,8 +6626,8 @@
         </p:nvSpPr>
         <p:spPr>
           <a:xfrm>
-            <a:off x="1698499" y="2356849"/>
-            <a:ext cx="2860650" cy="1015663"/>
+            <a:off x="1911919" y="2819870"/>
+            <a:ext cx="6334459" cy="3077766"/>
           </a:xfrm>
           <a:prstGeom prst="rect">
             <a:avLst/>
@@ -6710,7 +6642,7 @@
           <a:p>
             <a:r>
               <a:rPr lang="fr-FR" dirty="0"/>
-              <a:t>Avantages</a:t>
+              <a:t>Accéder à l’état de la serre à partir de n’importe quel endroit :</a:t>
             </a:r>
           </a:p>
           <a:p>
@@ -6722,7 +6654,31 @@
               <a:rPr lang="fr-FR" sz="1400" i="1" dirty="0">
                 <a:latin typeface="+mj-lt"/>
               </a:rPr>
-              <a:t>Très bonne immunité aux bruits</a:t>
+              <a:t>Hébergement de la base de données sur un serveur OVH</a:t>
+            </a:r>
+          </a:p>
+          <a:p>
+            <a:pPr marL="285750" indent="-285750">
+              <a:buFontTx/>
+              <a:buChar char="-"/>
+            </a:pPr>
+            <a:endParaRPr lang="fr-FR" sz="1400" i="1" dirty="0">
+              <a:latin typeface="+mj-lt"/>
+            </a:endParaRPr>
+          </a:p>
+          <a:p>
+            <a:pPr marL="285750" indent="-285750">
+              <a:buFontTx/>
+              <a:buChar char="-"/>
+            </a:pPr>
+            <a:endParaRPr lang="fr-FR" sz="1400" i="1" dirty="0">
+              <a:latin typeface="+mj-lt"/>
+            </a:endParaRPr>
+          </a:p>
+          <a:p>
+            <a:r>
+              <a:rPr lang="fr-FR" dirty="0"/>
+              <a:t>Mettre en place la boucle 4-20mA :</a:t>
             </a:r>
           </a:p>
           <a:p>
@@ -6734,7 +6690,60 @@
               <a:rPr lang="fr-FR" sz="1400" i="1" dirty="0">
                 <a:latin typeface="+mj-lt"/>
               </a:rPr>
-              <a:t>Peu de fils</a:t>
+              <a:t>Choix de l’adaptateur </a:t>
+            </a:r>
+            <a:r>
+              <a:rPr lang="fr-FR" sz="1400" i="1" dirty="0" err="1">
+                <a:latin typeface="+mj-lt"/>
+              </a:rPr>
+              <a:t>Current</a:t>
+            </a:r>
+            <a:r>
+              <a:rPr lang="fr-FR" sz="1400" i="1" dirty="0">
+                <a:latin typeface="+mj-lt"/>
+              </a:rPr>
+              <a:t> Loop </a:t>
+            </a:r>
+            <a:r>
+              <a:rPr lang="fr-FR" sz="1400" i="1" dirty="0" err="1">
+                <a:latin typeface="+mj-lt"/>
+              </a:rPr>
+              <a:t>Sensor</a:t>
+            </a:r>
+            <a:r>
+              <a:rPr lang="fr-FR" sz="1400" i="1" dirty="0">
+                <a:latin typeface="+mj-lt"/>
+              </a:rPr>
+              <a:t> </a:t>
+            </a:r>
+            <a:r>
+              <a:rPr lang="fr-FR" sz="1400" i="1" dirty="0" err="1">
+                <a:latin typeface="+mj-lt"/>
+              </a:rPr>
+              <a:t>Board</a:t>
+            </a:r>
+            <a:endParaRPr lang="fr-FR" sz="1400" i="1" dirty="0">
+              <a:latin typeface="+mj-lt"/>
+            </a:endParaRPr>
+          </a:p>
+          <a:p>
+            <a:pPr marL="285750" indent="-285750">
+              <a:buFontTx/>
+              <a:buChar char="-"/>
+            </a:pPr>
+            <a:endParaRPr lang="fr-FR" sz="1400" i="1" dirty="0"/>
+          </a:p>
+          <a:p>
+            <a:pPr marL="285750" indent="-285750">
+              <a:buFontTx/>
+              <a:buChar char="-"/>
+            </a:pPr>
+            <a:endParaRPr lang="fr-FR" sz="1400" i="1" dirty="0"/>
+          </a:p>
+          <a:p>
+            <a:r>
+              <a:rPr lang="fr-FR" dirty="0"/>
+              <a:t>Liaison Arduino à Raspberry :</a:t>
             </a:r>
           </a:p>
           <a:p>
@@ -6746,15 +6755,248 @@
               <a:rPr lang="fr-FR" sz="1400" i="1" dirty="0">
                 <a:latin typeface="+mj-lt"/>
               </a:rPr>
-              <a:t>Détection de la panne</a:t>
+              <a:t>Liaison par USB</a:t>
             </a:r>
+          </a:p>
+          <a:p>
+            <a:endParaRPr lang="fr-FR" sz="1400" dirty="0"/>
+          </a:p>
+          <a:p>
+            <a:endParaRPr lang="fr-FR" sz="1400" dirty="0">
+              <a:latin typeface="+mj-lt"/>
+            </a:endParaRPr>
+          </a:p>
+          <a:p>
+            <a:pPr marL="285750" indent="-285750">
+              <a:buFontTx/>
+              <a:buChar char="-"/>
+            </a:pPr>
+            <a:endParaRPr lang="fr-FR" sz="1400" dirty="0">
+              <a:latin typeface="+mj-lt"/>
+            </a:endParaRPr>
           </a:p>
         </p:txBody>
       </p:sp>
+      <p:pic>
+        <p:nvPicPr>
+          <p:cNvPr id="3" name="Image 2">
+            <a:extLst>
+              <a:ext uri="{FF2B5EF4-FFF2-40B4-BE49-F238E27FC236}">
+                <a16:creationId xmlns:a16="http://schemas.microsoft.com/office/drawing/2014/main" id="{F56F01D3-6B80-4FB4-8BDA-F6D73BF1C5E9}"/>
+              </a:ext>
+            </a:extLst>
+          </p:cNvPr>
+          <p:cNvPicPr>
+            <a:picLocks noChangeAspect="1"/>
+          </p:cNvPicPr>
+          <p:nvPr/>
+        </p:nvPicPr>
+        <p:blipFill>
+          <a:blip r:embed="rId4">
+            <a:extLst>
+              <a:ext uri="{28A0092B-C50C-407E-A947-70E740481C1C}">
+                <a14:useLocalDpi xmlns:a14="http://schemas.microsoft.com/office/drawing/2010/main" val="0"/>
+              </a:ext>
+            </a:extLst>
+          </a:blip>
+          <a:stretch>
+            <a:fillRect/>
+          </a:stretch>
+        </p:blipFill>
+        <p:spPr>
+          <a:xfrm>
+            <a:off x="8127733" y="2819870"/>
+            <a:ext cx="650289" cy="650289"/>
+          </a:xfrm>
+          <a:prstGeom prst="rect">
+            <a:avLst/>
+          </a:prstGeom>
+        </p:spPr>
+      </p:pic>
+      <p:pic>
+        <p:nvPicPr>
+          <p:cNvPr id="5" name="Image 4">
+            <a:extLst>
+              <a:ext uri="{FF2B5EF4-FFF2-40B4-BE49-F238E27FC236}">
+                <a16:creationId xmlns:a16="http://schemas.microsoft.com/office/drawing/2014/main" id="{658C2D0D-E47E-4FE3-B32D-3F89DDE52483}"/>
+              </a:ext>
+            </a:extLst>
+          </p:cNvPr>
+          <p:cNvPicPr>
+            <a:picLocks noChangeAspect="1"/>
+          </p:cNvPicPr>
+          <p:nvPr/>
+        </p:nvPicPr>
+        <p:blipFill>
+          <a:blip r:embed="rId5">
+            <a:extLst>
+              <a:ext uri="{28A0092B-C50C-407E-A947-70E740481C1C}">
+                <a14:useLocalDpi xmlns:a14="http://schemas.microsoft.com/office/drawing/2010/main" val="0"/>
+              </a:ext>
+            </a:extLst>
+          </a:blip>
+          <a:stretch>
+            <a:fillRect/>
+          </a:stretch>
+        </p:blipFill>
+        <p:spPr>
+          <a:xfrm>
+            <a:off x="9007632" y="2901153"/>
+            <a:ext cx="487722" cy="487722"/>
+          </a:xfrm>
+          <a:prstGeom prst="rect">
+            <a:avLst/>
+          </a:prstGeom>
+        </p:spPr>
+      </p:pic>
+      <p:pic>
+        <p:nvPicPr>
+          <p:cNvPr id="7" name="Image 6">
+            <a:extLst>
+              <a:ext uri="{FF2B5EF4-FFF2-40B4-BE49-F238E27FC236}">
+                <a16:creationId xmlns:a16="http://schemas.microsoft.com/office/drawing/2014/main" id="{78E9D668-01F5-4BE0-818A-B561BE116400}"/>
+              </a:ext>
+            </a:extLst>
+          </p:cNvPr>
+          <p:cNvPicPr>
+            <a:picLocks noChangeAspect="1"/>
+          </p:cNvPicPr>
+          <p:nvPr/>
+        </p:nvPicPr>
+        <p:blipFill>
+          <a:blip r:embed="rId6">
+            <a:extLst>
+              <a:ext uri="{28A0092B-C50C-407E-A947-70E740481C1C}">
+                <a14:useLocalDpi xmlns:a14="http://schemas.microsoft.com/office/drawing/2010/main" val="0"/>
+              </a:ext>
+            </a:extLst>
+          </a:blip>
+          <a:stretch>
+            <a:fillRect/>
+          </a:stretch>
+        </p:blipFill>
+        <p:spPr>
+          <a:xfrm>
+            <a:off x="8198855" y="4712696"/>
+            <a:ext cx="508044" cy="508044"/>
+          </a:xfrm>
+          <a:prstGeom prst="rect">
+            <a:avLst/>
+          </a:prstGeom>
+        </p:spPr>
+      </p:pic>
+      <p:pic>
+        <p:nvPicPr>
+          <p:cNvPr id="15" name="Image 14">
+            <a:extLst>
+              <a:ext uri="{FF2B5EF4-FFF2-40B4-BE49-F238E27FC236}">
+                <a16:creationId xmlns:a16="http://schemas.microsoft.com/office/drawing/2014/main" id="{758EEBB9-3053-48E8-9E79-D5BF573647EE}"/>
+              </a:ext>
+            </a:extLst>
+          </p:cNvPr>
+          <p:cNvPicPr>
+            <a:picLocks noChangeAspect="1"/>
+          </p:cNvPicPr>
+          <p:nvPr/>
+        </p:nvPicPr>
+        <p:blipFill>
+          <a:blip r:embed="rId7">
+            <a:extLst>
+              <a:ext uri="{28A0092B-C50C-407E-A947-70E740481C1C}">
+                <a14:useLocalDpi xmlns:a14="http://schemas.microsoft.com/office/drawing/2010/main" val="0"/>
+              </a:ext>
+            </a:extLst>
+          </a:blip>
+          <a:stretch>
+            <a:fillRect/>
+          </a:stretch>
+        </p:blipFill>
+        <p:spPr>
+          <a:xfrm>
+            <a:off x="8196565" y="3720944"/>
+            <a:ext cx="508044" cy="508044"/>
+          </a:xfrm>
+          <a:prstGeom prst="rect">
+            <a:avLst/>
+          </a:prstGeom>
+        </p:spPr>
+      </p:pic>
+      <p:pic>
+        <p:nvPicPr>
+          <p:cNvPr id="21" name="Image 20">
+            <a:extLst>
+              <a:ext uri="{FF2B5EF4-FFF2-40B4-BE49-F238E27FC236}">
+                <a16:creationId xmlns:a16="http://schemas.microsoft.com/office/drawing/2014/main" id="{CD685777-1D5C-4EA0-ABD8-A83FB9710C45}"/>
+              </a:ext>
+            </a:extLst>
+          </p:cNvPr>
+          <p:cNvPicPr>
+            <a:picLocks noChangeAspect="1"/>
+          </p:cNvPicPr>
+          <p:nvPr/>
+        </p:nvPicPr>
+        <p:blipFill>
+          <a:blip r:embed="rId8">
+            <a:extLst>
+              <a:ext uri="{28A0092B-C50C-407E-A947-70E740481C1C}">
+                <a14:useLocalDpi xmlns:a14="http://schemas.microsoft.com/office/drawing/2010/main" val="0"/>
+              </a:ext>
+            </a:extLst>
+          </a:blip>
+          <a:stretch>
+            <a:fillRect/>
+          </a:stretch>
+        </p:blipFill>
+        <p:spPr>
+          <a:xfrm>
+            <a:off x="8951354" y="3674827"/>
+            <a:ext cx="600278" cy="600278"/>
+          </a:xfrm>
+          <a:prstGeom prst="rect">
+            <a:avLst/>
+          </a:prstGeom>
+        </p:spPr>
+      </p:pic>
+      <p:pic>
+        <p:nvPicPr>
+          <p:cNvPr id="24" name="Image 23">
+            <a:extLst>
+              <a:ext uri="{FF2B5EF4-FFF2-40B4-BE49-F238E27FC236}">
+                <a16:creationId xmlns:a16="http://schemas.microsoft.com/office/drawing/2014/main" id="{64A6CDAE-62A2-42A7-BB2E-075DDEB37A9C}"/>
+              </a:ext>
+            </a:extLst>
+          </p:cNvPr>
+          <p:cNvPicPr>
+            <a:picLocks noChangeAspect="1"/>
+          </p:cNvPicPr>
+          <p:nvPr/>
+        </p:nvPicPr>
+        <p:blipFill>
+          <a:blip r:embed="rId9">
+            <a:extLst>
+              <a:ext uri="{28A0092B-C50C-407E-A947-70E740481C1C}">
+                <a14:useLocalDpi xmlns:a14="http://schemas.microsoft.com/office/drawing/2010/main" val="0"/>
+              </a:ext>
+            </a:extLst>
+          </a:blip>
+          <a:stretch>
+            <a:fillRect/>
+          </a:stretch>
+        </p:blipFill>
+        <p:spPr>
+          <a:xfrm>
+            <a:off x="9007632" y="4700187"/>
+            <a:ext cx="487722" cy="487722"/>
+          </a:xfrm>
+          <a:prstGeom prst="rect">
+            <a:avLst/>
+          </a:prstGeom>
+        </p:spPr>
+      </p:pic>
     </p:spTree>
     <p:extLst>
       <p:ext uri="{BB962C8B-B14F-4D97-AF65-F5344CB8AC3E}">
-        <p14:creationId xmlns:p14="http://schemas.microsoft.com/office/powerpoint/2010/main" val="1404166436"/>
+        <p14:creationId xmlns:p14="http://schemas.microsoft.com/office/powerpoint/2010/main" val="1525411984"/>
       </p:ext>
     </p:extLst>
   </p:cSld>
@@ -7221,8 +7463,8 @@
         </p:nvSpPr>
         <p:spPr>
           <a:xfrm>
-            <a:off x="3375800" y="960364"/>
-            <a:ext cx="5440399" cy="769441"/>
+            <a:off x="3610620" y="938268"/>
+            <a:ext cx="4970760" cy="769441"/>
           </a:xfrm>
           <a:prstGeom prst="rect">
             <a:avLst/>
@@ -7235,32 +7477,148 @@
           </a:bodyPr>
           <a:lstStyle/>
           <a:p>
-            <a:pPr algn="ctr"/>
+            <a:pPr marL="0" marR="0" lvl="0" indent="0" algn="ctr" defTabSz="914400" rtl="0" eaLnBrk="1" fontAlgn="auto" latinLnBrk="0" hangingPunct="1">
+              <a:lnSpc>
+                <a:spcPct val="100000"/>
+              </a:lnSpc>
+              <a:spcBef>
+                <a:spcPts val="0"/>
+              </a:spcBef>
+              <a:spcAft>
+                <a:spcPts val="0"/>
+              </a:spcAft>
+              <a:buClrTx/>
+              <a:buSzTx/>
+              <a:buFontTx/>
+              <a:buNone/>
+              <a:tabLst/>
+              <a:defRPr/>
+            </a:pPr>
             <a:r>
-              <a:rPr lang="fr-FR" sz="4400" dirty="0">
+              <a:rPr kumimoji="0" lang="fr-FR" sz="4400" b="0" i="0" u="none" strike="noStrike" kern="1200" cap="none" spc="0" normalizeH="0" baseline="0" noProof="0" dirty="0">
+                <a:ln>
+                  <a:noFill/>
+                </a:ln>
+                <a:solidFill>
+                  <a:prstClr val="black"/>
+                </a:solidFill>
+                <a:effectLst/>
+                <a:uLnTx/>
+                <a:uFillTx/>
                 <a:latin typeface="Berlin Sans FB" panose="020E0602020502020306" pitchFamily="34" charset="0"/>
+                <a:ea typeface="+mn-ea"/>
+                <a:cs typeface="+mn-cs"/>
               </a:rPr>
-              <a:t>Arduino to Raspberry</a:t>
+              <a:t>Boucle 4/20mA</a:t>
             </a:r>
+          </a:p>
+        </p:txBody>
+      </p:sp>
+      <p:sp>
+        <p:nvSpPr>
+          <p:cNvPr id="4" name="ZoneTexte 3">
+            <a:extLst>
+              <a:ext uri="{FF2B5EF4-FFF2-40B4-BE49-F238E27FC236}">
+                <a16:creationId xmlns:a16="http://schemas.microsoft.com/office/drawing/2014/main" id="{430A1DB7-2EC0-43A4-BB7A-A9858EACE8CC}"/>
+              </a:ext>
+            </a:extLst>
+          </p:cNvPr>
+          <p:cNvSpPr txBox="1"/>
+          <p:nvPr/>
+        </p:nvSpPr>
+        <p:spPr>
+          <a:xfrm>
+            <a:off x="1774349" y="2102256"/>
+            <a:ext cx="2843599" cy="369332"/>
+          </a:xfrm>
+          <a:prstGeom prst="rect">
+            <a:avLst/>
+          </a:prstGeom>
+          <a:noFill/>
+        </p:spPr>
+        <p:txBody>
+          <a:bodyPr wrap="none" rtlCol="0">
+            <a:spAutoFit/>
+          </a:bodyPr>
+          <a:lstStyle/>
+          <a:p>
+            <a:r>
+              <a:rPr lang="fr-FR" dirty="0"/>
+              <a:t>Adaptateur 4-20 mA 1132_0</a:t>
+            </a:r>
+          </a:p>
+        </p:txBody>
+      </p:sp>
+      <p:sp>
+        <p:nvSpPr>
+          <p:cNvPr id="19" name="ZoneTexte 18">
+            <a:extLst>
+              <a:ext uri="{FF2B5EF4-FFF2-40B4-BE49-F238E27FC236}">
+                <a16:creationId xmlns:a16="http://schemas.microsoft.com/office/drawing/2014/main" id="{2CF33CFF-CC1E-4E45-B5A4-92ADFE82720D}"/>
+              </a:ext>
+            </a:extLst>
+          </p:cNvPr>
+          <p:cNvSpPr txBox="1"/>
+          <p:nvPr/>
+        </p:nvSpPr>
+        <p:spPr>
+          <a:xfrm>
+            <a:off x="6494987" y="2102256"/>
+            <a:ext cx="4670766" cy="369332"/>
+          </a:xfrm>
+          <a:prstGeom prst="rect">
+            <a:avLst/>
+          </a:prstGeom>
+          <a:noFill/>
+        </p:spPr>
+        <p:txBody>
+          <a:bodyPr wrap="none" rtlCol="0">
+            <a:spAutoFit/>
+          </a:bodyPr>
+          <a:lstStyle/>
+          <a:p>
+            <a:r>
+              <a:rPr lang="fr-FR" dirty="0"/>
+              <a:t>Adaptateur 4-20 mA </a:t>
+            </a:r>
+            <a:r>
+              <a:rPr lang="fr-FR" dirty="0" err="1"/>
+              <a:t>Current</a:t>
+            </a:r>
+            <a:r>
+              <a:rPr lang="fr-FR" dirty="0"/>
+              <a:t> Loop </a:t>
+            </a:r>
+            <a:r>
+              <a:rPr lang="fr-FR" dirty="0" err="1"/>
+              <a:t>Sensor</a:t>
+            </a:r>
+            <a:r>
+              <a:rPr lang="fr-FR" dirty="0"/>
+              <a:t> </a:t>
+            </a:r>
+            <a:r>
+              <a:rPr lang="fr-FR" dirty="0" err="1"/>
+              <a:t>Board</a:t>
+            </a:r>
+            <a:endParaRPr lang="fr-FR" dirty="0"/>
           </a:p>
         </p:txBody>
       </p:sp>
       <p:pic>
         <p:nvPicPr>
-          <p:cNvPr id="3" name="Image 2" descr="Une image contenant équipement électronique, circuit&#10;&#10;Description générée avec un niveau de confiance très élevé">
-            <a:extLst>
-              <a:ext uri="{FF2B5EF4-FFF2-40B4-BE49-F238E27FC236}">
-                <a16:creationId xmlns:a16="http://schemas.microsoft.com/office/drawing/2014/main" id="{890B1835-1795-4998-B947-D1D06C3BBFCB}"/>
-              </a:ext>
-            </a:extLst>
-          </p:cNvPr>
-          <p:cNvPicPr>
-            <a:picLocks noChangeAspect="1"/>
-          </p:cNvPicPr>
+          <p:cNvPr id="22" name="Image 21" descr="Une image contenant équipement électronique, circuit&#10;&#10;Description générée avec un niveau de confiance très élevé">
+            <a:extLst>
+              <a:ext uri="{FF2B5EF4-FFF2-40B4-BE49-F238E27FC236}">
+                <a16:creationId xmlns:a16="http://schemas.microsoft.com/office/drawing/2014/main" id="{6DE2F092-8FA4-413D-B70E-00B18F6D85AA}"/>
+              </a:ext>
+            </a:extLst>
+          </p:cNvPr>
+          <p:cNvPicPr/>
           <p:nvPr/>
         </p:nvPicPr>
         <p:blipFill>
-          <a:blip r:embed="rId4">
+          <a:blip r:embed="rId4" cstate="print">
             <a:extLst>
               <a:ext uri="{28A0092B-C50C-407E-A947-70E740481C1C}">
                 <a14:useLocalDpi xmlns:a14="http://schemas.microsoft.com/office/drawing/2010/main" val="0"/>
@@ -7273,8 +7631,42 @@
         </p:blipFill>
         <p:spPr>
           <a:xfrm>
-            <a:off x="879582" y="2691718"/>
-            <a:ext cx="4667610" cy="3500707"/>
+            <a:off x="2059277" y="2627915"/>
+            <a:ext cx="2273741" cy="1908339"/>
+          </a:xfrm>
+          <a:prstGeom prst="rect">
+            <a:avLst/>
+          </a:prstGeom>
+        </p:spPr>
+      </p:pic>
+      <p:pic>
+        <p:nvPicPr>
+          <p:cNvPr id="24" name="Image 23" descr="Une image contenant équipement électronique, circuit&#10;&#10;Description générée avec un niveau de confiance très élevé">
+            <a:extLst>
+              <a:ext uri="{FF2B5EF4-FFF2-40B4-BE49-F238E27FC236}">
+                <a16:creationId xmlns:a16="http://schemas.microsoft.com/office/drawing/2014/main" id="{02B6725C-54A0-4770-A063-305D0E6E4046}"/>
+              </a:ext>
+            </a:extLst>
+          </p:cNvPr>
+          <p:cNvPicPr/>
+          <p:nvPr/>
+        </p:nvPicPr>
+        <p:blipFill>
+          <a:blip r:embed="rId5" cstate="print">
+            <a:extLst>
+              <a:ext uri="{28A0092B-C50C-407E-A947-70E740481C1C}">
+                <a14:useLocalDpi xmlns:a14="http://schemas.microsoft.com/office/drawing/2010/main" val="0"/>
+              </a:ext>
+            </a:extLst>
+          </a:blip>
+          <a:stretch>
+            <a:fillRect/>
+          </a:stretch>
+        </p:blipFill>
+        <p:spPr>
+          <a:xfrm>
+            <a:off x="7693499" y="2614161"/>
+            <a:ext cx="2273741" cy="2113768"/>
           </a:xfrm>
           <a:prstGeom prst="rect">
             <a:avLst/>
@@ -7283,10 +7675,10 @@
       </p:pic>
       <p:sp>
         <p:nvSpPr>
-          <p:cNvPr id="17" name="ZoneTexte 16">
-            <a:extLst>
-              <a:ext uri="{FF2B5EF4-FFF2-40B4-BE49-F238E27FC236}">
-                <a16:creationId xmlns:a16="http://schemas.microsoft.com/office/drawing/2014/main" id="{24450489-B417-4D61-9D8D-4C1FC8F9E4D8}"/>
+          <p:cNvPr id="6" name="ZoneTexte 5">
+            <a:extLst>
+              <a:ext uri="{FF2B5EF4-FFF2-40B4-BE49-F238E27FC236}">
+                <a16:creationId xmlns:a16="http://schemas.microsoft.com/office/drawing/2014/main" id="{BA3BFBD9-F859-4911-9F7D-F46FD17431F3}"/>
               </a:ext>
             </a:extLst>
           </p:cNvPr>
@@ -7295,8 +7687,8 @@
         </p:nvSpPr>
         <p:spPr>
           <a:xfrm>
-            <a:off x="2459652" y="2208906"/>
-            <a:ext cx="1404853" cy="369332"/>
+            <a:off x="1821970" y="4459849"/>
+            <a:ext cx="3767752" cy="1661993"/>
           </a:xfrm>
           <a:prstGeom prst="rect">
             <a:avLst/>
@@ -7310,21 +7702,87 @@
           <a:lstStyle/>
           <a:p>
             <a:r>
-              <a:rPr lang="fr-FR" dirty="0"/>
-              <a:t>Solution 1 :</a:t>
+              <a:rPr lang="fr-FR" sz="1400" i="1" dirty="0">
+                <a:latin typeface="+mj-lt"/>
+              </a:rPr>
+              <a:t>Nombre de canaux : 1</a:t>
             </a:r>
             <a:endParaRPr lang="fr-FR" sz="1400" dirty="0">
               <a:latin typeface="+mj-lt"/>
             </a:endParaRPr>
           </a:p>
+          <a:p>
+            <a:r>
+              <a:rPr lang="fr-FR" sz="1400" i="1" dirty="0">
+                <a:latin typeface="+mj-lt"/>
+              </a:rPr>
+              <a:t>Livré avec câble de raccordement. </a:t>
+            </a:r>
+            <a:br>
+              <a:rPr lang="fr-FR" sz="1400" i="1" dirty="0">
+                <a:latin typeface="+mj-lt"/>
+              </a:rPr>
+            </a:br>
+            <a:r>
+              <a:rPr lang="fr-FR" sz="1400" i="1" dirty="0">
+                <a:latin typeface="+mj-lt"/>
+              </a:rPr>
+              <a:t>Température de service : -40°C à +85°C</a:t>
+            </a:r>
+            <a:br>
+              <a:rPr lang="fr-FR" sz="1400" i="1" dirty="0">
+                <a:latin typeface="+mj-lt"/>
+              </a:rPr>
+            </a:br>
+            <a:r>
+              <a:rPr lang="fr-FR" sz="1400" i="1" dirty="0">
+                <a:latin typeface="+mj-lt"/>
+              </a:rPr>
+              <a:t>Dimensions : 46 x 30 x 18 </a:t>
+            </a:r>
+            <a:r>
+              <a:rPr lang="fr-FR" sz="1400" i="1" dirty="0" err="1">
+                <a:latin typeface="+mj-lt"/>
+              </a:rPr>
+              <a:t>mm.</a:t>
+            </a:r>
+            <a:br>
+              <a:rPr lang="fr-FR" sz="1400" i="1" dirty="0">
+                <a:latin typeface="+mj-lt"/>
+              </a:rPr>
+            </a:br>
+            <a:r>
+              <a:rPr lang="fr-FR" sz="1400" i="1" dirty="0">
+                <a:latin typeface="+mj-lt"/>
+              </a:rPr>
+              <a:t>Module prêt à l'emploi.</a:t>
+            </a:r>
+            <a:endParaRPr lang="fr-FR" sz="1400" dirty="0">
+              <a:latin typeface="+mj-lt"/>
+            </a:endParaRPr>
+          </a:p>
+          <a:p>
+            <a:r>
+              <a:rPr lang="fr-FR" sz="1400" i="1" dirty="0">
+                <a:latin typeface="+mj-lt"/>
+              </a:rPr>
+              <a:t>Prix : 34€50 + 5€90 pour la livraison</a:t>
+            </a:r>
+            <a:endParaRPr lang="fr-FR" sz="1400" dirty="0">
+              <a:latin typeface="+mj-lt"/>
+            </a:endParaRPr>
+          </a:p>
+          <a:p>
+            <a:endParaRPr lang="fr-FR" dirty="0"/>
+          </a:p>
         </p:txBody>
       </p:sp>
       <p:sp>
         <p:nvSpPr>
-          <p:cNvPr id="18" name="ZoneTexte 17">
-            <a:extLst>
-              <a:ext uri="{FF2B5EF4-FFF2-40B4-BE49-F238E27FC236}">
-                <a16:creationId xmlns:a16="http://schemas.microsoft.com/office/drawing/2014/main" id="{13927FBC-ECE7-42B4-BA63-7CF577E6B900}"/>
+          <p:cNvPr id="25" name="ZoneTexte 24">
+            <a:extLst>
+              <a:ext uri="{FF2B5EF4-FFF2-40B4-BE49-F238E27FC236}">
+                <a16:creationId xmlns:a16="http://schemas.microsoft.com/office/drawing/2014/main" id="{AAE0C296-E4C9-4505-9C68-11CF107811E7}"/>
               </a:ext>
             </a:extLst>
           </p:cNvPr>
@@ -7333,8 +7791,8 @@
         </p:nvSpPr>
         <p:spPr>
           <a:xfrm>
-            <a:off x="7997851" y="2208907"/>
-            <a:ext cx="1404853" cy="369332"/>
+            <a:off x="6494987" y="4459849"/>
+            <a:ext cx="3767752" cy="1661993"/>
           </a:xfrm>
           <a:prstGeom prst="rect">
             <a:avLst/>
@@ -7348,55 +7806,85 @@
           <a:lstStyle/>
           <a:p>
             <a:r>
-              <a:rPr lang="fr-FR" dirty="0"/>
-              <a:t>Solution 2 :</a:t>
+              <a:rPr lang="fr-FR" sz="1400" i="1" dirty="0">
+                <a:latin typeface="+mj-lt"/>
+              </a:rPr>
+              <a:t>Nombre de canaux : 4</a:t>
             </a:r>
             <a:endParaRPr lang="fr-FR" sz="1400" dirty="0">
               <a:latin typeface="+mj-lt"/>
             </a:endParaRPr>
           </a:p>
+          <a:p>
+            <a:r>
+              <a:rPr lang="fr-FR" sz="1400" i="1" dirty="0">
+                <a:latin typeface="+mj-lt"/>
+              </a:rPr>
+              <a:t>Livré avec câbles en paire torsadée. </a:t>
+            </a:r>
+            <a:br>
+              <a:rPr lang="fr-FR" sz="1400" i="1" dirty="0">
+                <a:latin typeface="+mj-lt"/>
+              </a:rPr>
+            </a:br>
+            <a:r>
+              <a:rPr lang="fr-FR" sz="1400" i="1" dirty="0">
+                <a:latin typeface="+mj-lt"/>
+              </a:rPr>
+              <a:t>Température de service : 0°C à +85°C</a:t>
+            </a:r>
+            <a:br>
+              <a:rPr lang="fr-FR" sz="1400" i="1" dirty="0">
+                <a:latin typeface="+mj-lt"/>
+              </a:rPr>
+            </a:br>
+            <a:r>
+              <a:rPr lang="fr-FR" sz="1400" i="1" dirty="0">
+                <a:latin typeface="+mj-lt"/>
+              </a:rPr>
+              <a:t>Dimensions : 73 ;5 x 51 x 13 </a:t>
+            </a:r>
+            <a:r>
+              <a:rPr lang="fr-FR" sz="1400" i="1" dirty="0" err="1">
+                <a:latin typeface="+mj-lt"/>
+              </a:rPr>
+              <a:t>mm.</a:t>
+            </a:r>
+            <a:br>
+              <a:rPr lang="fr-FR" sz="1400" i="1" dirty="0">
+                <a:latin typeface="+mj-lt"/>
+              </a:rPr>
+            </a:br>
+            <a:r>
+              <a:rPr lang="fr-FR" sz="1400" i="1" dirty="0">
+                <a:latin typeface="+mj-lt"/>
+              </a:rPr>
+              <a:t>Module prêt à l'emploi.</a:t>
+            </a:r>
+            <a:endParaRPr lang="fr-FR" sz="1400" dirty="0">
+              <a:latin typeface="+mj-lt"/>
+            </a:endParaRPr>
+          </a:p>
+          <a:p>
+            <a:r>
+              <a:rPr lang="fr-FR" sz="1400" i="1" dirty="0">
+                <a:latin typeface="+mj-lt"/>
+              </a:rPr>
+              <a:t>Prix : 78€00</a:t>
+            </a:r>
+            <a:endParaRPr lang="fr-FR" sz="1400" dirty="0">
+              <a:latin typeface="+mj-lt"/>
+            </a:endParaRPr>
+          </a:p>
+          <a:p>
+            <a:endParaRPr lang="fr-FR" dirty="0"/>
+          </a:p>
         </p:txBody>
       </p:sp>
-      <p:pic>
-        <p:nvPicPr>
-          <p:cNvPr id="5" name="Image 4" descr="Une image contenant équipement électronique, circuit&#10;&#10;Description générée avec un niveau de confiance très élevé">
-            <a:extLst>
-              <a:ext uri="{FF2B5EF4-FFF2-40B4-BE49-F238E27FC236}">
-                <a16:creationId xmlns:a16="http://schemas.microsoft.com/office/drawing/2014/main" id="{11F93998-DD8C-4E24-816C-9456B39EE2AB}"/>
-              </a:ext>
-            </a:extLst>
-          </p:cNvPr>
-          <p:cNvPicPr>
-            <a:picLocks noChangeAspect="1"/>
-          </p:cNvPicPr>
-          <p:nvPr/>
-        </p:nvPicPr>
-        <p:blipFill>
-          <a:blip r:embed="rId5">
-            <a:extLst>
-              <a:ext uri="{28A0092B-C50C-407E-A947-70E740481C1C}">
-                <a14:useLocalDpi xmlns:a14="http://schemas.microsoft.com/office/drawing/2010/main" val="0"/>
-              </a:ext>
-            </a:extLst>
-          </a:blip>
-          <a:stretch>
-            <a:fillRect/>
-          </a:stretch>
-        </p:blipFill>
-        <p:spPr>
-          <a:xfrm>
-            <a:off x="6310293" y="2691718"/>
-            <a:ext cx="4667610" cy="3500708"/>
-          </a:xfrm>
-          <a:prstGeom prst="rect">
-            <a:avLst/>
-          </a:prstGeom>
-        </p:spPr>
-      </p:pic>
     </p:spTree>
     <p:extLst>
       <p:ext uri="{BB962C8B-B14F-4D97-AF65-F5344CB8AC3E}">
-        <p14:creationId xmlns:p14="http://schemas.microsoft.com/office/powerpoint/2010/main" val="3095519770"/>
+        <p14:creationId xmlns:p14="http://schemas.microsoft.com/office/powerpoint/2010/main" val="2967257149"/>
       </p:ext>
     </p:extLst>
   </p:cSld>
@@ -7437,10 +7925,10 @@
       </p:grpSpPr>
       <p:pic>
         <p:nvPicPr>
-          <p:cNvPr id="14" name="Image 13" descr="Une image contenant équipement électronique, capture d’écran&#10;&#10;Description générée avec un niveau de confiance élevé">
-            <a:extLst>
-              <a:ext uri="{FF2B5EF4-FFF2-40B4-BE49-F238E27FC236}">
-                <a16:creationId xmlns:a16="http://schemas.microsoft.com/office/drawing/2014/main" id="{956BD52E-A187-4EF5-8FF4-4F279C130E0C}"/>
+          <p:cNvPr id="8" name="Image 7">
+            <a:extLst>
+              <a:ext uri="{FF2B5EF4-FFF2-40B4-BE49-F238E27FC236}">
+                <a16:creationId xmlns:a16="http://schemas.microsoft.com/office/drawing/2014/main" id="{2BB825C5-31DA-4A56-85EA-536DBF510A31}"/>
               </a:ext>
             </a:extLst>
           </p:cNvPr>
@@ -7463,42 +7951,6 @@
         </p:blipFill>
         <p:spPr>
           <a:xfrm>
-            <a:off x="4954737" y="3482890"/>
-            <a:ext cx="2282526" cy="1283921"/>
-          </a:xfrm>
-          <a:prstGeom prst="rect">
-            <a:avLst/>
-          </a:prstGeom>
-        </p:spPr>
-      </p:pic>
-      <p:pic>
-        <p:nvPicPr>
-          <p:cNvPr id="8" name="Image 7">
-            <a:extLst>
-              <a:ext uri="{FF2B5EF4-FFF2-40B4-BE49-F238E27FC236}">
-                <a16:creationId xmlns:a16="http://schemas.microsoft.com/office/drawing/2014/main" id="{2BB825C5-31DA-4A56-85EA-536DBF510A31}"/>
-              </a:ext>
-            </a:extLst>
-          </p:cNvPr>
-          <p:cNvPicPr>
-            <a:picLocks noChangeAspect="1"/>
-          </p:cNvPicPr>
-          <p:nvPr/>
-        </p:nvPicPr>
-        <p:blipFill>
-          <a:blip r:embed="rId3">
-            <a:extLst>
-              <a:ext uri="{28A0092B-C50C-407E-A947-70E740481C1C}">
-                <a14:useLocalDpi xmlns:a14="http://schemas.microsoft.com/office/drawing/2010/main" val="0"/>
-              </a:ext>
-            </a:extLst>
-          </a:blip>
-          <a:stretch>
-            <a:fillRect/>
-          </a:stretch>
-        </p:blipFill>
-        <p:spPr>
-          <a:xfrm>
             <a:off x="1068751" y="66457"/>
             <a:ext cx="1259497" cy="776690"/>
           </a:xfrm>
@@ -7522,7 +7974,7 @@
           <p:nvPr/>
         </p:nvPicPr>
         <p:blipFill>
-          <a:blip r:embed="rId4">
+          <a:blip r:embed="rId3">
             <a:extLst>
               <a:ext uri="{28A0092B-C50C-407E-A947-70E740481C1C}">
                 <a14:useLocalDpi xmlns:a14="http://schemas.microsoft.com/office/drawing/2010/main" val="0"/>
@@ -7899,8 +8351,8 @@
         </p:nvSpPr>
         <p:spPr>
           <a:xfrm>
-            <a:off x="3375800" y="960364"/>
-            <a:ext cx="5440399" cy="769441"/>
+            <a:off x="3610620" y="938268"/>
+            <a:ext cx="4970760" cy="769441"/>
           </a:xfrm>
           <a:prstGeom prst="rect">
             <a:avLst/>
@@ -7918,17 +8370,17 @@
               <a:rPr lang="fr-FR" sz="4400" dirty="0">
                 <a:latin typeface="Berlin Sans FB" panose="020E0602020502020306" pitchFamily="34" charset="0"/>
               </a:rPr>
-              <a:t>Prototype site Web</a:t>
+              <a:t>Boucle 4/20mA</a:t>
             </a:r>
           </a:p>
         </p:txBody>
       </p:sp>
       <p:pic>
         <p:nvPicPr>
-          <p:cNvPr id="3" name="Image 2">
-            <a:extLst>
-              <a:ext uri="{FF2B5EF4-FFF2-40B4-BE49-F238E27FC236}">
-                <a16:creationId xmlns:a16="http://schemas.microsoft.com/office/drawing/2014/main" id="{B2C04E7F-4AFC-4DBC-8C24-E870FB6ED5BB}"/>
+          <p:cNvPr id="3" name="Image 2" descr="Une image contenant équipement électronique, circuit&#10;&#10;Description générée avec un niveau de confiance très élevé">
+            <a:extLst>
+              <a:ext uri="{FF2B5EF4-FFF2-40B4-BE49-F238E27FC236}">
+                <a16:creationId xmlns:a16="http://schemas.microsoft.com/office/drawing/2014/main" id="{CAE81879-9DEF-4900-A1EF-1A3EA3734DC9}"/>
               </a:ext>
             </a:extLst>
           </p:cNvPr>
@@ -7938,7 +8390,7 @@
           <p:nvPr/>
         </p:nvPicPr>
         <p:blipFill>
-          <a:blip r:embed="rId5">
+          <a:blip r:embed="rId4">
             <a:extLst>
               <a:ext uri="{28A0092B-C50C-407E-A947-70E740481C1C}">
                 <a14:useLocalDpi xmlns:a14="http://schemas.microsoft.com/office/drawing/2010/main" val="0"/>
@@ -7951,8 +8403,8 @@
         </p:blipFill>
         <p:spPr>
           <a:xfrm>
-            <a:off x="830517" y="2432338"/>
-            <a:ext cx="3136041" cy="1764023"/>
+            <a:off x="7258436" y="1962761"/>
+            <a:ext cx="3252033" cy="3252033"/>
           </a:xfrm>
           <a:prstGeom prst="rect">
             <a:avLst/>
@@ -7961,10 +8413,10 @@
       </p:pic>
       <p:pic>
         <p:nvPicPr>
-          <p:cNvPr id="5" name="Image 4" descr="Une image contenant capture d’écran&#10;&#10;Description générée avec un niveau de confiance très élevé">
-            <a:extLst>
-              <a:ext uri="{FF2B5EF4-FFF2-40B4-BE49-F238E27FC236}">
-                <a16:creationId xmlns:a16="http://schemas.microsoft.com/office/drawing/2014/main" id="{CF604934-6B4B-4722-B3D3-1411B275B66C}"/>
+          <p:cNvPr id="5" name="Image 4" descr="Une image contenant capture d’écran&#10;&#10;Description générée avec un niveau de confiance élevé">
+            <a:extLst>
+              <a:ext uri="{FF2B5EF4-FFF2-40B4-BE49-F238E27FC236}">
+                <a16:creationId xmlns:a16="http://schemas.microsoft.com/office/drawing/2014/main" id="{8EAC388A-9B1E-4F2A-A68D-EFB32181F53A}"/>
               </a:ext>
             </a:extLst>
           </p:cNvPr>
@@ -7974,7 +8426,7 @@
           <p:nvPr/>
         </p:nvPicPr>
         <p:blipFill>
-          <a:blip r:embed="rId6">
+          <a:blip r:embed="rId5">
             <a:extLst>
               <a:ext uri="{28A0092B-C50C-407E-A947-70E740481C1C}">
                 <a14:useLocalDpi xmlns:a14="http://schemas.microsoft.com/office/drawing/2010/main" val="0"/>
@@ -7987,152 +8439,8 @@
         </p:blipFill>
         <p:spPr>
           <a:xfrm>
-            <a:off x="830517" y="4303915"/>
-            <a:ext cx="3136041" cy="1764023"/>
-          </a:xfrm>
-          <a:prstGeom prst="rect">
-            <a:avLst/>
-          </a:prstGeom>
-        </p:spPr>
-      </p:pic>
-      <p:pic>
-        <p:nvPicPr>
-          <p:cNvPr id="12" name="Image 11" descr="Une image contenant capture d’écran&#10;&#10;Description générée avec un niveau de confiance très élevé">
-            <a:extLst>
-              <a:ext uri="{FF2B5EF4-FFF2-40B4-BE49-F238E27FC236}">
-                <a16:creationId xmlns:a16="http://schemas.microsoft.com/office/drawing/2014/main" id="{8598BF18-2E78-4824-99C5-9E2FA25949A2}"/>
-              </a:ext>
-            </a:extLst>
-          </p:cNvPr>
-          <p:cNvPicPr>
-            <a:picLocks noChangeAspect="1"/>
-          </p:cNvPicPr>
-          <p:nvPr/>
-        </p:nvPicPr>
-        <p:blipFill>
-          <a:blip r:embed="rId7">
-            <a:extLst>
-              <a:ext uri="{28A0092B-C50C-407E-A947-70E740481C1C}">
-                <a14:useLocalDpi xmlns:a14="http://schemas.microsoft.com/office/drawing/2010/main" val="0"/>
-              </a:ext>
-            </a:extLst>
-          </a:blip>
-          <a:stretch>
-            <a:fillRect/>
-          </a:stretch>
-        </p:blipFill>
-        <p:spPr>
-          <a:xfrm>
-            <a:off x="4954737" y="2360828"/>
-            <a:ext cx="2282526" cy="1283921"/>
-          </a:xfrm>
-          <a:prstGeom prst="rect">
-            <a:avLst/>
-          </a:prstGeom>
-        </p:spPr>
-      </p:pic>
-      <p:pic>
-        <p:nvPicPr>
-          <p:cNvPr id="17" name="Image 16">
-            <a:extLst>
-              <a:ext uri="{FF2B5EF4-FFF2-40B4-BE49-F238E27FC236}">
-                <a16:creationId xmlns:a16="http://schemas.microsoft.com/office/drawing/2014/main" id="{8ECE8ABE-320A-4429-B3A2-F1559AD236E4}"/>
-              </a:ext>
-            </a:extLst>
-          </p:cNvPr>
-          <p:cNvPicPr>
-            <a:picLocks noChangeAspect="1"/>
-          </p:cNvPicPr>
-          <p:nvPr/>
-        </p:nvPicPr>
-        <p:blipFill>
-          <a:blip r:embed="rId8">
-            <a:extLst>
-              <a:ext uri="{28A0092B-C50C-407E-A947-70E740481C1C}">
-                <a14:useLocalDpi xmlns:a14="http://schemas.microsoft.com/office/drawing/2010/main" val="0"/>
-              </a:ext>
-            </a:extLst>
-          </a:blip>
-          <a:stretch>
-            <a:fillRect/>
-          </a:stretch>
-        </p:blipFill>
-        <p:spPr>
-          <a:xfrm>
-            <a:off x="5126775" y="3340377"/>
-            <a:ext cx="1938451" cy="1318147"/>
-          </a:xfrm>
-          <a:prstGeom prst="rect">
-            <a:avLst/>
-          </a:prstGeom>
-        </p:spPr>
-      </p:pic>
-      <p:pic>
-        <p:nvPicPr>
-          <p:cNvPr id="19" name="Image 18" descr="Une image contenant capture d’écran&#10;&#10;Description générée avec un niveau de confiance très élevé">
-            <a:extLst>
-              <a:ext uri="{FF2B5EF4-FFF2-40B4-BE49-F238E27FC236}">
-                <a16:creationId xmlns:a16="http://schemas.microsoft.com/office/drawing/2014/main" id="{72AA5592-814F-420D-BAB0-54216E5E40A0}"/>
-              </a:ext>
-            </a:extLst>
-          </p:cNvPr>
-          <p:cNvPicPr>
-            <a:picLocks noChangeAspect="1"/>
-          </p:cNvPicPr>
-          <p:nvPr/>
-        </p:nvPicPr>
-        <p:blipFill>
-          <a:blip r:embed="rId9">
-            <a:extLst>
-              <a:ext uri="{28A0092B-C50C-407E-A947-70E740481C1C}">
-                <a14:useLocalDpi xmlns:a14="http://schemas.microsoft.com/office/drawing/2010/main" val="0"/>
-              </a:ext>
-            </a:extLst>
-          </a:blip>
-          <a:stretch>
-            <a:fillRect/>
-          </a:stretch>
-        </p:blipFill>
-        <p:spPr>
-          <a:xfrm>
-            <a:off x="8433541" y="2245268"/>
-            <a:ext cx="2282527" cy="1283922"/>
-          </a:xfrm>
-          <a:prstGeom prst="rect">
-            <a:avLst/>
-          </a:prstGeom>
-        </p:spPr>
-      </p:pic>
-      <p:pic>
-        <p:nvPicPr>
-          <p:cNvPr id="22" name="Image 21" descr="Une image contenant équipement électronique, capture d’écran&#10;&#10;Description générée avec un niveau de confiance élevé">
-            <a:extLst>
-              <a:ext uri="{FF2B5EF4-FFF2-40B4-BE49-F238E27FC236}">
-                <a16:creationId xmlns:a16="http://schemas.microsoft.com/office/drawing/2014/main" id="{C560539A-74FA-49DA-94A3-01CDC714C7F7}"/>
-              </a:ext>
-            </a:extLst>
-          </p:cNvPr>
-          <p:cNvPicPr>
-            <a:picLocks noChangeAspect="1"/>
-          </p:cNvPicPr>
-          <p:nvPr/>
-        </p:nvPicPr>
-        <p:blipFill>
-          <a:blip r:embed="rId10">
-            <a:extLst>
-              <a:ext uri="{28A0092B-C50C-407E-A947-70E740481C1C}">
-                <a14:useLocalDpi xmlns:a14="http://schemas.microsoft.com/office/drawing/2010/main" val="0"/>
-              </a:ext>
-            </a:extLst>
-          </a:blip>
-          <a:stretch>
-            <a:fillRect/>
-          </a:stretch>
-        </p:blipFill>
-        <p:spPr>
-          <a:xfrm>
-            <a:off x="8433538" y="3529190"/>
-            <a:ext cx="2282528" cy="1283922"/>
+            <a:off x="1063716" y="4265886"/>
+            <a:ext cx="5553075" cy="1543050"/>
           </a:xfrm>
           <a:prstGeom prst="rect">
             <a:avLst/>
@@ -8141,60 +8449,91 @@
       </p:pic>
       <p:sp>
         <p:nvSpPr>
-          <p:cNvPr id="24" name="Rectangle 23">
-            <a:extLst>
-              <a:ext uri="{FF2B5EF4-FFF2-40B4-BE49-F238E27FC236}">
-                <a16:creationId xmlns:a16="http://schemas.microsoft.com/office/drawing/2014/main" id="{360E7FE7-6B2B-4D52-9EDA-BA9831B875BC}"/>
-              </a:ext>
-            </a:extLst>
-          </p:cNvPr>
-          <p:cNvSpPr/>
+          <p:cNvPr id="18" name="ZoneTexte 17">
+            <a:extLst>
+              <a:ext uri="{FF2B5EF4-FFF2-40B4-BE49-F238E27FC236}">
+                <a16:creationId xmlns:a16="http://schemas.microsoft.com/office/drawing/2014/main" id="{4E398B35-37C7-499E-B27B-3A82B6A07CF6}"/>
+              </a:ext>
+            </a:extLst>
+          </p:cNvPr>
+          <p:cNvSpPr txBox="1"/>
           <p:nvPr/>
         </p:nvSpPr>
         <p:spPr>
           <a:xfrm>
-            <a:off x="4954737" y="2304661"/>
-            <a:ext cx="2282526" cy="2462150"/>
+            <a:off x="1698499" y="2356849"/>
+            <a:ext cx="2860650" cy="1231106"/>
           </a:xfrm>
           <a:prstGeom prst="rect">
             <a:avLst/>
           </a:prstGeom>
           <a:noFill/>
-          <a:ln>
-            <a:solidFill>
-              <a:schemeClr val="tx1"/>
-            </a:solidFill>
-          </a:ln>
-        </p:spPr>
-        <p:style>
-          <a:lnRef idx="2">
-            <a:schemeClr val="accent1">
-              <a:shade val="50000"/>
-            </a:schemeClr>
-          </a:lnRef>
-          <a:fillRef idx="1">
-            <a:schemeClr val="accent1"/>
-          </a:fillRef>
-          <a:effectRef idx="0">
-            <a:schemeClr val="accent1"/>
-          </a:effectRef>
-          <a:fontRef idx="minor">
-            <a:schemeClr val="lt1"/>
-          </a:fontRef>
-        </p:style>
+        </p:spPr>
         <p:txBody>
-          <a:bodyPr rtlCol="0" anchor="ctr"/>
+          <a:bodyPr wrap="square" rtlCol="0">
+            <a:spAutoFit/>
+          </a:bodyPr>
           <a:lstStyle/>
           <a:p>
-            <a:pPr algn="ctr"/>
-            <a:endParaRPr lang="fr-FR"/>
+            <a:r>
+              <a:rPr lang="fr-FR" dirty="0"/>
+              <a:t>Avantages</a:t>
+            </a:r>
+          </a:p>
+          <a:p>
+            <a:pPr marL="285750" indent="-285750">
+              <a:buFontTx/>
+              <a:buChar char="-"/>
+            </a:pPr>
+            <a:r>
+              <a:rPr lang="fr-FR" sz="1400" i="1" dirty="0">
+                <a:latin typeface="+mj-lt"/>
+              </a:rPr>
+              <a:t>Très bonne immunité aux bruits</a:t>
+            </a:r>
+          </a:p>
+          <a:p>
+            <a:pPr marL="285750" indent="-285750">
+              <a:buFontTx/>
+              <a:buChar char="-"/>
+            </a:pPr>
+            <a:r>
+              <a:rPr lang="fr-FR" sz="1400" i="1" dirty="0">
+                <a:latin typeface="+mj-lt"/>
+              </a:rPr>
+              <a:t>Peu de conducteurs</a:t>
+            </a:r>
+          </a:p>
+          <a:p>
+            <a:pPr marL="285750" indent="-285750">
+              <a:buFontTx/>
+              <a:buChar char="-"/>
+            </a:pPr>
+            <a:r>
+              <a:rPr lang="fr-FR" sz="1400" i="1" dirty="0">
+                <a:latin typeface="+mj-lt"/>
+              </a:rPr>
+              <a:t>Détection de panne</a:t>
+            </a:r>
+          </a:p>
+          <a:p>
+            <a:pPr marL="285750" indent="-285750">
+              <a:buFontTx/>
+              <a:buChar char="-"/>
+            </a:pPr>
+            <a:r>
+              <a:rPr lang="fr-FR" sz="1400" i="1" dirty="0">
+                <a:latin typeface="+mj-lt"/>
+              </a:rPr>
+              <a:t>Portée de l’information</a:t>
+            </a:r>
           </a:p>
         </p:txBody>
       </p:sp>
     </p:spTree>
     <p:extLst>
       <p:ext uri="{BB962C8B-B14F-4D97-AF65-F5344CB8AC3E}">
-        <p14:creationId xmlns:p14="http://schemas.microsoft.com/office/powerpoint/2010/main" val="2982064475"/>
+        <p14:creationId xmlns:p14="http://schemas.microsoft.com/office/powerpoint/2010/main" val="1404166436"/>
       </p:ext>
     </p:extLst>
   </p:cSld>
@@ -8680,15 +9019,3814 @@
               <a:rPr lang="fr-FR" sz="4400" dirty="0">
                 <a:latin typeface="Berlin Sans FB" panose="020E0602020502020306" pitchFamily="34" charset="0"/>
               </a:rPr>
-              <a:t>Arduino to Raspberry</a:t>
+              <a:t>Arduino à Raspberry</a:t>
             </a:r>
+          </a:p>
+        </p:txBody>
+      </p:sp>
+      <p:pic>
+        <p:nvPicPr>
+          <p:cNvPr id="3" name="Image 2" descr="Une image contenant équipement électronique, circuit&#10;&#10;Description générée avec un niveau de confiance très élevé">
+            <a:extLst>
+              <a:ext uri="{FF2B5EF4-FFF2-40B4-BE49-F238E27FC236}">
+                <a16:creationId xmlns:a16="http://schemas.microsoft.com/office/drawing/2014/main" id="{890B1835-1795-4998-B947-D1D06C3BBFCB}"/>
+              </a:ext>
+            </a:extLst>
+          </p:cNvPr>
+          <p:cNvPicPr>
+            <a:picLocks noChangeAspect="1"/>
+          </p:cNvPicPr>
+          <p:nvPr/>
+        </p:nvPicPr>
+        <p:blipFill>
+          <a:blip r:embed="rId4">
+            <a:extLst>
+              <a:ext uri="{28A0092B-C50C-407E-A947-70E740481C1C}">
+                <a14:useLocalDpi xmlns:a14="http://schemas.microsoft.com/office/drawing/2010/main" val="0"/>
+              </a:ext>
+            </a:extLst>
+          </a:blip>
+          <a:stretch>
+            <a:fillRect/>
+          </a:stretch>
+        </p:blipFill>
+        <p:spPr>
+          <a:xfrm>
+            <a:off x="879582" y="2691718"/>
+            <a:ext cx="4667610" cy="3500707"/>
+          </a:xfrm>
+          <a:prstGeom prst="rect">
+            <a:avLst/>
+          </a:prstGeom>
+        </p:spPr>
+      </p:pic>
+      <p:sp>
+        <p:nvSpPr>
+          <p:cNvPr id="17" name="ZoneTexte 16">
+            <a:extLst>
+              <a:ext uri="{FF2B5EF4-FFF2-40B4-BE49-F238E27FC236}">
+                <a16:creationId xmlns:a16="http://schemas.microsoft.com/office/drawing/2014/main" id="{24450489-B417-4D61-9D8D-4C1FC8F9E4D8}"/>
+              </a:ext>
+            </a:extLst>
+          </p:cNvPr>
+          <p:cNvSpPr txBox="1"/>
+          <p:nvPr/>
+        </p:nvSpPr>
+        <p:spPr>
+          <a:xfrm>
+            <a:off x="2459652" y="2208906"/>
+            <a:ext cx="1404853" cy="369332"/>
+          </a:xfrm>
+          <a:prstGeom prst="rect">
+            <a:avLst/>
+          </a:prstGeom>
+          <a:noFill/>
+        </p:spPr>
+        <p:txBody>
+          <a:bodyPr wrap="square" rtlCol="0">
+            <a:spAutoFit/>
+          </a:bodyPr>
+          <a:lstStyle/>
+          <a:p>
+            <a:r>
+              <a:rPr lang="fr-FR" dirty="0"/>
+              <a:t>Solution 1 :</a:t>
+            </a:r>
+            <a:endParaRPr lang="fr-FR" sz="1400" dirty="0">
+              <a:latin typeface="+mj-lt"/>
+            </a:endParaRPr>
+          </a:p>
+        </p:txBody>
+      </p:sp>
+      <p:sp>
+        <p:nvSpPr>
+          <p:cNvPr id="18" name="ZoneTexte 17">
+            <a:extLst>
+              <a:ext uri="{FF2B5EF4-FFF2-40B4-BE49-F238E27FC236}">
+                <a16:creationId xmlns:a16="http://schemas.microsoft.com/office/drawing/2014/main" id="{13927FBC-ECE7-42B4-BA63-7CF577E6B900}"/>
+              </a:ext>
+            </a:extLst>
+          </p:cNvPr>
+          <p:cNvSpPr txBox="1"/>
+          <p:nvPr/>
+        </p:nvSpPr>
+        <p:spPr>
+          <a:xfrm>
+            <a:off x="7997851" y="2208907"/>
+            <a:ext cx="1404853" cy="369332"/>
+          </a:xfrm>
+          <a:prstGeom prst="rect">
+            <a:avLst/>
+          </a:prstGeom>
+          <a:noFill/>
+        </p:spPr>
+        <p:txBody>
+          <a:bodyPr wrap="square" rtlCol="0">
+            <a:spAutoFit/>
+          </a:bodyPr>
+          <a:lstStyle/>
+          <a:p>
+            <a:r>
+              <a:rPr lang="fr-FR" dirty="0"/>
+              <a:t>Solution 2 :</a:t>
+            </a:r>
+            <a:endParaRPr lang="fr-FR" sz="1400" dirty="0">
+              <a:latin typeface="+mj-lt"/>
+            </a:endParaRPr>
+          </a:p>
+        </p:txBody>
+      </p:sp>
+      <p:pic>
+        <p:nvPicPr>
+          <p:cNvPr id="5" name="Image 4" descr="Une image contenant équipement électronique, circuit&#10;&#10;Description générée avec un niveau de confiance très élevé">
+            <a:extLst>
+              <a:ext uri="{FF2B5EF4-FFF2-40B4-BE49-F238E27FC236}">
+                <a16:creationId xmlns:a16="http://schemas.microsoft.com/office/drawing/2014/main" id="{11F93998-DD8C-4E24-816C-9456B39EE2AB}"/>
+              </a:ext>
+            </a:extLst>
+          </p:cNvPr>
+          <p:cNvPicPr>
+            <a:picLocks noChangeAspect="1"/>
+          </p:cNvPicPr>
+          <p:nvPr/>
+        </p:nvPicPr>
+        <p:blipFill>
+          <a:blip r:embed="rId5">
+            <a:extLst>
+              <a:ext uri="{28A0092B-C50C-407E-A947-70E740481C1C}">
+                <a14:useLocalDpi xmlns:a14="http://schemas.microsoft.com/office/drawing/2010/main" val="0"/>
+              </a:ext>
+            </a:extLst>
+          </a:blip>
+          <a:stretch>
+            <a:fillRect/>
+          </a:stretch>
+        </p:blipFill>
+        <p:spPr>
+          <a:xfrm>
+            <a:off x="6310293" y="2691718"/>
+            <a:ext cx="4667610" cy="3500708"/>
+          </a:xfrm>
+          <a:prstGeom prst="rect">
+            <a:avLst/>
+          </a:prstGeom>
+        </p:spPr>
+      </p:pic>
+      <p:sp>
+        <p:nvSpPr>
+          <p:cNvPr id="19" name="ZoneTexte 18">
+            <a:extLst>
+              <a:ext uri="{FF2B5EF4-FFF2-40B4-BE49-F238E27FC236}">
+                <a16:creationId xmlns:a16="http://schemas.microsoft.com/office/drawing/2014/main" id="{4A6BBD10-B310-4FDF-B422-53974CFE4426}"/>
+              </a:ext>
+            </a:extLst>
+          </p:cNvPr>
+          <p:cNvSpPr txBox="1"/>
+          <p:nvPr/>
+        </p:nvSpPr>
+        <p:spPr>
+          <a:xfrm>
+            <a:off x="8042391" y="6121239"/>
+            <a:ext cx="1547615" cy="369332"/>
+          </a:xfrm>
+          <a:prstGeom prst="rect">
+            <a:avLst/>
+          </a:prstGeom>
+          <a:noFill/>
+        </p:spPr>
+        <p:txBody>
+          <a:bodyPr wrap="square" rtlCol="0">
+            <a:spAutoFit/>
+          </a:bodyPr>
+          <a:lstStyle/>
+          <a:p>
+            <a:r>
+              <a:rPr lang="fr-FR" dirty="0">
+                <a:solidFill>
+                  <a:srgbClr val="FF0000"/>
+                </a:solidFill>
+              </a:rPr>
+              <a:t>Encapsulation</a:t>
+            </a:r>
+            <a:endParaRPr lang="fr-FR" sz="1400" i="1" dirty="0">
+              <a:solidFill>
+                <a:srgbClr val="FF0000"/>
+              </a:solidFill>
+              <a:latin typeface="+mj-lt"/>
+            </a:endParaRPr>
           </a:p>
         </p:txBody>
       </p:sp>
     </p:spTree>
     <p:extLst>
       <p:ext uri="{BB962C8B-B14F-4D97-AF65-F5344CB8AC3E}">
-        <p14:creationId xmlns:p14="http://schemas.microsoft.com/office/powerpoint/2010/main" val="1525411984"/>
+        <p14:creationId xmlns:p14="http://schemas.microsoft.com/office/powerpoint/2010/main" val="3095519770"/>
+      </p:ext>
+    </p:extLst>
+  </p:cSld>
+  <p:clrMapOvr>
+    <a:masterClrMapping/>
+  </p:clrMapOvr>
+  <mc:AlternateContent xmlns:mc="http://schemas.openxmlformats.org/markup-compatibility/2006" xmlns:p14="http://schemas.microsoft.com/office/powerpoint/2010/main">
+    <mc:Choice Requires="p14">
+      <p:transition spd="slow">
+        <p14:reveal/>
+      </p:transition>
+    </mc:Choice>
+    <mc:Fallback xmlns="">
+      <p:transition spd="slow">
+        <p:fade/>
+      </p:transition>
+    </mc:Fallback>
+  </mc:AlternateContent>
+</p:sld>
+</file>
+
+<file path=ppt/slides/slide15.xml><?xml version="1.0" encoding="utf-8"?>
+<p:sld xmlns:a="http://schemas.openxmlformats.org/drawingml/2006/main" xmlns:r="http://schemas.openxmlformats.org/officeDocument/2006/relationships" xmlns:p="http://schemas.openxmlformats.org/presentationml/2006/main">
+  <p:cSld>
+    <p:spTree>
+      <p:nvGrpSpPr>
+        <p:cNvPr id="1" name=""/>
+        <p:cNvGrpSpPr/>
+        <p:nvPr/>
+      </p:nvGrpSpPr>
+      <p:grpSpPr>
+        <a:xfrm>
+          <a:off x="0" y="0"/>
+          <a:ext cx="0" cy="0"/>
+          <a:chOff x="0" y="0"/>
+          <a:chExt cx="0" cy="0"/>
+        </a:xfrm>
+      </p:grpSpPr>
+      <p:pic>
+        <p:nvPicPr>
+          <p:cNvPr id="8" name="Image 7">
+            <a:extLst>
+              <a:ext uri="{FF2B5EF4-FFF2-40B4-BE49-F238E27FC236}">
+                <a16:creationId xmlns:a16="http://schemas.microsoft.com/office/drawing/2014/main" id="{2BB825C5-31DA-4A56-85EA-536DBF510A31}"/>
+              </a:ext>
+            </a:extLst>
+          </p:cNvPr>
+          <p:cNvPicPr>
+            <a:picLocks noChangeAspect="1"/>
+          </p:cNvPicPr>
+          <p:nvPr/>
+        </p:nvPicPr>
+        <p:blipFill>
+          <a:blip r:embed="rId2">
+            <a:extLst>
+              <a:ext uri="{28A0092B-C50C-407E-A947-70E740481C1C}">
+                <a14:useLocalDpi xmlns:a14="http://schemas.microsoft.com/office/drawing/2010/main" val="0"/>
+              </a:ext>
+            </a:extLst>
+          </a:blip>
+          <a:stretch>
+            <a:fillRect/>
+          </a:stretch>
+        </p:blipFill>
+        <p:spPr>
+          <a:xfrm>
+            <a:off x="1068751" y="66457"/>
+            <a:ext cx="1259497" cy="776690"/>
+          </a:xfrm>
+          <a:prstGeom prst="rect">
+            <a:avLst/>
+          </a:prstGeom>
+        </p:spPr>
+      </p:pic>
+      <p:pic>
+        <p:nvPicPr>
+          <p:cNvPr id="10" name="Image 9">
+            <a:extLst>
+              <a:ext uri="{FF2B5EF4-FFF2-40B4-BE49-F238E27FC236}">
+                <a16:creationId xmlns:a16="http://schemas.microsoft.com/office/drawing/2014/main" id="{8EE7436F-49F2-41E0-93E4-D247B4705294}"/>
+              </a:ext>
+            </a:extLst>
+          </p:cNvPr>
+          <p:cNvPicPr>
+            <a:picLocks noChangeAspect="1"/>
+          </p:cNvPicPr>
+          <p:nvPr/>
+        </p:nvPicPr>
+        <p:blipFill>
+          <a:blip r:embed="rId3">
+            <a:extLst>
+              <a:ext uri="{28A0092B-C50C-407E-A947-70E740481C1C}">
+                <a14:useLocalDpi xmlns:a14="http://schemas.microsoft.com/office/drawing/2010/main" val="0"/>
+              </a:ext>
+            </a:extLst>
+          </a:blip>
+          <a:stretch>
+            <a:fillRect/>
+          </a:stretch>
+        </p:blipFill>
+        <p:spPr>
+          <a:xfrm>
+            <a:off x="9681085" y="238153"/>
+            <a:ext cx="1802101" cy="569807"/>
+          </a:xfrm>
+          <a:prstGeom prst="rect">
+            <a:avLst/>
+          </a:prstGeom>
+        </p:spPr>
+      </p:pic>
+      <p:cxnSp>
+        <p:nvCxnSpPr>
+          <p:cNvPr id="16" name="Connecteur droit 15">
+            <a:extLst>
+              <a:ext uri="{FF2B5EF4-FFF2-40B4-BE49-F238E27FC236}">
+                <a16:creationId xmlns:a16="http://schemas.microsoft.com/office/drawing/2014/main" id="{7319284A-BD6F-4A96-8E2B-E0A4B52E53C6}"/>
+              </a:ext>
+            </a:extLst>
+          </p:cNvPr>
+          <p:cNvCxnSpPr>
+            <a:cxnSpLocks/>
+          </p:cNvCxnSpPr>
+          <p:nvPr/>
+        </p:nvCxnSpPr>
+        <p:spPr>
+          <a:xfrm flipV="1">
+            <a:off x="0" y="454803"/>
+            <a:ext cx="738231" cy="1798"/>
+          </a:xfrm>
+          <a:prstGeom prst="line">
+            <a:avLst/>
+          </a:prstGeom>
+        </p:spPr>
+        <p:style>
+          <a:lnRef idx="3">
+            <a:schemeClr val="dk1"/>
+          </a:lnRef>
+          <a:fillRef idx="0">
+            <a:schemeClr val="dk1"/>
+          </a:fillRef>
+          <a:effectRef idx="2">
+            <a:schemeClr val="dk1"/>
+          </a:effectRef>
+          <a:fontRef idx="minor">
+            <a:schemeClr val="tx1"/>
+          </a:fontRef>
+        </p:style>
+      </p:cxnSp>
+      <p:cxnSp>
+        <p:nvCxnSpPr>
+          <p:cNvPr id="20" name="Connecteur droit 19">
+            <a:extLst>
+              <a:ext uri="{FF2B5EF4-FFF2-40B4-BE49-F238E27FC236}">
+                <a16:creationId xmlns:a16="http://schemas.microsoft.com/office/drawing/2014/main" id="{08874CF7-F149-4C81-B61E-74E18342BA8A}"/>
+              </a:ext>
+            </a:extLst>
+          </p:cNvPr>
+          <p:cNvCxnSpPr>
+            <a:cxnSpLocks/>
+          </p:cNvCxnSpPr>
+          <p:nvPr/>
+        </p:nvCxnSpPr>
+        <p:spPr>
+          <a:xfrm>
+            <a:off x="2573222" y="454803"/>
+            <a:ext cx="6829482" cy="10398"/>
+          </a:xfrm>
+          <a:prstGeom prst="line">
+            <a:avLst/>
+          </a:prstGeom>
+        </p:spPr>
+        <p:style>
+          <a:lnRef idx="3">
+            <a:schemeClr val="dk1"/>
+          </a:lnRef>
+          <a:fillRef idx="0">
+            <a:schemeClr val="dk1"/>
+          </a:fillRef>
+          <a:effectRef idx="2">
+            <a:schemeClr val="dk1"/>
+          </a:effectRef>
+          <a:fontRef idx="minor">
+            <a:schemeClr val="tx1"/>
+          </a:fontRef>
+        </p:style>
+      </p:cxnSp>
+      <p:cxnSp>
+        <p:nvCxnSpPr>
+          <p:cNvPr id="26" name="Connecteur droit 25">
+            <a:extLst>
+              <a:ext uri="{FF2B5EF4-FFF2-40B4-BE49-F238E27FC236}">
+                <a16:creationId xmlns:a16="http://schemas.microsoft.com/office/drawing/2014/main" id="{BB3B35CC-057B-48C1-880F-3306A6559175}"/>
+              </a:ext>
+            </a:extLst>
+          </p:cNvPr>
+          <p:cNvCxnSpPr>
+            <a:cxnSpLocks/>
+          </p:cNvCxnSpPr>
+          <p:nvPr/>
+        </p:nvCxnSpPr>
+        <p:spPr>
+          <a:xfrm>
+            <a:off x="738231" y="454803"/>
+            <a:ext cx="344203" cy="484764"/>
+          </a:xfrm>
+          <a:prstGeom prst="line">
+            <a:avLst/>
+          </a:prstGeom>
+        </p:spPr>
+        <p:style>
+          <a:lnRef idx="3">
+            <a:schemeClr val="dk1"/>
+          </a:lnRef>
+          <a:fillRef idx="0">
+            <a:schemeClr val="dk1"/>
+          </a:fillRef>
+          <a:effectRef idx="2">
+            <a:schemeClr val="dk1"/>
+          </a:effectRef>
+          <a:fontRef idx="minor">
+            <a:schemeClr val="tx1"/>
+          </a:fontRef>
+        </p:style>
+      </p:cxnSp>
+      <p:cxnSp>
+        <p:nvCxnSpPr>
+          <p:cNvPr id="32" name="Connecteur droit 31">
+            <a:extLst>
+              <a:ext uri="{FF2B5EF4-FFF2-40B4-BE49-F238E27FC236}">
+                <a16:creationId xmlns:a16="http://schemas.microsoft.com/office/drawing/2014/main" id="{4AD96496-1EB6-4E48-9BB2-5C255495C686}"/>
+              </a:ext>
+            </a:extLst>
+          </p:cNvPr>
+          <p:cNvCxnSpPr>
+            <a:cxnSpLocks/>
+          </p:cNvCxnSpPr>
+          <p:nvPr/>
+        </p:nvCxnSpPr>
+        <p:spPr>
+          <a:xfrm>
+            <a:off x="1082434" y="938268"/>
+            <a:ext cx="1146585" cy="0"/>
+          </a:xfrm>
+          <a:prstGeom prst="line">
+            <a:avLst/>
+          </a:prstGeom>
+        </p:spPr>
+        <p:style>
+          <a:lnRef idx="3">
+            <a:schemeClr val="dk1"/>
+          </a:lnRef>
+          <a:fillRef idx="0">
+            <a:schemeClr val="dk1"/>
+          </a:fillRef>
+          <a:effectRef idx="2">
+            <a:schemeClr val="dk1"/>
+          </a:effectRef>
+          <a:fontRef idx="minor">
+            <a:schemeClr val="tx1"/>
+          </a:fontRef>
+        </p:style>
+      </p:cxnSp>
+      <p:cxnSp>
+        <p:nvCxnSpPr>
+          <p:cNvPr id="51" name="Connecteur droit 50">
+            <a:extLst>
+              <a:ext uri="{FF2B5EF4-FFF2-40B4-BE49-F238E27FC236}">
+                <a16:creationId xmlns:a16="http://schemas.microsoft.com/office/drawing/2014/main" id="{C035BFA6-ECBF-4775-BA81-19D2CA41AA8D}"/>
+              </a:ext>
+            </a:extLst>
+          </p:cNvPr>
+          <p:cNvCxnSpPr>
+            <a:cxnSpLocks/>
+          </p:cNvCxnSpPr>
+          <p:nvPr/>
+        </p:nvCxnSpPr>
+        <p:spPr>
+          <a:xfrm>
+            <a:off x="9402704" y="465201"/>
+            <a:ext cx="344203" cy="495163"/>
+          </a:xfrm>
+          <a:prstGeom prst="line">
+            <a:avLst/>
+          </a:prstGeom>
+        </p:spPr>
+        <p:style>
+          <a:lnRef idx="3">
+            <a:schemeClr val="dk1"/>
+          </a:lnRef>
+          <a:fillRef idx="0">
+            <a:schemeClr val="dk1"/>
+          </a:fillRef>
+          <a:effectRef idx="2">
+            <a:schemeClr val="dk1"/>
+          </a:effectRef>
+          <a:fontRef idx="minor">
+            <a:schemeClr val="tx1"/>
+          </a:fontRef>
+        </p:style>
+      </p:cxnSp>
+      <p:cxnSp>
+        <p:nvCxnSpPr>
+          <p:cNvPr id="52" name="Connecteur droit 51">
+            <a:extLst>
+              <a:ext uri="{FF2B5EF4-FFF2-40B4-BE49-F238E27FC236}">
+                <a16:creationId xmlns:a16="http://schemas.microsoft.com/office/drawing/2014/main" id="{FA310BC7-694B-4984-99A2-61A1F4F6EBF9}"/>
+              </a:ext>
+            </a:extLst>
+          </p:cNvPr>
+          <p:cNvCxnSpPr>
+            <a:cxnSpLocks/>
+          </p:cNvCxnSpPr>
+          <p:nvPr/>
+        </p:nvCxnSpPr>
+        <p:spPr>
+          <a:xfrm flipH="1">
+            <a:off x="11370469" y="448308"/>
+            <a:ext cx="364332" cy="501657"/>
+          </a:xfrm>
+          <a:prstGeom prst="line">
+            <a:avLst/>
+          </a:prstGeom>
+        </p:spPr>
+        <p:style>
+          <a:lnRef idx="3">
+            <a:schemeClr val="dk1"/>
+          </a:lnRef>
+          <a:fillRef idx="0">
+            <a:schemeClr val="dk1"/>
+          </a:fillRef>
+          <a:effectRef idx="2">
+            <a:schemeClr val="dk1"/>
+          </a:effectRef>
+          <a:fontRef idx="minor">
+            <a:schemeClr val="tx1"/>
+          </a:fontRef>
+        </p:style>
+      </p:cxnSp>
+      <p:cxnSp>
+        <p:nvCxnSpPr>
+          <p:cNvPr id="53" name="Connecteur droit 52">
+            <a:extLst>
+              <a:ext uri="{FF2B5EF4-FFF2-40B4-BE49-F238E27FC236}">
+                <a16:creationId xmlns:a16="http://schemas.microsoft.com/office/drawing/2014/main" id="{BE0649BD-EE59-4DDA-960F-95B2572F9F13}"/>
+              </a:ext>
+            </a:extLst>
+          </p:cNvPr>
+          <p:cNvCxnSpPr>
+            <a:cxnSpLocks/>
+          </p:cNvCxnSpPr>
+          <p:nvPr/>
+        </p:nvCxnSpPr>
+        <p:spPr>
+          <a:xfrm>
+            <a:off x="9743203" y="949965"/>
+            <a:ext cx="1627266" cy="0"/>
+          </a:xfrm>
+          <a:prstGeom prst="line">
+            <a:avLst/>
+          </a:prstGeom>
+        </p:spPr>
+        <p:style>
+          <a:lnRef idx="3">
+            <a:schemeClr val="dk1"/>
+          </a:lnRef>
+          <a:fillRef idx="0">
+            <a:schemeClr val="dk1"/>
+          </a:fillRef>
+          <a:effectRef idx="2">
+            <a:schemeClr val="dk1"/>
+          </a:effectRef>
+          <a:fontRef idx="minor">
+            <a:schemeClr val="tx1"/>
+          </a:fontRef>
+        </p:style>
+      </p:cxnSp>
+      <p:cxnSp>
+        <p:nvCxnSpPr>
+          <p:cNvPr id="55" name="Connecteur droit 54">
+            <a:extLst>
+              <a:ext uri="{FF2B5EF4-FFF2-40B4-BE49-F238E27FC236}">
+                <a16:creationId xmlns:a16="http://schemas.microsoft.com/office/drawing/2014/main" id="{52AA9200-DAFA-4EEF-AC13-4C7CE82A59EC}"/>
+              </a:ext>
+            </a:extLst>
+          </p:cNvPr>
+          <p:cNvCxnSpPr>
+            <a:cxnSpLocks/>
+          </p:cNvCxnSpPr>
+          <p:nvPr/>
+        </p:nvCxnSpPr>
+        <p:spPr>
+          <a:xfrm>
+            <a:off x="11715750" y="454801"/>
+            <a:ext cx="476249" cy="10400"/>
+          </a:xfrm>
+          <a:prstGeom prst="line">
+            <a:avLst/>
+          </a:prstGeom>
+        </p:spPr>
+        <p:style>
+          <a:lnRef idx="3">
+            <a:schemeClr val="dk1"/>
+          </a:lnRef>
+          <a:fillRef idx="0">
+            <a:schemeClr val="dk1"/>
+          </a:fillRef>
+          <a:effectRef idx="2">
+            <a:schemeClr val="dk1"/>
+          </a:effectRef>
+          <a:fontRef idx="minor">
+            <a:schemeClr val="tx1"/>
+          </a:fontRef>
+        </p:style>
+      </p:cxnSp>
+      <p:cxnSp>
+        <p:nvCxnSpPr>
+          <p:cNvPr id="23" name="Connecteur droit 22">
+            <a:extLst>
+              <a:ext uri="{FF2B5EF4-FFF2-40B4-BE49-F238E27FC236}">
+                <a16:creationId xmlns:a16="http://schemas.microsoft.com/office/drawing/2014/main" id="{BCB092C8-0080-4E56-957E-0046D4C83988}"/>
+              </a:ext>
+            </a:extLst>
+          </p:cNvPr>
+          <p:cNvCxnSpPr>
+            <a:cxnSpLocks/>
+          </p:cNvCxnSpPr>
+          <p:nvPr/>
+        </p:nvCxnSpPr>
+        <p:spPr>
+          <a:xfrm flipH="1">
+            <a:off x="2216372" y="446356"/>
+            <a:ext cx="364332" cy="501657"/>
+          </a:xfrm>
+          <a:prstGeom prst="line">
+            <a:avLst/>
+          </a:prstGeom>
+        </p:spPr>
+        <p:style>
+          <a:lnRef idx="3">
+            <a:schemeClr val="dk1"/>
+          </a:lnRef>
+          <a:fillRef idx="0">
+            <a:schemeClr val="dk1"/>
+          </a:fillRef>
+          <a:effectRef idx="2">
+            <a:schemeClr val="dk1"/>
+          </a:effectRef>
+          <a:fontRef idx="minor">
+            <a:schemeClr val="tx1"/>
+          </a:fontRef>
+        </p:style>
+      </p:cxnSp>
+      <p:sp>
+        <p:nvSpPr>
+          <p:cNvPr id="9" name="ZoneTexte 8">
+            <a:extLst>
+              <a:ext uri="{FF2B5EF4-FFF2-40B4-BE49-F238E27FC236}">
+                <a16:creationId xmlns:a16="http://schemas.microsoft.com/office/drawing/2014/main" id="{82010251-0AD2-4DAA-8E6B-7CA6A2301A9E}"/>
+              </a:ext>
+            </a:extLst>
+          </p:cNvPr>
+          <p:cNvSpPr txBox="1"/>
+          <p:nvPr/>
+        </p:nvSpPr>
+        <p:spPr>
+          <a:xfrm>
+            <a:off x="3375800" y="960364"/>
+            <a:ext cx="5440399" cy="769441"/>
+          </a:xfrm>
+          <a:prstGeom prst="rect">
+            <a:avLst/>
+          </a:prstGeom>
+          <a:noFill/>
+        </p:spPr>
+        <p:txBody>
+          <a:bodyPr wrap="square" rtlCol="0">
+            <a:spAutoFit/>
+          </a:bodyPr>
+          <a:lstStyle/>
+          <a:p>
+            <a:pPr algn="ctr"/>
+            <a:r>
+              <a:rPr lang="fr-FR" sz="4400" dirty="0">
+                <a:latin typeface="Berlin Sans FB" panose="020E0602020502020306" pitchFamily="34" charset="0"/>
+              </a:rPr>
+              <a:t>Partie personnelle</a:t>
+            </a:r>
+          </a:p>
+        </p:txBody>
+      </p:sp>
+      <p:sp>
+        <p:nvSpPr>
+          <p:cNvPr id="21" name="ZoneTexte 16">
+            <a:extLst>
+              <a:ext uri="{FF2B5EF4-FFF2-40B4-BE49-F238E27FC236}">
+                <a16:creationId xmlns:a16="http://schemas.microsoft.com/office/drawing/2014/main" id="{F1734F75-55B1-4649-A53F-E29A26264DC2}"/>
+              </a:ext>
+            </a:extLst>
+          </p:cNvPr>
+          <p:cNvSpPr txBox="1"/>
+          <p:nvPr/>
+        </p:nvSpPr>
+        <p:spPr>
+          <a:xfrm>
+            <a:off x="2679113" y="2099264"/>
+            <a:ext cx="715647" cy="400110"/>
+          </a:xfrm>
+          <a:prstGeom prst="rect">
+            <a:avLst/>
+          </a:prstGeom>
+          <a:noFill/>
+        </p:spPr>
+        <p:txBody>
+          <a:bodyPr wrap="square" rtlCol="0">
+            <a:spAutoFit/>
+          </a:bodyPr>
+          <a:lstStyle>
+            <a:defPPr>
+              <a:defRPr lang="fr-FR"/>
+            </a:defPPr>
+            <a:lvl1pPr marL="0" algn="l" defTabSz="914400" rtl="0" eaLnBrk="1" latinLnBrk="0" hangingPunct="1">
+              <a:defRPr sz="1800" kern="1200">
+                <a:solidFill>
+                  <a:schemeClr val="tx1"/>
+                </a:solidFill>
+                <a:latin typeface="+mn-lt"/>
+                <a:ea typeface="+mn-ea"/>
+                <a:cs typeface="+mn-cs"/>
+              </a:defRPr>
+            </a:lvl1pPr>
+            <a:lvl2pPr marL="457200" algn="l" defTabSz="914400" rtl="0" eaLnBrk="1" latinLnBrk="0" hangingPunct="1">
+              <a:defRPr sz="1800" kern="1200">
+                <a:solidFill>
+                  <a:schemeClr val="tx1"/>
+                </a:solidFill>
+                <a:latin typeface="+mn-lt"/>
+                <a:ea typeface="+mn-ea"/>
+                <a:cs typeface="+mn-cs"/>
+              </a:defRPr>
+            </a:lvl2pPr>
+            <a:lvl3pPr marL="914400" algn="l" defTabSz="914400" rtl="0" eaLnBrk="1" latinLnBrk="0" hangingPunct="1">
+              <a:defRPr sz="1800" kern="1200">
+                <a:solidFill>
+                  <a:schemeClr val="tx1"/>
+                </a:solidFill>
+                <a:latin typeface="+mn-lt"/>
+                <a:ea typeface="+mn-ea"/>
+                <a:cs typeface="+mn-cs"/>
+              </a:defRPr>
+            </a:lvl3pPr>
+            <a:lvl4pPr marL="1371600" algn="l" defTabSz="914400" rtl="0" eaLnBrk="1" latinLnBrk="0" hangingPunct="1">
+              <a:defRPr sz="1800" kern="1200">
+                <a:solidFill>
+                  <a:schemeClr val="tx1"/>
+                </a:solidFill>
+                <a:latin typeface="+mn-lt"/>
+                <a:ea typeface="+mn-ea"/>
+                <a:cs typeface="+mn-cs"/>
+              </a:defRPr>
+            </a:lvl4pPr>
+            <a:lvl5pPr marL="1828800" algn="l" defTabSz="914400" rtl="0" eaLnBrk="1" latinLnBrk="0" hangingPunct="1">
+              <a:defRPr sz="1800" kern="1200">
+                <a:solidFill>
+                  <a:schemeClr val="tx1"/>
+                </a:solidFill>
+                <a:latin typeface="+mn-lt"/>
+                <a:ea typeface="+mn-ea"/>
+                <a:cs typeface="+mn-cs"/>
+              </a:defRPr>
+            </a:lvl5pPr>
+            <a:lvl6pPr marL="2286000" algn="l" defTabSz="914400" rtl="0" eaLnBrk="1" latinLnBrk="0" hangingPunct="1">
+              <a:defRPr sz="1800" kern="1200">
+                <a:solidFill>
+                  <a:schemeClr val="tx1"/>
+                </a:solidFill>
+                <a:latin typeface="+mn-lt"/>
+                <a:ea typeface="+mn-ea"/>
+                <a:cs typeface="+mn-cs"/>
+              </a:defRPr>
+            </a:lvl6pPr>
+            <a:lvl7pPr marL="2743200" algn="l" defTabSz="914400" rtl="0" eaLnBrk="1" latinLnBrk="0" hangingPunct="1">
+              <a:defRPr sz="1800" kern="1200">
+                <a:solidFill>
+                  <a:schemeClr val="tx1"/>
+                </a:solidFill>
+                <a:latin typeface="+mn-lt"/>
+                <a:ea typeface="+mn-ea"/>
+                <a:cs typeface="+mn-cs"/>
+              </a:defRPr>
+            </a:lvl7pPr>
+            <a:lvl8pPr marL="3200400" algn="l" defTabSz="914400" rtl="0" eaLnBrk="1" latinLnBrk="0" hangingPunct="1">
+              <a:defRPr sz="1800" kern="1200">
+                <a:solidFill>
+                  <a:schemeClr val="tx1"/>
+                </a:solidFill>
+                <a:latin typeface="+mn-lt"/>
+                <a:ea typeface="+mn-ea"/>
+                <a:cs typeface="+mn-cs"/>
+              </a:defRPr>
+            </a:lvl8pPr>
+            <a:lvl9pPr marL="3657600" algn="l" defTabSz="914400" rtl="0" eaLnBrk="1" latinLnBrk="0" hangingPunct="1">
+              <a:defRPr sz="1800" kern="1200">
+                <a:solidFill>
+                  <a:schemeClr val="tx1"/>
+                </a:solidFill>
+                <a:latin typeface="+mn-lt"/>
+                <a:ea typeface="+mn-ea"/>
+                <a:cs typeface="+mn-cs"/>
+              </a:defRPr>
+            </a:lvl9pPr>
+          </a:lstStyle>
+          <a:p>
+            <a:r>
+              <a:rPr lang="fr-FR" sz="2000" u="sng" dirty="0">
+                <a:latin typeface="Berlin Sans FB" panose="020E0602020502020306" pitchFamily="34" charset="0"/>
+              </a:rPr>
+              <a:t>Web</a:t>
+            </a:r>
+          </a:p>
+        </p:txBody>
+      </p:sp>
+      <p:pic>
+        <p:nvPicPr>
+          <p:cNvPr id="22" name="Image 21" descr="Une image contenant moniteur&#10;&#10;Description générée avec un niveau de confiance élevé">
+            <a:extLst>
+              <a:ext uri="{FF2B5EF4-FFF2-40B4-BE49-F238E27FC236}">
+                <a16:creationId xmlns:a16="http://schemas.microsoft.com/office/drawing/2014/main" id="{494A3448-6A99-4020-9320-836A332EA315}"/>
+              </a:ext>
+            </a:extLst>
+          </p:cNvPr>
+          <p:cNvPicPr>
+            <a:picLocks noChangeAspect="1"/>
+          </p:cNvPicPr>
+          <p:nvPr/>
+        </p:nvPicPr>
+        <p:blipFill>
+          <a:blip r:embed="rId4">
+            <a:extLst>
+              <a:ext uri="{28A0092B-C50C-407E-A947-70E740481C1C}">
+                <a14:useLocalDpi xmlns:a14="http://schemas.microsoft.com/office/drawing/2010/main" val="0"/>
+              </a:ext>
+            </a:extLst>
+          </a:blip>
+          <a:stretch>
+            <a:fillRect/>
+          </a:stretch>
+        </p:blipFill>
+        <p:spPr>
+          <a:xfrm>
+            <a:off x="806163" y="2525676"/>
+            <a:ext cx="648306" cy="648306"/>
+          </a:xfrm>
+          <a:prstGeom prst="rect">
+            <a:avLst/>
+          </a:prstGeom>
+        </p:spPr>
+      </p:pic>
+      <p:sp>
+        <p:nvSpPr>
+          <p:cNvPr id="24" name="ZoneTexte 6">
+            <a:extLst>
+              <a:ext uri="{FF2B5EF4-FFF2-40B4-BE49-F238E27FC236}">
+                <a16:creationId xmlns:a16="http://schemas.microsoft.com/office/drawing/2014/main" id="{94C43035-604F-4687-BCB2-E863C973FF18}"/>
+              </a:ext>
+            </a:extLst>
+          </p:cNvPr>
+          <p:cNvSpPr txBox="1"/>
+          <p:nvPr/>
+        </p:nvSpPr>
+        <p:spPr>
+          <a:xfrm>
+            <a:off x="1608235" y="2527651"/>
+            <a:ext cx="3271706" cy="646331"/>
+          </a:xfrm>
+          <a:prstGeom prst="rect">
+            <a:avLst/>
+          </a:prstGeom>
+          <a:noFill/>
+        </p:spPr>
+        <p:txBody>
+          <a:bodyPr wrap="square" rtlCol="0">
+            <a:spAutoFit/>
+          </a:bodyPr>
+          <a:lstStyle>
+            <a:defPPr>
+              <a:defRPr lang="fr-FR"/>
+            </a:defPPr>
+            <a:lvl1pPr marL="0" algn="l" defTabSz="914400" rtl="0" eaLnBrk="1" latinLnBrk="0" hangingPunct="1">
+              <a:defRPr sz="1800" kern="1200">
+                <a:solidFill>
+                  <a:schemeClr val="tx1"/>
+                </a:solidFill>
+                <a:latin typeface="+mn-lt"/>
+                <a:ea typeface="+mn-ea"/>
+                <a:cs typeface="+mn-cs"/>
+              </a:defRPr>
+            </a:lvl1pPr>
+            <a:lvl2pPr marL="457200" algn="l" defTabSz="914400" rtl="0" eaLnBrk="1" latinLnBrk="0" hangingPunct="1">
+              <a:defRPr sz="1800" kern="1200">
+                <a:solidFill>
+                  <a:schemeClr val="tx1"/>
+                </a:solidFill>
+                <a:latin typeface="+mn-lt"/>
+                <a:ea typeface="+mn-ea"/>
+                <a:cs typeface="+mn-cs"/>
+              </a:defRPr>
+            </a:lvl2pPr>
+            <a:lvl3pPr marL="914400" algn="l" defTabSz="914400" rtl="0" eaLnBrk="1" latinLnBrk="0" hangingPunct="1">
+              <a:defRPr sz="1800" kern="1200">
+                <a:solidFill>
+                  <a:schemeClr val="tx1"/>
+                </a:solidFill>
+                <a:latin typeface="+mn-lt"/>
+                <a:ea typeface="+mn-ea"/>
+                <a:cs typeface="+mn-cs"/>
+              </a:defRPr>
+            </a:lvl3pPr>
+            <a:lvl4pPr marL="1371600" algn="l" defTabSz="914400" rtl="0" eaLnBrk="1" latinLnBrk="0" hangingPunct="1">
+              <a:defRPr sz="1800" kern="1200">
+                <a:solidFill>
+                  <a:schemeClr val="tx1"/>
+                </a:solidFill>
+                <a:latin typeface="+mn-lt"/>
+                <a:ea typeface="+mn-ea"/>
+                <a:cs typeface="+mn-cs"/>
+              </a:defRPr>
+            </a:lvl4pPr>
+            <a:lvl5pPr marL="1828800" algn="l" defTabSz="914400" rtl="0" eaLnBrk="1" latinLnBrk="0" hangingPunct="1">
+              <a:defRPr sz="1800" kern="1200">
+                <a:solidFill>
+                  <a:schemeClr val="tx1"/>
+                </a:solidFill>
+                <a:latin typeface="+mn-lt"/>
+                <a:ea typeface="+mn-ea"/>
+                <a:cs typeface="+mn-cs"/>
+              </a:defRPr>
+            </a:lvl5pPr>
+            <a:lvl6pPr marL="2286000" algn="l" defTabSz="914400" rtl="0" eaLnBrk="1" latinLnBrk="0" hangingPunct="1">
+              <a:defRPr sz="1800" kern="1200">
+                <a:solidFill>
+                  <a:schemeClr val="tx1"/>
+                </a:solidFill>
+                <a:latin typeface="+mn-lt"/>
+                <a:ea typeface="+mn-ea"/>
+                <a:cs typeface="+mn-cs"/>
+              </a:defRPr>
+            </a:lvl6pPr>
+            <a:lvl7pPr marL="2743200" algn="l" defTabSz="914400" rtl="0" eaLnBrk="1" latinLnBrk="0" hangingPunct="1">
+              <a:defRPr sz="1800" kern="1200">
+                <a:solidFill>
+                  <a:schemeClr val="tx1"/>
+                </a:solidFill>
+                <a:latin typeface="+mn-lt"/>
+                <a:ea typeface="+mn-ea"/>
+                <a:cs typeface="+mn-cs"/>
+              </a:defRPr>
+            </a:lvl7pPr>
+            <a:lvl8pPr marL="3200400" algn="l" defTabSz="914400" rtl="0" eaLnBrk="1" latinLnBrk="0" hangingPunct="1">
+              <a:defRPr sz="1800" kern="1200">
+                <a:solidFill>
+                  <a:schemeClr val="tx1"/>
+                </a:solidFill>
+                <a:latin typeface="+mn-lt"/>
+                <a:ea typeface="+mn-ea"/>
+                <a:cs typeface="+mn-cs"/>
+              </a:defRPr>
+            </a:lvl8pPr>
+            <a:lvl9pPr marL="3657600" algn="l" defTabSz="914400" rtl="0" eaLnBrk="1" latinLnBrk="0" hangingPunct="1">
+              <a:defRPr sz="1800" kern="1200">
+                <a:solidFill>
+                  <a:schemeClr val="tx1"/>
+                </a:solidFill>
+                <a:latin typeface="+mn-lt"/>
+                <a:ea typeface="+mn-ea"/>
+                <a:cs typeface="+mn-cs"/>
+              </a:defRPr>
+            </a:lvl9pPr>
+          </a:lstStyle>
+          <a:p>
+            <a:pPr algn="ctr"/>
+            <a:r>
+              <a:rPr lang="fr-FR" dirty="0"/>
+              <a:t>Visualisation de chaque mesures avec choix de la période.</a:t>
+            </a:r>
+          </a:p>
+        </p:txBody>
+      </p:sp>
+      <p:sp>
+        <p:nvSpPr>
+          <p:cNvPr id="28" name="ZoneTexte 24">
+            <a:extLst>
+              <a:ext uri="{FF2B5EF4-FFF2-40B4-BE49-F238E27FC236}">
+                <a16:creationId xmlns:a16="http://schemas.microsoft.com/office/drawing/2014/main" id="{2EDCE7AC-0A7D-4EF1-BC5F-2A6F6824C997}"/>
+              </a:ext>
+            </a:extLst>
+          </p:cNvPr>
+          <p:cNvSpPr txBox="1"/>
+          <p:nvPr/>
+        </p:nvSpPr>
+        <p:spPr>
+          <a:xfrm>
+            <a:off x="8190668" y="2105043"/>
+            <a:ext cx="1937857" cy="400110"/>
+          </a:xfrm>
+          <a:prstGeom prst="rect">
+            <a:avLst/>
+          </a:prstGeom>
+          <a:noFill/>
+        </p:spPr>
+        <p:txBody>
+          <a:bodyPr wrap="square" rtlCol="0">
+            <a:spAutoFit/>
+          </a:bodyPr>
+          <a:lstStyle>
+            <a:defPPr>
+              <a:defRPr lang="fr-FR"/>
+            </a:defPPr>
+            <a:lvl1pPr marL="0" algn="l" defTabSz="914400" rtl="0" eaLnBrk="1" latinLnBrk="0" hangingPunct="1">
+              <a:defRPr sz="1800" kern="1200">
+                <a:solidFill>
+                  <a:schemeClr val="tx1"/>
+                </a:solidFill>
+                <a:latin typeface="+mn-lt"/>
+                <a:ea typeface="+mn-ea"/>
+                <a:cs typeface="+mn-cs"/>
+              </a:defRPr>
+            </a:lvl1pPr>
+            <a:lvl2pPr marL="457200" algn="l" defTabSz="914400" rtl="0" eaLnBrk="1" latinLnBrk="0" hangingPunct="1">
+              <a:defRPr sz="1800" kern="1200">
+                <a:solidFill>
+                  <a:schemeClr val="tx1"/>
+                </a:solidFill>
+                <a:latin typeface="+mn-lt"/>
+                <a:ea typeface="+mn-ea"/>
+                <a:cs typeface="+mn-cs"/>
+              </a:defRPr>
+            </a:lvl2pPr>
+            <a:lvl3pPr marL="914400" algn="l" defTabSz="914400" rtl="0" eaLnBrk="1" latinLnBrk="0" hangingPunct="1">
+              <a:defRPr sz="1800" kern="1200">
+                <a:solidFill>
+                  <a:schemeClr val="tx1"/>
+                </a:solidFill>
+                <a:latin typeface="+mn-lt"/>
+                <a:ea typeface="+mn-ea"/>
+                <a:cs typeface="+mn-cs"/>
+              </a:defRPr>
+            </a:lvl3pPr>
+            <a:lvl4pPr marL="1371600" algn="l" defTabSz="914400" rtl="0" eaLnBrk="1" latinLnBrk="0" hangingPunct="1">
+              <a:defRPr sz="1800" kern="1200">
+                <a:solidFill>
+                  <a:schemeClr val="tx1"/>
+                </a:solidFill>
+                <a:latin typeface="+mn-lt"/>
+                <a:ea typeface="+mn-ea"/>
+                <a:cs typeface="+mn-cs"/>
+              </a:defRPr>
+            </a:lvl4pPr>
+            <a:lvl5pPr marL="1828800" algn="l" defTabSz="914400" rtl="0" eaLnBrk="1" latinLnBrk="0" hangingPunct="1">
+              <a:defRPr sz="1800" kern="1200">
+                <a:solidFill>
+                  <a:schemeClr val="tx1"/>
+                </a:solidFill>
+                <a:latin typeface="+mn-lt"/>
+                <a:ea typeface="+mn-ea"/>
+                <a:cs typeface="+mn-cs"/>
+              </a:defRPr>
+            </a:lvl5pPr>
+            <a:lvl6pPr marL="2286000" algn="l" defTabSz="914400" rtl="0" eaLnBrk="1" latinLnBrk="0" hangingPunct="1">
+              <a:defRPr sz="1800" kern="1200">
+                <a:solidFill>
+                  <a:schemeClr val="tx1"/>
+                </a:solidFill>
+                <a:latin typeface="+mn-lt"/>
+                <a:ea typeface="+mn-ea"/>
+                <a:cs typeface="+mn-cs"/>
+              </a:defRPr>
+            </a:lvl6pPr>
+            <a:lvl7pPr marL="2743200" algn="l" defTabSz="914400" rtl="0" eaLnBrk="1" latinLnBrk="0" hangingPunct="1">
+              <a:defRPr sz="1800" kern="1200">
+                <a:solidFill>
+                  <a:schemeClr val="tx1"/>
+                </a:solidFill>
+                <a:latin typeface="+mn-lt"/>
+                <a:ea typeface="+mn-ea"/>
+                <a:cs typeface="+mn-cs"/>
+              </a:defRPr>
+            </a:lvl7pPr>
+            <a:lvl8pPr marL="3200400" algn="l" defTabSz="914400" rtl="0" eaLnBrk="1" latinLnBrk="0" hangingPunct="1">
+              <a:defRPr sz="1800" kern="1200">
+                <a:solidFill>
+                  <a:schemeClr val="tx1"/>
+                </a:solidFill>
+                <a:latin typeface="+mn-lt"/>
+                <a:ea typeface="+mn-ea"/>
+                <a:cs typeface="+mn-cs"/>
+              </a:defRPr>
+            </a:lvl8pPr>
+            <a:lvl9pPr marL="3657600" algn="l" defTabSz="914400" rtl="0" eaLnBrk="1" latinLnBrk="0" hangingPunct="1">
+              <a:defRPr sz="1800" kern="1200">
+                <a:solidFill>
+                  <a:schemeClr val="tx1"/>
+                </a:solidFill>
+                <a:latin typeface="+mn-lt"/>
+                <a:ea typeface="+mn-ea"/>
+                <a:cs typeface="+mn-cs"/>
+              </a:defRPr>
+            </a:lvl9pPr>
+          </a:lstStyle>
+          <a:p>
+            <a:r>
+              <a:rPr lang="fr-FR" sz="2000" u="sng" dirty="0">
+                <a:latin typeface="Berlin Sans FB" panose="020E0602020502020306" pitchFamily="34" charset="0"/>
+              </a:rPr>
+              <a:t>Carte de gestion</a:t>
+            </a:r>
+          </a:p>
+        </p:txBody>
+      </p:sp>
+      <p:pic>
+        <p:nvPicPr>
+          <p:cNvPr id="29" name="Image 28" descr="Une image contenant transport&#10;&#10;Description générée avec un niveau de confiance très élevé">
+            <a:extLst>
+              <a:ext uri="{FF2B5EF4-FFF2-40B4-BE49-F238E27FC236}">
+                <a16:creationId xmlns:a16="http://schemas.microsoft.com/office/drawing/2014/main" id="{3037617D-3657-4209-AF82-5FD6D89C2935}"/>
+              </a:ext>
+            </a:extLst>
+          </p:cNvPr>
+          <p:cNvPicPr>
+            <a:picLocks noChangeAspect="1"/>
+          </p:cNvPicPr>
+          <p:nvPr/>
+        </p:nvPicPr>
+        <p:blipFill>
+          <a:blip r:embed="rId5">
+            <a:extLst>
+              <a:ext uri="{28A0092B-C50C-407E-A947-70E740481C1C}">
+                <a14:useLocalDpi xmlns:a14="http://schemas.microsoft.com/office/drawing/2010/main" val="0"/>
+              </a:ext>
+            </a:extLst>
+          </a:blip>
+          <a:stretch>
+            <a:fillRect/>
+          </a:stretch>
+        </p:blipFill>
+        <p:spPr>
+          <a:xfrm>
+            <a:off x="10670191" y="2497785"/>
+            <a:ext cx="715646" cy="715646"/>
+          </a:xfrm>
+          <a:prstGeom prst="rect">
+            <a:avLst/>
+          </a:prstGeom>
+        </p:spPr>
+      </p:pic>
+      <p:sp>
+        <p:nvSpPr>
+          <p:cNvPr id="30" name="ZoneTexte 27">
+            <a:extLst>
+              <a:ext uri="{FF2B5EF4-FFF2-40B4-BE49-F238E27FC236}">
+                <a16:creationId xmlns:a16="http://schemas.microsoft.com/office/drawing/2014/main" id="{85A0D292-E6DA-4854-813B-568DC9A16C2E}"/>
+              </a:ext>
+            </a:extLst>
+          </p:cNvPr>
+          <p:cNvSpPr txBox="1"/>
+          <p:nvPr/>
+        </p:nvSpPr>
+        <p:spPr>
+          <a:xfrm>
+            <a:off x="7523744" y="2568383"/>
+            <a:ext cx="3271706" cy="1200329"/>
+          </a:xfrm>
+          <a:prstGeom prst="rect">
+            <a:avLst/>
+          </a:prstGeom>
+          <a:noFill/>
+        </p:spPr>
+        <p:txBody>
+          <a:bodyPr wrap="square" rtlCol="0">
+            <a:spAutoFit/>
+          </a:bodyPr>
+          <a:lstStyle>
+            <a:defPPr>
+              <a:defRPr lang="fr-FR"/>
+            </a:defPPr>
+            <a:lvl1pPr marL="0" algn="l" defTabSz="914400" rtl="0" eaLnBrk="1" latinLnBrk="0" hangingPunct="1">
+              <a:defRPr sz="1800" kern="1200">
+                <a:solidFill>
+                  <a:schemeClr val="tx1"/>
+                </a:solidFill>
+                <a:latin typeface="+mn-lt"/>
+                <a:ea typeface="+mn-ea"/>
+                <a:cs typeface="+mn-cs"/>
+              </a:defRPr>
+            </a:lvl1pPr>
+            <a:lvl2pPr marL="457200" algn="l" defTabSz="914400" rtl="0" eaLnBrk="1" latinLnBrk="0" hangingPunct="1">
+              <a:defRPr sz="1800" kern="1200">
+                <a:solidFill>
+                  <a:schemeClr val="tx1"/>
+                </a:solidFill>
+                <a:latin typeface="+mn-lt"/>
+                <a:ea typeface="+mn-ea"/>
+                <a:cs typeface="+mn-cs"/>
+              </a:defRPr>
+            </a:lvl2pPr>
+            <a:lvl3pPr marL="914400" algn="l" defTabSz="914400" rtl="0" eaLnBrk="1" latinLnBrk="0" hangingPunct="1">
+              <a:defRPr sz="1800" kern="1200">
+                <a:solidFill>
+                  <a:schemeClr val="tx1"/>
+                </a:solidFill>
+                <a:latin typeface="+mn-lt"/>
+                <a:ea typeface="+mn-ea"/>
+                <a:cs typeface="+mn-cs"/>
+              </a:defRPr>
+            </a:lvl3pPr>
+            <a:lvl4pPr marL="1371600" algn="l" defTabSz="914400" rtl="0" eaLnBrk="1" latinLnBrk="0" hangingPunct="1">
+              <a:defRPr sz="1800" kern="1200">
+                <a:solidFill>
+                  <a:schemeClr val="tx1"/>
+                </a:solidFill>
+                <a:latin typeface="+mn-lt"/>
+                <a:ea typeface="+mn-ea"/>
+                <a:cs typeface="+mn-cs"/>
+              </a:defRPr>
+            </a:lvl4pPr>
+            <a:lvl5pPr marL="1828800" algn="l" defTabSz="914400" rtl="0" eaLnBrk="1" latinLnBrk="0" hangingPunct="1">
+              <a:defRPr sz="1800" kern="1200">
+                <a:solidFill>
+                  <a:schemeClr val="tx1"/>
+                </a:solidFill>
+                <a:latin typeface="+mn-lt"/>
+                <a:ea typeface="+mn-ea"/>
+                <a:cs typeface="+mn-cs"/>
+              </a:defRPr>
+            </a:lvl5pPr>
+            <a:lvl6pPr marL="2286000" algn="l" defTabSz="914400" rtl="0" eaLnBrk="1" latinLnBrk="0" hangingPunct="1">
+              <a:defRPr sz="1800" kern="1200">
+                <a:solidFill>
+                  <a:schemeClr val="tx1"/>
+                </a:solidFill>
+                <a:latin typeface="+mn-lt"/>
+                <a:ea typeface="+mn-ea"/>
+                <a:cs typeface="+mn-cs"/>
+              </a:defRPr>
+            </a:lvl6pPr>
+            <a:lvl7pPr marL="2743200" algn="l" defTabSz="914400" rtl="0" eaLnBrk="1" latinLnBrk="0" hangingPunct="1">
+              <a:defRPr sz="1800" kern="1200">
+                <a:solidFill>
+                  <a:schemeClr val="tx1"/>
+                </a:solidFill>
+                <a:latin typeface="+mn-lt"/>
+                <a:ea typeface="+mn-ea"/>
+                <a:cs typeface="+mn-cs"/>
+              </a:defRPr>
+            </a:lvl7pPr>
+            <a:lvl8pPr marL="3200400" algn="l" defTabSz="914400" rtl="0" eaLnBrk="1" latinLnBrk="0" hangingPunct="1">
+              <a:defRPr sz="1800" kern="1200">
+                <a:solidFill>
+                  <a:schemeClr val="tx1"/>
+                </a:solidFill>
+                <a:latin typeface="+mn-lt"/>
+                <a:ea typeface="+mn-ea"/>
+                <a:cs typeface="+mn-cs"/>
+              </a:defRPr>
+            </a:lvl8pPr>
+            <a:lvl9pPr marL="3657600" algn="l" defTabSz="914400" rtl="0" eaLnBrk="1" latinLnBrk="0" hangingPunct="1">
+              <a:defRPr sz="1800" kern="1200">
+                <a:solidFill>
+                  <a:schemeClr val="tx1"/>
+                </a:solidFill>
+                <a:latin typeface="+mn-lt"/>
+                <a:ea typeface="+mn-ea"/>
+                <a:cs typeface="+mn-cs"/>
+              </a:defRPr>
+            </a:lvl9pPr>
+          </a:lstStyle>
+          <a:p>
+            <a:pPr algn="ctr"/>
+            <a:r>
+              <a:rPr lang="fr-FR" dirty="0"/>
+              <a:t>Acquérir la mesure de l’intensité lumineuse.</a:t>
+            </a:r>
+          </a:p>
+          <a:p>
+            <a:pPr algn="ctr"/>
+            <a:r>
+              <a:rPr lang="fr-FR" dirty="0"/>
+              <a:t>Etude et configuration réseau des matériels.</a:t>
+            </a:r>
+          </a:p>
+        </p:txBody>
+      </p:sp>
+      <p:pic>
+        <p:nvPicPr>
+          <p:cNvPr id="33" name="Image 32" descr="Une image contenant carte de visite, texte&#10;&#10;Description générée avec un niveau de confiance très élevé">
+            <a:extLst>
+              <a:ext uri="{FF2B5EF4-FFF2-40B4-BE49-F238E27FC236}">
+                <a16:creationId xmlns:a16="http://schemas.microsoft.com/office/drawing/2014/main" id="{4B0276FF-169F-40B9-8646-B43C31FA8092}"/>
+              </a:ext>
+            </a:extLst>
+          </p:cNvPr>
+          <p:cNvPicPr>
+            <a:picLocks noChangeAspect="1"/>
+          </p:cNvPicPr>
+          <p:nvPr/>
+        </p:nvPicPr>
+        <p:blipFill>
+          <a:blip r:embed="rId6">
+            <a:extLst>
+              <a:ext uri="{28A0092B-C50C-407E-A947-70E740481C1C}">
+                <a14:useLocalDpi xmlns:a14="http://schemas.microsoft.com/office/drawing/2010/main" val="0"/>
+              </a:ext>
+            </a:extLst>
+          </a:blip>
+          <a:stretch>
+            <a:fillRect/>
+          </a:stretch>
+        </p:blipFill>
+        <p:spPr>
+          <a:xfrm>
+            <a:off x="6808098" y="3179761"/>
+            <a:ext cx="769441" cy="769441"/>
+          </a:xfrm>
+          <a:prstGeom prst="rect">
+            <a:avLst/>
+          </a:prstGeom>
+        </p:spPr>
+      </p:pic>
+      <p:sp>
+        <p:nvSpPr>
+          <p:cNvPr id="35" name="ZoneTexte 33">
+            <a:extLst>
+              <a:ext uri="{FF2B5EF4-FFF2-40B4-BE49-F238E27FC236}">
+                <a16:creationId xmlns:a16="http://schemas.microsoft.com/office/drawing/2014/main" id="{90D5DE1F-2BD5-4968-80B9-32A3DBF63D3F}"/>
+              </a:ext>
+            </a:extLst>
+          </p:cNvPr>
+          <p:cNvSpPr txBox="1"/>
+          <p:nvPr/>
+        </p:nvSpPr>
+        <p:spPr>
+          <a:xfrm>
+            <a:off x="5638955" y="4239213"/>
+            <a:ext cx="1169143" cy="400110"/>
+          </a:xfrm>
+          <a:prstGeom prst="rect">
+            <a:avLst/>
+          </a:prstGeom>
+          <a:noFill/>
+        </p:spPr>
+        <p:txBody>
+          <a:bodyPr wrap="square" rtlCol="0">
+            <a:spAutoFit/>
+          </a:bodyPr>
+          <a:lstStyle>
+            <a:defPPr>
+              <a:defRPr lang="fr-FR"/>
+            </a:defPPr>
+            <a:lvl1pPr marL="0" algn="l" defTabSz="914400" rtl="0" eaLnBrk="1" latinLnBrk="0" hangingPunct="1">
+              <a:defRPr sz="1800" kern="1200">
+                <a:solidFill>
+                  <a:schemeClr val="tx1"/>
+                </a:solidFill>
+                <a:latin typeface="+mn-lt"/>
+                <a:ea typeface="+mn-ea"/>
+                <a:cs typeface="+mn-cs"/>
+              </a:defRPr>
+            </a:lvl1pPr>
+            <a:lvl2pPr marL="457200" algn="l" defTabSz="914400" rtl="0" eaLnBrk="1" latinLnBrk="0" hangingPunct="1">
+              <a:defRPr sz="1800" kern="1200">
+                <a:solidFill>
+                  <a:schemeClr val="tx1"/>
+                </a:solidFill>
+                <a:latin typeface="+mn-lt"/>
+                <a:ea typeface="+mn-ea"/>
+                <a:cs typeface="+mn-cs"/>
+              </a:defRPr>
+            </a:lvl2pPr>
+            <a:lvl3pPr marL="914400" algn="l" defTabSz="914400" rtl="0" eaLnBrk="1" latinLnBrk="0" hangingPunct="1">
+              <a:defRPr sz="1800" kern="1200">
+                <a:solidFill>
+                  <a:schemeClr val="tx1"/>
+                </a:solidFill>
+                <a:latin typeface="+mn-lt"/>
+                <a:ea typeface="+mn-ea"/>
+                <a:cs typeface="+mn-cs"/>
+              </a:defRPr>
+            </a:lvl3pPr>
+            <a:lvl4pPr marL="1371600" algn="l" defTabSz="914400" rtl="0" eaLnBrk="1" latinLnBrk="0" hangingPunct="1">
+              <a:defRPr sz="1800" kern="1200">
+                <a:solidFill>
+                  <a:schemeClr val="tx1"/>
+                </a:solidFill>
+                <a:latin typeface="+mn-lt"/>
+                <a:ea typeface="+mn-ea"/>
+                <a:cs typeface="+mn-cs"/>
+              </a:defRPr>
+            </a:lvl4pPr>
+            <a:lvl5pPr marL="1828800" algn="l" defTabSz="914400" rtl="0" eaLnBrk="1" latinLnBrk="0" hangingPunct="1">
+              <a:defRPr sz="1800" kern="1200">
+                <a:solidFill>
+                  <a:schemeClr val="tx1"/>
+                </a:solidFill>
+                <a:latin typeface="+mn-lt"/>
+                <a:ea typeface="+mn-ea"/>
+                <a:cs typeface="+mn-cs"/>
+              </a:defRPr>
+            </a:lvl5pPr>
+            <a:lvl6pPr marL="2286000" algn="l" defTabSz="914400" rtl="0" eaLnBrk="1" latinLnBrk="0" hangingPunct="1">
+              <a:defRPr sz="1800" kern="1200">
+                <a:solidFill>
+                  <a:schemeClr val="tx1"/>
+                </a:solidFill>
+                <a:latin typeface="+mn-lt"/>
+                <a:ea typeface="+mn-ea"/>
+                <a:cs typeface="+mn-cs"/>
+              </a:defRPr>
+            </a:lvl6pPr>
+            <a:lvl7pPr marL="2743200" algn="l" defTabSz="914400" rtl="0" eaLnBrk="1" latinLnBrk="0" hangingPunct="1">
+              <a:defRPr sz="1800" kern="1200">
+                <a:solidFill>
+                  <a:schemeClr val="tx1"/>
+                </a:solidFill>
+                <a:latin typeface="+mn-lt"/>
+                <a:ea typeface="+mn-ea"/>
+                <a:cs typeface="+mn-cs"/>
+              </a:defRPr>
+            </a:lvl7pPr>
+            <a:lvl8pPr marL="3200400" algn="l" defTabSz="914400" rtl="0" eaLnBrk="1" latinLnBrk="0" hangingPunct="1">
+              <a:defRPr sz="1800" kern="1200">
+                <a:solidFill>
+                  <a:schemeClr val="tx1"/>
+                </a:solidFill>
+                <a:latin typeface="+mn-lt"/>
+                <a:ea typeface="+mn-ea"/>
+                <a:cs typeface="+mn-cs"/>
+              </a:defRPr>
+            </a:lvl8pPr>
+            <a:lvl9pPr marL="3657600" algn="l" defTabSz="914400" rtl="0" eaLnBrk="1" latinLnBrk="0" hangingPunct="1">
+              <a:defRPr sz="1800" kern="1200">
+                <a:solidFill>
+                  <a:schemeClr val="tx1"/>
+                </a:solidFill>
+                <a:latin typeface="+mn-lt"/>
+                <a:ea typeface="+mn-ea"/>
+                <a:cs typeface="+mn-cs"/>
+              </a:defRPr>
+            </a:lvl9pPr>
+          </a:lstStyle>
+          <a:p>
+            <a:r>
+              <a:rPr lang="fr-FR" sz="2000" u="sng" dirty="0">
+                <a:latin typeface="Berlin Sans FB" panose="020E0602020502020306" pitchFamily="34" charset="0"/>
+              </a:rPr>
+              <a:t>Physique</a:t>
+            </a:r>
+          </a:p>
+        </p:txBody>
+      </p:sp>
+      <p:pic>
+        <p:nvPicPr>
+          <p:cNvPr id="36" name="Image 35">
+            <a:extLst>
+              <a:ext uri="{FF2B5EF4-FFF2-40B4-BE49-F238E27FC236}">
+                <a16:creationId xmlns:a16="http://schemas.microsoft.com/office/drawing/2014/main" id="{19C0EFBA-E5F0-4102-88F1-AD09A7CCAE48}"/>
+              </a:ext>
+            </a:extLst>
+          </p:cNvPr>
+          <p:cNvPicPr>
+            <a:picLocks noChangeAspect="1"/>
+          </p:cNvPicPr>
+          <p:nvPr/>
+        </p:nvPicPr>
+        <p:blipFill>
+          <a:blip r:embed="rId7">
+            <a:extLst>
+              <a:ext uri="{28A0092B-C50C-407E-A947-70E740481C1C}">
+                <a14:useLocalDpi xmlns:a14="http://schemas.microsoft.com/office/drawing/2010/main" val="0"/>
+              </a:ext>
+            </a:extLst>
+          </a:blip>
+          <a:stretch>
+            <a:fillRect/>
+          </a:stretch>
+        </p:blipFill>
+        <p:spPr>
+          <a:xfrm>
+            <a:off x="3965976" y="4716826"/>
+            <a:ext cx="621698" cy="621698"/>
+          </a:xfrm>
+          <a:prstGeom prst="rect">
+            <a:avLst/>
+          </a:prstGeom>
+        </p:spPr>
+      </p:pic>
+      <p:sp>
+        <p:nvSpPr>
+          <p:cNvPr id="37" name="ZoneTexte 36">
+            <a:extLst>
+              <a:ext uri="{FF2B5EF4-FFF2-40B4-BE49-F238E27FC236}">
+                <a16:creationId xmlns:a16="http://schemas.microsoft.com/office/drawing/2014/main" id="{0853ED82-A5DF-4745-830E-CE258B5CDC54}"/>
+              </a:ext>
+            </a:extLst>
+          </p:cNvPr>
+          <p:cNvSpPr txBox="1"/>
+          <p:nvPr/>
+        </p:nvSpPr>
+        <p:spPr>
+          <a:xfrm>
+            <a:off x="4587674" y="4665758"/>
+            <a:ext cx="3271706" cy="646331"/>
+          </a:xfrm>
+          <a:prstGeom prst="rect">
+            <a:avLst/>
+          </a:prstGeom>
+          <a:noFill/>
+        </p:spPr>
+        <p:txBody>
+          <a:bodyPr wrap="square" rtlCol="0">
+            <a:spAutoFit/>
+          </a:bodyPr>
+          <a:lstStyle>
+            <a:defPPr>
+              <a:defRPr lang="fr-FR"/>
+            </a:defPPr>
+            <a:lvl1pPr marL="0" algn="l" defTabSz="914400" rtl="0" eaLnBrk="1" latinLnBrk="0" hangingPunct="1">
+              <a:defRPr sz="1800" kern="1200">
+                <a:solidFill>
+                  <a:schemeClr val="tx1"/>
+                </a:solidFill>
+                <a:latin typeface="+mn-lt"/>
+                <a:ea typeface="+mn-ea"/>
+                <a:cs typeface="+mn-cs"/>
+              </a:defRPr>
+            </a:lvl1pPr>
+            <a:lvl2pPr marL="457200" algn="l" defTabSz="914400" rtl="0" eaLnBrk="1" latinLnBrk="0" hangingPunct="1">
+              <a:defRPr sz="1800" kern="1200">
+                <a:solidFill>
+                  <a:schemeClr val="tx1"/>
+                </a:solidFill>
+                <a:latin typeface="+mn-lt"/>
+                <a:ea typeface="+mn-ea"/>
+                <a:cs typeface="+mn-cs"/>
+              </a:defRPr>
+            </a:lvl2pPr>
+            <a:lvl3pPr marL="914400" algn="l" defTabSz="914400" rtl="0" eaLnBrk="1" latinLnBrk="0" hangingPunct="1">
+              <a:defRPr sz="1800" kern="1200">
+                <a:solidFill>
+                  <a:schemeClr val="tx1"/>
+                </a:solidFill>
+                <a:latin typeface="+mn-lt"/>
+                <a:ea typeface="+mn-ea"/>
+                <a:cs typeface="+mn-cs"/>
+              </a:defRPr>
+            </a:lvl3pPr>
+            <a:lvl4pPr marL="1371600" algn="l" defTabSz="914400" rtl="0" eaLnBrk="1" latinLnBrk="0" hangingPunct="1">
+              <a:defRPr sz="1800" kern="1200">
+                <a:solidFill>
+                  <a:schemeClr val="tx1"/>
+                </a:solidFill>
+                <a:latin typeface="+mn-lt"/>
+                <a:ea typeface="+mn-ea"/>
+                <a:cs typeface="+mn-cs"/>
+              </a:defRPr>
+            </a:lvl4pPr>
+            <a:lvl5pPr marL="1828800" algn="l" defTabSz="914400" rtl="0" eaLnBrk="1" latinLnBrk="0" hangingPunct="1">
+              <a:defRPr sz="1800" kern="1200">
+                <a:solidFill>
+                  <a:schemeClr val="tx1"/>
+                </a:solidFill>
+                <a:latin typeface="+mn-lt"/>
+                <a:ea typeface="+mn-ea"/>
+                <a:cs typeface="+mn-cs"/>
+              </a:defRPr>
+            </a:lvl5pPr>
+            <a:lvl6pPr marL="2286000" algn="l" defTabSz="914400" rtl="0" eaLnBrk="1" latinLnBrk="0" hangingPunct="1">
+              <a:defRPr sz="1800" kern="1200">
+                <a:solidFill>
+                  <a:schemeClr val="tx1"/>
+                </a:solidFill>
+                <a:latin typeface="+mn-lt"/>
+                <a:ea typeface="+mn-ea"/>
+                <a:cs typeface="+mn-cs"/>
+              </a:defRPr>
+            </a:lvl6pPr>
+            <a:lvl7pPr marL="2743200" algn="l" defTabSz="914400" rtl="0" eaLnBrk="1" latinLnBrk="0" hangingPunct="1">
+              <a:defRPr sz="1800" kern="1200">
+                <a:solidFill>
+                  <a:schemeClr val="tx1"/>
+                </a:solidFill>
+                <a:latin typeface="+mn-lt"/>
+                <a:ea typeface="+mn-ea"/>
+                <a:cs typeface="+mn-cs"/>
+              </a:defRPr>
+            </a:lvl7pPr>
+            <a:lvl8pPr marL="3200400" algn="l" defTabSz="914400" rtl="0" eaLnBrk="1" latinLnBrk="0" hangingPunct="1">
+              <a:defRPr sz="1800" kern="1200">
+                <a:solidFill>
+                  <a:schemeClr val="tx1"/>
+                </a:solidFill>
+                <a:latin typeface="+mn-lt"/>
+                <a:ea typeface="+mn-ea"/>
+                <a:cs typeface="+mn-cs"/>
+              </a:defRPr>
+            </a:lvl8pPr>
+            <a:lvl9pPr marL="3657600" algn="l" defTabSz="914400" rtl="0" eaLnBrk="1" latinLnBrk="0" hangingPunct="1">
+              <a:defRPr sz="1800" kern="1200">
+                <a:solidFill>
+                  <a:schemeClr val="tx1"/>
+                </a:solidFill>
+                <a:latin typeface="+mn-lt"/>
+                <a:ea typeface="+mn-ea"/>
+                <a:cs typeface="+mn-cs"/>
+              </a:defRPr>
+            </a:lvl9pPr>
+          </a:lstStyle>
+          <a:p>
+            <a:pPr algn="ctr"/>
+            <a:r>
+              <a:rPr lang="fr-FR" dirty="0"/>
+              <a:t>Mise en place de la boucle de courant 4 / 20 mA. </a:t>
+            </a:r>
+          </a:p>
+        </p:txBody>
+      </p:sp>
+      <p:pic>
+        <p:nvPicPr>
+          <p:cNvPr id="38" name="Image 37">
+            <a:extLst>
+              <a:ext uri="{FF2B5EF4-FFF2-40B4-BE49-F238E27FC236}">
+                <a16:creationId xmlns:a16="http://schemas.microsoft.com/office/drawing/2014/main" id="{9641D007-8DFD-4B13-85D1-56A619D1CF84}"/>
+              </a:ext>
+            </a:extLst>
+          </p:cNvPr>
+          <p:cNvPicPr>
+            <a:picLocks noChangeAspect="1"/>
+          </p:cNvPicPr>
+          <p:nvPr/>
+        </p:nvPicPr>
+        <p:blipFill>
+          <a:blip r:embed="rId8">
+            <a:extLst>
+              <a:ext uri="{28A0092B-C50C-407E-A947-70E740481C1C}">
+                <a14:useLocalDpi xmlns:a14="http://schemas.microsoft.com/office/drawing/2010/main" val="0"/>
+              </a:ext>
+            </a:extLst>
+          </a:blip>
+          <a:stretch>
+            <a:fillRect/>
+          </a:stretch>
+        </p:blipFill>
+        <p:spPr>
+          <a:xfrm>
+            <a:off x="4022803" y="5389592"/>
+            <a:ext cx="508044" cy="508044"/>
+          </a:xfrm>
+          <a:prstGeom prst="rect">
+            <a:avLst/>
+          </a:prstGeom>
+        </p:spPr>
+      </p:pic>
+      <p:sp>
+        <p:nvSpPr>
+          <p:cNvPr id="39" name="ZoneTexte 42">
+            <a:extLst>
+              <a:ext uri="{FF2B5EF4-FFF2-40B4-BE49-F238E27FC236}">
+                <a16:creationId xmlns:a16="http://schemas.microsoft.com/office/drawing/2014/main" id="{6B437AB9-B52C-4454-8969-69D02EDFCD5A}"/>
+              </a:ext>
+            </a:extLst>
+          </p:cNvPr>
+          <p:cNvSpPr txBox="1"/>
+          <p:nvPr/>
+        </p:nvSpPr>
+        <p:spPr>
+          <a:xfrm>
+            <a:off x="4591688" y="5465127"/>
+            <a:ext cx="3271706" cy="369332"/>
+          </a:xfrm>
+          <a:prstGeom prst="rect">
+            <a:avLst/>
+          </a:prstGeom>
+          <a:noFill/>
+        </p:spPr>
+        <p:txBody>
+          <a:bodyPr wrap="square" rtlCol="0">
+            <a:spAutoFit/>
+          </a:bodyPr>
+          <a:lstStyle>
+            <a:defPPr>
+              <a:defRPr lang="fr-FR"/>
+            </a:defPPr>
+            <a:lvl1pPr marL="0" algn="l" defTabSz="914400" rtl="0" eaLnBrk="1" latinLnBrk="0" hangingPunct="1">
+              <a:defRPr sz="1800" kern="1200">
+                <a:solidFill>
+                  <a:schemeClr val="tx1"/>
+                </a:solidFill>
+                <a:latin typeface="+mn-lt"/>
+                <a:ea typeface="+mn-ea"/>
+                <a:cs typeface="+mn-cs"/>
+              </a:defRPr>
+            </a:lvl1pPr>
+            <a:lvl2pPr marL="457200" algn="l" defTabSz="914400" rtl="0" eaLnBrk="1" latinLnBrk="0" hangingPunct="1">
+              <a:defRPr sz="1800" kern="1200">
+                <a:solidFill>
+                  <a:schemeClr val="tx1"/>
+                </a:solidFill>
+                <a:latin typeface="+mn-lt"/>
+                <a:ea typeface="+mn-ea"/>
+                <a:cs typeface="+mn-cs"/>
+              </a:defRPr>
+            </a:lvl2pPr>
+            <a:lvl3pPr marL="914400" algn="l" defTabSz="914400" rtl="0" eaLnBrk="1" latinLnBrk="0" hangingPunct="1">
+              <a:defRPr sz="1800" kern="1200">
+                <a:solidFill>
+                  <a:schemeClr val="tx1"/>
+                </a:solidFill>
+                <a:latin typeface="+mn-lt"/>
+                <a:ea typeface="+mn-ea"/>
+                <a:cs typeface="+mn-cs"/>
+              </a:defRPr>
+            </a:lvl3pPr>
+            <a:lvl4pPr marL="1371600" algn="l" defTabSz="914400" rtl="0" eaLnBrk="1" latinLnBrk="0" hangingPunct="1">
+              <a:defRPr sz="1800" kern="1200">
+                <a:solidFill>
+                  <a:schemeClr val="tx1"/>
+                </a:solidFill>
+                <a:latin typeface="+mn-lt"/>
+                <a:ea typeface="+mn-ea"/>
+                <a:cs typeface="+mn-cs"/>
+              </a:defRPr>
+            </a:lvl4pPr>
+            <a:lvl5pPr marL="1828800" algn="l" defTabSz="914400" rtl="0" eaLnBrk="1" latinLnBrk="0" hangingPunct="1">
+              <a:defRPr sz="1800" kern="1200">
+                <a:solidFill>
+                  <a:schemeClr val="tx1"/>
+                </a:solidFill>
+                <a:latin typeface="+mn-lt"/>
+                <a:ea typeface="+mn-ea"/>
+                <a:cs typeface="+mn-cs"/>
+              </a:defRPr>
+            </a:lvl5pPr>
+            <a:lvl6pPr marL="2286000" algn="l" defTabSz="914400" rtl="0" eaLnBrk="1" latinLnBrk="0" hangingPunct="1">
+              <a:defRPr sz="1800" kern="1200">
+                <a:solidFill>
+                  <a:schemeClr val="tx1"/>
+                </a:solidFill>
+                <a:latin typeface="+mn-lt"/>
+                <a:ea typeface="+mn-ea"/>
+                <a:cs typeface="+mn-cs"/>
+              </a:defRPr>
+            </a:lvl6pPr>
+            <a:lvl7pPr marL="2743200" algn="l" defTabSz="914400" rtl="0" eaLnBrk="1" latinLnBrk="0" hangingPunct="1">
+              <a:defRPr sz="1800" kern="1200">
+                <a:solidFill>
+                  <a:schemeClr val="tx1"/>
+                </a:solidFill>
+                <a:latin typeface="+mn-lt"/>
+                <a:ea typeface="+mn-ea"/>
+                <a:cs typeface="+mn-cs"/>
+              </a:defRPr>
+            </a:lvl7pPr>
+            <a:lvl8pPr marL="3200400" algn="l" defTabSz="914400" rtl="0" eaLnBrk="1" latinLnBrk="0" hangingPunct="1">
+              <a:defRPr sz="1800" kern="1200">
+                <a:solidFill>
+                  <a:schemeClr val="tx1"/>
+                </a:solidFill>
+                <a:latin typeface="+mn-lt"/>
+                <a:ea typeface="+mn-ea"/>
+                <a:cs typeface="+mn-cs"/>
+              </a:defRPr>
+            </a:lvl8pPr>
+            <a:lvl9pPr marL="3657600" algn="l" defTabSz="914400" rtl="0" eaLnBrk="1" latinLnBrk="0" hangingPunct="1">
+              <a:defRPr sz="1800" kern="1200">
+                <a:solidFill>
+                  <a:schemeClr val="tx1"/>
+                </a:solidFill>
+                <a:latin typeface="+mn-lt"/>
+                <a:ea typeface="+mn-ea"/>
+                <a:cs typeface="+mn-cs"/>
+              </a:defRPr>
+            </a:lvl9pPr>
+          </a:lstStyle>
+          <a:p>
+            <a:pPr algn="ctr"/>
+            <a:r>
+              <a:rPr lang="fr-FR" dirty="0"/>
+              <a:t>Etalonnage du </a:t>
+            </a:r>
+            <a:r>
+              <a:rPr lang="fr-FR" dirty="0" err="1"/>
+              <a:t>Solarimètre</a:t>
+            </a:r>
+            <a:endParaRPr lang="fr-FR" dirty="0"/>
+          </a:p>
+        </p:txBody>
+      </p:sp>
+      <p:pic>
+        <p:nvPicPr>
+          <p:cNvPr id="4" name="Image 3">
+            <a:extLst>
+              <a:ext uri="{FF2B5EF4-FFF2-40B4-BE49-F238E27FC236}">
+                <a16:creationId xmlns:a16="http://schemas.microsoft.com/office/drawing/2014/main" id="{5553F889-7B05-4C3A-BE16-DD832E03C470}"/>
+              </a:ext>
+            </a:extLst>
+          </p:cNvPr>
+          <p:cNvPicPr>
+            <a:picLocks noChangeAspect="1"/>
+          </p:cNvPicPr>
+          <p:nvPr/>
+        </p:nvPicPr>
+        <p:blipFill>
+          <a:blip r:embed="rId9">
+            <a:extLst>
+              <a:ext uri="{28A0092B-C50C-407E-A947-70E740481C1C}">
+                <a14:useLocalDpi xmlns:a14="http://schemas.microsoft.com/office/drawing/2010/main" val="0"/>
+              </a:ext>
+            </a:extLst>
+          </a:blip>
+          <a:stretch>
+            <a:fillRect/>
+          </a:stretch>
+        </p:blipFill>
+        <p:spPr>
+          <a:xfrm>
+            <a:off x="3622698" y="3240806"/>
+            <a:ext cx="715646" cy="715646"/>
+          </a:xfrm>
+          <a:prstGeom prst="rect">
+            <a:avLst/>
+          </a:prstGeom>
+        </p:spPr>
+      </p:pic>
+    </p:spTree>
+    <p:extLst>
+      <p:ext uri="{BB962C8B-B14F-4D97-AF65-F5344CB8AC3E}">
+        <p14:creationId xmlns:p14="http://schemas.microsoft.com/office/powerpoint/2010/main" val="920666955"/>
+      </p:ext>
+    </p:extLst>
+  </p:cSld>
+  <p:clrMapOvr>
+    <a:masterClrMapping/>
+  </p:clrMapOvr>
+  <mc:AlternateContent xmlns:mc="http://schemas.openxmlformats.org/markup-compatibility/2006" xmlns:p14="http://schemas.microsoft.com/office/powerpoint/2010/main">
+    <mc:Choice Requires="p14">
+      <p:transition spd="slow">
+        <p14:reveal/>
+      </p:transition>
+    </mc:Choice>
+    <mc:Fallback xmlns="">
+      <p:transition spd="slow">
+        <p:fade/>
+      </p:transition>
+    </mc:Fallback>
+  </mc:AlternateContent>
+</p:sld>
+</file>
+
+<file path=ppt/slides/slide16.xml><?xml version="1.0" encoding="utf-8"?>
+<p:sld xmlns:a="http://schemas.openxmlformats.org/drawingml/2006/main" xmlns:r="http://schemas.openxmlformats.org/officeDocument/2006/relationships" xmlns:p="http://schemas.openxmlformats.org/presentationml/2006/main">
+  <p:cSld>
+    <p:spTree>
+      <p:nvGrpSpPr>
+        <p:cNvPr id="1" name=""/>
+        <p:cNvGrpSpPr/>
+        <p:nvPr/>
+      </p:nvGrpSpPr>
+      <p:grpSpPr>
+        <a:xfrm>
+          <a:off x="0" y="0"/>
+          <a:ext cx="0" cy="0"/>
+          <a:chOff x="0" y="0"/>
+          <a:chExt cx="0" cy="0"/>
+        </a:xfrm>
+      </p:grpSpPr>
+      <p:pic>
+        <p:nvPicPr>
+          <p:cNvPr id="8" name="Image 7">
+            <a:extLst>
+              <a:ext uri="{FF2B5EF4-FFF2-40B4-BE49-F238E27FC236}">
+                <a16:creationId xmlns:a16="http://schemas.microsoft.com/office/drawing/2014/main" id="{2BB825C5-31DA-4A56-85EA-536DBF510A31}"/>
+              </a:ext>
+            </a:extLst>
+          </p:cNvPr>
+          <p:cNvPicPr>
+            <a:picLocks noChangeAspect="1"/>
+          </p:cNvPicPr>
+          <p:nvPr/>
+        </p:nvPicPr>
+        <p:blipFill>
+          <a:blip r:embed="rId2">
+            <a:extLst>
+              <a:ext uri="{28A0092B-C50C-407E-A947-70E740481C1C}">
+                <a14:useLocalDpi xmlns:a14="http://schemas.microsoft.com/office/drawing/2010/main" val="0"/>
+              </a:ext>
+            </a:extLst>
+          </a:blip>
+          <a:stretch>
+            <a:fillRect/>
+          </a:stretch>
+        </p:blipFill>
+        <p:spPr>
+          <a:xfrm>
+            <a:off x="1068751" y="66457"/>
+            <a:ext cx="1259497" cy="776690"/>
+          </a:xfrm>
+          <a:prstGeom prst="rect">
+            <a:avLst/>
+          </a:prstGeom>
+        </p:spPr>
+      </p:pic>
+      <p:pic>
+        <p:nvPicPr>
+          <p:cNvPr id="10" name="Image 9">
+            <a:extLst>
+              <a:ext uri="{FF2B5EF4-FFF2-40B4-BE49-F238E27FC236}">
+                <a16:creationId xmlns:a16="http://schemas.microsoft.com/office/drawing/2014/main" id="{8EE7436F-49F2-41E0-93E4-D247B4705294}"/>
+              </a:ext>
+            </a:extLst>
+          </p:cNvPr>
+          <p:cNvPicPr>
+            <a:picLocks noChangeAspect="1"/>
+          </p:cNvPicPr>
+          <p:nvPr/>
+        </p:nvPicPr>
+        <p:blipFill>
+          <a:blip r:embed="rId3">
+            <a:extLst>
+              <a:ext uri="{28A0092B-C50C-407E-A947-70E740481C1C}">
+                <a14:useLocalDpi xmlns:a14="http://schemas.microsoft.com/office/drawing/2010/main" val="0"/>
+              </a:ext>
+            </a:extLst>
+          </a:blip>
+          <a:stretch>
+            <a:fillRect/>
+          </a:stretch>
+        </p:blipFill>
+        <p:spPr>
+          <a:xfrm>
+            <a:off x="9681085" y="238153"/>
+            <a:ext cx="1802101" cy="569807"/>
+          </a:xfrm>
+          <a:prstGeom prst="rect">
+            <a:avLst/>
+          </a:prstGeom>
+        </p:spPr>
+      </p:pic>
+      <p:cxnSp>
+        <p:nvCxnSpPr>
+          <p:cNvPr id="16" name="Connecteur droit 15">
+            <a:extLst>
+              <a:ext uri="{FF2B5EF4-FFF2-40B4-BE49-F238E27FC236}">
+                <a16:creationId xmlns:a16="http://schemas.microsoft.com/office/drawing/2014/main" id="{7319284A-BD6F-4A96-8E2B-E0A4B52E53C6}"/>
+              </a:ext>
+            </a:extLst>
+          </p:cNvPr>
+          <p:cNvCxnSpPr>
+            <a:cxnSpLocks/>
+          </p:cNvCxnSpPr>
+          <p:nvPr/>
+        </p:nvCxnSpPr>
+        <p:spPr>
+          <a:xfrm flipV="1">
+            <a:off x="0" y="454803"/>
+            <a:ext cx="738231" cy="1798"/>
+          </a:xfrm>
+          <a:prstGeom prst="line">
+            <a:avLst/>
+          </a:prstGeom>
+        </p:spPr>
+        <p:style>
+          <a:lnRef idx="3">
+            <a:schemeClr val="dk1"/>
+          </a:lnRef>
+          <a:fillRef idx="0">
+            <a:schemeClr val="dk1"/>
+          </a:fillRef>
+          <a:effectRef idx="2">
+            <a:schemeClr val="dk1"/>
+          </a:effectRef>
+          <a:fontRef idx="minor">
+            <a:schemeClr val="tx1"/>
+          </a:fontRef>
+        </p:style>
+      </p:cxnSp>
+      <p:cxnSp>
+        <p:nvCxnSpPr>
+          <p:cNvPr id="20" name="Connecteur droit 19">
+            <a:extLst>
+              <a:ext uri="{FF2B5EF4-FFF2-40B4-BE49-F238E27FC236}">
+                <a16:creationId xmlns:a16="http://schemas.microsoft.com/office/drawing/2014/main" id="{08874CF7-F149-4C81-B61E-74E18342BA8A}"/>
+              </a:ext>
+            </a:extLst>
+          </p:cNvPr>
+          <p:cNvCxnSpPr>
+            <a:cxnSpLocks/>
+          </p:cNvCxnSpPr>
+          <p:nvPr/>
+        </p:nvCxnSpPr>
+        <p:spPr>
+          <a:xfrm>
+            <a:off x="2573222" y="454803"/>
+            <a:ext cx="6829482" cy="10398"/>
+          </a:xfrm>
+          <a:prstGeom prst="line">
+            <a:avLst/>
+          </a:prstGeom>
+        </p:spPr>
+        <p:style>
+          <a:lnRef idx="3">
+            <a:schemeClr val="dk1"/>
+          </a:lnRef>
+          <a:fillRef idx="0">
+            <a:schemeClr val="dk1"/>
+          </a:fillRef>
+          <a:effectRef idx="2">
+            <a:schemeClr val="dk1"/>
+          </a:effectRef>
+          <a:fontRef idx="minor">
+            <a:schemeClr val="tx1"/>
+          </a:fontRef>
+        </p:style>
+      </p:cxnSp>
+      <p:cxnSp>
+        <p:nvCxnSpPr>
+          <p:cNvPr id="26" name="Connecteur droit 25">
+            <a:extLst>
+              <a:ext uri="{FF2B5EF4-FFF2-40B4-BE49-F238E27FC236}">
+                <a16:creationId xmlns:a16="http://schemas.microsoft.com/office/drawing/2014/main" id="{BB3B35CC-057B-48C1-880F-3306A6559175}"/>
+              </a:ext>
+            </a:extLst>
+          </p:cNvPr>
+          <p:cNvCxnSpPr>
+            <a:cxnSpLocks/>
+          </p:cNvCxnSpPr>
+          <p:nvPr/>
+        </p:nvCxnSpPr>
+        <p:spPr>
+          <a:xfrm>
+            <a:off x="738231" y="454803"/>
+            <a:ext cx="344203" cy="484764"/>
+          </a:xfrm>
+          <a:prstGeom prst="line">
+            <a:avLst/>
+          </a:prstGeom>
+        </p:spPr>
+        <p:style>
+          <a:lnRef idx="3">
+            <a:schemeClr val="dk1"/>
+          </a:lnRef>
+          <a:fillRef idx="0">
+            <a:schemeClr val="dk1"/>
+          </a:fillRef>
+          <a:effectRef idx="2">
+            <a:schemeClr val="dk1"/>
+          </a:effectRef>
+          <a:fontRef idx="minor">
+            <a:schemeClr val="tx1"/>
+          </a:fontRef>
+        </p:style>
+      </p:cxnSp>
+      <p:cxnSp>
+        <p:nvCxnSpPr>
+          <p:cNvPr id="32" name="Connecteur droit 31">
+            <a:extLst>
+              <a:ext uri="{FF2B5EF4-FFF2-40B4-BE49-F238E27FC236}">
+                <a16:creationId xmlns:a16="http://schemas.microsoft.com/office/drawing/2014/main" id="{4AD96496-1EB6-4E48-9BB2-5C255495C686}"/>
+              </a:ext>
+            </a:extLst>
+          </p:cNvPr>
+          <p:cNvCxnSpPr>
+            <a:cxnSpLocks/>
+          </p:cNvCxnSpPr>
+          <p:nvPr/>
+        </p:nvCxnSpPr>
+        <p:spPr>
+          <a:xfrm>
+            <a:off x="1082434" y="938268"/>
+            <a:ext cx="1146585" cy="0"/>
+          </a:xfrm>
+          <a:prstGeom prst="line">
+            <a:avLst/>
+          </a:prstGeom>
+        </p:spPr>
+        <p:style>
+          <a:lnRef idx="3">
+            <a:schemeClr val="dk1"/>
+          </a:lnRef>
+          <a:fillRef idx="0">
+            <a:schemeClr val="dk1"/>
+          </a:fillRef>
+          <a:effectRef idx="2">
+            <a:schemeClr val="dk1"/>
+          </a:effectRef>
+          <a:fontRef idx="minor">
+            <a:schemeClr val="tx1"/>
+          </a:fontRef>
+        </p:style>
+      </p:cxnSp>
+      <p:cxnSp>
+        <p:nvCxnSpPr>
+          <p:cNvPr id="51" name="Connecteur droit 50">
+            <a:extLst>
+              <a:ext uri="{FF2B5EF4-FFF2-40B4-BE49-F238E27FC236}">
+                <a16:creationId xmlns:a16="http://schemas.microsoft.com/office/drawing/2014/main" id="{C035BFA6-ECBF-4775-BA81-19D2CA41AA8D}"/>
+              </a:ext>
+            </a:extLst>
+          </p:cNvPr>
+          <p:cNvCxnSpPr>
+            <a:cxnSpLocks/>
+          </p:cNvCxnSpPr>
+          <p:nvPr/>
+        </p:nvCxnSpPr>
+        <p:spPr>
+          <a:xfrm>
+            <a:off x="9402704" y="465201"/>
+            <a:ext cx="344203" cy="495163"/>
+          </a:xfrm>
+          <a:prstGeom prst="line">
+            <a:avLst/>
+          </a:prstGeom>
+        </p:spPr>
+        <p:style>
+          <a:lnRef idx="3">
+            <a:schemeClr val="dk1"/>
+          </a:lnRef>
+          <a:fillRef idx="0">
+            <a:schemeClr val="dk1"/>
+          </a:fillRef>
+          <a:effectRef idx="2">
+            <a:schemeClr val="dk1"/>
+          </a:effectRef>
+          <a:fontRef idx="minor">
+            <a:schemeClr val="tx1"/>
+          </a:fontRef>
+        </p:style>
+      </p:cxnSp>
+      <p:cxnSp>
+        <p:nvCxnSpPr>
+          <p:cNvPr id="52" name="Connecteur droit 51">
+            <a:extLst>
+              <a:ext uri="{FF2B5EF4-FFF2-40B4-BE49-F238E27FC236}">
+                <a16:creationId xmlns:a16="http://schemas.microsoft.com/office/drawing/2014/main" id="{FA310BC7-694B-4984-99A2-61A1F4F6EBF9}"/>
+              </a:ext>
+            </a:extLst>
+          </p:cNvPr>
+          <p:cNvCxnSpPr>
+            <a:cxnSpLocks/>
+          </p:cNvCxnSpPr>
+          <p:nvPr/>
+        </p:nvCxnSpPr>
+        <p:spPr>
+          <a:xfrm flipH="1">
+            <a:off x="11370469" y="448308"/>
+            <a:ext cx="364332" cy="501657"/>
+          </a:xfrm>
+          <a:prstGeom prst="line">
+            <a:avLst/>
+          </a:prstGeom>
+        </p:spPr>
+        <p:style>
+          <a:lnRef idx="3">
+            <a:schemeClr val="dk1"/>
+          </a:lnRef>
+          <a:fillRef idx="0">
+            <a:schemeClr val="dk1"/>
+          </a:fillRef>
+          <a:effectRef idx="2">
+            <a:schemeClr val="dk1"/>
+          </a:effectRef>
+          <a:fontRef idx="minor">
+            <a:schemeClr val="tx1"/>
+          </a:fontRef>
+        </p:style>
+      </p:cxnSp>
+      <p:cxnSp>
+        <p:nvCxnSpPr>
+          <p:cNvPr id="53" name="Connecteur droit 52">
+            <a:extLst>
+              <a:ext uri="{FF2B5EF4-FFF2-40B4-BE49-F238E27FC236}">
+                <a16:creationId xmlns:a16="http://schemas.microsoft.com/office/drawing/2014/main" id="{BE0649BD-EE59-4DDA-960F-95B2572F9F13}"/>
+              </a:ext>
+            </a:extLst>
+          </p:cNvPr>
+          <p:cNvCxnSpPr>
+            <a:cxnSpLocks/>
+          </p:cNvCxnSpPr>
+          <p:nvPr/>
+        </p:nvCxnSpPr>
+        <p:spPr>
+          <a:xfrm>
+            <a:off x="9743203" y="949965"/>
+            <a:ext cx="1627266" cy="0"/>
+          </a:xfrm>
+          <a:prstGeom prst="line">
+            <a:avLst/>
+          </a:prstGeom>
+        </p:spPr>
+        <p:style>
+          <a:lnRef idx="3">
+            <a:schemeClr val="dk1"/>
+          </a:lnRef>
+          <a:fillRef idx="0">
+            <a:schemeClr val="dk1"/>
+          </a:fillRef>
+          <a:effectRef idx="2">
+            <a:schemeClr val="dk1"/>
+          </a:effectRef>
+          <a:fontRef idx="minor">
+            <a:schemeClr val="tx1"/>
+          </a:fontRef>
+        </p:style>
+      </p:cxnSp>
+      <p:cxnSp>
+        <p:nvCxnSpPr>
+          <p:cNvPr id="55" name="Connecteur droit 54">
+            <a:extLst>
+              <a:ext uri="{FF2B5EF4-FFF2-40B4-BE49-F238E27FC236}">
+                <a16:creationId xmlns:a16="http://schemas.microsoft.com/office/drawing/2014/main" id="{52AA9200-DAFA-4EEF-AC13-4C7CE82A59EC}"/>
+              </a:ext>
+            </a:extLst>
+          </p:cNvPr>
+          <p:cNvCxnSpPr>
+            <a:cxnSpLocks/>
+          </p:cNvCxnSpPr>
+          <p:nvPr/>
+        </p:nvCxnSpPr>
+        <p:spPr>
+          <a:xfrm>
+            <a:off x="11715750" y="454801"/>
+            <a:ext cx="476249" cy="10400"/>
+          </a:xfrm>
+          <a:prstGeom prst="line">
+            <a:avLst/>
+          </a:prstGeom>
+        </p:spPr>
+        <p:style>
+          <a:lnRef idx="3">
+            <a:schemeClr val="dk1"/>
+          </a:lnRef>
+          <a:fillRef idx="0">
+            <a:schemeClr val="dk1"/>
+          </a:fillRef>
+          <a:effectRef idx="2">
+            <a:schemeClr val="dk1"/>
+          </a:effectRef>
+          <a:fontRef idx="minor">
+            <a:schemeClr val="tx1"/>
+          </a:fontRef>
+        </p:style>
+      </p:cxnSp>
+      <p:cxnSp>
+        <p:nvCxnSpPr>
+          <p:cNvPr id="23" name="Connecteur droit 22">
+            <a:extLst>
+              <a:ext uri="{FF2B5EF4-FFF2-40B4-BE49-F238E27FC236}">
+                <a16:creationId xmlns:a16="http://schemas.microsoft.com/office/drawing/2014/main" id="{BCB092C8-0080-4E56-957E-0046D4C83988}"/>
+              </a:ext>
+            </a:extLst>
+          </p:cNvPr>
+          <p:cNvCxnSpPr>
+            <a:cxnSpLocks/>
+          </p:cNvCxnSpPr>
+          <p:nvPr/>
+        </p:nvCxnSpPr>
+        <p:spPr>
+          <a:xfrm flipH="1">
+            <a:off x="2216372" y="446356"/>
+            <a:ext cx="364332" cy="501657"/>
+          </a:xfrm>
+          <a:prstGeom prst="line">
+            <a:avLst/>
+          </a:prstGeom>
+        </p:spPr>
+        <p:style>
+          <a:lnRef idx="3">
+            <a:schemeClr val="dk1"/>
+          </a:lnRef>
+          <a:fillRef idx="0">
+            <a:schemeClr val="dk1"/>
+          </a:fillRef>
+          <a:effectRef idx="2">
+            <a:schemeClr val="dk1"/>
+          </a:effectRef>
+          <a:fontRef idx="minor">
+            <a:schemeClr val="tx1"/>
+          </a:fontRef>
+        </p:style>
+      </p:cxnSp>
+      <p:sp>
+        <p:nvSpPr>
+          <p:cNvPr id="9" name="ZoneTexte 8">
+            <a:extLst>
+              <a:ext uri="{FF2B5EF4-FFF2-40B4-BE49-F238E27FC236}">
+                <a16:creationId xmlns:a16="http://schemas.microsoft.com/office/drawing/2014/main" id="{82010251-0AD2-4DAA-8E6B-7CA6A2301A9E}"/>
+              </a:ext>
+            </a:extLst>
+          </p:cNvPr>
+          <p:cNvSpPr txBox="1"/>
+          <p:nvPr/>
+        </p:nvSpPr>
+        <p:spPr>
+          <a:xfrm>
+            <a:off x="3375800" y="960364"/>
+            <a:ext cx="5440399" cy="1446550"/>
+          </a:xfrm>
+          <a:prstGeom prst="rect">
+            <a:avLst/>
+          </a:prstGeom>
+          <a:noFill/>
+        </p:spPr>
+        <p:txBody>
+          <a:bodyPr wrap="square" rtlCol="0">
+            <a:spAutoFit/>
+          </a:bodyPr>
+          <a:lstStyle/>
+          <a:p>
+            <a:pPr algn="ctr"/>
+            <a:r>
+              <a:rPr lang="fr-FR" sz="4400" dirty="0">
+                <a:latin typeface="Berlin Sans FB" panose="020E0602020502020306" pitchFamily="34" charset="0"/>
+              </a:rPr>
+              <a:t>Diagramme de cas</a:t>
+            </a:r>
+          </a:p>
+          <a:p>
+            <a:pPr algn="ctr"/>
+            <a:r>
+              <a:rPr lang="fr-FR" sz="4400" dirty="0">
+                <a:latin typeface="Berlin Sans FB" panose="020E0602020502020306" pitchFamily="34" charset="0"/>
+              </a:rPr>
+              <a:t>d’utilisation</a:t>
+            </a:r>
+          </a:p>
+        </p:txBody>
+      </p:sp>
+      <p:pic>
+        <p:nvPicPr>
+          <p:cNvPr id="7" name="Image 6">
+            <a:extLst>
+              <a:ext uri="{FF2B5EF4-FFF2-40B4-BE49-F238E27FC236}">
+                <a16:creationId xmlns:a16="http://schemas.microsoft.com/office/drawing/2014/main" id="{AB5C97E2-7F5A-4EBD-87AE-F66E56E13CE7}"/>
+              </a:ext>
+            </a:extLst>
+          </p:cNvPr>
+          <p:cNvPicPr>
+            <a:picLocks noChangeAspect="1"/>
+          </p:cNvPicPr>
+          <p:nvPr/>
+        </p:nvPicPr>
+        <p:blipFill>
+          <a:blip r:embed="rId4">
+            <a:extLst>
+              <a:ext uri="{28A0092B-C50C-407E-A947-70E740481C1C}">
+                <a14:useLocalDpi xmlns:a14="http://schemas.microsoft.com/office/drawing/2010/main" val="0"/>
+              </a:ext>
+            </a:extLst>
+          </a:blip>
+          <a:stretch>
+            <a:fillRect/>
+          </a:stretch>
+        </p:blipFill>
+        <p:spPr>
+          <a:xfrm>
+            <a:off x="4437821" y="2406914"/>
+            <a:ext cx="3316355" cy="3923366"/>
+          </a:xfrm>
+          <a:prstGeom prst="rect">
+            <a:avLst/>
+          </a:prstGeom>
+        </p:spPr>
+      </p:pic>
+    </p:spTree>
+    <p:extLst>
+      <p:ext uri="{BB962C8B-B14F-4D97-AF65-F5344CB8AC3E}">
+        <p14:creationId xmlns:p14="http://schemas.microsoft.com/office/powerpoint/2010/main" val="930341770"/>
+      </p:ext>
+    </p:extLst>
+  </p:cSld>
+  <p:clrMapOvr>
+    <a:masterClrMapping/>
+  </p:clrMapOvr>
+  <mc:AlternateContent xmlns:mc="http://schemas.openxmlformats.org/markup-compatibility/2006" xmlns:p14="http://schemas.microsoft.com/office/powerpoint/2010/main">
+    <mc:Choice Requires="p14">
+      <p:transition spd="slow">
+        <p14:reveal/>
+      </p:transition>
+    </mc:Choice>
+    <mc:Fallback xmlns="">
+      <p:transition spd="slow">
+        <p:fade/>
+      </p:transition>
+    </mc:Fallback>
+  </mc:AlternateContent>
+</p:sld>
+</file>
+
+<file path=ppt/slides/slide17.xml><?xml version="1.0" encoding="utf-8"?>
+<p:sld xmlns:a="http://schemas.openxmlformats.org/drawingml/2006/main" xmlns:r="http://schemas.openxmlformats.org/officeDocument/2006/relationships" xmlns:p="http://schemas.openxmlformats.org/presentationml/2006/main">
+  <p:cSld>
+    <p:spTree>
+      <p:nvGrpSpPr>
+        <p:cNvPr id="1" name=""/>
+        <p:cNvGrpSpPr/>
+        <p:nvPr/>
+      </p:nvGrpSpPr>
+      <p:grpSpPr>
+        <a:xfrm>
+          <a:off x="0" y="0"/>
+          <a:ext cx="0" cy="0"/>
+          <a:chOff x="0" y="0"/>
+          <a:chExt cx="0" cy="0"/>
+        </a:xfrm>
+      </p:grpSpPr>
+      <p:pic>
+        <p:nvPicPr>
+          <p:cNvPr id="8" name="Image 7">
+            <a:extLst>
+              <a:ext uri="{FF2B5EF4-FFF2-40B4-BE49-F238E27FC236}">
+                <a16:creationId xmlns:a16="http://schemas.microsoft.com/office/drawing/2014/main" id="{2BB825C5-31DA-4A56-85EA-536DBF510A31}"/>
+              </a:ext>
+            </a:extLst>
+          </p:cNvPr>
+          <p:cNvPicPr>
+            <a:picLocks noChangeAspect="1"/>
+          </p:cNvPicPr>
+          <p:nvPr/>
+        </p:nvPicPr>
+        <p:blipFill>
+          <a:blip r:embed="rId2">
+            <a:extLst>
+              <a:ext uri="{28A0092B-C50C-407E-A947-70E740481C1C}">
+                <a14:useLocalDpi xmlns:a14="http://schemas.microsoft.com/office/drawing/2010/main" val="0"/>
+              </a:ext>
+            </a:extLst>
+          </a:blip>
+          <a:stretch>
+            <a:fillRect/>
+          </a:stretch>
+        </p:blipFill>
+        <p:spPr>
+          <a:xfrm>
+            <a:off x="1068751" y="66457"/>
+            <a:ext cx="1259497" cy="776690"/>
+          </a:xfrm>
+          <a:prstGeom prst="rect">
+            <a:avLst/>
+          </a:prstGeom>
+        </p:spPr>
+      </p:pic>
+      <p:pic>
+        <p:nvPicPr>
+          <p:cNvPr id="10" name="Image 9">
+            <a:extLst>
+              <a:ext uri="{FF2B5EF4-FFF2-40B4-BE49-F238E27FC236}">
+                <a16:creationId xmlns:a16="http://schemas.microsoft.com/office/drawing/2014/main" id="{8EE7436F-49F2-41E0-93E4-D247B4705294}"/>
+              </a:ext>
+            </a:extLst>
+          </p:cNvPr>
+          <p:cNvPicPr>
+            <a:picLocks noChangeAspect="1"/>
+          </p:cNvPicPr>
+          <p:nvPr/>
+        </p:nvPicPr>
+        <p:blipFill>
+          <a:blip r:embed="rId3">
+            <a:extLst>
+              <a:ext uri="{28A0092B-C50C-407E-A947-70E740481C1C}">
+                <a14:useLocalDpi xmlns:a14="http://schemas.microsoft.com/office/drawing/2010/main" val="0"/>
+              </a:ext>
+            </a:extLst>
+          </a:blip>
+          <a:stretch>
+            <a:fillRect/>
+          </a:stretch>
+        </p:blipFill>
+        <p:spPr>
+          <a:xfrm>
+            <a:off x="9681085" y="238153"/>
+            <a:ext cx="1802101" cy="569807"/>
+          </a:xfrm>
+          <a:prstGeom prst="rect">
+            <a:avLst/>
+          </a:prstGeom>
+        </p:spPr>
+      </p:pic>
+      <p:cxnSp>
+        <p:nvCxnSpPr>
+          <p:cNvPr id="16" name="Connecteur droit 15">
+            <a:extLst>
+              <a:ext uri="{FF2B5EF4-FFF2-40B4-BE49-F238E27FC236}">
+                <a16:creationId xmlns:a16="http://schemas.microsoft.com/office/drawing/2014/main" id="{7319284A-BD6F-4A96-8E2B-E0A4B52E53C6}"/>
+              </a:ext>
+            </a:extLst>
+          </p:cNvPr>
+          <p:cNvCxnSpPr>
+            <a:cxnSpLocks/>
+          </p:cNvCxnSpPr>
+          <p:nvPr/>
+        </p:nvCxnSpPr>
+        <p:spPr>
+          <a:xfrm flipV="1">
+            <a:off x="0" y="454803"/>
+            <a:ext cx="738231" cy="1798"/>
+          </a:xfrm>
+          <a:prstGeom prst="line">
+            <a:avLst/>
+          </a:prstGeom>
+        </p:spPr>
+        <p:style>
+          <a:lnRef idx="3">
+            <a:schemeClr val="dk1"/>
+          </a:lnRef>
+          <a:fillRef idx="0">
+            <a:schemeClr val="dk1"/>
+          </a:fillRef>
+          <a:effectRef idx="2">
+            <a:schemeClr val="dk1"/>
+          </a:effectRef>
+          <a:fontRef idx="minor">
+            <a:schemeClr val="tx1"/>
+          </a:fontRef>
+        </p:style>
+      </p:cxnSp>
+      <p:cxnSp>
+        <p:nvCxnSpPr>
+          <p:cNvPr id="20" name="Connecteur droit 19">
+            <a:extLst>
+              <a:ext uri="{FF2B5EF4-FFF2-40B4-BE49-F238E27FC236}">
+                <a16:creationId xmlns:a16="http://schemas.microsoft.com/office/drawing/2014/main" id="{08874CF7-F149-4C81-B61E-74E18342BA8A}"/>
+              </a:ext>
+            </a:extLst>
+          </p:cNvPr>
+          <p:cNvCxnSpPr>
+            <a:cxnSpLocks/>
+          </p:cNvCxnSpPr>
+          <p:nvPr/>
+        </p:nvCxnSpPr>
+        <p:spPr>
+          <a:xfrm>
+            <a:off x="2573222" y="454803"/>
+            <a:ext cx="6829482" cy="10398"/>
+          </a:xfrm>
+          <a:prstGeom prst="line">
+            <a:avLst/>
+          </a:prstGeom>
+        </p:spPr>
+        <p:style>
+          <a:lnRef idx="3">
+            <a:schemeClr val="dk1"/>
+          </a:lnRef>
+          <a:fillRef idx="0">
+            <a:schemeClr val="dk1"/>
+          </a:fillRef>
+          <a:effectRef idx="2">
+            <a:schemeClr val="dk1"/>
+          </a:effectRef>
+          <a:fontRef idx="minor">
+            <a:schemeClr val="tx1"/>
+          </a:fontRef>
+        </p:style>
+      </p:cxnSp>
+      <p:cxnSp>
+        <p:nvCxnSpPr>
+          <p:cNvPr id="26" name="Connecteur droit 25">
+            <a:extLst>
+              <a:ext uri="{FF2B5EF4-FFF2-40B4-BE49-F238E27FC236}">
+                <a16:creationId xmlns:a16="http://schemas.microsoft.com/office/drawing/2014/main" id="{BB3B35CC-057B-48C1-880F-3306A6559175}"/>
+              </a:ext>
+            </a:extLst>
+          </p:cNvPr>
+          <p:cNvCxnSpPr>
+            <a:cxnSpLocks/>
+          </p:cNvCxnSpPr>
+          <p:nvPr/>
+        </p:nvCxnSpPr>
+        <p:spPr>
+          <a:xfrm>
+            <a:off x="738231" y="454803"/>
+            <a:ext cx="344203" cy="484764"/>
+          </a:xfrm>
+          <a:prstGeom prst="line">
+            <a:avLst/>
+          </a:prstGeom>
+        </p:spPr>
+        <p:style>
+          <a:lnRef idx="3">
+            <a:schemeClr val="dk1"/>
+          </a:lnRef>
+          <a:fillRef idx="0">
+            <a:schemeClr val="dk1"/>
+          </a:fillRef>
+          <a:effectRef idx="2">
+            <a:schemeClr val="dk1"/>
+          </a:effectRef>
+          <a:fontRef idx="minor">
+            <a:schemeClr val="tx1"/>
+          </a:fontRef>
+        </p:style>
+      </p:cxnSp>
+      <p:cxnSp>
+        <p:nvCxnSpPr>
+          <p:cNvPr id="32" name="Connecteur droit 31">
+            <a:extLst>
+              <a:ext uri="{FF2B5EF4-FFF2-40B4-BE49-F238E27FC236}">
+                <a16:creationId xmlns:a16="http://schemas.microsoft.com/office/drawing/2014/main" id="{4AD96496-1EB6-4E48-9BB2-5C255495C686}"/>
+              </a:ext>
+            </a:extLst>
+          </p:cNvPr>
+          <p:cNvCxnSpPr>
+            <a:cxnSpLocks/>
+          </p:cNvCxnSpPr>
+          <p:nvPr/>
+        </p:nvCxnSpPr>
+        <p:spPr>
+          <a:xfrm>
+            <a:off x="1082434" y="938268"/>
+            <a:ext cx="1146585" cy="0"/>
+          </a:xfrm>
+          <a:prstGeom prst="line">
+            <a:avLst/>
+          </a:prstGeom>
+        </p:spPr>
+        <p:style>
+          <a:lnRef idx="3">
+            <a:schemeClr val="dk1"/>
+          </a:lnRef>
+          <a:fillRef idx="0">
+            <a:schemeClr val="dk1"/>
+          </a:fillRef>
+          <a:effectRef idx="2">
+            <a:schemeClr val="dk1"/>
+          </a:effectRef>
+          <a:fontRef idx="minor">
+            <a:schemeClr val="tx1"/>
+          </a:fontRef>
+        </p:style>
+      </p:cxnSp>
+      <p:cxnSp>
+        <p:nvCxnSpPr>
+          <p:cNvPr id="51" name="Connecteur droit 50">
+            <a:extLst>
+              <a:ext uri="{FF2B5EF4-FFF2-40B4-BE49-F238E27FC236}">
+                <a16:creationId xmlns:a16="http://schemas.microsoft.com/office/drawing/2014/main" id="{C035BFA6-ECBF-4775-BA81-19D2CA41AA8D}"/>
+              </a:ext>
+            </a:extLst>
+          </p:cNvPr>
+          <p:cNvCxnSpPr>
+            <a:cxnSpLocks/>
+          </p:cNvCxnSpPr>
+          <p:nvPr/>
+        </p:nvCxnSpPr>
+        <p:spPr>
+          <a:xfrm>
+            <a:off x="9402704" y="465201"/>
+            <a:ext cx="344203" cy="495163"/>
+          </a:xfrm>
+          <a:prstGeom prst="line">
+            <a:avLst/>
+          </a:prstGeom>
+        </p:spPr>
+        <p:style>
+          <a:lnRef idx="3">
+            <a:schemeClr val="dk1"/>
+          </a:lnRef>
+          <a:fillRef idx="0">
+            <a:schemeClr val="dk1"/>
+          </a:fillRef>
+          <a:effectRef idx="2">
+            <a:schemeClr val="dk1"/>
+          </a:effectRef>
+          <a:fontRef idx="minor">
+            <a:schemeClr val="tx1"/>
+          </a:fontRef>
+        </p:style>
+      </p:cxnSp>
+      <p:cxnSp>
+        <p:nvCxnSpPr>
+          <p:cNvPr id="52" name="Connecteur droit 51">
+            <a:extLst>
+              <a:ext uri="{FF2B5EF4-FFF2-40B4-BE49-F238E27FC236}">
+                <a16:creationId xmlns:a16="http://schemas.microsoft.com/office/drawing/2014/main" id="{FA310BC7-694B-4984-99A2-61A1F4F6EBF9}"/>
+              </a:ext>
+            </a:extLst>
+          </p:cNvPr>
+          <p:cNvCxnSpPr>
+            <a:cxnSpLocks/>
+          </p:cNvCxnSpPr>
+          <p:nvPr/>
+        </p:nvCxnSpPr>
+        <p:spPr>
+          <a:xfrm flipH="1">
+            <a:off x="11370469" y="448308"/>
+            <a:ext cx="364332" cy="501657"/>
+          </a:xfrm>
+          <a:prstGeom prst="line">
+            <a:avLst/>
+          </a:prstGeom>
+        </p:spPr>
+        <p:style>
+          <a:lnRef idx="3">
+            <a:schemeClr val="dk1"/>
+          </a:lnRef>
+          <a:fillRef idx="0">
+            <a:schemeClr val="dk1"/>
+          </a:fillRef>
+          <a:effectRef idx="2">
+            <a:schemeClr val="dk1"/>
+          </a:effectRef>
+          <a:fontRef idx="minor">
+            <a:schemeClr val="tx1"/>
+          </a:fontRef>
+        </p:style>
+      </p:cxnSp>
+      <p:cxnSp>
+        <p:nvCxnSpPr>
+          <p:cNvPr id="53" name="Connecteur droit 52">
+            <a:extLst>
+              <a:ext uri="{FF2B5EF4-FFF2-40B4-BE49-F238E27FC236}">
+                <a16:creationId xmlns:a16="http://schemas.microsoft.com/office/drawing/2014/main" id="{BE0649BD-EE59-4DDA-960F-95B2572F9F13}"/>
+              </a:ext>
+            </a:extLst>
+          </p:cNvPr>
+          <p:cNvCxnSpPr>
+            <a:cxnSpLocks/>
+          </p:cNvCxnSpPr>
+          <p:nvPr/>
+        </p:nvCxnSpPr>
+        <p:spPr>
+          <a:xfrm>
+            <a:off x="9743203" y="949965"/>
+            <a:ext cx="1627266" cy="0"/>
+          </a:xfrm>
+          <a:prstGeom prst="line">
+            <a:avLst/>
+          </a:prstGeom>
+        </p:spPr>
+        <p:style>
+          <a:lnRef idx="3">
+            <a:schemeClr val="dk1"/>
+          </a:lnRef>
+          <a:fillRef idx="0">
+            <a:schemeClr val="dk1"/>
+          </a:fillRef>
+          <a:effectRef idx="2">
+            <a:schemeClr val="dk1"/>
+          </a:effectRef>
+          <a:fontRef idx="minor">
+            <a:schemeClr val="tx1"/>
+          </a:fontRef>
+        </p:style>
+      </p:cxnSp>
+      <p:cxnSp>
+        <p:nvCxnSpPr>
+          <p:cNvPr id="55" name="Connecteur droit 54">
+            <a:extLst>
+              <a:ext uri="{FF2B5EF4-FFF2-40B4-BE49-F238E27FC236}">
+                <a16:creationId xmlns:a16="http://schemas.microsoft.com/office/drawing/2014/main" id="{52AA9200-DAFA-4EEF-AC13-4C7CE82A59EC}"/>
+              </a:ext>
+            </a:extLst>
+          </p:cNvPr>
+          <p:cNvCxnSpPr>
+            <a:cxnSpLocks/>
+          </p:cNvCxnSpPr>
+          <p:nvPr/>
+        </p:nvCxnSpPr>
+        <p:spPr>
+          <a:xfrm>
+            <a:off x="11715750" y="454801"/>
+            <a:ext cx="476249" cy="10400"/>
+          </a:xfrm>
+          <a:prstGeom prst="line">
+            <a:avLst/>
+          </a:prstGeom>
+        </p:spPr>
+        <p:style>
+          <a:lnRef idx="3">
+            <a:schemeClr val="dk1"/>
+          </a:lnRef>
+          <a:fillRef idx="0">
+            <a:schemeClr val="dk1"/>
+          </a:fillRef>
+          <a:effectRef idx="2">
+            <a:schemeClr val="dk1"/>
+          </a:effectRef>
+          <a:fontRef idx="minor">
+            <a:schemeClr val="tx1"/>
+          </a:fontRef>
+        </p:style>
+      </p:cxnSp>
+      <p:cxnSp>
+        <p:nvCxnSpPr>
+          <p:cNvPr id="23" name="Connecteur droit 22">
+            <a:extLst>
+              <a:ext uri="{FF2B5EF4-FFF2-40B4-BE49-F238E27FC236}">
+                <a16:creationId xmlns:a16="http://schemas.microsoft.com/office/drawing/2014/main" id="{BCB092C8-0080-4E56-957E-0046D4C83988}"/>
+              </a:ext>
+            </a:extLst>
+          </p:cNvPr>
+          <p:cNvCxnSpPr>
+            <a:cxnSpLocks/>
+          </p:cNvCxnSpPr>
+          <p:nvPr/>
+        </p:nvCxnSpPr>
+        <p:spPr>
+          <a:xfrm flipH="1">
+            <a:off x="2216372" y="446356"/>
+            <a:ext cx="364332" cy="501657"/>
+          </a:xfrm>
+          <a:prstGeom prst="line">
+            <a:avLst/>
+          </a:prstGeom>
+        </p:spPr>
+        <p:style>
+          <a:lnRef idx="3">
+            <a:schemeClr val="dk1"/>
+          </a:lnRef>
+          <a:fillRef idx="0">
+            <a:schemeClr val="dk1"/>
+          </a:fillRef>
+          <a:effectRef idx="2">
+            <a:schemeClr val="dk1"/>
+          </a:effectRef>
+          <a:fontRef idx="minor">
+            <a:schemeClr val="tx1"/>
+          </a:fontRef>
+        </p:style>
+      </p:cxnSp>
+      <p:sp>
+        <p:nvSpPr>
+          <p:cNvPr id="9" name="ZoneTexte 8">
+            <a:extLst>
+              <a:ext uri="{FF2B5EF4-FFF2-40B4-BE49-F238E27FC236}">
+                <a16:creationId xmlns:a16="http://schemas.microsoft.com/office/drawing/2014/main" id="{82010251-0AD2-4DAA-8E6B-7CA6A2301A9E}"/>
+              </a:ext>
+            </a:extLst>
+          </p:cNvPr>
+          <p:cNvSpPr txBox="1"/>
+          <p:nvPr/>
+        </p:nvSpPr>
+        <p:spPr>
+          <a:xfrm>
+            <a:off x="3375800" y="960364"/>
+            <a:ext cx="5440399" cy="1446550"/>
+          </a:xfrm>
+          <a:prstGeom prst="rect">
+            <a:avLst/>
+          </a:prstGeom>
+          <a:noFill/>
+        </p:spPr>
+        <p:txBody>
+          <a:bodyPr wrap="square" rtlCol="0">
+            <a:spAutoFit/>
+          </a:bodyPr>
+          <a:lstStyle/>
+          <a:p>
+            <a:pPr algn="ctr"/>
+            <a:r>
+              <a:rPr lang="fr-FR" sz="4400" dirty="0">
+                <a:latin typeface="Berlin Sans FB" panose="020E0602020502020306" pitchFamily="34" charset="0"/>
+              </a:rPr>
+              <a:t>Diagramme de séquence</a:t>
+            </a:r>
+          </a:p>
+        </p:txBody>
+      </p:sp>
+      <p:pic>
+        <p:nvPicPr>
+          <p:cNvPr id="3" name="Image 2">
+            <a:extLst>
+              <a:ext uri="{FF2B5EF4-FFF2-40B4-BE49-F238E27FC236}">
+                <a16:creationId xmlns:a16="http://schemas.microsoft.com/office/drawing/2014/main" id="{20377BDC-7D8E-4CC1-B20E-2EB0FD8C14C0}"/>
+              </a:ext>
+            </a:extLst>
+          </p:cNvPr>
+          <p:cNvPicPr>
+            <a:picLocks noChangeAspect="1"/>
+          </p:cNvPicPr>
+          <p:nvPr/>
+        </p:nvPicPr>
+        <p:blipFill>
+          <a:blip r:embed="rId4">
+            <a:extLst>
+              <a:ext uri="{28A0092B-C50C-407E-A947-70E740481C1C}">
+                <a14:useLocalDpi xmlns:a14="http://schemas.microsoft.com/office/drawing/2010/main" val="0"/>
+              </a:ext>
+            </a:extLst>
+          </a:blip>
+          <a:stretch>
+            <a:fillRect/>
+          </a:stretch>
+        </p:blipFill>
+        <p:spPr>
+          <a:xfrm>
+            <a:off x="4307934" y="2406914"/>
+            <a:ext cx="3576132" cy="4396176"/>
+          </a:xfrm>
+          <a:prstGeom prst="rect">
+            <a:avLst/>
+          </a:prstGeom>
+        </p:spPr>
+      </p:pic>
+    </p:spTree>
+    <p:extLst>
+      <p:ext uri="{BB962C8B-B14F-4D97-AF65-F5344CB8AC3E}">
+        <p14:creationId xmlns:p14="http://schemas.microsoft.com/office/powerpoint/2010/main" val="1884571530"/>
+      </p:ext>
+    </p:extLst>
+  </p:cSld>
+  <p:clrMapOvr>
+    <a:masterClrMapping/>
+  </p:clrMapOvr>
+  <mc:AlternateContent xmlns:mc="http://schemas.openxmlformats.org/markup-compatibility/2006" xmlns:p14="http://schemas.microsoft.com/office/powerpoint/2010/main">
+    <mc:Choice Requires="p14">
+      <p:transition spd="slow">
+        <p14:reveal/>
+      </p:transition>
+    </mc:Choice>
+    <mc:Fallback xmlns="">
+      <p:transition spd="slow">
+        <p:fade/>
+      </p:transition>
+    </mc:Fallback>
+  </mc:AlternateContent>
+</p:sld>
+</file>
+
+<file path=ppt/slides/slide18.xml><?xml version="1.0" encoding="utf-8"?>
+<p:sld xmlns:a="http://schemas.openxmlformats.org/drawingml/2006/main" xmlns:r="http://schemas.openxmlformats.org/officeDocument/2006/relationships" xmlns:p="http://schemas.openxmlformats.org/presentationml/2006/main">
+  <p:cSld>
+    <p:spTree>
+      <p:nvGrpSpPr>
+        <p:cNvPr id="1" name=""/>
+        <p:cNvGrpSpPr/>
+        <p:nvPr/>
+      </p:nvGrpSpPr>
+      <p:grpSpPr>
+        <a:xfrm>
+          <a:off x="0" y="0"/>
+          <a:ext cx="0" cy="0"/>
+          <a:chOff x="0" y="0"/>
+          <a:chExt cx="0" cy="0"/>
+        </a:xfrm>
+      </p:grpSpPr>
+      <p:pic>
+        <p:nvPicPr>
+          <p:cNvPr id="14" name="Image 13" descr="Une image contenant équipement électronique, capture d’écran&#10;&#10;Description générée avec un niveau de confiance élevé">
+            <a:extLst>
+              <a:ext uri="{FF2B5EF4-FFF2-40B4-BE49-F238E27FC236}">
+                <a16:creationId xmlns:a16="http://schemas.microsoft.com/office/drawing/2014/main" id="{956BD52E-A187-4EF5-8FF4-4F279C130E0C}"/>
+              </a:ext>
+            </a:extLst>
+          </p:cNvPr>
+          <p:cNvPicPr>
+            <a:picLocks noChangeAspect="1"/>
+          </p:cNvPicPr>
+          <p:nvPr/>
+        </p:nvPicPr>
+        <p:blipFill>
+          <a:blip r:embed="rId2">
+            <a:extLst>
+              <a:ext uri="{28A0092B-C50C-407E-A947-70E740481C1C}">
+                <a14:useLocalDpi xmlns:a14="http://schemas.microsoft.com/office/drawing/2010/main" val="0"/>
+              </a:ext>
+            </a:extLst>
+          </a:blip>
+          <a:stretch>
+            <a:fillRect/>
+          </a:stretch>
+        </p:blipFill>
+        <p:spPr>
+          <a:xfrm>
+            <a:off x="5079876" y="3689318"/>
+            <a:ext cx="2282526" cy="1283921"/>
+          </a:xfrm>
+          <a:prstGeom prst="rect">
+            <a:avLst/>
+          </a:prstGeom>
+        </p:spPr>
+      </p:pic>
+      <p:pic>
+        <p:nvPicPr>
+          <p:cNvPr id="8" name="Image 7">
+            <a:extLst>
+              <a:ext uri="{FF2B5EF4-FFF2-40B4-BE49-F238E27FC236}">
+                <a16:creationId xmlns:a16="http://schemas.microsoft.com/office/drawing/2014/main" id="{2BB825C5-31DA-4A56-85EA-536DBF510A31}"/>
+              </a:ext>
+            </a:extLst>
+          </p:cNvPr>
+          <p:cNvPicPr>
+            <a:picLocks noChangeAspect="1"/>
+          </p:cNvPicPr>
+          <p:nvPr/>
+        </p:nvPicPr>
+        <p:blipFill>
+          <a:blip r:embed="rId3">
+            <a:extLst>
+              <a:ext uri="{28A0092B-C50C-407E-A947-70E740481C1C}">
+                <a14:useLocalDpi xmlns:a14="http://schemas.microsoft.com/office/drawing/2010/main" val="0"/>
+              </a:ext>
+            </a:extLst>
+          </a:blip>
+          <a:stretch>
+            <a:fillRect/>
+          </a:stretch>
+        </p:blipFill>
+        <p:spPr>
+          <a:xfrm>
+            <a:off x="1068751" y="66457"/>
+            <a:ext cx="1259497" cy="776690"/>
+          </a:xfrm>
+          <a:prstGeom prst="rect">
+            <a:avLst/>
+          </a:prstGeom>
+        </p:spPr>
+      </p:pic>
+      <p:pic>
+        <p:nvPicPr>
+          <p:cNvPr id="10" name="Image 9">
+            <a:extLst>
+              <a:ext uri="{FF2B5EF4-FFF2-40B4-BE49-F238E27FC236}">
+                <a16:creationId xmlns:a16="http://schemas.microsoft.com/office/drawing/2014/main" id="{8EE7436F-49F2-41E0-93E4-D247B4705294}"/>
+              </a:ext>
+            </a:extLst>
+          </p:cNvPr>
+          <p:cNvPicPr>
+            <a:picLocks noChangeAspect="1"/>
+          </p:cNvPicPr>
+          <p:nvPr/>
+        </p:nvPicPr>
+        <p:blipFill>
+          <a:blip r:embed="rId4">
+            <a:extLst>
+              <a:ext uri="{28A0092B-C50C-407E-A947-70E740481C1C}">
+                <a14:useLocalDpi xmlns:a14="http://schemas.microsoft.com/office/drawing/2010/main" val="0"/>
+              </a:ext>
+            </a:extLst>
+          </a:blip>
+          <a:stretch>
+            <a:fillRect/>
+          </a:stretch>
+        </p:blipFill>
+        <p:spPr>
+          <a:xfrm>
+            <a:off x="9681085" y="238153"/>
+            <a:ext cx="1802101" cy="569807"/>
+          </a:xfrm>
+          <a:prstGeom prst="rect">
+            <a:avLst/>
+          </a:prstGeom>
+        </p:spPr>
+      </p:pic>
+      <p:cxnSp>
+        <p:nvCxnSpPr>
+          <p:cNvPr id="16" name="Connecteur droit 15">
+            <a:extLst>
+              <a:ext uri="{FF2B5EF4-FFF2-40B4-BE49-F238E27FC236}">
+                <a16:creationId xmlns:a16="http://schemas.microsoft.com/office/drawing/2014/main" id="{7319284A-BD6F-4A96-8E2B-E0A4B52E53C6}"/>
+              </a:ext>
+            </a:extLst>
+          </p:cNvPr>
+          <p:cNvCxnSpPr>
+            <a:cxnSpLocks/>
+          </p:cNvCxnSpPr>
+          <p:nvPr/>
+        </p:nvCxnSpPr>
+        <p:spPr>
+          <a:xfrm flipV="1">
+            <a:off x="0" y="454803"/>
+            <a:ext cx="738231" cy="1798"/>
+          </a:xfrm>
+          <a:prstGeom prst="line">
+            <a:avLst/>
+          </a:prstGeom>
+        </p:spPr>
+        <p:style>
+          <a:lnRef idx="3">
+            <a:schemeClr val="dk1"/>
+          </a:lnRef>
+          <a:fillRef idx="0">
+            <a:schemeClr val="dk1"/>
+          </a:fillRef>
+          <a:effectRef idx="2">
+            <a:schemeClr val="dk1"/>
+          </a:effectRef>
+          <a:fontRef idx="minor">
+            <a:schemeClr val="tx1"/>
+          </a:fontRef>
+        </p:style>
+      </p:cxnSp>
+      <p:cxnSp>
+        <p:nvCxnSpPr>
+          <p:cNvPr id="20" name="Connecteur droit 19">
+            <a:extLst>
+              <a:ext uri="{FF2B5EF4-FFF2-40B4-BE49-F238E27FC236}">
+                <a16:creationId xmlns:a16="http://schemas.microsoft.com/office/drawing/2014/main" id="{08874CF7-F149-4C81-B61E-74E18342BA8A}"/>
+              </a:ext>
+            </a:extLst>
+          </p:cNvPr>
+          <p:cNvCxnSpPr>
+            <a:cxnSpLocks/>
+          </p:cNvCxnSpPr>
+          <p:nvPr/>
+        </p:nvCxnSpPr>
+        <p:spPr>
+          <a:xfrm>
+            <a:off x="2573222" y="454803"/>
+            <a:ext cx="6829482" cy="10398"/>
+          </a:xfrm>
+          <a:prstGeom prst="line">
+            <a:avLst/>
+          </a:prstGeom>
+        </p:spPr>
+        <p:style>
+          <a:lnRef idx="3">
+            <a:schemeClr val="dk1"/>
+          </a:lnRef>
+          <a:fillRef idx="0">
+            <a:schemeClr val="dk1"/>
+          </a:fillRef>
+          <a:effectRef idx="2">
+            <a:schemeClr val="dk1"/>
+          </a:effectRef>
+          <a:fontRef idx="minor">
+            <a:schemeClr val="tx1"/>
+          </a:fontRef>
+        </p:style>
+      </p:cxnSp>
+      <p:cxnSp>
+        <p:nvCxnSpPr>
+          <p:cNvPr id="26" name="Connecteur droit 25">
+            <a:extLst>
+              <a:ext uri="{FF2B5EF4-FFF2-40B4-BE49-F238E27FC236}">
+                <a16:creationId xmlns:a16="http://schemas.microsoft.com/office/drawing/2014/main" id="{BB3B35CC-057B-48C1-880F-3306A6559175}"/>
+              </a:ext>
+            </a:extLst>
+          </p:cNvPr>
+          <p:cNvCxnSpPr>
+            <a:cxnSpLocks/>
+          </p:cNvCxnSpPr>
+          <p:nvPr/>
+        </p:nvCxnSpPr>
+        <p:spPr>
+          <a:xfrm>
+            <a:off x="738231" y="454803"/>
+            <a:ext cx="344203" cy="484764"/>
+          </a:xfrm>
+          <a:prstGeom prst="line">
+            <a:avLst/>
+          </a:prstGeom>
+        </p:spPr>
+        <p:style>
+          <a:lnRef idx="3">
+            <a:schemeClr val="dk1"/>
+          </a:lnRef>
+          <a:fillRef idx="0">
+            <a:schemeClr val="dk1"/>
+          </a:fillRef>
+          <a:effectRef idx="2">
+            <a:schemeClr val="dk1"/>
+          </a:effectRef>
+          <a:fontRef idx="minor">
+            <a:schemeClr val="tx1"/>
+          </a:fontRef>
+        </p:style>
+      </p:cxnSp>
+      <p:cxnSp>
+        <p:nvCxnSpPr>
+          <p:cNvPr id="32" name="Connecteur droit 31">
+            <a:extLst>
+              <a:ext uri="{FF2B5EF4-FFF2-40B4-BE49-F238E27FC236}">
+                <a16:creationId xmlns:a16="http://schemas.microsoft.com/office/drawing/2014/main" id="{4AD96496-1EB6-4E48-9BB2-5C255495C686}"/>
+              </a:ext>
+            </a:extLst>
+          </p:cNvPr>
+          <p:cNvCxnSpPr>
+            <a:cxnSpLocks/>
+          </p:cNvCxnSpPr>
+          <p:nvPr/>
+        </p:nvCxnSpPr>
+        <p:spPr>
+          <a:xfrm>
+            <a:off x="1082434" y="938268"/>
+            <a:ext cx="1146585" cy="0"/>
+          </a:xfrm>
+          <a:prstGeom prst="line">
+            <a:avLst/>
+          </a:prstGeom>
+        </p:spPr>
+        <p:style>
+          <a:lnRef idx="3">
+            <a:schemeClr val="dk1"/>
+          </a:lnRef>
+          <a:fillRef idx="0">
+            <a:schemeClr val="dk1"/>
+          </a:fillRef>
+          <a:effectRef idx="2">
+            <a:schemeClr val="dk1"/>
+          </a:effectRef>
+          <a:fontRef idx="minor">
+            <a:schemeClr val="tx1"/>
+          </a:fontRef>
+        </p:style>
+      </p:cxnSp>
+      <p:cxnSp>
+        <p:nvCxnSpPr>
+          <p:cNvPr id="51" name="Connecteur droit 50">
+            <a:extLst>
+              <a:ext uri="{FF2B5EF4-FFF2-40B4-BE49-F238E27FC236}">
+                <a16:creationId xmlns:a16="http://schemas.microsoft.com/office/drawing/2014/main" id="{C035BFA6-ECBF-4775-BA81-19D2CA41AA8D}"/>
+              </a:ext>
+            </a:extLst>
+          </p:cNvPr>
+          <p:cNvCxnSpPr>
+            <a:cxnSpLocks/>
+          </p:cNvCxnSpPr>
+          <p:nvPr/>
+        </p:nvCxnSpPr>
+        <p:spPr>
+          <a:xfrm>
+            <a:off x="9402704" y="465201"/>
+            <a:ext cx="344203" cy="495163"/>
+          </a:xfrm>
+          <a:prstGeom prst="line">
+            <a:avLst/>
+          </a:prstGeom>
+        </p:spPr>
+        <p:style>
+          <a:lnRef idx="3">
+            <a:schemeClr val="dk1"/>
+          </a:lnRef>
+          <a:fillRef idx="0">
+            <a:schemeClr val="dk1"/>
+          </a:fillRef>
+          <a:effectRef idx="2">
+            <a:schemeClr val="dk1"/>
+          </a:effectRef>
+          <a:fontRef idx="minor">
+            <a:schemeClr val="tx1"/>
+          </a:fontRef>
+        </p:style>
+      </p:cxnSp>
+      <p:cxnSp>
+        <p:nvCxnSpPr>
+          <p:cNvPr id="52" name="Connecteur droit 51">
+            <a:extLst>
+              <a:ext uri="{FF2B5EF4-FFF2-40B4-BE49-F238E27FC236}">
+                <a16:creationId xmlns:a16="http://schemas.microsoft.com/office/drawing/2014/main" id="{FA310BC7-694B-4984-99A2-61A1F4F6EBF9}"/>
+              </a:ext>
+            </a:extLst>
+          </p:cNvPr>
+          <p:cNvCxnSpPr>
+            <a:cxnSpLocks/>
+          </p:cNvCxnSpPr>
+          <p:nvPr/>
+        </p:nvCxnSpPr>
+        <p:spPr>
+          <a:xfrm flipH="1">
+            <a:off x="11370469" y="448308"/>
+            <a:ext cx="364332" cy="501657"/>
+          </a:xfrm>
+          <a:prstGeom prst="line">
+            <a:avLst/>
+          </a:prstGeom>
+        </p:spPr>
+        <p:style>
+          <a:lnRef idx="3">
+            <a:schemeClr val="dk1"/>
+          </a:lnRef>
+          <a:fillRef idx="0">
+            <a:schemeClr val="dk1"/>
+          </a:fillRef>
+          <a:effectRef idx="2">
+            <a:schemeClr val="dk1"/>
+          </a:effectRef>
+          <a:fontRef idx="minor">
+            <a:schemeClr val="tx1"/>
+          </a:fontRef>
+        </p:style>
+      </p:cxnSp>
+      <p:cxnSp>
+        <p:nvCxnSpPr>
+          <p:cNvPr id="53" name="Connecteur droit 52">
+            <a:extLst>
+              <a:ext uri="{FF2B5EF4-FFF2-40B4-BE49-F238E27FC236}">
+                <a16:creationId xmlns:a16="http://schemas.microsoft.com/office/drawing/2014/main" id="{BE0649BD-EE59-4DDA-960F-95B2572F9F13}"/>
+              </a:ext>
+            </a:extLst>
+          </p:cNvPr>
+          <p:cNvCxnSpPr>
+            <a:cxnSpLocks/>
+          </p:cNvCxnSpPr>
+          <p:nvPr/>
+        </p:nvCxnSpPr>
+        <p:spPr>
+          <a:xfrm>
+            <a:off x="9743203" y="949965"/>
+            <a:ext cx="1627266" cy="0"/>
+          </a:xfrm>
+          <a:prstGeom prst="line">
+            <a:avLst/>
+          </a:prstGeom>
+        </p:spPr>
+        <p:style>
+          <a:lnRef idx="3">
+            <a:schemeClr val="dk1"/>
+          </a:lnRef>
+          <a:fillRef idx="0">
+            <a:schemeClr val="dk1"/>
+          </a:fillRef>
+          <a:effectRef idx="2">
+            <a:schemeClr val="dk1"/>
+          </a:effectRef>
+          <a:fontRef idx="minor">
+            <a:schemeClr val="tx1"/>
+          </a:fontRef>
+        </p:style>
+      </p:cxnSp>
+      <p:cxnSp>
+        <p:nvCxnSpPr>
+          <p:cNvPr id="55" name="Connecteur droit 54">
+            <a:extLst>
+              <a:ext uri="{FF2B5EF4-FFF2-40B4-BE49-F238E27FC236}">
+                <a16:creationId xmlns:a16="http://schemas.microsoft.com/office/drawing/2014/main" id="{52AA9200-DAFA-4EEF-AC13-4C7CE82A59EC}"/>
+              </a:ext>
+            </a:extLst>
+          </p:cNvPr>
+          <p:cNvCxnSpPr>
+            <a:cxnSpLocks/>
+          </p:cNvCxnSpPr>
+          <p:nvPr/>
+        </p:nvCxnSpPr>
+        <p:spPr>
+          <a:xfrm>
+            <a:off x="11715750" y="454801"/>
+            <a:ext cx="476249" cy="10400"/>
+          </a:xfrm>
+          <a:prstGeom prst="line">
+            <a:avLst/>
+          </a:prstGeom>
+        </p:spPr>
+        <p:style>
+          <a:lnRef idx="3">
+            <a:schemeClr val="dk1"/>
+          </a:lnRef>
+          <a:fillRef idx="0">
+            <a:schemeClr val="dk1"/>
+          </a:fillRef>
+          <a:effectRef idx="2">
+            <a:schemeClr val="dk1"/>
+          </a:effectRef>
+          <a:fontRef idx="minor">
+            <a:schemeClr val="tx1"/>
+          </a:fontRef>
+        </p:style>
+      </p:cxnSp>
+      <p:cxnSp>
+        <p:nvCxnSpPr>
+          <p:cNvPr id="23" name="Connecteur droit 22">
+            <a:extLst>
+              <a:ext uri="{FF2B5EF4-FFF2-40B4-BE49-F238E27FC236}">
+                <a16:creationId xmlns:a16="http://schemas.microsoft.com/office/drawing/2014/main" id="{BCB092C8-0080-4E56-957E-0046D4C83988}"/>
+              </a:ext>
+            </a:extLst>
+          </p:cNvPr>
+          <p:cNvCxnSpPr>
+            <a:cxnSpLocks/>
+          </p:cNvCxnSpPr>
+          <p:nvPr/>
+        </p:nvCxnSpPr>
+        <p:spPr>
+          <a:xfrm flipH="1">
+            <a:off x="2216372" y="446356"/>
+            <a:ext cx="364332" cy="501657"/>
+          </a:xfrm>
+          <a:prstGeom prst="line">
+            <a:avLst/>
+          </a:prstGeom>
+        </p:spPr>
+        <p:style>
+          <a:lnRef idx="3">
+            <a:schemeClr val="dk1"/>
+          </a:lnRef>
+          <a:fillRef idx="0">
+            <a:schemeClr val="dk1"/>
+          </a:fillRef>
+          <a:effectRef idx="2">
+            <a:schemeClr val="dk1"/>
+          </a:effectRef>
+          <a:fontRef idx="minor">
+            <a:schemeClr val="tx1"/>
+          </a:fontRef>
+        </p:style>
+      </p:cxnSp>
+      <p:sp>
+        <p:nvSpPr>
+          <p:cNvPr id="9" name="ZoneTexte 8">
+            <a:extLst>
+              <a:ext uri="{FF2B5EF4-FFF2-40B4-BE49-F238E27FC236}">
+                <a16:creationId xmlns:a16="http://schemas.microsoft.com/office/drawing/2014/main" id="{82010251-0AD2-4DAA-8E6B-7CA6A2301A9E}"/>
+              </a:ext>
+            </a:extLst>
+          </p:cNvPr>
+          <p:cNvSpPr txBox="1"/>
+          <p:nvPr/>
+        </p:nvSpPr>
+        <p:spPr>
+          <a:xfrm>
+            <a:off x="3375800" y="960364"/>
+            <a:ext cx="5440399" cy="769441"/>
+          </a:xfrm>
+          <a:prstGeom prst="rect">
+            <a:avLst/>
+          </a:prstGeom>
+          <a:noFill/>
+        </p:spPr>
+        <p:txBody>
+          <a:bodyPr wrap="square" rtlCol="0">
+            <a:spAutoFit/>
+          </a:bodyPr>
+          <a:lstStyle/>
+          <a:p>
+            <a:pPr algn="ctr"/>
+            <a:r>
+              <a:rPr lang="fr-FR" sz="4400" dirty="0">
+                <a:latin typeface="Berlin Sans FB" panose="020E0602020502020306" pitchFamily="34" charset="0"/>
+              </a:rPr>
+              <a:t>Prototype site Web</a:t>
+            </a:r>
+          </a:p>
+        </p:txBody>
+      </p:sp>
+      <p:pic>
+        <p:nvPicPr>
+          <p:cNvPr id="3" name="Image 2">
+            <a:extLst>
+              <a:ext uri="{FF2B5EF4-FFF2-40B4-BE49-F238E27FC236}">
+                <a16:creationId xmlns:a16="http://schemas.microsoft.com/office/drawing/2014/main" id="{B2C04E7F-4AFC-4DBC-8C24-E870FB6ED5BB}"/>
+              </a:ext>
+            </a:extLst>
+          </p:cNvPr>
+          <p:cNvPicPr>
+            <a:picLocks noChangeAspect="1"/>
+          </p:cNvPicPr>
+          <p:nvPr/>
+        </p:nvPicPr>
+        <p:blipFill>
+          <a:blip r:embed="rId5">
+            <a:extLst>
+              <a:ext uri="{28A0092B-C50C-407E-A947-70E740481C1C}">
+                <a14:useLocalDpi xmlns:a14="http://schemas.microsoft.com/office/drawing/2010/main" val="0"/>
+              </a:ext>
+            </a:extLst>
+          </a:blip>
+          <a:stretch>
+            <a:fillRect/>
+          </a:stretch>
+        </p:blipFill>
+        <p:spPr>
+          <a:xfrm>
+            <a:off x="927103" y="2723949"/>
+            <a:ext cx="3136041" cy="1764023"/>
+          </a:xfrm>
+          <a:prstGeom prst="rect">
+            <a:avLst/>
+          </a:prstGeom>
+        </p:spPr>
+      </p:pic>
+      <p:pic>
+        <p:nvPicPr>
+          <p:cNvPr id="5" name="Image 4" descr="Une image contenant capture d’écran&#10;&#10;Description générée avec un niveau de confiance très élevé">
+            <a:extLst>
+              <a:ext uri="{FF2B5EF4-FFF2-40B4-BE49-F238E27FC236}">
+                <a16:creationId xmlns:a16="http://schemas.microsoft.com/office/drawing/2014/main" id="{CF604934-6B4B-4722-B3D3-1411B275B66C}"/>
+              </a:ext>
+            </a:extLst>
+          </p:cNvPr>
+          <p:cNvPicPr>
+            <a:picLocks noChangeAspect="1"/>
+          </p:cNvPicPr>
+          <p:nvPr/>
+        </p:nvPicPr>
+        <p:blipFill>
+          <a:blip r:embed="rId6">
+            <a:extLst>
+              <a:ext uri="{28A0092B-C50C-407E-A947-70E740481C1C}">
+                <a14:useLocalDpi xmlns:a14="http://schemas.microsoft.com/office/drawing/2010/main" val="0"/>
+              </a:ext>
+            </a:extLst>
+          </a:blip>
+          <a:stretch>
+            <a:fillRect/>
+          </a:stretch>
+        </p:blipFill>
+        <p:spPr>
+          <a:xfrm>
+            <a:off x="923034" y="4455461"/>
+            <a:ext cx="3144191" cy="1768607"/>
+          </a:xfrm>
+          <a:prstGeom prst="rect">
+            <a:avLst/>
+          </a:prstGeom>
+        </p:spPr>
+      </p:pic>
+      <p:pic>
+        <p:nvPicPr>
+          <p:cNvPr id="12" name="Image 11" descr="Une image contenant capture d’écran&#10;&#10;Description générée avec un niveau de confiance très élevé">
+            <a:extLst>
+              <a:ext uri="{FF2B5EF4-FFF2-40B4-BE49-F238E27FC236}">
+                <a16:creationId xmlns:a16="http://schemas.microsoft.com/office/drawing/2014/main" id="{8598BF18-2E78-4824-99C5-9E2FA25949A2}"/>
+              </a:ext>
+            </a:extLst>
+          </p:cNvPr>
+          <p:cNvPicPr>
+            <a:picLocks noChangeAspect="1"/>
+          </p:cNvPicPr>
+          <p:nvPr/>
+        </p:nvPicPr>
+        <p:blipFill>
+          <a:blip r:embed="rId7">
+            <a:extLst>
+              <a:ext uri="{28A0092B-C50C-407E-A947-70E740481C1C}">
+                <a14:useLocalDpi xmlns:a14="http://schemas.microsoft.com/office/drawing/2010/main" val="0"/>
+              </a:ext>
+            </a:extLst>
+          </a:blip>
+          <a:stretch>
+            <a:fillRect/>
+          </a:stretch>
+        </p:blipFill>
+        <p:spPr>
+          <a:xfrm>
+            <a:off x="5079876" y="2567256"/>
+            <a:ext cx="2282526" cy="1283921"/>
+          </a:xfrm>
+          <a:prstGeom prst="rect">
+            <a:avLst/>
+          </a:prstGeom>
+        </p:spPr>
+      </p:pic>
+      <p:pic>
+        <p:nvPicPr>
+          <p:cNvPr id="17" name="Image 16">
+            <a:extLst>
+              <a:ext uri="{FF2B5EF4-FFF2-40B4-BE49-F238E27FC236}">
+                <a16:creationId xmlns:a16="http://schemas.microsoft.com/office/drawing/2014/main" id="{8ECE8ABE-320A-4429-B3A2-F1559AD236E4}"/>
+              </a:ext>
+            </a:extLst>
+          </p:cNvPr>
+          <p:cNvPicPr>
+            <a:picLocks noChangeAspect="1"/>
+          </p:cNvPicPr>
+          <p:nvPr/>
+        </p:nvPicPr>
+        <p:blipFill>
+          <a:blip r:embed="rId8">
+            <a:extLst>
+              <a:ext uri="{28A0092B-C50C-407E-A947-70E740481C1C}">
+                <a14:useLocalDpi xmlns:a14="http://schemas.microsoft.com/office/drawing/2010/main" val="0"/>
+              </a:ext>
+            </a:extLst>
+          </a:blip>
+          <a:stretch>
+            <a:fillRect/>
+          </a:stretch>
+        </p:blipFill>
+        <p:spPr>
+          <a:xfrm>
+            <a:off x="5251914" y="3546805"/>
+            <a:ext cx="1938451" cy="1318147"/>
+          </a:xfrm>
+          <a:prstGeom prst="rect">
+            <a:avLst/>
+          </a:prstGeom>
+        </p:spPr>
+      </p:pic>
+      <p:pic>
+        <p:nvPicPr>
+          <p:cNvPr id="19" name="Image 18" descr="Une image contenant capture d’écran&#10;&#10;Description générée avec un niveau de confiance très élevé">
+            <a:extLst>
+              <a:ext uri="{FF2B5EF4-FFF2-40B4-BE49-F238E27FC236}">
+                <a16:creationId xmlns:a16="http://schemas.microsoft.com/office/drawing/2014/main" id="{72AA5592-814F-420D-BAB0-54216E5E40A0}"/>
+              </a:ext>
+            </a:extLst>
+          </p:cNvPr>
+          <p:cNvPicPr>
+            <a:picLocks noChangeAspect="1"/>
+          </p:cNvPicPr>
+          <p:nvPr/>
+        </p:nvPicPr>
+        <p:blipFill>
+          <a:blip r:embed="rId9">
+            <a:extLst>
+              <a:ext uri="{28A0092B-C50C-407E-A947-70E740481C1C}">
+                <a14:useLocalDpi xmlns:a14="http://schemas.microsoft.com/office/drawing/2010/main" val="0"/>
+              </a:ext>
+            </a:extLst>
+          </a:blip>
+          <a:stretch>
+            <a:fillRect/>
+          </a:stretch>
+        </p:blipFill>
+        <p:spPr>
+          <a:xfrm>
+            <a:off x="8416763" y="2600878"/>
+            <a:ext cx="2282527" cy="1283922"/>
+          </a:xfrm>
+          <a:prstGeom prst="rect">
+            <a:avLst/>
+          </a:prstGeom>
+        </p:spPr>
+      </p:pic>
+      <p:pic>
+        <p:nvPicPr>
+          <p:cNvPr id="22" name="Image 21" descr="Une image contenant équipement électronique, capture d’écran&#10;&#10;Description générée avec un niveau de confiance élevé">
+            <a:extLst>
+              <a:ext uri="{FF2B5EF4-FFF2-40B4-BE49-F238E27FC236}">
+                <a16:creationId xmlns:a16="http://schemas.microsoft.com/office/drawing/2014/main" id="{C560539A-74FA-49DA-94A3-01CDC714C7F7}"/>
+              </a:ext>
+            </a:extLst>
+          </p:cNvPr>
+          <p:cNvPicPr>
+            <a:picLocks noChangeAspect="1"/>
+          </p:cNvPicPr>
+          <p:nvPr/>
+        </p:nvPicPr>
+        <p:blipFill>
+          <a:blip r:embed="rId10">
+            <a:extLst>
+              <a:ext uri="{28A0092B-C50C-407E-A947-70E740481C1C}">
+                <a14:useLocalDpi xmlns:a14="http://schemas.microsoft.com/office/drawing/2010/main" val="0"/>
+              </a:ext>
+            </a:extLst>
+          </a:blip>
+          <a:stretch>
+            <a:fillRect/>
+          </a:stretch>
+        </p:blipFill>
+        <p:spPr>
+          <a:xfrm>
+            <a:off x="8416760" y="3884800"/>
+            <a:ext cx="2282528" cy="1283922"/>
+          </a:xfrm>
+          <a:prstGeom prst="rect">
+            <a:avLst/>
+          </a:prstGeom>
+        </p:spPr>
+      </p:pic>
+      <p:sp>
+        <p:nvSpPr>
+          <p:cNvPr id="24" name="Rectangle 23">
+            <a:extLst>
+              <a:ext uri="{FF2B5EF4-FFF2-40B4-BE49-F238E27FC236}">
+                <a16:creationId xmlns:a16="http://schemas.microsoft.com/office/drawing/2014/main" id="{360E7FE7-6B2B-4D52-9EDA-BA9831B875BC}"/>
+              </a:ext>
+            </a:extLst>
+          </p:cNvPr>
+          <p:cNvSpPr/>
+          <p:nvPr/>
+        </p:nvSpPr>
+        <p:spPr>
+          <a:xfrm>
+            <a:off x="5079874" y="2504543"/>
+            <a:ext cx="2282526" cy="2462150"/>
+          </a:xfrm>
+          <a:prstGeom prst="rect">
+            <a:avLst/>
+          </a:prstGeom>
+          <a:noFill/>
+          <a:ln>
+            <a:solidFill>
+              <a:schemeClr val="tx1"/>
+            </a:solidFill>
+          </a:ln>
+        </p:spPr>
+        <p:style>
+          <a:lnRef idx="2">
+            <a:schemeClr val="accent1">
+              <a:shade val="50000"/>
+            </a:schemeClr>
+          </a:lnRef>
+          <a:fillRef idx="1">
+            <a:schemeClr val="accent1"/>
+          </a:fillRef>
+          <a:effectRef idx="0">
+            <a:schemeClr val="accent1"/>
+          </a:effectRef>
+          <a:fontRef idx="minor">
+            <a:schemeClr val="lt1"/>
+          </a:fontRef>
+        </p:style>
+        <p:txBody>
+          <a:bodyPr rtlCol="0" anchor="ctr"/>
+          <a:lstStyle/>
+          <a:p>
+            <a:pPr algn="ctr"/>
+            <a:endParaRPr lang="fr-FR"/>
+          </a:p>
+        </p:txBody>
+      </p:sp>
+      <p:sp>
+        <p:nvSpPr>
+          <p:cNvPr id="25" name="Rectangle 24">
+            <a:extLst>
+              <a:ext uri="{FF2B5EF4-FFF2-40B4-BE49-F238E27FC236}">
+                <a16:creationId xmlns:a16="http://schemas.microsoft.com/office/drawing/2014/main" id="{BAAA6494-1C97-45AE-9954-24A219D64575}"/>
+              </a:ext>
+            </a:extLst>
+          </p:cNvPr>
+          <p:cNvSpPr/>
+          <p:nvPr/>
+        </p:nvSpPr>
+        <p:spPr>
+          <a:xfrm>
+            <a:off x="8416758" y="2504543"/>
+            <a:ext cx="2282526" cy="2664165"/>
+          </a:xfrm>
+          <a:prstGeom prst="rect">
+            <a:avLst/>
+          </a:prstGeom>
+          <a:noFill/>
+          <a:ln>
+            <a:solidFill>
+              <a:schemeClr val="tx1"/>
+            </a:solidFill>
+          </a:ln>
+        </p:spPr>
+        <p:style>
+          <a:lnRef idx="2">
+            <a:schemeClr val="accent1">
+              <a:shade val="50000"/>
+            </a:schemeClr>
+          </a:lnRef>
+          <a:fillRef idx="1">
+            <a:schemeClr val="accent1"/>
+          </a:fillRef>
+          <a:effectRef idx="0">
+            <a:schemeClr val="accent1"/>
+          </a:effectRef>
+          <a:fontRef idx="minor">
+            <a:schemeClr val="lt1"/>
+          </a:fontRef>
+        </p:style>
+        <p:txBody>
+          <a:bodyPr rtlCol="0" anchor="ctr"/>
+          <a:lstStyle/>
+          <a:p>
+            <a:pPr algn="ctr"/>
+            <a:endParaRPr lang="fr-FR"/>
+          </a:p>
+        </p:txBody>
+      </p:sp>
+      <p:sp>
+        <p:nvSpPr>
+          <p:cNvPr id="27" name="Rectangle 26">
+            <a:extLst>
+              <a:ext uri="{FF2B5EF4-FFF2-40B4-BE49-F238E27FC236}">
+                <a16:creationId xmlns:a16="http://schemas.microsoft.com/office/drawing/2014/main" id="{EF3AA68F-08B8-48DE-9015-398027FCAD80}"/>
+              </a:ext>
+            </a:extLst>
+          </p:cNvPr>
+          <p:cNvSpPr/>
+          <p:nvPr/>
+        </p:nvSpPr>
+        <p:spPr>
+          <a:xfrm>
+            <a:off x="910332" y="2621317"/>
+            <a:ext cx="3136041" cy="2308657"/>
+          </a:xfrm>
+          <a:prstGeom prst="rect">
+            <a:avLst/>
+          </a:prstGeom>
+          <a:noFill/>
+          <a:ln>
+            <a:solidFill>
+              <a:schemeClr val="tx1"/>
+            </a:solidFill>
+          </a:ln>
+        </p:spPr>
+        <p:style>
+          <a:lnRef idx="2">
+            <a:schemeClr val="accent1">
+              <a:shade val="50000"/>
+            </a:schemeClr>
+          </a:lnRef>
+          <a:fillRef idx="1">
+            <a:schemeClr val="accent1"/>
+          </a:fillRef>
+          <a:effectRef idx="0">
+            <a:schemeClr val="accent1"/>
+          </a:effectRef>
+          <a:fontRef idx="minor">
+            <a:schemeClr val="lt1"/>
+          </a:fontRef>
+        </p:style>
+        <p:txBody>
+          <a:bodyPr rtlCol="0" anchor="ctr"/>
+          <a:lstStyle/>
+          <a:p>
+            <a:pPr algn="ctr"/>
+            <a:endParaRPr lang="fr-FR"/>
+          </a:p>
+        </p:txBody>
+      </p:sp>
+    </p:spTree>
+    <p:extLst>
+      <p:ext uri="{BB962C8B-B14F-4D97-AF65-F5344CB8AC3E}">
+        <p14:creationId xmlns:p14="http://schemas.microsoft.com/office/powerpoint/2010/main" val="2982064475"/>
       </p:ext>
     </p:extLst>
   </p:cSld>
